--- a/Assignment2/assignment2-presentation-12032882.pptx
+++ b/Assignment2/assignment2-presentation-12032882.pptx
@@ -18,9 +18,13 @@
     <p:sldId id="267" r:id="rId12"/>
     <p:sldId id="268" r:id="rId13"/>
     <p:sldId id="270" r:id="rId14"/>
-    <p:sldId id="269" r:id="rId15"/>
-    <p:sldId id="271" r:id="rId16"/>
-    <p:sldId id="272" r:id="rId17"/>
+    <p:sldId id="274" r:id="rId15"/>
+    <p:sldId id="275" r:id="rId16"/>
+    <p:sldId id="276" r:id="rId17"/>
+    <p:sldId id="273" r:id="rId18"/>
+    <p:sldId id="269" r:id="rId19"/>
+    <p:sldId id="271" r:id="rId20"/>
+    <p:sldId id="272" r:id="rId21"/>
   </p:sldIdLst>
   <p:sldSz cx="12192000" cy="6858000"/>
   <p:notesSz cx="6858000" cy="9144000"/>
@@ -3538,8 +3542,8 @@
           </a:p>
         </p:txBody>
       </p:sp>
-      <mc:AlternateContent xmlns:mc="http://schemas.openxmlformats.org/markup-compatibility/2006">
-        <mc:Choice xmlns:a14="http://schemas.microsoft.com/office/drawing/2010/main" Requires="a14">
+      <mc:AlternateContent xmlns:mc="http://schemas.openxmlformats.org/markup-compatibility/2006" xmlns:a14="http://schemas.microsoft.com/office/drawing/2010/main">
+        <mc:Choice Requires="a14">
           <p:graphicFrame>
             <p:nvGraphicFramePr>
               <p:cNvPr id="10" name="表格 10">
@@ -5763,7 +5767,7 @@
             </a:graphic>
           </p:graphicFrame>
         </mc:Choice>
-        <mc:Fallback>
+        <mc:Fallback xmlns="">
           <p:graphicFrame>
             <p:nvGraphicFramePr>
               <p:cNvPr id="10" name="表格 10">
@@ -9389,7 +9393,7 @@
         </p:nvSpPr>
         <p:spPr>
           <a:xfrm>
-            <a:off x="5551983" y="352845"/>
+            <a:off x="1397910" y="1074051"/>
             <a:ext cx="3386742" cy="573833"/>
           </a:xfrm>
         </p:spPr>
@@ -9405,7 +9409,2095 @@
                 <a:latin typeface="Times New Roman" panose="02020603050405020304" pitchFamily="18" charset="0"/>
                 <a:cs typeface="Times New Roman" panose="02020603050405020304" pitchFamily="18" charset="0"/>
               </a:rPr>
-              <a:t>50 nodes instances:</a:t>
+              <a:t>10 nodes instances</a:t>
+            </a:r>
+            <a:endParaRPr lang="zh-CN" altLang="en-US" sz="2400" dirty="0">
+              <a:latin typeface="Times New Roman" panose="02020603050405020304" pitchFamily="18" charset="0"/>
+              <a:cs typeface="Times New Roman" panose="02020603050405020304" pitchFamily="18" charset="0"/>
+            </a:endParaRPr>
+          </a:p>
+        </p:txBody>
+      </p:sp>
+      <p:sp>
+        <p:nvSpPr>
+          <p:cNvPr id="8" name="内容占位符 4">
+            <a:extLst>
+              <a:ext uri="{FF2B5EF4-FFF2-40B4-BE49-F238E27FC236}">
+                <a16:creationId xmlns:a16="http://schemas.microsoft.com/office/drawing/2014/main" id="{7A5BCAE9-35FD-40CD-8F32-1F510FAF8B27}"/>
+              </a:ext>
+            </a:extLst>
+          </p:cNvPr>
+          <p:cNvSpPr txBox="1">
+            <a:spLocks/>
+          </p:cNvSpPr>
+          <p:nvPr/>
+        </p:nvSpPr>
+        <p:spPr>
+          <a:xfrm>
+            <a:off x="7407349" y="1074051"/>
+            <a:ext cx="3386742" cy="573833"/>
+          </a:xfrm>
+          <a:prstGeom prst="rect">
+            <a:avLst/>
+          </a:prstGeom>
+        </p:spPr>
+        <p:txBody>
+          <a:bodyPr vert="horz" lIns="91440" tIns="45720" rIns="91440" bIns="45720" rtlCol="0">
+            <a:normAutofit/>
+          </a:bodyPr>
+          <a:lstStyle>
+            <a:lvl1pPr marL="228600" indent="-228600" algn="l" defTabSz="914400" rtl="0" eaLnBrk="1" latinLnBrk="0" hangingPunct="1">
+              <a:lnSpc>
+                <a:spcPct val="90000"/>
+              </a:lnSpc>
+              <a:spcBef>
+                <a:spcPts val="1000"/>
+              </a:spcBef>
+              <a:buFont typeface="Arial" panose="020B0604020202020204" pitchFamily="34" charset="0"/>
+              <a:buChar char="•"/>
+              <a:defRPr sz="2800" kern="1200">
+                <a:solidFill>
+                  <a:schemeClr val="tx1"/>
+                </a:solidFill>
+                <a:latin typeface="+mn-lt"/>
+                <a:ea typeface="+mn-ea"/>
+                <a:cs typeface="+mn-cs"/>
+              </a:defRPr>
+            </a:lvl1pPr>
+            <a:lvl2pPr marL="685800" indent="-228600" algn="l" defTabSz="914400" rtl="0" eaLnBrk="1" latinLnBrk="0" hangingPunct="1">
+              <a:lnSpc>
+                <a:spcPct val="90000"/>
+              </a:lnSpc>
+              <a:spcBef>
+                <a:spcPts val="500"/>
+              </a:spcBef>
+              <a:buFont typeface="Arial" panose="020B0604020202020204" pitchFamily="34" charset="0"/>
+              <a:buChar char="•"/>
+              <a:defRPr sz="2400" kern="1200">
+                <a:solidFill>
+                  <a:schemeClr val="tx1"/>
+                </a:solidFill>
+                <a:latin typeface="+mn-lt"/>
+                <a:ea typeface="+mn-ea"/>
+                <a:cs typeface="+mn-cs"/>
+              </a:defRPr>
+            </a:lvl2pPr>
+            <a:lvl3pPr marL="1143000" indent="-228600" algn="l" defTabSz="914400" rtl="0" eaLnBrk="1" latinLnBrk="0" hangingPunct="1">
+              <a:lnSpc>
+                <a:spcPct val="90000"/>
+              </a:lnSpc>
+              <a:spcBef>
+                <a:spcPts val="500"/>
+              </a:spcBef>
+              <a:buFont typeface="Arial" panose="020B0604020202020204" pitchFamily="34" charset="0"/>
+              <a:buChar char="•"/>
+              <a:defRPr sz="2000" kern="1200">
+                <a:solidFill>
+                  <a:schemeClr val="tx1"/>
+                </a:solidFill>
+                <a:latin typeface="+mn-lt"/>
+                <a:ea typeface="+mn-ea"/>
+                <a:cs typeface="+mn-cs"/>
+              </a:defRPr>
+            </a:lvl3pPr>
+            <a:lvl4pPr marL="1600200" indent="-228600" algn="l" defTabSz="914400" rtl="0" eaLnBrk="1" latinLnBrk="0" hangingPunct="1">
+              <a:lnSpc>
+                <a:spcPct val="90000"/>
+              </a:lnSpc>
+              <a:spcBef>
+                <a:spcPts val="500"/>
+              </a:spcBef>
+              <a:buFont typeface="Arial" panose="020B0604020202020204" pitchFamily="34" charset="0"/>
+              <a:buChar char="•"/>
+              <a:defRPr sz="1800" kern="1200">
+                <a:solidFill>
+                  <a:schemeClr val="tx1"/>
+                </a:solidFill>
+                <a:latin typeface="+mn-lt"/>
+                <a:ea typeface="+mn-ea"/>
+                <a:cs typeface="+mn-cs"/>
+              </a:defRPr>
+            </a:lvl4pPr>
+            <a:lvl5pPr marL="2057400" indent="-228600" algn="l" defTabSz="914400" rtl="0" eaLnBrk="1" latinLnBrk="0" hangingPunct="1">
+              <a:lnSpc>
+                <a:spcPct val="90000"/>
+              </a:lnSpc>
+              <a:spcBef>
+                <a:spcPts val="500"/>
+              </a:spcBef>
+              <a:buFont typeface="Arial" panose="020B0604020202020204" pitchFamily="34" charset="0"/>
+              <a:buChar char="•"/>
+              <a:defRPr sz="1800" kern="1200">
+                <a:solidFill>
+                  <a:schemeClr val="tx1"/>
+                </a:solidFill>
+                <a:latin typeface="+mn-lt"/>
+                <a:ea typeface="+mn-ea"/>
+                <a:cs typeface="+mn-cs"/>
+              </a:defRPr>
+            </a:lvl5pPr>
+            <a:lvl6pPr marL="2514600" indent="-228600" algn="l" defTabSz="914400" rtl="0" eaLnBrk="1" latinLnBrk="0" hangingPunct="1">
+              <a:lnSpc>
+                <a:spcPct val="90000"/>
+              </a:lnSpc>
+              <a:spcBef>
+                <a:spcPts val="500"/>
+              </a:spcBef>
+              <a:buFont typeface="Arial" panose="020B0604020202020204" pitchFamily="34" charset="0"/>
+              <a:buChar char="•"/>
+              <a:defRPr sz="1800" kern="1200">
+                <a:solidFill>
+                  <a:schemeClr val="tx1"/>
+                </a:solidFill>
+                <a:latin typeface="+mn-lt"/>
+                <a:ea typeface="+mn-ea"/>
+                <a:cs typeface="+mn-cs"/>
+              </a:defRPr>
+            </a:lvl6pPr>
+            <a:lvl7pPr marL="2971800" indent="-228600" algn="l" defTabSz="914400" rtl="0" eaLnBrk="1" latinLnBrk="0" hangingPunct="1">
+              <a:lnSpc>
+                <a:spcPct val="90000"/>
+              </a:lnSpc>
+              <a:spcBef>
+                <a:spcPts val="500"/>
+              </a:spcBef>
+              <a:buFont typeface="Arial" panose="020B0604020202020204" pitchFamily="34" charset="0"/>
+              <a:buChar char="•"/>
+              <a:defRPr sz="1800" kern="1200">
+                <a:solidFill>
+                  <a:schemeClr val="tx1"/>
+                </a:solidFill>
+                <a:latin typeface="+mn-lt"/>
+                <a:ea typeface="+mn-ea"/>
+                <a:cs typeface="+mn-cs"/>
+              </a:defRPr>
+            </a:lvl7pPr>
+            <a:lvl8pPr marL="3429000" indent="-228600" algn="l" defTabSz="914400" rtl="0" eaLnBrk="1" latinLnBrk="0" hangingPunct="1">
+              <a:lnSpc>
+                <a:spcPct val="90000"/>
+              </a:lnSpc>
+              <a:spcBef>
+                <a:spcPts val="500"/>
+              </a:spcBef>
+              <a:buFont typeface="Arial" panose="020B0604020202020204" pitchFamily="34" charset="0"/>
+              <a:buChar char="•"/>
+              <a:defRPr sz="1800" kern="1200">
+                <a:solidFill>
+                  <a:schemeClr val="tx1"/>
+                </a:solidFill>
+                <a:latin typeface="+mn-lt"/>
+                <a:ea typeface="+mn-ea"/>
+                <a:cs typeface="+mn-cs"/>
+              </a:defRPr>
+            </a:lvl8pPr>
+            <a:lvl9pPr marL="3886200" indent="-228600" algn="l" defTabSz="914400" rtl="0" eaLnBrk="1" latinLnBrk="0" hangingPunct="1">
+              <a:lnSpc>
+                <a:spcPct val="90000"/>
+              </a:lnSpc>
+              <a:spcBef>
+                <a:spcPts val="500"/>
+              </a:spcBef>
+              <a:buFont typeface="Arial" panose="020B0604020202020204" pitchFamily="34" charset="0"/>
+              <a:buChar char="•"/>
+              <a:defRPr sz="1800" kern="1200">
+                <a:solidFill>
+                  <a:schemeClr val="tx1"/>
+                </a:solidFill>
+                <a:latin typeface="+mn-lt"/>
+                <a:ea typeface="+mn-ea"/>
+                <a:cs typeface="+mn-cs"/>
+              </a:defRPr>
+            </a:lvl9pPr>
+          </a:lstStyle>
+          <a:p>
+            <a:pPr marL="0" indent="0">
+              <a:buFont typeface="Arial" panose="020B0604020202020204" pitchFamily="34" charset="0"/>
+              <a:buNone/>
+            </a:pPr>
+            <a:r>
+              <a:rPr lang="en-US" altLang="zh-CN" sz="3200" dirty="0">
+                <a:latin typeface="Times New Roman" panose="02020603050405020304" pitchFamily="18" charset="0"/>
+                <a:cs typeface="Times New Roman" panose="02020603050405020304" pitchFamily="18" charset="0"/>
+              </a:rPr>
+              <a:t>50 nodes instances</a:t>
+            </a:r>
+            <a:endParaRPr lang="zh-CN" altLang="en-US" sz="2400" dirty="0">
+              <a:latin typeface="Times New Roman" panose="02020603050405020304" pitchFamily="18" charset="0"/>
+              <a:cs typeface="Times New Roman" panose="02020603050405020304" pitchFamily="18" charset="0"/>
+            </a:endParaRPr>
+          </a:p>
+        </p:txBody>
+      </p:sp>
+      <p:sp>
+        <p:nvSpPr>
+          <p:cNvPr id="3" name="文本框 2">
+            <a:extLst>
+              <a:ext uri="{FF2B5EF4-FFF2-40B4-BE49-F238E27FC236}">
+                <a16:creationId xmlns:a16="http://schemas.microsoft.com/office/drawing/2014/main" id="{99733D92-BF09-458A-A770-2E23923A6AFA}"/>
+              </a:ext>
+            </a:extLst>
+          </p:cNvPr>
+          <p:cNvSpPr txBox="1"/>
+          <p:nvPr/>
+        </p:nvSpPr>
+        <p:spPr>
+          <a:xfrm>
+            <a:off x="5197151" y="408929"/>
+            <a:ext cx="2330084" cy="461665"/>
+          </a:xfrm>
+          <a:prstGeom prst="rect">
+            <a:avLst/>
+          </a:prstGeom>
+          <a:noFill/>
+        </p:spPr>
+        <p:txBody>
+          <a:bodyPr wrap="square" rtlCol="0">
+            <a:spAutoFit/>
+          </a:bodyPr>
+          <a:lstStyle/>
+          <a:p>
+            <a:r>
+              <a:rPr lang="en-US" altLang="zh-CN" sz="2400" dirty="0">
+                <a:latin typeface="Times New Roman" panose="02020603050405020304" pitchFamily="18" charset="0"/>
+                <a:cs typeface="Times New Roman" panose="02020603050405020304" pitchFamily="18" charset="0"/>
+              </a:rPr>
+              <a:t>All zero solution</a:t>
+            </a:r>
+            <a:endParaRPr lang="zh-CN" altLang="en-US" sz="2400" dirty="0">
+              <a:latin typeface="Times New Roman" panose="02020603050405020304" pitchFamily="18" charset="0"/>
+              <a:cs typeface="Times New Roman" panose="02020603050405020304" pitchFamily="18" charset="0"/>
+            </a:endParaRPr>
+          </a:p>
+        </p:txBody>
+      </p:sp>
+      <p:pic>
+        <p:nvPicPr>
+          <p:cNvPr id="14" name="图片 13">
+            <a:extLst>
+              <a:ext uri="{FF2B5EF4-FFF2-40B4-BE49-F238E27FC236}">
+                <a16:creationId xmlns:a16="http://schemas.microsoft.com/office/drawing/2014/main" id="{7DFAF5F1-9486-4457-86D7-DCBC1FB64632}"/>
+              </a:ext>
+            </a:extLst>
+          </p:cNvPr>
+          <p:cNvPicPr>
+            <a:picLocks noChangeAspect="1"/>
+          </p:cNvPicPr>
+          <p:nvPr/>
+        </p:nvPicPr>
+        <p:blipFill rotWithShape="1">
+          <a:blip r:embed="rId2">
+            <a:extLst>
+              <a:ext uri="{28A0092B-C50C-407E-A947-70E740481C1C}">
+                <a14:useLocalDpi xmlns:a14="http://schemas.microsoft.com/office/drawing/2010/main" val="0"/>
+              </a:ext>
+            </a:extLst>
+          </a:blip>
+          <a:srcRect l="1796" t="11383" r="8919" b="1691"/>
+          <a:stretch/>
+        </p:blipFill>
+        <p:spPr>
+          <a:xfrm>
+            <a:off x="0" y="1851340"/>
+            <a:ext cx="5860021" cy="4278871"/>
+          </a:xfrm>
+          <a:prstGeom prst="rect">
+            <a:avLst/>
+          </a:prstGeom>
+        </p:spPr>
+      </p:pic>
+      <p:pic>
+        <p:nvPicPr>
+          <p:cNvPr id="16" name="图片 15">
+            <a:extLst>
+              <a:ext uri="{FF2B5EF4-FFF2-40B4-BE49-F238E27FC236}">
+                <a16:creationId xmlns:a16="http://schemas.microsoft.com/office/drawing/2014/main" id="{019BE122-221F-4606-AA23-BC088E6A7875}"/>
+              </a:ext>
+            </a:extLst>
+          </p:cNvPr>
+          <p:cNvPicPr>
+            <a:picLocks noChangeAspect="1"/>
+          </p:cNvPicPr>
+          <p:nvPr/>
+        </p:nvPicPr>
+        <p:blipFill rotWithShape="1">
+          <a:blip r:embed="rId3">
+            <a:extLst>
+              <a:ext uri="{28A0092B-C50C-407E-A947-70E740481C1C}">
+                <a14:useLocalDpi xmlns:a14="http://schemas.microsoft.com/office/drawing/2010/main" val="0"/>
+              </a:ext>
+            </a:extLst>
+          </a:blip>
+          <a:srcRect t="10924" r="9428" b="2150"/>
+          <a:stretch/>
+        </p:blipFill>
+        <p:spPr>
+          <a:xfrm>
+            <a:off x="5859009" y="1851341"/>
+            <a:ext cx="5944425" cy="4278871"/>
+          </a:xfrm>
+          <a:prstGeom prst="rect">
+            <a:avLst/>
+          </a:prstGeom>
+        </p:spPr>
+      </p:pic>
+      <p:sp>
+        <p:nvSpPr>
+          <p:cNvPr id="17" name="文本框 16">
+            <a:extLst>
+              <a:ext uri="{FF2B5EF4-FFF2-40B4-BE49-F238E27FC236}">
+                <a16:creationId xmlns:a16="http://schemas.microsoft.com/office/drawing/2014/main" id="{CF756B8C-2B6E-43DD-AEF9-5EE49367F4D5}"/>
+              </a:ext>
+            </a:extLst>
+          </p:cNvPr>
+          <p:cNvSpPr txBox="1"/>
+          <p:nvPr/>
+        </p:nvSpPr>
+        <p:spPr>
+          <a:xfrm>
+            <a:off x="2801123" y="6215768"/>
+            <a:ext cx="580315" cy="461665"/>
+          </a:xfrm>
+          <a:prstGeom prst="rect">
+            <a:avLst/>
+          </a:prstGeom>
+          <a:noFill/>
+        </p:spPr>
+        <p:txBody>
+          <a:bodyPr wrap="square" rtlCol="0">
+            <a:spAutoFit/>
+          </a:bodyPr>
+          <a:lstStyle/>
+          <a:p>
+            <a:r>
+              <a:rPr lang="en-US" altLang="zh-CN" sz="2400" dirty="0">
+                <a:latin typeface="Times New Roman" panose="02020603050405020304" pitchFamily="18" charset="0"/>
+                <a:cs typeface="Times New Roman" panose="02020603050405020304" pitchFamily="18" charset="0"/>
+              </a:rPr>
+              <a:t>1:7</a:t>
+            </a:r>
+            <a:endParaRPr lang="zh-CN" altLang="en-US" sz="2400" dirty="0">
+              <a:latin typeface="Times New Roman" panose="02020603050405020304" pitchFamily="18" charset="0"/>
+              <a:cs typeface="Times New Roman" panose="02020603050405020304" pitchFamily="18" charset="0"/>
+            </a:endParaRPr>
+          </a:p>
+        </p:txBody>
+      </p:sp>
+      <p:sp>
+        <p:nvSpPr>
+          <p:cNvPr id="18" name="文本框 17">
+            <a:extLst>
+              <a:ext uri="{FF2B5EF4-FFF2-40B4-BE49-F238E27FC236}">
+                <a16:creationId xmlns:a16="http://schemas.microsoft.com/office/drawing/2014/main" id="{35B08254-C397-4094-97EB-5CC1A5711681}"/>
+              </a:ext>
+            </a:extLst>
+          </p:cNvPr>
+          <p:cNvSpPr txBox="1"/>
+          <p:nvPr/>
+        </p:nvSpPr>
+        <p:spPr>
+          <a:xfrm>
+            <a:off x="8915784" y="6215768"/>
+            <a:ext cx="580315" cy="461665"/>
+          </a:xfrm>
+          <a:prstGeom prst="rect">
+            <a:avLst/>
+          </a:prstGeom>
+          <a:noFill/>
+        </p:spPr>
+        <p:txBody>
+          <a:bodyPr wrap="square" rtlCol="0">
+            <a:spAutoFit/>
+          </a:bodyPr>
+          <a:lstStyle/>
+          <a:p>
+            <a:r>
+              <a:rPr lang="en-US" altLang="zh-CN" sz="2400" dirty="0">
+                <a:latin typeface="Times New Roman" panose="02020603050405020304" pitchFamily="18" charset="0"/>
+                <a:cs typeface="Times New Roman" panose="02020603050405020304" pitchFamily="18" charset="0"/>
+              </a:rPr>
+              <a:t>2:6</a:t>
+            </a:r>
+            <a:endParaRPr lang="zh-CN" altLang="en-US" sz="2400" dirty="0">
+              <a:latin typeface="Times New Roman" panose="02020603050405020304" pitchFamily="18" charset="0"/>
+              <a:cs typeface="Times New Roman" panose="02020603050405020304" pitchFamily="18" charset="0"/>
+            </a:endParaRPr>
+          </a:p>
+        </p:txBody>
+      </p:sp>
+    </p:spTree>
+    <p:extLst>
+      <p:ext uri="{BB962C8B-B14F-4D97-AF65-F5344CB8AC3E}">
+        <p14:creationId xmlns:p14="http://schemas.microsoft.com/office/powerpoint/2010/main" val="791387852"/>
+      </p:ext>
+    </p:extLst>
+  </p:cSld>
+  <p:clrMapOvr>
+    <a:masterClrMapping/>
+  </p:clrMapOvr>
+</p:sld>
+</file>
+
+<file path=ppt/slides/slide14.xml><?xml version="1.0" encoding="utf-8"?>
+<p:sld xmlns:a="http://schemas.openxmlformats.org/drawingml/2006/main" xmlns:r="http://schemas.openxmlformats.org/officeDocument/2006/relationships" xmlns:p="http://schemas.openxmlformats.org/presentationml/2006/main">
+  <p:cSld>
+    <p:spTree>
+      <p:nvGrpSpPr>
+        <p:cNvPr id="1" name=""/>
+        <p:cNvGrpSpPr/>
+        <p:nvPr/>
+      </p:nvGrpSpPr>
+      <p:grpSpPr>
+        <a:xfrm>
+          <a:off x="0" y="0"/>
+          <a:ext cx="0" cy="0"/>
+          <a:chOff x="0" y="0"/>
+          <a:chExt cx="0" cy="0"/>
+        </a:xfrm>
+      </p:grpSpPr>
+      <p:sp>
+        <p:nvSpPr>
+          <p:cNvPr id="2" name="标题 1">
+            <a:extLst>
+              <a:ext uri="{FF2B5EF4-FFF2-40B4-BE49-F238E27FC236}">
+                <a16:creationId xmlns:a16="http://schemas.microsoft.com/office/drawing/2014/main" id="{06D4DE04-B486-418E-8B4C-CBECBA2A6963}"/>
+              </a:ext>
+            </a:extLst>
+          </p:cNvPr>
+          <p:cNvSpPr>
+            <a:spLocks noGrp="1"/>
+          </p:cNvSpPr>
+          <p:nvPr>
+            <p:ph type="title"/>
+          </p:nvPr>
+        </p:nvSpPr>
+        <p:spPr>
+          <a:xfrm>
+            <a:off x="267748" y="180567"/>
+            <a:ext cx="4929403" cy="918391"/>
+          </a:xfrm>
+        </p:spPr>
+        <p:txBody>
+          <a:bodyPr>
+            <a:noAutofit/>
+          </a:bodyPr>
+          <a:lstStyle/>
+          <a:p>
+            <a:r>
+              <a:rPr lang="en-US" altLang="zh-CN" dirty="0">
+                <a:latin typeface="Times New Roman" panose="02020603050405020304" pitchFamily="18" charset="0"/>
+                <a:cs typeface="Times New Roman" panose="02020603050405020304" pitchFamily="18" charset="0"/>
+              </a:rPr>
+              <a:t>Experimental Result:</a:t>
+            </a:r>
+            <a:endParaRPr lang="zh-CN" altLang="en-US" dirty="0">
+              <a:latin typeface="Times New Roman" panose="02020603050405020304" pitchFamily="18" charset="0"/>
+              <a:cs typeface="Times New Roman" panose="02020603050405020304" pitchFamily="18" charset="0"/>
+            </a:endParaRPr>
+          </a:p>
+        </p:txBody>
+      </p:sp>
+      <p:sp>
+        <p:nvSpPr>
+          <p:cNvPr id="5" name="内容占位符 4">
+            <a:extLst>
+              <a:ext uri="{FF2B5EF4-FFF2-40B4-BE49-F238E27FC236}">
+                <a16:creationId xmlns:a16="http://schemas.microsoft.com/office/drawing/2014/main" id="{15D61978-1330-40C6-8BA9-8AB2592EB2E1}"/>
+              </a:ext>
+            </a:extLst>
+          </p:cNvPr>
+          <p:cNvSpPr>
+            <a:spLocks noGrp="1"/>
+          </p:cNvSpPr>
+          <p:nvPr>
+            <p:ph idx="1"/>
+          </p:nvPr>
+        </p:nvSpPr>
+        <p:spPr>
+          <a:xfrm>
+            <a:off x="1397910" y="1204681"/>
+            <a:ext cx="3386742" cy="573833"/>
+          </a:xfrm>
+        </p:spPr>
+        <p:txBody>
+          <a:bodyPr>
+            <a:normAutofit fontScale="92500"/>
+          </a:bodyPr>
+          <a:lstStyle/>
+          <a:p>
+            <a:pPr marL="0" indent="0">
+              <a:buNone/>
+            </a:pPr>
+            <a:r>
+              <a:rPr lang="en-US" altLang="zh-CN" sz="3200" dirty="0">
+                <a:latin typeface="Times New Roman" panose="02020603050405020304" pitchFamily="18" charset="0"/>
+                <a:cs typeface="Times New Roman" panose="02020603050405020304" pitchFamily="18" charset="0"/>
+              </a:rPr>
+              <a:t>100 nodes instances</a:t>
+            </a:r>
+            <a:endParaRPr lang="zh-CN" altLang="en-US" sz="2400" dirty="0">
+              <a:latin typeface="Times New Roman" panose="02020603050405020304" pitchFamily="18" charset="0"/>
+              <a:cs typeface="Times New Roman" panose="02020603050405020304" pitchFamily="18" charset="0"/>
+            </a:endParaRPr>
+          </a:p>
+        </p:txBody>
+      </p:sp>
+      <p:sp>
+        <p:nvSpPr>
+          <p:cNvPr id="8" name="内容占位符 4">
+            <a:extLst>
+              <a:ext uri="{FF2B5EF4-FFF2-40B4-BE49-F238E27FC236}">
+                <a16:creationId xmlns:a16="http://schemas.microsoft.com/office/drawing/2014/main" id="{7A5BCAE9-35FD-40CD-8F32-1F510FAF8B27}"/>
+              </a:ext>
+            </a:extLst>
+          </p:cNvPr>
+          <p:cNvSpPr txBox="1">
+            <a:spLocks/>
+          </p:cNvSpPr>
+          <p:nvPr/>
+        </p:nvSpPr>
+        <p:spPr>
+          <a:xfrm>
+            <a:off x="7407349" y="1074051"/>
+            <a:ext cx="3386742" cy="573833"/>
+          </a:xfrm>
+          <a:prstGeom prst="rect">
+            <a:avLst/>
+          </a:prstGeom>
+        </p:spPr>
+        <p:txBody>
+          <a:bodyPr vert="horz" lIns="91440" tIns="45720" rIns="91440" bIns="45720" rtlCol="0">
+            <a:normAutofit fontScale="92500"/>
+          </a:bodyPr>
+          <a:lstStyle>
+            <a:lvl1pPr marL="228600" indent="-228600" algn="l" defTabSz="914400" rtl="0" eaLnBrk="1" latinLnBrk="0" hangingPunct="1">
+              <a:lnSpc>
+                <a:spcPct val="90000"/>
+              </a:lnSpc>
+              <a:spcBef>
+                <a:spcPts val="1000"/>
+              </a:spcBef>
+              <a:buFont typeface="Arial" panose="020B0604020202020204" pitchFamily="34" charset="0"/>
+              <a:buChar char="•"/>
+              <a:defRPr sz="2800" kern="1200">
+                <a:solidFill>
+                  <a:schemeClr val="tx1"/>
+                </a:solidFill>
+                <a:latin typeface="+mn-lt"/>
+                <a:ea typeface="+mn-ea"/>
+                <a:cs typeface="+mn-cs"/>
+              </a:defRPr>
+            </a:lvl1pPr>
+            <a:lvl2pPr marL="685800" indent="-228600" algn="l" defTabSz="914400" rtl="0" eaLnBrk="1" latinLnBrk="0" hangingPunct="1">
+              <a:lnSpc>
+                <a:spcPct val="90000"/>
+              </a:lnSpc>
+              <a:spcBef>
+                <a:spcPts val="500"/>
+              </a:spcBef>
+              <a:buFont typeface="Arial" panose="020B0604020202020204" pitchFamily="34" charset="0"/>
+              <a:buChar char="•"/>
+              <a:defRPr sz="2400" kern="1200">
+                <a:solidFill>
+                  <a:schemeClr val="tx1"/>
+                </a:solidFill>
+                <a:latin typeface="+mn-lt"/>
+                <a:ea typeface="+mn-ea"/>
+                <a:cs typeface="+mn-cs"/>
+              </a:defRPr>
+            </a:lvl2pPr>
+            <a:lvl3pPr marL="1143000" indent="-228600" algn="l" defTabSz="914400" rtl="0" eaLnBrk="1" latinLnBrk="0" hangingPunct="1">
+              <a:lnSpc>
+                <a:spcPct val="90000"/>
+              </a:lnSpc>
+              <a:spcBef>
+                <a:spcPts val="500"/>
+              </a:spcBef>
+              <a:buFont typeface="Arial" panose="020B0604020202020204" pitchFamily="34" charset="0"/>
+              <a:buChar char="•"/>
+              <a:defRPr sz="2000" kern="1200">
+                <a:solidFill>
+                  <a:schemeClr val="tx1"/>
+                </a:solidFill>
+                <a:latin typeface="+mn-lt"/>
+                <a:ea typeface="+mn-ea"/>
+                <a:cs typeface="+mn-cs"/>
+              </a:defRPr>
+            </a:lvl3pPr>
+            <a:lvl4pPr marL="1600200" indent="-228600" algn="l" defTabSz="914400" rtl="0" eaLnBrk="1" latinLnBrk="0" hangingPunct="1">
+              <a:lnSpc>
+                <a:spcPct val="90000"/>
+              </a:lnSpc>
+              <a:spcBef>
+                <a:spcPts val="500"/>
+              </a:spcBef>
+              <a:buFont typeface="Arial" panose="020B0604020202020204" pitchFamily="34" charset="0"/>
+              <a:buChar char="•"/>
+              <a:defRPr sz="1800" kern="1200">
+                <a:solidFill>
+                  <a:schemeClr val="tx1"/>
+                </a:solidFill>
+                <a:latin typeface="+mn-lt"/>
+                <a:ea typeface="+mn-ea"/>
+                <a:cs typeface="+mn-cs"/>
+              </a:defRPr>
+            </a:lvl4pPr>
+            <a:lvl5pPr marL="2057400" indent="-228600" algn="l" defTabSz="914400" rtl="0" eaLnBrk="1" latinLnBrk="0" hangingPunct="1">
+              <a:lnSpc>
+                <a:spcPct val="90000"/>
+              </a:lnSpc>
+              <a:spcBef>
+                <a:spcPts val="500"/>
+              </a:spcBef>
+              <a:buFont typeface="Arial" panose="020B0604020202020204" pitchFamily="34" charset="0"/>
+              <a:buChar char="•"/>
+              <a:defRPr sz="1800" kern="1200">
+                <a:solidFill>
+                  <a:schemeClr val="tx1"/>
+                </a:solidFill>
+                <a:latin typeface="+mn-lt"/>
+                <a:ea typeface="+mn-ea"/>
+                <a:cs typeface="+mn-cs"/>
+              </a:defRPr>
+            </a:lvl5pPr>
+            <a:lvl6pPr marL="2514600" indent="-228600" algn="l" defTabSz="914400" rtl="0" eaLnBrk="1" latinLnBrk="0" hangingPunct="1">
+              <a:lnSpc>
+                <a:spcPct val="90000"/>
+              </a:lnSpc>
+              <a:spcBef>
+                <a:spcPts val="500"/>
+              </a:spcBef>
+              <a:buFont typeface="Arial" panose="020B0604020202020204" pitchFamily="34" charset="0"/>
+              <a:buChar char="•"/>
+              <a:defRPr sz="1800" kern="1200">
+                <a:solidFill>
+                  <a:schemeClr val="tx1"/>
+                </a:solidFill>
+                <a:latin typeface="+mn-lt"/>
+                <a:ea typeface="+mn-ea"/>
+                <a:cs typeface="+mn-cs"/>
+              </a:defRPr>
+            </a:lvl6pPr>
+            <a:lvl7pPr marL="2971800" indent="-228600" algn="l" defTabSz="914400" rtl="0" eaLnBrk="1" latinLnBrk="0" hangingPunct="1">
+              <a:lnSpc>
+                <a:spcPct val="90000"/>
+              </a:lnSpc>
+              <a:spcBef>
+                <a:spcPts val="500"/>
+              </a:spcBef>
+              <a:buFont typeface="Arial" panose="020B0604020202020204" pitchFamily="34" charset="0"/>
+              <a:buChar char="•"/>
+              <a:defRPr sz="1800" kern="1200">
+                <a:solidFill>
+                  <a:schemeClr val="tx1"/>
+                </a:solidFill>
+                <a:latin typeface="+mn-lt"/>
+                <a:ea typeface="+mn-ea"/>
+                <a:cs typeface="+mn-cs"/>
+              </a:defRPr>
+            </a:lvl7pPr>
+            <a:lvl8pPr marL="3429000" indent="-228600" algn="l" defTabSz="914400" rtl="0" eaLnBrk="1" latinLnBrk="0" hangingPunct="1">
+              <a:lnSpc>
+                <a:spcPct val="90000"/>
+              </a:lnSpc>
+              <a:spcBef>
+                <a:spcPts val="500"/>
+              </a:spcBef>
+              <a:buFont typeface="Arial" panose="020B0604020202020204" pitchFamily="34" charset="0"/>
+              <a:buChar char="•"/>
+              <a:defRPr sz="1800" kern="1200">
+                <a:solidFill>
+                  <a:schemeClr val="tx1"/>
+                </a:solidFill>
+                <a:latin typeface="+mn-lt"/>
+                <a:ea typeface="+mn-ea"/>
+                <a:cs typeface="+mn-cs"/>
+              </a:defRPr>
+            </a:lvl8pPr>
+            <a:lvl9pPr marL="3886200" indent="-228600" algn="l" defTabSz="914400" rtl="0" eaLnBrk="1" latinLnBrk="0" hangingPunct="1">
+              <a:lnSpc>
+                <a:spcPct val="90000"/>
+              </a:lnSpc>
+              <a:spcBef>
+                <a:spcPts val="500"/>
+              </a:spcBef>
+              <a:buFont typeface="Arial" panose="020B0604020202020204" pitchFamily="34" charset="0"/>
+              <a:buChar char="•"/>
+              <a:defRPr sz="1800" kern="1200">
+                <a:solidFill>
+                  <a:schemeClr val="tx1"/>
+                </a:solidFill>
+                <a:latin typeface="+mn-lt"/>
+                <a:ea typeface="+mn-ea"/>
+                <a:cs typeface="+mn-cs"/>
+              </a:defRPr>
+            </a:lvl9pPr>
+          </a:lstStyle>
+          <a:p>
+            <a:pPr marL="0" indent="0">
+              <a:buFont typeface="Arial" panose="020B0604020202020204" pitchFamily="34" charset="0"/>
+              <a:buNone/>
+            </a:pPr>
+            <a:r>
+              <a:rPr lang="en-US" altLang="zh-CN" sz="3200" dirty="0">
+                <a:latin typeface="Times New Roman" panose="02020603050405020304" pitchFamily="18" charset="0"/>
+                <a:cs typeface="Times New Roman" panose="02020603050405020304" pitchFamily="18" charset="0"/>
+              </a:rPr>
+              <a:t>600 nodes instances:</a:t>
+            </a:r>
+            <a:endParaRPr lang="zh-CN" altLang="en-US" sz="2400" dirty="0">
+              <a:latin typeface="Times New Roman" panose="02020603050405020304" pitchFamily="18" charset="0"/>
+              <a:cs typeface="Times New Roman" panose="02020603050405020304" pitchFamily="18" charset="0"/>
+            </a:endParaRPr>
+          </a:p>
+        </p:txBody>
+      </p:sp>
+      <p:sp>
+        <p:nvSpPr>
+          <p:cNvPr id="3" name="文本框 2">
+            <a:extLst>
+              <a:ext uri="{FF2B5EF4-FFF2-40B4-BE49-F238E27FC236}">
+                <a16:creationId xmlns:a16="http://schemas.microsoft.com/office/drawing/2014/main" id="{99733D92-BF09-458A-A770-2E23923A6AFA}"/>
+              </a:ext>
+            </a:extLst>
+          </p:cNvPr>
+          <p:cNvSpPr txBox="1"/>
+          <p:nvPr/>
+        </p:nvSpPr>
+        <p:spPr>
+          <a:xfrm>
+            <a:off x="5197151" y="408929"/>
+            <a:ext cx="2330084" cy="461665"/>
+          </a:xfrm>
+          <a:prstGeom prst="rect">
+            <a:avLst/>
+          </a:prstGeom>
+          <a:noFill/>
+        </p:spPr>
+        <p:txBody>
+          <a:bodyPr wrap="square" rtlCol="0">
+            <a:spAutoFit/>
+          </a:bodyPr>
+          <a:lstStyle/>
+          <a:p>
+            <a:r>
+              <a:rPr lang="en-US" altLang="zh-CN" sz="2400" dirty="0">
+                <a:latin typeface="Times New Roman" panose="02020603050405020304" pitchFamily="18" charset="0"/>
+                <a:cs typeface="Times New Roman" panose="02020603050405020304" pitchFamily="18" charset="0"/>
+              </a:rPr>
+              <a:t>All zero solution</a:t>
+            </a:r>
+            <a:endParaRPr lang="zh-CN" altLang="en-US" sz="2400" dirty="0">
+              <a:latin typeface="Times New Roman" panose="02020603050405020304" pitchFamily="18" charset="0"/>
+              <a:cs typeface="Times New Roman" panose="02020603050405020304" pitchFamily="18" charset="0"/>
+            </a:endParaRPr>
+          </a:p>
+        </p:txBody>
+      </p:sp>
+      <p:pic>
+        <p:nvPicPr>
+          <p:cNvPr id="13" name="图片 12">
+            <a:extLst>
+              <a:ext uri="{FF2B5EF4-FFF2-40B4-BE49-F238E27FC236}">
+                <a16:creationId xmlns:a16="http://schemas.microsoft.com/office/drawing/2014/main" id="{9C8CEA6A-DFB0-43E0-AD9A-0B132D3997B4}"/>
+              </a:ext>
+            </a:extLst>
+          </p:cNvPr>
+          <p:cNvPicPr>
+            <a:picLocks noChangeAspect="1"/>
+          </p:cNvPicPr>
+          <p:nvPr/>
+        </p:nvPicPr>
+        <p:blipFill rotWithShape="1">
+          <a:blip r:embed="rId2">
+            <a:extLst>
+              <a:ext uri="{28A0092B-C50C-407E-A947-70E740481C1C}">
+                <a14:useLocalDpi xmlns:a14="http://schemas.microsoft.com/office/drawing/2010/main" val="0"/>
+              </a:ext>
+            </a:extLst>
+          </a:blip>
+          <a:srcRect t="10642" r="9226"/>
+          <a:stretch/>
+        </p:blipFill>
+        <p:spPr>
+          <a:xfrm>
+            <a:off x="62759" y="1812291"/>
+            <a:ext cx="6280355" cy="4636780"/>
+          </a:xfrm>
+          <a:prstGeom prst="rect">
+            <a:avLst/>
+          </a:prstGeom>
+        </p:spPr>
+      </p:pic>
+      <p:pic>
+        <p:nvPicPr>
+          <p:cNvPr id="15" name="图片 14">
+            <a:extLst>
+              <a:ext uri="{FF2B5EF4-FFF2-40B4-BE49-F238E27FC236}">
+                <a16:creationId xmlns:a16="http://schemas.microsoft.com/office/drawing/2014/main" id="{EC8E6113-6895-4E11-95E1-72E41B410345}"/>
+              </a:ext>
+            </a:extLst>
+          </p:cNvPr>
+          <p:cNvPicPr>
+            <a:picLocks noChangeAspect="1"/>
+          </p:cNvPicPr>
+          <p:nvPr/>
+        </p:nvPicPr>
+        <p:blipFill rotWithShape="1">
+          <a:blip r:embed="rId3">
+            <a:extLst>
+              <a:ext uri="{28A0092B-C50C-407E-A947-70E740481C1C}">
+                <a14:useLocalDpi xmlns:a14="http://schemas.microsoft.com/office/drawing/2010/main" val="0"/>
+              </a:ext>
+            </a:extLst>
+          </a:blip>
+          <a:srcRect t="10642" r="9226"/>
+          <a:stretch/>
+        </p:blipFill>
+        <p:spPr>
+          <a:xfrm>
+            <a:off x="6362193" y="2232168"/>
+            <a:ext cx="5583074" cy="4121978"/>
+          </a:xfrm>
+          <a:prstGeom prst="rect">
+            <a:avLst/>
+          </a:prstGeom>
+        </p:spPr>
+      </p:pic>
+      <p:sp>
+        <p:nvSpPr>
+          <p:cNvPr id="16" name="文本框 15">
+            <a:extLst>
+              <a:ext uri="{FF2B5EF4-FFF2-40B4-BE49-F238E27FC236}">
+                <a16:creationId xmlns:a16="http://schemas.microsoft.com/office/drawing/2014/main" id="{8C7D06F0-EDCD-4AF5-8D51-70395F17B822}"/>
+              </a:ext>
+            </a:extLst>
+          </p:cNvPr>
+          <p:cNvSpPr txBox="1"/>
+          <p:nvPr/>
+        </p:nvSpPr>
+        <p:spPr>
+          <a:xfrm>
+            <a:off x="3332968" y="6396335"/>
+            <a:ext cx="580315" cy="461665"/>
+          </a:xfrm>
+          <a:prstGeom prst="rect">
+            <a:avLst/>
+          </a:prstGeom>
+          <a:noFill/>
+        </p:spPr>
+        <p:txBody>
+          <a:bodyPr wrap="square" rtlCol="0">
+            <a:spAutoFit/>
+          </a:bodyPr>
+          <a:lstStyle/>
+          <a:p>
+            <a:r>
+              <a:rPr lang="en-US" altLang="zh-CN" sz="2400" dirty="0">
+                <a:latin typeface="Times New Roman" panose="02020603050405020304" pitchFamily="18" charset="0"/>
+                <a:cs typeface="Times New Roman" panose="02020603050405020304" pitchFamily="18" charset="0"/>
+              </a:rPr>
+              <a:t>3:5</a:t>
+            </a:r>
+            <a:endParaRPr lang="zh-CN" altLang="en-US" sz="2400" dirty="0">
+              <a:latin typeface="Times New Roman" panose="02020603050405020304" pitchFamily="18" charset="0"/>
+              <a:cs typeface="Times New Roman" panose="02020603050405020304" pitchFamily="18" charset="0"/>
+            </a:endParaRPr>
+          </a:p>
+        </p:txBody>
+      </p:sp>
+      <p:sp>
+        <p:nvSpPr>
+          <p:cNvPr id="17" name="文本框 16">
+            <a:extLst>
+              <a:ext uri="{FF2B5EF4-FFF2-40B4-BE49-F238E27FC236}">
+                <a16:creationId xmlns:a16="http://schemas.microsoft.com/office/drawing/2014/main" id="{C5FEC881-9860-4591-815E-6556BD83978E}"/>
+              </a:ext>
+            </a:extLst>
+          </p:cNvPr>
+          <p:cNvSpPr txBox="1"/>
+          <p:nvPr/>
+        </p:nvSpPr>
+        <p:spPr>
+          <a:xfrm>
+            <a:off x="9323165" y="6357085"/>
+            <a:ext cx="580315" cy="461665"/>
+          </a:xfrm>
+          <a:prstGeom prst="rect">
+            <a:avLst/>
+          </a:prstGeom>
+          <a:noFill/>
+        </p:spPr>
+        <p:txBody>
+          <a:bodyPr wrap="square" rtlCol="0">
+            <a:spAutoFit/>
+          </a:bodyPr>
+          <a:lstStyle/>
+          <a:p>
+            <a:r>
+              <a:rPr lang="en-US" altLang="zh-CN" sz="2400" dirty="0">
+                <a:latin typeface="Times New Roman" panose="02020603050405020304" pitchFamily="18" charset="0"/>
+                <a:cs typeface="Times New Roman" panose="02020603050405020304" pitchFamily="18" charset="0"/>
+              </a:rPr>
+              <a:t>0:4</a:t>
+            </a:r>
+            <a:endParaRPr lang="zh-CN" altLang="en-US" sz="2400" dirty="0">
+              <a:latin typeface="Times New Roman" panose="02020603050405020304" pitchFamily="18" charset="0"/>
+              <a:cs typeface="Times New Roman" panose="02020603050405020304" pitchFamily="18" charset="0"/>
+            </a:endParaRPr>
+          </a:p>
+        </p:txBody>
+      </p:sp>
+    </p:spTree>
+    <p:extLst>
+      <p:ext uri="{BB962C8B-B14F-4D97-AF65-F5344CB8AC3E}">
+        <p14:creationId xmlns:p14="http://schemas.microsoft.com/office/powerpoint/2010/main" val="1155016570"/>
+      </p:ext>
+    </p:extLst>
+  </p:cSld>
+  <p:clrMapOvr>
+    <a:masterClrMapping/>
+  </p:clrMapOvr>
+</p:sld>
+</file>
+
+<file path=ppt/slides/slide15.xml><?xml version="1.0" encoding="utf-8"?>
+<p:sld xmlns:a="http://schemas.openxmlformats.org/drawingml/2006/main" xmlns:r="http://schemas.openxmlformats.org/officeDocument/2006/relationships" xmlns:p="http://schemas.openxmlformats.org/presentationml/2006/main">
+  <p:cSld>
+    <p:spTree>
+      <p:nvGrpSpPr>
+        <p:cNvPr id="1" name=""/>
+        <p:cNvGrpSpPr/>
+        <p:nvPr/>
+      </p:nvGrpSpPr>
+      <p:grpSpPr>
+        <a:xfrm>
+          <a:off x="0" y="0"/>
+          <a:ext cx="0" cy="0"/>
+          <a:chOff x="0" y="0"/>
+          <a:chExt cx="0" cy="0"/>
+        </a:xfrm>
+      </p:grpSpPr>
+      <p:sp>
+        <p:nvSpPr>
+          <p:cNvPr id="2" name="标题 1">
+            <a:extLst>
+              <a:ext uri="{FF2B5EF4-FFF2-40B4-BE49-F238E27FC236}">
+                <a16:creationId xmlns:a16="http://schemas.microsoft.com/office/drawing/2014/main" id="{06D4DE04-B486-418E-8B4C-CBECBA2A6963}"/>
+              </a:ext>
+            </a:extLst>
+          </p:cNvPr>
+          <p:cNvSpPr>
+            <a:spLocks noGrp="1"/>
+          </p:cNvSpPr>
+          <p:nvPr>
+            <p:ph type="title"/>
+          </p:nvPr>
+        </p:nvSpPr>
+        <p:spPr>
+          <a:xfrm>
+            <a:off x="267748" y="180567"/>
+            <a:ext cx="4929403" cy="918391"/>
+          </a:xfrm>
+        </p:spPr>
+        <p:txBody>
+          <a:bodyPr>
+            <a:noAutofit/>
+          </a:bodyPr>
+          <a:lstStyle/>
+          <a:p>
+            <a:r>
+              <a:rPr lang="en-US" altLang="zh-CN" dirty="0">
+                <a:latin typeface="Times New Roman" panose="02020603050405020304" pitchFamily="18" charset="0"/>
+                <a:cs typeface="Times New Roman" panose="02020603050405020304" pitchFamily="18" charset="0"/>
+              </a:rPr>
+              <a:t>Experimental Result:</a:t>
+            </a:r>
+            <a:endParaRPr lang="zh-CN" altLang="en-US" dirty="0">
+              <a:latin typeface="Times New Roman" panose="02020603050405020304" pitchFamily="18" charset="0"/>
+              <a:cs typeface="Times New Roman" panose="02020603050405020304" pitchFamily="18" charset="0"/>
+            </a:endParaRPr>
+          </a:p>
+        </p:txBody>
+      </p:sp>
+      <p:sp>
+        <p:nvSpPr>
+          <p:cNvPr id="5" name="内容占位符 4">
+            <a:extLst>
+              <a:ext uri="{FF2B5EF4-FFF2-40B4-BE49-F238E27FC236}">
+                <a16:creationId xmlns:a16="http://schemas.microsoft.com/office/drawing/2014/main" id="{15D61978-1330-40C6-8BA9-8AB2592EB2E1}"/>
+              </a:ext>
+            </a:extLst>
+          </p:cNvPr>
+          <p:cNvSpPr>
+            <a:spLocks noGrp="1"/>
+          </p:cNvSpPr>
+          <p:nvPr>
+            <p:ph idx="1"/>
+          </p:nvPr>
+        </p:nvSpPr>
+        <p:spPr>
+          <a:xfrm>
+            <a:off x="1397910" y="1074051"/>
+            <a:ext cx="3386742" cy="573833"/>
+          </a:xfrm>
+        </p:spPr>
+        <p:txBody>
+          <a:bodyPr/>
+          <a:lstStyle/>
+          <a:p>
+            <a:pPr marL="0" indent="0">
+              <a:buNone/>
+            </a:pPr>
+            <a:r>
+              <a:rPr lang="en-US" altLang="zh-CN" sz="3200" dirty="0">
+                <a:latin typeface="Times New Roman" panose="02020603050405020304" pitchFamily="18" charset="0"/>
+                <a:cs typeface="Times New Roman" panose="02020603050405020304" pitchFamily="18" charset="0"/>
+              </a:rPr>
+              <a:t>10 nodes instances</a:t>
+            </a:r>
+            <a:endParaRPr lang="zh-CN" altLang="en-US" sz="2400" dirty="0">
+              <a:latin typeface="Times New Roman" panose="02020603050405020304" pitchFamily="18" charset="0"/>
+              <a:cs typeface="Times New Roman" panose="02020603050405020304" pitchFamily="18" charset="0"/>
+            </a:endParaRPr>
+          </a:p>
+        </p:txBody>
+      </p:sp>
+      <p:sp>
+        <p:nvSpPr>
+          <p:cNvPr id="8" name="内容占位符 4">
+            <a:extLst>
+              <a:ext uri="{FF2B5EF4-FFF2-40B4-BE49-F238E27FC236}">
+                <a16:creationId xmlns:a16="http://schemas.microsoft.com/office/drawing/2014/main" id="{7A5BCAE9-35FD-40CD-8F32-1F510FAF8B27}"/>
+              </a:ext>
+            </a:extLst>
+          </p:cNvPr>
+          <p:cNvSpPr txBox="1">
+            <a:spLocks/>
+          </p:cNvSpPr>
+          <p:nvPr/>
+        </p:nvSpPr>
+        <p:spPr>
+          <a:xfrm>
+            <a:off x="7407349" y="1074051"/>
+            <a:ext cx="3386742" cy="573833"/>
+          </a:xfrm>
+          <a:prstGeom prst="rect">
+            <a:avLst/>
+          </a:prstGeom>
+        </p:spPr>
+        <p:txBody>
+          <a:bodyPr vert="horz" lIns="91440" tIns="45720" rIns="91440" bIns="45720" rtlCol="0">
+            <a:normAutofit/>
+          </a:bodyPr>
+          <a:lstStyle>
+            <a:lvl1pPr marL="228600" indent="-228600" algn="l" defTabSz="914400" rtl="0" eaLnBrk="1" latinLnBrk="0" hangingPunct="1">
+              <a:lnSpc>
+                <a:spcPct val="90000"/>
+              </a:lnSpc>
+              <a:spcBef>
+                <a:spcPts val="1000"/>
+              </a:spcBef>
+              <a:buFont typeface="Arial" panose="020B0604020202020204" pitchFamily="34" charset="0"/>
+              <a:buChar char="•"/>
+              <a:defRPr sz="2800" kern="1200">
+                <a:solidFill>
+                  <a:schemeClr val="tx1"/>
+                </a:solidFill>
+                <a:latin typeface="+mn-lt"/>
+                <a:ea typeface="+mn-ea"/>
+                <a:cs typeface="+mn-cs"/>
+              </a:defRPr>
+            </a:lvl1pPr>
+            <a:lvl2pPr marL="685800" indent="-228600" algn="l" defTabSz="914400" rtl="0" eaLnBrk="1" latinLnBrk="0" hangingPunct="1">
+              <a:lnSpc>
+                <a:spcPct val="90000"/>
+              </a:lnSpc>
+              <a:spcBef>
+                <a:spcPts val="500"/>
+              </a:spcBef>
+              <a:buFont typeface="Arial" panose="020B0604020202020204" pitchFamily="34" charset="0"/>
+              <a:buChar char="•"/>
+              <a:defRPr sz="2400" kern="1200">
+                <a:solidFill>
+                  <a:schemeClr val="tx1"/>
+                </a:solidFill>
+                <a:latin typeface="+mn-lt"/>
+                <a:ea typeface="+mn-ea"/>
+                <a:cs typeface="+mn-cs"/>
+              </a:defRPr>
+            </a:lvl2pPr>
+            <a:lvl3pPr marL="1143000" indent="-228600" algn="l" defTabSz="914400" rtl="0" eaLnBrk="1" latinLnBrk="0" hangingPunct="1">
+              <a:lnSpc>
+                <a:spcPct val="90000"/>
+              </a:lnSpc>
+              <a:spcBef>
+                <a:spcPts val="500"/>
+              </a:spcBef>
+              <a:buFont typeface="Arial" panose="020B0604020202020204" pitchFamily="34" charset="0"/>
+              <a:buChar char="•"/>
+              <a:defRPr sz="2000" kern="1200">
+                <a:solidFill>
+                  <a:schemeClr val="tx1"/>
+                </a:solidFill>
+                <a:latin typeface="+mn-lt"/>
+                <a:ea typeface="+mn-ea"/>
+                <a:cs typeface="+mn-cs"/>
+              </a:defRPr>
+            </a:lvl3pPr>
+            <a:lvl4pPr marL="1600200" indent="-228600" algn="l" defTabSz="914400" rtl="0" eaLnBrk="1" latinLnBrk="0" hangingPunct="1">
+              <a:lnSpc>
+                <a:spcPct val="90000"/>
+              </a:lnSpc>
+              <a:spcBef>
+                <a:spcPts val="500"/>
+              </a:spcBef>
+              <a:buFont typeface="Arial" panose="020B0604020202020204" pitchFamily="34" charset="0"/>
+              <a:buChar char="•"/>
+              <a:defRPr sz="1800" kern="1200">
+                <a:solidFill>
+                  <a:schemeClr val="tx1"/>
+                </a:solidFill>
+                <a:latin typeface="+mn-lt"/>
+                <a:ea typeface="+mn-ea"/>
+                <a:cs typeface="+mn-cs"/>
+              </a:defRPr>
+            </a:lvl4pPr>
+            <a:lvl5pPr marL="2057400" indent="-228600" algn="l" defTabSz="914400" rtl="0" eaLnBrk="1" latinLnBrk="0" hangingPunct="1">
+              <a:lnSpc>
+                <a:spcPct val="90000"/>
+              </a:lnSpc>
+              <a:spcBef>
+                <a:spcPts val="500"/>
+              </a:spcBef>
+              <a:buFont typeface="Arial" panose="020B0604020202020204" pitchFamily="34" charset="0"/>
+              <a:buChar char="•"/>
+              <a:defRPr sz="1800" kern="1200">
+                <a:solidFill>
+                  <a:schemeClr val="tx1"/>
+                </a:solidFill>
+                <a:latin typeface="+mn-lt"/>
+                <a:ea typeface="+mn-ea"/>
+                <a:cs typeface="+mn-cs"/>
+              </a:defRPr>
+            </a:lvl5pPr>
+            <a:lvl6pPr marL="2514600" indent="-228600" algn="l" defTabSz="914400" rtl="0" eaLnBrk="1" latinLnBrk="0" hangingPunct="1">
+              <a:lnSpc>
+                <a:spcPct val="90000"/>
+              </a:lnSpc>
+              <a:spcBef>
+                <a:spcPts val="500"/>
+              </a:spcBef>
+              <a:buFont typeface="Arial" panose="020B0604020202020204" pitchFamily="34" charset="0"/>
+              <a:buChar char="•"/>
+              <a:defRPr sz="1800" kern="1200">
+                <a:solidFill>
+                  <a:schemeClr val="tx1"/>
+                </a:solidFill>
+                <a:latin typeface="+mn-lt"/>
+                <a:ea typeface="+mn-ea"/>
+                <a:cs typeface="+mn-cs"/>
+              </a:defRPr>
+            </a:lvl6pPr>
+            <a:lvl7pPr marL="2971800" indent="-228600" algn="l" defTabSz="914400" rtl="0" eaLnBrk="1" latinLnBrk="0" hangingPunct="1">
+              <a:lnSpc>
+                <a:spcPct val="90000"/>
+              </a:lnSpc>
+              <a:spcBef>
+                <a:spcPts val="500"/>
+              </a:spcBef>
+              <a:buFont typeface="Arial" panose="020B0604020202020204" pitchFamily="34" charset="0"/>
+              <a:buChar char="•"/>
+              <a:defRPr sz="1800" kern="1200">
+                <a:solidFill>
+                  <a:schemeClr val="tx1"/>
+                </a:solidFill>
+                <a:latin typeface="+mn-lt"/>
+                <a:ea typeface="+mn-ea"/>
+                <a:cs typeface="+mn-cs"/>
+              </a:defRPr>
+            </a:lvl7pPr>
+            <a:lvl8pPr marL="3429000" indent="-228600" algn="l" defTabSz="914400" rtl="0" eaLnBrk="1" latinLnBrk="0" hangingPunct="1">
+              <a:lnSpc>
+                <a:spcPct val="90000"/>
+              </a:lnSpc>
+              <a:spcBef>
+                <a:spcPts val="500"/>
+              </a:spcBef>
+              <a:buFont typeface="Arial" panose="020B0604020202020204" pitchFamily="34" charset="0"/>
+              <a:buChar char="•"/>
+              <a:defRPr sz="1800" kern="1200">
+                <a:solidFill>
+                  <a:schemeClr val="tx1"/>
+                </a:solidFill>
+                <a:latin typeface="+mn-lt"/>
+                <a:ea typeface="+mn-ea"/>
+                <a:cs typeface="+mn-cs"/>
+              </a:defRPr>
+            </a:lvl8pPr>
+            <a:lvl9pPr marL="3886200" indent="-228600" algn="l" defTabSz="914400" rtl="0" eaLnBrk="1" latinLnBrk="0" hangingPunct="1">
+              <a:lnSpc>
+                <a:spcPct val="90000"/>
+              </a:lnSpc>
+              <a:spcBef>
+                <a:spcPts val="500"/>
+              </a:spcBef>
+              <a:buFont typeface="Arial" panose="020B0604020202020204" pitchFamily="34" charset="0"/>
+              <a:buChar char="•"/>
+              <a:defRPr sz="1800" kern="1200">
+                <a:solidFill>
+                  <a:schemeClr val="tx1"/>
+                </a:solidFill>
+                <a:latin typeface="+mn-lt"/>
+                <a:ea typeface="+mn-ea"/>
+                <a:cs typeface="+mn-cs"/>
+              </a:defRPr>
+            </a:lvl9pPr>
+          </a:lstStyle>
+          <a:p>
+            <a:pPr marL="0" indent="0">
+              <a:buFont typeface="Arial" panose="020B0604020202020204" pitchFamily="34" charset="0"/>
+              <a:buNone/>
+            </a:pPr>
+            <a:r>
+              <a:rPr lang="en-US" altLang="zh-CN" sz="3200" dirty="0">
+                <a:latin typeface="Times New Roman" panose="02020603050405020304" pitchFamily="18" charset="0"/>
+                <a:cs typeface="Times New Roman" panose="02020603050405020304" pitchFamily="18" charset="0"/>
+              </a:rPr>
+              <a:t>50 nodes instances</a:t>
+            </a:r>
+            <a:endParaRPr lang="zh-CN" altLang="en-US" sz="2400" dirty="0">
+              <a:latin typeface="Times New Roman" panose="02020603050405020304" pitchFamily="18" charset="0"/>
+              <a:cs typeface="Times New Roman" panose="02020603050405020304" pitchFamily="18" charset="0"/>
+            </a:endParaRPr>
+          </a:p>
+        </p:txBody>
+      </p:sp>
+      <p:sp>
+        <p:nvSpPr>
+          <p:cNvPr id="3" name="文本框 2">
+            <a:extLst>
+              <a:ext uri="{FF2B5EF4-FFF2-40B4-BE49-F238E27FC236}">
+                <a16:creationId xmlns:a16="http://schemas.microsoft.com/office/drawing/2014/main" id="{99733D92-BF09-458A-A770-2E23923A6AFA}"/>
+              </a:ext>
+            </a:extLst>
+          </p:cNvPr>
+          <p:cNvSpPr txBox="1"/>
+          <p:nvPr/>
+        </p:nvSpPr>
+        <p:spPr>
+          <a:xfrm>
+            <a:off x="5197151" y="408929"/>
+            <a:ext cx="2330084" cy="461665"/>
+          </a:xfrm>
+          <a:prstGeom prst="rect">
+            <a:avLst/>
+          </a:prstGeom>
+          <a:noFill/>
+        </p:spPr>
+        <p:txBody>
+          <a:bodyPr wrap="square" rtlCol="0">
+            <a:spAutoFit/>
+          </a:bodyPr>
+          <a:lstStyle/>
+          <a:p>
+            <a:r>
+              <a:rPr lang="en-US" altLang="zh-CN" sz="2400" dirty="0">
+                <a:latin typeface="Times New Roman" panose="02020603050405020304" pitchFamily="18" charset="0"/>
+                <a:cs typeface="Times New Roman" panose="02020603050405020304" pitchFamily="18" charset="0"/>
+              </a:rPr>
+              <a:t>One bit solution</a:t>
+            </a:r>
+            <a:endParaRPr lang="zh-CN" altLang="en-US" sz="2400" dirty="0">
+              <a:latin typeface="Times New Roman" panose="02020603050405020304" pitchFamily="18" charset="0"/>
+              <a:cs typeface="Times New Roman" panose="02020603050405020304" pitchFamily="18" charset="0"/>
+            </a:endParaRPr>
+          </a:p>
+        </p:txBody>
+      </p:sp>
+      <p:sp>
+        <p:nvSpPr>
+          <p:cNvPr id="17" name="文本框 16">
+            <a:extLst>
+              <a:ext uri="{FF2B5EF4-FFF2-40B4-BE49-F238E27FC236}">
+                <a16:creationId xmlns:a16="http://schemas.microsoft.com/office/drawing/2014/main" id="{CF756B8C-2B6E-43DD-AEF9-5EE49367F4D5}"/>
+              </a:ext>
+            </a:extLst>
+          </p:cNvPr>
+          <p:cNvSpPr txBox="1"/>
+          <p:nvPr/>
+        </p:nvSpPr>
+        <p:spPr>
+          <a:xfrm>
+            <a:off x="2986059" y="6217348"/>
+            <a:ext cx="580315" cy="461665"/>
+          </a:xfrm>
+          <a:prstGeom prst="rect">
+            <a:avLst/>
+          </a:prstGeom>
+          <a:noFill/>
+        </p:spPr>
+        <p:txBody>
+          <a:bodyPr wrap="square" rtlCol="0">
+            <a:spAutoFit/>
+          </a:bodyPr>
+          <a:lstStyle/>
+          <a:p>
+            <a:r>
+              <a:rPr lang="en-US" altLang="zh-CN" sz="2400" dirty="0">
+                <a:latin typeface="Times New Roman" panose="02020603050405020304" pitchFamily="18" charset="0"/>
+                <a:cs typeface="Times New Roman" panose="02020603050405020304" pitchFamily="18" charset="0"/>
+              </a:rPr>
+              <a:t>4:4</a:t>
+            </a:r>
+            <a:endParaRPr lang="zh-CN" altLang="en-US" sz="2400" dirty="0">
+              <a:latin typeface="Times New Roman" panose="02020603050405020304" pitchFamily="18" charset="0"/>
+              <a:cs typeface="Times New Roman" panose="02020603050405020304" pitchFamily="18" charset="0"/>
+            </a:endParaRPr>
+          </a:p>
+        </p:txBody>
+      </p:sp>
+      <p:sp>
+        <p:nvSpPr>
+          <p:cNvPr id="18" name="文本框 17">
+            <a:extLst>
+              <a:ext uri="{FF2B5EF4-FFF2-40B4-BE49-F238E27FC236}">
+                <a16:creationId xmlns:a16="http://schemas.microsoft.com/office/drawing/2014/main" id="{35B08254-C397-4094-97EB-5CC1A5711681}"/>
+              </a:ext>
+            </a:extLst>
+          </p:cNvPr>
+          <p:cNvSpPr txBox="1"/>
+          <p:nvPr/>
+        </p:nvSpPr>
+        <p:spPr>
+          <a:xfrm>
+            <a:off x="8915784" y="6215768"/>
+            <a:ext cx="580315" cy="461665"/>
+          </a:xfrm>
+          <a:prstGeom prst="rect">
+            <a:avLst/>
+          </a:prstGeom>
+          <a:noFill/>
+        </p:spPr>
+        <p:txBody>
+          <a:bodyPr wrap="square" rtlCol="0">
+            <a:spAutoFit/>
+          </a:bodyPr>
+          <a:lstStyle/>
+          <a:p>
+            <a:r>
+              <a:rPr lang="en-US" altLang="zh-CN" sz="2400" dirty="0">
+                <a:latin typeface="Times New Roman" panose="02020603050405020304" pitchFamily="18" charset="0"/>
+                <a:cs typeface="Times New Roman" panose="02020603050405020304" pitchFamily="18" charset="0"/>
+              </a:rPr>
+              <a:t>1:7</a:t>
+            </a:r>
+            <a:endParaRPr lang="zh-CN" altLang="en-US" sz="2400" dirty="0">
+              <a:latin typeface="Times New Roman" panose="02020603050405020304" pitchFamily="18" charset="0"/>
+              <a:cs typeface="Times New Roman" panose="02020603050405020304" pitchFamily="18" charset="0"/>
+            </a:endParaRPr>
+          </a:p>
+        </p:txBody>
+      </p:sp>
+      <p:pic>
+        <p:nvPicPr>
+          <p:cNvPr id="6" name="图片 5">
+            <a:extLst>
+              <a:ext uri="{FF2B5EF4-FFF2-40B4-BE49-F238E27FC236}">
+                <a16:creationId xmlns:a16="http://schemas.microsoft.com/office/drawing/2014/main" id="{DB22717A-E511-409C-9715-F0CBDE77FDF4}"/>
+              </a:ext>
+            </a:extLst>
+          </p:cNvPr>
+          <p:cNvPicPr>
+            <a:picLocks noChangeAspect="1"/>
+          </p:cNvPicPr>
+          <p:nvPr/>
+        </p:nvPicPr>
+        <p:blipFill rotWithShape="1">
+          <a:blip r:embed="rId2">
+            <a:extLst>
+              <a:ext uri="{28A0092B-C50C-407E-A947-70E740481C1C}">
+                <a14:useLocalDpi xmlns:a14="http://schemas.microsoft.com/office/drawing/2010/main" val="0"/>
+              </a:ext>
+            </a:extLst>
+          </a:blip>
+          <a:srcRect t="10924" r="8599"/>
+          <a:stretch/>
+        </p:blipFill>
+        <p:spPr>
+          <a:xfrm>
+            <a:off x="0" y="1764078"/>
+            <a:ext cx="6004954" cy="4389129"/>
+          </a:xfrm>
+          <a:prstGeom prst="rect">
+            <a:avLst/>
+          </a:prstGeom>
+        </p:spPr>
+      </p:pic>
+      <p:pic>
+        <p:nvPicPr>
+          <p:cNvPr id="9" name="图片 8">
+            <a:extLst>
+              <a:ext uri="{FF2B5EF4-FFF2-40B4-BE49-F238E27FC236}">
+                <a16:creationId xmlns:a16="http://schemas.microsoft.com/office/drawing/2014/main" id="{03101154-61AE-4470-A4F7-6BCCB54E3F21}"/>
+              </a:ext>
+            </a:extLst>
+          </p:cNvPr>
+          <p:cNvPicPr>
+            <a:picLocks noChangeAspect="1"/>
+          </p:cNvPicPr>
+          <p:nvPr/>
+        </p:nvPicPr>
+        <p:blipFill rotWithShape="1">
+          <a:blip r:embed="rId3">
+            <a:extLst>
+              <a:ext uri="{28A0092B-C50C-407E-A947-70E740481C1C}">
+                <a14:useLocalDpi xmlns:a14="http://schemas.microsoft.com/office/drawing/2010/main" val="0"/>
+              </a:ext>
+            </a:extLst>
+          </a:blip>
+          <a:srcRect t="11227" r="9417" b="2251"/>
+          <a:stretch/>
+        </p:blipFill>
+        <p:spPr>
+          <a:xfrm>
+            <a:off x="5955836" y="1764077"/>
+            <a:ext cx="6029629" cy="4319481"/>
+          </a:xfrm>
+          <a:prstGeom prst="rect">
+            <a:avLst/>
+          </a:prstGeom>
+        </p:spPr>
+      </p:pic>
+    </p:spTree>
+    <p:extLst>
+      <p:ext uri="{BB962C8B-B14F-4D97-AF65-F5344CB8AC3E}">
+        <p14:creationId xmlns:p14="http://schemas.microsoft.com/office/powerpoint/2010/main" val="442716538"/>
+      </p:ext>
+    </p:extLst>
+  </p:cSld>
+  <p:clrMapOvr>
+    <a:masterClrMapping/>
+  </p:clrMapOvr>
+</p:sld>
+</file>
+
+<file path=ppt/slides/slide16.xml><?xml version="1.0" encoding="utf-8"?>
+<p:sld xmlns:a="http://schemas.openxmlformats.org/drawingml/2006/main" xmlns:r="http://schemas.openxmlformats.org/officeDocument/2006/relationships" xmlns:p="http://schemas.openxmlformats.org/presentationml/2006/main">
+  <p:cSld>
+    <p:spTree>
+      <p:nvGrpSpPr>
+        <p:cNvPr id="1" name=""/>
+        <p:cNvGrpSpPr/>
+        <p:nvPr/>
+      </p:nvGrpSpPr>
+      <p:grpSpPr>
+        <a:xfrm>
+          <a:off x="0" y="0"/>
+          <a:ext cx="0" cy="0"/>
+          <a:chOff x="0" y="0"/>
+          <a:chExt cx="0" cy="0"/>
+        </a:xfrm>
+      </p:grpSpPr>
+      <p:sp>
+        <p:nvSpPr>
+          <p:cNvPr id="2" name="标题 1">
+            <a:extLst>
+              <a:ext uri="{FF2B5EF4-FFF2-40B4-BE49-F238E27FC236}">
+                <a16:creationId xmlns:a16="http://schemas.microsoft.com/office/drawing/2014/main" id="{06D4DE04-B486-418E-8B4C-CBECBA2A6963}"/>
+              </a:ext>
+            </a:extLst>
+          </p:cNvPr>
+          <p:cNvSpPr>
+            <a:spLocks noGrp="1"/>
+          </p:cNvSpPr>
+          <p:nvPr>
+            <p:ph type="title"/>
+          </p:nvPr>
+        </p:nvSpPr>
+        <p:spPr>
+          <a:xfrm>
+            <a:off x="267748" y="180567"/>
+            <a:ext cx="4929403" cy="918391"/>
+          </a:xfrm>
+        </p:spPr>
+        <p:txBody>
+          <a:bodyPr>
+            <a:noAutofit/>
+          </a:bodyPr>
+          <a:lstStyle/>
+          <a:p>
+            <a:r>
+              <a:rPr lang="en-US" altLang="zh-CN" dirty="0">
+                <a:latin typeface="Times New Roman" panose="02020603050405020304" pitchFamily="18" charset="0"/>
+                <a:cs typeface="Times New Roman" panose="02020603050405020304" pitchFamily="18" charset="0"/>
+              </a:rPr>
+              <a:t>Experimental Result:</a:t>
+            </a:r>
+            <a:endParaRPr lang="zh-CN" altLang="en-US" dirty="0">
+              <a:latin typeface="Times New Roman" panose="02020603050405020304" pitchFamily="18" charset="0"/>
+              <a:cs typeface="Times New Roman" panose="02020603050405020304" pitchFamily="18" charset="0"/>
+            </a:endParaRPr>
+          </a:p>
+        </p:txBody>
+      </p:sp>
+      <p:sp>
+        <p:nvSpPr>
+          <p:cNvPr id="5" name="内容占位符 4">
+            <a:extLst>
+              <a:ext uri="{FF2B5EF4-FFF2-40B4-BE49-F238E27FC236}">
+                <a16:creationId xmlns:a16="http://schemas.microsoft.com/office/drawing/2014/main" id="{15D61978-1330-40C6-8BA9-8AB2592EB2E1}"/>
+              </a:ext>
+            </a:extLst>
+          </p:cNvPr>
+          <p:cNvSpPr>
+            <a:spLocks noGrp="1"/>
+          </p:cNvSpPr>
+          <p:nvPr>
+            <p:ph idx="1"/>
+          </p:nvPr>
+        </p:nvSpPr>
+        <p:spPr>
+          <a:xfrm>
+            <a:off x="1397910" y="1074051"/>
+            <a:ext cx="3386742" cy="573833"/>
+          </a:xfrm>
+        </p:spPr>
+        <p:txBody>
+          <a:bodyPr>
+            <a:normAutofit fontScale="92500"/>
+          </a:bodyPr>
+          <a:lstStyle/>
+          <a:p>
+            <a:pPr marL="0" indent="0">
+              <a:buNone/>
+            </a:pPr>
+            <a:r>
+              <a:rPr lang="en-US" altLang="zh-CN" sz="3200" dirty="0">
+                <a:latin typeface="Times New Roman" panose="02020603050405020304" pitchFamily="18" charset="0"/>
+                <a:cs typeface="Times New Roman" panose="02020603050405020304" pitchFamily="18" charset="0"/>
+              </a:rPr>
+              <a:t>100 nodes instances</a:t>
+            </a:r>
+            <a:endParaRPr lang="zh-CN" altLang="en-US" sz="2400" dirty="0">
+              <a:latin typeface="Times New Roman" panose="02020603050405020304" pitchFamily="18" charset="0"/>
+              <a:cs typeface="Times New Roman" panose="02020603050405020304" pitchFamily="18" charset="0"/>
+            </a:endParaRPr>
+          </a:p>
+        </p:txBody>
+      </p:sp>
+      <p:sp>
+        <p:nvSpPr>
+          <p:cNvPr id="8" name="内容占位符 4">
+            <a:extLst>
+              <a:ext uri="{FF2B5EF4-FFF2-40B4-BE49-F238E27FC236}">
+                <a16:creationId xmlns:a16="http://schemas.microsoft.com/office/drawing/2014/main" id="{7A5BCAE9-35FD-40CD-8F32-1F510FAF8B27}"/>
+              </a:ext>
+            </a:extLst>
+          </p:cNvPr>
+          <p:cNvSpPr txBox="1">
+            <a:spLocks/>
+          </p:cNvSpPr>
+          <p:nvPr/>
+        </p:nvSpPr>
+        <p:spPr>
+          <a:xfrm>
+            <a:off x="7407349" y="1074051"/>
+            <a:ext cx="3386742" cy="573833"/>
+          </a:xfrm>
+          <a:prstGeom prst="rect">
+            <a:avLst/>
+          </a:prstGeom>
+        </p:spPr>
+        <p:txBody>
+          <a:bodyPr vert="horz" lIns="91440" tIns="45720" rIns="91440" bIns="45720" rtlCol="0">
+            <a:normAutofit fontScale="92500"/>
+          </a:bodyPr>
+          <a:lstStyle>
+            <a:lvl1pPr marL="228600" indent="-228600" algn="l" defTabSz="914400" rtl="0" eaLnBrk="1" latinLnBrk="0" hangingPunct="1">
+              <a:lnSpc>
+                <a:spcPct val="90000"/>
+              </a:lnSpc>
+              <a:spcBef>
+                <a:spcPts val="1000"/>
+              </a:spcBef>
+              <a:buFont typeface="Arial" panose="020B0604020202020204" pitchFamily="34" charset="0"/>
+              <a:buChar char="•"/>
+              <a:defRPr sz="2800" kern="1200">
+                <a:solidFill>
+                  <a:schemeClr val="tx1"/>
+                </a:solidFill>
+                <a:latin typeface="+mn-lt"/>
+                <a:ea typeface="+mn-ea"/>
+                <a:cs typeface="+mn-cs"/>
+              </a:defRPr>
+            </a:lvl1pPr>
+            <a:lvl2pPr marL="685800" indent="-228600" algn="l" defTabSz="914400" rtl="0" eaLnBrk="1" latinLnBrk="0" hangingPunct="1">
+              <a:lnSpc>
+                <a:spcPct val="90000"/>
+              </a:lnSpc>
+              <a:spcBef>
+                <a:spcPts val="500"/>
+              </a:spcBef>
+              <a:buFont typeface="Arial" panose="020B0604020202020204" pitchFamily="34" charset="0"/>
+              <a:buChar char="•"/>
+              <a:defRPr sz="2400" kern="1200">
+                <a:solidFill>
+                  <a:schemeClr val="tx1"/>
+                </a:solidFill>
+                <a:latin typeface="+mn-lt"/>
+                <a:ea typeface="+mn-ea"/>
+                <a:cs typeface="+mn-cs"/>
+              </a:defRPr>
+            </a:lvl2pPr>
+            <a:lvl3pPr marL="1143000" indent="-228600" algn="l" defTabSz="914400" rtl="0" eaLnBrk="1" latinLnBrk="0" hangingPunct="1">
+              <a:lnSpc>
+                <a:spcPct val="90000"/>
+              </a:lnSpc>
+              <a:spcBef>
+                <a:spcPts val="500"/>
+              </a:spcBef>
+              <a:buFont typeface="Arial" panose="020B0604020202020204" pitchFamily="34" charset="0"/>
+              <a:buChar char="•"/>
+              <a:defRPr sz="2000" kern="1200">
+                <a:solidFill>
+                  <a:schemeClr val="tx1"/>
+                </a:solidFill>
+                <a:latin typeface="+mn-lt"/>
+                <a:ea typeface="+mn-ea"/>
+                <a:cs typeface="+mn-cs"/>
+              </a:defRPr>
+            </a:lvl3pPr>
+            <a:lvl4pPr marL="1600200" indent="-228600" algn="l" defTabSz="914400" rtl="0" eaLnBrk="1" latinLnBrk="0" hangingPunct="1">
+              <a:lnSpc>
+                <a:spcPct val="90000"/>
+              </a:lnSpc>
+              <a:spcBef>
+                <a:spcPts val="500"/>
+              </a:spcBef>
+              <a:buFont typeface="Arial" panose="020B0604020202020204" pitchFamily="34" charset="0"/>
+              <a:buChar char="•"/>
+              <a:defRPr sz="1800" kern="1200">
+                <a:solidFill>
+                  <a:schemeClr val="tx1"/>
+                </a:solidFill>
+                <a:latin typeface="+mn-lt"/>
+                <a:ea typeface="+mn-ea"/>
+                <a:cs typeface="+mn-cs"/>
+              </a:defRPr>
+            </a:lvl4pPr>
+            <a:lvl5pPr marL="2057400" indent="-228600" algn="l" defTabSz="914400" rtl="0" eaLnBrk="1" latinLnBrk="0" hangingPunct="1">
+              <a:lnSpc>
+                <a:spcPct val="90000"/>
+              </a:lnSpc>
+              <a:spcBef>
+                <a:spcPts val="500"/>
+              </a:spcBef>
+              <a:buFont typeface="Arial" panose="020B0604020202020204" pitchFamily="34" charset="0"/>
+              <a:buChar char="•"/>
+              <a:defRPr sz="1800" kern="1200">
+                <a:solidFill>
+                  <a:schemeClr val="tx1"/>
+                </a:solidFill>
+                <a:latin typeface="+mn-lt"/>
+                <a:ea typeface="+mn-ea"/>
+                <a:cs typeface="+mn-cs"/>
+              </a:defRPr>
+            </a:lvl5pPr>
+            <a:lvl6pPr marL="2514600" indent="-228600" algn="l" defTabSz="914400" rtl="0" eaLnBrk="1" latinLnBrk="0" hangingPunct="1">
+              <a:lnSpc>
+                <a:spcPct val="90000"/>
+              </a:lnSpc>
+              <a:spcBef>
+                <a:spcPts val="500"/>
+              </a:spcBef>
+              <a:buFont typeface="Arial" panose="020B0604020202020204" pitchFamily="34" charset="0"/>
+              <a:buChar char="•"/>
+              <a:defRPr sz="1800" kern="1200">
+                <a:solidFill>
+                  <a:schemeClr val="tx1"/>
+                </a:solidFill>
+                <a:latin typeface="+mn-lt"/>
+                <a:ea typeface="+mn-ea"/>
+                <a:cs typeface="+mn-cs"/>
+              </a:defRPr>
+            </a:lvl6pPr>
+            <a:lvl7pPr marL="2971800" indent="-228600" algn="l" defTabSz="914400" rtl="0" eaLnBrk="1" latinLnBrk="0" hangingPunct="1">
+              <a:lnSpc>
+                <a:spcPct val="90000"/>
+              </a:lnSpc>
+              <a:spcBef>
+                <a:spcPts val="500"/>
+              </a:spcBef>
+              <a:buFont typeface="Arial" panose="020B0604020202020204" pitchFamily="34" charset="0"/>
+              <a:buChar char="•"/>
+              <a:defRPr sz="1800" kern="1200">
+                <a:solidFill>
+                  <a:schemeClr val="tx1"/>
+                </a:solidFill>
+                <a:latin typeface="+mn-lt"/>
+                <a:ea typeface="+mn-ea"/>
+                <a:cs typeface="+mn-cs"/>
+              </a:defRPr>
+            </a:lvl7pPr>
+            <a:lvl8pPr marL="3429000" indent="-228600" algn="l" defTabSz="914400" rtl="0" eaLnBrk="1" latinLnBrk="0" hangingPunct="1">
+              <a:lnSpc>
+                <a:spcPct val="90000"/>
+              </a:lnSpc>
+              <a:spcBef>
+                <a:spcPts val="500"/>
+              </a:spcBef>
+              <a:buFont typeface="Arial" panose="020B0604020202020204" pitchFamily="34" charset="0"/>
+              <a:buChar char="•"/>
+              <a:defRPr sz="1800" kern="1200">
+                <a:solidFill>
+                  <a:schemeClr val="tx1"/>
+                </a:solidFill>
+                <a:latin typeface="+mn-lt"/>
+                <a:ea typeface="+mn-ea"/>
+                <a:cs typeface="+mn-cs"/>
+              </a:defRPr>
+            </a:lvl8pPr>
+            <a:lvl9pPr marL="3886200" indent="-228600" algn="l" defTabSz="914400" rtl="0" eaLnBrk="1" latinLnBrk="0" hangingPunct="1">
+              <a:lnSpc>
+                <a:spcPct val="90000"/>
+              </a:lnSpc>
+              <a:spcBef>
+                <a:spcPts val="500"/>
+              </a:spcBef>
+              <a:buFont typeface="Arial" panose="020B0604020202020204" pitchFamily="34" charset="0"/>
+              <a:buChar char="•"/>
+              <a:defRPr sz="1800" kern="1200">
+                <a:solidFill>
+                  <a:schemeClr val="tx1"/>
+                </a:solidFill>
+                <a:latin typeface="+mn-lt"/>
+                <a:ea typeface="+mn-ea"/>
+                <a:cs typeface="+mn-cs"/>
+              </a:defRPr>
+            </a:lvl9pPr>
+          </a:lstStyle>
+          <a:p>
+            <a:pPr marL="0" indent="0">
+              <a:buFont typeface="Arial" panose="020B0604020202020204" pitchFamily="34" charset="0"/>
+              <a:buNone/>
+            </a:pPr>
+            <a:r>
+              <a:rPr lang="en-US" altLang="zh-CN" sz="3200" dirty="0">
+                <a:latin typeface="Times New Roman" panose="02020603050405020304" pitchFamily="18" charset="0"/>
+                <a:cs typeface="Times New Roman" panose="02020603050405020304" pitchFamily="18" charset="0"/>
+              </a:rPr>
+              <a:t>600 nodes instances</a:t>
+            </a:r>
+            <a:endParaRPr lang="zh-CN" altLang="en-US" sz="2400" dirty="0">
+              <a:latin typeface="Times New Roman" panose="02020603050405020304" pitchFamily="18" charset="0"/>
+              <a:cs typeface="Times New Roman" panose="02020603050405020304" pitchFamily="18" charset="0"/>
+            </a:endParaRPr>
+          </a:p>
+        </p:txBody>
+      </p:sp>
+      <p:sp>
+        <p:nvSpPr>
+          <p:cNvPr id="3" name="文本框 2">
+            <a:extLst>
+              <a:ext uri="{FF2B5EF4-FFF2-40B4-BE49-F238E27FC236}">
+                <a16:creationId xmlns:a16="http://schemas.microsoft.com/office/drawing/2014/main" id="{99733D92-BF09-458A-A770-2E23923A6AFA}"/>
+              </a:ext>
+            </a:extLst>
+          </p:cNvPr>
+          <p:cNvSpPr txBox="1"/>
+          <p:nvPr/>
+        </p:nvSpPr>
+        <p:spPr>
+          <a:xfrm>
+            <a:off x="5197151" y="408929"/>
+            <a:ext cx="2330084" cy="461665"/>
+          </a:xfrm>
+          <a:prstGeom prst="rect">
+            <a:avLst/>
+          </a:prstGeom>
+          <a:noFill/>
+        </p:spPr>
+        <p:txBody>
+          <a:bodyPr wrap="square" rtlCol="0">
+            <a:spAutoFit/>
+          </a:bodyPr>
+          <a:lstStyle/>
+          <a:p>
+            <a:r>
+              <a:rPr lang="en-US" altLang="zh-CN" sz="2400" dirty="0">
+                <a:latin typeface="Times New Roman" panose="02020603050405020304" pitchFamily="18" charset="0"/>
+                <a:cs typeface="Times New Roman" panose="02020603050405020304" pitchFamily="18" charset="0"/>
+              </a:rPr>
+              <a:t>One bit solution</a:t>
+            </a:r>
+            <a:endParaRPr lang="zh-CN" altLang="en-US" sz="2400" dirty="0">
+              <a:latin typeface="Times New Roman" panose="02020603050405020304" pitchFamily="18" charset="0"/>
+              <a:cs typeface="Times New Roman" panose="02020603050405020304" pitchFamily="18" charset="0"/>
+            </a:endParaRPr>
+          </a:p>
+        </p:txBody>
+      </p:sp>
+      <p:sp>
+        <p:nvSpPr>
+          <p:cNvPr id="17" name="文本框 16">
+            <a:extLst>
+              <a:ext uri="{FF2B5EF4-FFF2-40B4-BE49-F238E27FC236}">
+                <a16:creationId xmlns:a16="http://schemas.microsoft.com/office/drawing/2014/main" id="{CF756B8C-2B6E-43DD-AEF9-5EE49367F4D5}"/>
+              </a:ext>
+            </a:extLst>
+          </p:cNvPr>
+          <p:cNvSpPr txBox="1"/>
+          <p:nvPr/>
+        </p:nvSpPr>
+        <p:spPr>
+          <a:xfrm>
+            <a:off x="2801123" y="6215768"/>
+            <a:ext cx="580315" cy="461665"/>
+          </a:xfrm>
+          <a:prstGeom prst="rect">
+            <a:avLst/>
+          </a:prstGeom>
+          <a:noFill/>
+        </p:spPr>
+        <p:txBody>
+          <a:bodyPr wrap="square" rtlCol="0">
+            <a:spAutoFit/>
+          </a:bodyPr>
+          <a:lstStyle/>
+          <a:p>
+            <a:r>
+              <a:rPr lang="en-US" altLang="zh-CN" sz="2400" dirty="0">
+                <a:latin typeface="Times New Roman" panose="02020603050405020304" pitchFamily="18" charset="0"/>
+                <a:cs typeface="Times New Roman" panose="02020603050405020304" pitchFamily="18" charset="0"/>
+              </a:rPr>
+              <a:t>2:6</a:t>
+            </a:r>
+            <a:endParaRPr lang="zh-CN" altLang="en-US" sz="2400" dirty="0">
+              <a:latin typeface="Times New Roman" panose="02020603050405020304" pitchFamily="18" charset="0"/>
+              <a:cs typeface="Times New Roman" panose="02020603050405020304" pitchFamily="18" charset="0"/>
+            </a:endParaRPr>
+          </a:p>
+        </p:txBody>
+      </p:sp>
+      <p:sp>
+        <p:nvSpPr>
+          <p:cNvPr id="18" name="文本框 17">
+            <a:extLst>
+              <a:ext uri="{FF2B5EF4-FFF2-40B4-BE49-F238E27FC236}">
+                <a16:creationId xmlns:a16="http://schemas.microsoft.com/office/drawing/2014/main" id="{35B08254-C397-4094-97EB-5CC1A5711681}"/>
+              </a:ext>
+            </a:extLst>
+          </p:cNvPr>
+          <p:cNvSpPr txBox="1"/>
+          <p:nvPr/>
+        </p:nvSpPr>
+        <p:spPr>
+          <a:xfrm>
+            <a:off x="8915784" y="6215768"/>
+            <a:ext cx="580315" cy="461665"/>
+          </a:xfrm>
+          <a:prstGeom prst="rect">
+            <a:avLst/>
+          </a:prstGeom>
+          <a:noFill/>
+        </p:spPr>
+        <p:txBody>
+          <a:bodyPr wrap="square" rtlCol="0">
+            <a:spAutoFit/>
+          </a:bodyPr>
+          <a:lstStyle/>
+          <a:p>
+            <a:r>
+              <a:rPr lang="en-US" altLang="zh-CN" sz="2400" dirty="0">
+                <a:latin typeface="Times New Roman" panose="02020603050405020304" pitchFamily="18" charset="0"/>
+                <a:cs typeface="Times New Roman" panose="02020603050405020304" pitchFamily="18" charset="0"/>
+              </a:rPr>
+              <a:t>0:4</a:t>
+            </a:r>
+            <a:endParaRPr lang="zh-CN" altLang="en-US" sz="2400" dirty="0">
+              <a:latin typeface="Times New Roman" panose="02020603050405020304" pitchFamily="18" charset="0"/>
+              <a:cs typeface="Times New Roman" panose="02020603050405020304" pitchFamily="18" charset="0"/>
+            </a:endParaRPr>
+          </a:p>
+        </p:txBody>
+      </p:sp>
+      <p:pic>
+        <p:nvPicPr>
+          <p:cNvPr id="7" name="图片 6">
+            <a:extLst>
+              <a:ext uri="{FF2B5EF4-FFF2-40B4-BE49-F238E27FC236}">
+                <a16:creationId xmlns:a16="http://schemas.microsoft.com/office/drawing/2014/main" id="{5D044A0F-7C74-47E3-82CE-23CBFB604AF0}"/>
+              </a:ext>
+            </a:extLst>
+          </p:cNvPr>
+          <p:cNvPicPr>
+            <a:picLocks noChangeAspect="1"/>
+          </p:cNvPicPr>
+          <p:nvPr/>
+        </p:nvPicPr>
+        <p:blipFill rotWithShape="1">
+          <a:blip r:embed="rId2">
+            <a:extLst>
+              <a:ext uri="{28A0092B-C50C-407E-A947-70E740481C1C}">
+                <a14:useLocalDpi xmlns:a14="http://schemas.microsoft.com/office/drawing/2010/main" val="0"/>
+              </a:ext>
+            </a:extLst>
+          </a:blip>
+          <a:srcRect t="10780" r="8961"/>
+          <a:stretch/>
+        </p:blipFill>
+        <p:spPr>
+          <a:xfrm>
+            <a:off x="0" y="1878259"/>
+            <a:ext cx="5745892" cy="4223327"/>
+          </a:xfrm>
+          <a:prstGeom prst="rect">
+            <a:avLst/>
+          </a:prstGeom>
+        </p:spPr>
+      </p:pic>
+      <p:pic>
+        <p:nvPicPr>
+          <p:cNvPr id="11" name="图片 10">
+            <a:extLst>
+              <a:ext uri="{FF2B5EF4-FFF2-40B4-BE49-F238E27FC236}">
+                <a16:creationId xmlns:a16="http://schemas.microsoft.com/office/drawing/2014/main" id="{3C216D75-E53C-459D-8A55-AC1A0EE43F68}"/>
+              </a:ext>
+            </a:extLst>
+          </p:cNvPr>
+          <p:cNvPicPr>
+            <a:picLocks noChangeAspect="1"/>
+          </p:cNvPicPr>
+          <p:nvPr/>
+        </p:nvPicPr>
+        <p:blipFill rotWithShape="1">
+          <a:blip r:embed="rId3">
+            <a:extLst>
+              <a:ext uri="{28A0092B-C50C-407E-A947-70E740481C1C}">
+                <a14:useLocalDpi xmlns:a14="http://schemas.microsoft.com/office/drawing/2010/main" val="0"/>
+              </a:ext>
+            </a:extLst>
+          </a:blip>
+          <a:srcRect t="10992" r="8759" b="2061"/>
+          <a:stretch/>
+        </p:blipFill>
+        <p:spPr>
+          <a:xfrm>
+            <a:off x="6006420" y="1851341"/>
+            <a:ext cx="5791110" cy="4138912"/>
+          </a:xfrm>
+          <a:prstGeom prst="rect">
+            <a:avLst/>
+          </a:prstGeom>
+        </p:spPr>
+      </p:pic>
+    </p:spTree>
+    <p:extLst>
+      <p:ext uri="{BB962C8B-B14F-4D97-AF65-F5344CB8AC3E}">
+        <p14:creationId xmlns:p14="http://schemas.microsoft.com/office/powerpoint/2010/main" val="4161270604"/>
+      </p:ext>
+    </p:extLst>
+  </p:cSld>
+  <p:clrMapOvr>
+    <a:masterClrMapping/>
+  </p:clrMapOvr>
+</p:sld>
+</file>
+
+<file path=ppt/slides/slide17.xml><?xml version="1.0" encoding="utf-8"?>
+<p:sld xmlns:a="http://schemas.openxmlformats.org/drawingml/2006/main" xmlns:r="http://schemas.openxmlformats.org/officeDocument/2006/relationships" xmlns:p="http://schemas.openxmlformats.org/presentationml/2006/main">
+  <p:cSld>
+    <p:spTree>
+      <p:nvGrpSpPr>
+        <p:cNvPr id="1" name=""/>
+        <p:cNvGrpSpPr/>
+        <p:nvPr/>
+      </p:nvGrpSpPr>
+      <p:grpSpPr>
+        <a:xfrm>
+          <a:off x="0" y="0"/>
+          <a:ext cx="0" cy="0"/>
+          <a:chOff x="0" y="0"/>
+          <a:chExt cx="0" cy="0"/>
+        </a:xfrm>
+      </p:grpSpPr>
+      <p:sp>
+        <p:nvSpPr>
+          <p:cNvPr id="2" name="标题 1">
+            <a:extLst>
+              <a:ext uri="{FF2B5EF4-FFF2-40B4-BE49-F238E27FC236}">
+                <a16:creationId xmlns:a16="http://schemas.microsoft.com/office/drawing/2014/main" id="{06D4DE04-B486-418E-8B4C-CBECBA2A6963}"/>
+              </a:ext>
+            </a:extLst>
+          </p:cNvPr>
+          <p:cNvSpPr>
+            <a:spLocks noGrp="1"/>
+          </p:cNvSpPr>
+          <p:nvPr>
+            <p:ph type="title"/>
+          </p:nvPr>
+        </p:nvSpPr>
+        <p:spPr>
+          <a:xfrm>
+            <a:off x="267748" y="180567"/>
+            <a:ext cx="4929403" cy="918391"/>
+          </a:xfrm>
+        </p:spPr>
+        <p:txBody>
+          <a:bodyPr>
+            <a:noAutofit/>
+          </a:bodyPr>
+          <a:lstStyle/>
+          <a:p>
+            <a:r>
+              <a:rPr lang="en-US" altLang="zh-CN" dirty="0">
+                <a:latin typeface="Times New Roman" panose="02020603050405020304" pitchFamily="18" charset="0"/>
+                <a:cs typeface="Times New Roman" panose="02020603050405020304" pitchFamily="18" charset="0"/>
+              </a:rPr>
+              <a:t>Experimental Result:</a:t>
+            </a:r>
+            <a:endParaRPr lang="zh-CN" altLang="en-US" dirty="0">
+              <a:latin typeface="Times New Roman" panose="02020603050405020304" pitchFamily="18" charset="0"/>
+              <a:cs typeface="Times New Roman" panose="02020603050405020304" pitchFamily="18" charset="0"/>
+            </a:endParaRPr>
+          </a:p>
+        </p:txBody>
+      </p:sp>
+      <p:sp>
+        <p:nvSpPr>
+          <p:cNvPr id="5" name="内容占位符 4">
+            <a:extLst>
+              <a:ext uri="{FF2B5EF4-FFF2-40B4-BE49-F238E27FC236}">
+                <a16:creationId xmlns:a16="http://schemas.microsoft.com/office/drawing/2014/main" id="{15D61978-1330-40C6-8BA9-8AB2592EB2E1}"/>
+              </a:ext>
+            </a:extLst>
+          </p:cNvPr>
+          <p:cNvSpPr>
+            <a:spLocks noGrp="1"/>
+          </p:cNvSpPr>
+          <p:nvPr>
+            <p:ph idx="1"/>
+          </p:nvPr>
+        </p:nvSpPr>
+        <p:spPr>
+          <a:xfrm>
+            <a:off x="898919" y="1090658"/>
+            <a:ext cx="3386742" cy="573833"/>
+          </a:xfrm>
+        </p:spPr>
+        <p:txBody>
+          <a:bodyPr/>
+          <a:lstStyle/>
+          <a:p>
+            <a:pPr marL="0" indent="0">
+              <a:buNone/>
+            </a:pPr>
+            <a:r>
+              <a:rPr lang="en-US" altLang="zh-CN" sz="3200" dirty="0">
+                <a:latin typeface="Times New Roman" panose="02020603050405020304" pitchFamily="18" charset="0"/>
+                <a:cs typeface="Times New Roman" panose="02020603050405020304" pitchFamily="18" charset="0"/>
+              </a:rPr>
+              <a:t>10 nodes instances:</a:t>
             </a:r>
             <a:endParaRPr lang="zh-CN" altLang="en-US" sz="2400" dirty="0">
               <a:latin typeface="Times New Roman" panose="02020603050405020304" pitchFamily="18" charset="0"/>
@@ -9429,13 +11521,13 @@
           <p:nvPr>
             <p:extLst>
               <p:ext uri="{D42A27DB-BD31-4B8C-83A1-F6EECF244321}">
-                <p14:modId xmlns:p14="http://schemas.microsoft.com/office/powerpoint/2010/main" val="3829168272"/>
+                <p14:modId xmlns:p14="http://schemas.microsoft.com/office/powerpoint/2010/main" val="280457476"/>
               </p:ext>
             </p:extLst>
           </p:nvPr>
         </p:nvGraphicFramePr>
         <p:xfrm>
-          <a:off x="707053" y="1492898"/>
+          <a:off x="7746744" y="1833680"/>
           <a:ext cx="2707951" cy="3651795"/>
         </p:xfrm>
         <a:graphic>
@@ -9896,10 +11988,702 @@
           </a:graphicData>
         </a:graphic>
       </p:graphicFrame>
+      <p:graphicFrame>
+        <p:nvGraphicFramePr>
+          <p:cNvPr id="7" name="表格 4">
+            <a:extLst>
+              <a:ext uri="{FF2B5EF4-FFF2-40B4-BE49-F238E27FC236}">
+                <a16:creationId xmlns:a16="http://schemas.microsoft.com/office/drawing/2014/main" id="{FF9AFE7A-EEBF-43EB-9122-36BEAC9D52F9}"/>
+              </a:ext>
+            </a:extLst>
+          </p:cNvPr>
+          <p:cNvGraphicFramePr>
+            <a:graphicFrameLocks noGrp="1"/>
+          </p:cNvGraphicFramePr>
+          <p:nvPr>
+            <p:extLst>
+              <p:ext uri="{D42A27DB-BD31-4B8C-83A1-F6EECF244321}">
+                <p14:modId xmlns:p14="http://schemas.microsoft.com/office/powerpoint/2010/main" val="1641615676"/>
+              </p:ext>
+            </p:extLst>
+          </p:nvPr>
+        </p:nvGraphicFramePr>
+        <p:xfrm>
+          <a:off x="1142882" y="1845236"/>
+          <a:ext cx="2707951" cy="3651795"/>
+        </p:xfrm>
+        <a:graphic>
+          <a:graphicData uri="http://schemas.openxmlformats.org/drawingml/2006/table">
+            <a:tbl>
+              <a:tblPr firstRow="1" bandRow="1">
+                <a:tableStyleId>{5C22544A-7EE6-4342-B048-85BDC9FD1C3A}</a:tableStyleId>
+              </a:tblPr>
+              <a:tblGrid>
+                <a:gridCol w="1562843">
+                  <a:extLst>
+                    <a:ext uri="{9D8B030D-6E8A-4147-A177-3AD203B41FA5}">
+                      <a16:colId xmlns:a16="http://schemas.microsoft.com/office/drawing/2014/main" val="1291157183"/>
+                    </a:ext>
+                  </a:extLst>
+                </a:gridCol>
+                <a:gridCol w="1145108">
+                  <a:extLst>
+                    <a:ext uri="{9D8B030D-6E8A-4147-A177-3AD203B41FA5}">
+                      <a16:colId xmlns:a16="http://schemas.microsoft.com/office/drawing/2014/main" val="4237142221"/>
+                    </a:ext>
+                  </a:extLst>
+                </a:gridCol>
+              </a:tblGrid>
+              <a:tr h="655451">
+                <a:tc>
+                  <a:txBody>
+                    <a:bodyPr/>
+                    <a:lstStyle/>
+                    <a:p>
+                      <a:r>
+                        <a:rPr lang="en-US" altLang="zh-CN" sz="1800" dirty="0">
+                          <a:latin typeface="Times New Roman" panose="02020603050405020304" pitchFamily="18" charset="0"/>
+                          <a:cs typeface="Times New Roman" panose="02020603050405020304" pitchFamily="18" charset="0"/>
+                        </a:rPr>
+                        <a:t>Instance No. </a:t>
+                      </a:r>
+                      <a:endParaRPr lang="zh-CN" altLang="en-US" sz="1800" dirty="0">
+                        <a:latin typeface="Times New Roman" panose="02020603050405020304" pitchFamily="18" charset="0"/>
+                        <a:cs typeface="Times New Roman" panose="02020603050405020304" pitchFamily="18" charset="0"/>
+                      </a:endParaRPr>
+                    </a:p>
+                  </a:txBody>
+                  <a:tcPr anchor="ctr" anchorCtr="1"/>
+                </a:tc>
+                <a:tc>
+                  <a:txBody>
+                    <a:bodyPr/>
+                    <a:lstStyle/>
+                    <a:p>
+                      <a:r>
+                        <a:rPr lang="en-US" altLang="zh-CN" dirty="0">
+                          <a:latin typeface="Times New Roman" panose="02020603050405020304" pitchFamily="18" charset="0"/>
+                          <a:cs typeface="Times New Roman" panose="02020603050405020304" pitchFamily="18" charset="0"/>
+                        </a:rPr>
+                        <a:t>    Avg </a:t>
+                      </a:r>
+                    </a:p>
+                    <a:p>
+                      <a:r>
+                        <a:rPr lang="en-US" altLang="zh-CN" dirty="0">
+                          <a:latin typeface="Times New Roman" panose="02020603050405020304" pitchFamily="18" charset="0"/>
+                          <a:cs typeface="Times New Roman" panose="02020603050405020304" pitchFamily="18" charset="0"/>
+                        </a:rPr>
+                        <a:t># Repair</a:t>
+                      </a:r>
+                      <a:endParaRPr lang="zh-CN" altLang="en-US" dirty="0">
+                        <a:latin typeface="Times New Roman" panose="02020603050405020304" pitchFamily="18" charset="0"/>
+                        <a:cs typeface="Times New Roman" panose="02020603050405020304" pitchFamily="18" charset="0"/>
+                      </a:endParaRPr>
+                    </a:p>
+                  </a:txBody>
+                  <a:tcPr/>
+                </a:tc>
+                <a:extLst>
+                  <a:ext uri="{0D108BD9-81ED-4DB2-BD59-A6C34878D82A}">
+                    <a16:rowId xmlns:a16="http://schemas.microsoft.com/office/drawing/2014/main" val="4121929225"/>
+                  </a:ext>
+                </a:extLst>
+              </a:tr>
+              <a:tr h="374543">
+                <a:tc>
+                  <a:txBody>
+                    <a:bodyPr/>
+                    <a:lstStyle/>
+                    <a:p>
+                      <a:r>
+                        <a:rPr lang="en-US" altLang="zh-CN" sz="1800" dirty="0">
+                          <a:latin typeface="Times New Roman" panose="02020603050405020304" pitchFamily="18" charset="0"/>
+                          <a:cs typeface="Times New Roman" panose="02020603050405020304" pitchFamily="18" charset="0"/>
+                        </a:rPr>
+                        <a:t>0</a:t>
+                      </a:r>
+                      <a:endParaRPr lang="zh-CN" altLang="en-US" sz="1800" dirty="0">
+                        <a:latin typeface="Times New Roman" panose="02020603050405020304" pitchFamily="18" charset="0"/>
+                        <a:cs typeface="Times New Roman" panose="02020603050405020304" pitchFamily="18" charset="0"/>
+                      </a:endParaRPr>
+                    </a:p>
+                  </a:txBody>
+                  <a:tcPr anchor="ctr" anchorCtr="1"/>
+                </a:tc>
+                <a:tc>
+                  <a:txBody>
+                    <a:bodyPr/>
+                    <a:lstStyle/>
+                    <a:p>
+                      <a:r>
+                        <a:rPr lang="en-US" altLang="zh-CN" dirty="0">
+                          <a:latin typeface="Times New Roman" panose="02020603050405020304" pitchFamily="18" charset="0"/>
+                          <a:cs typeface="Times New Roman" panose="02020603050405020304" pitchFamily="18" charset="0"/>
+                        </a:rPr>
+                        <a:t>199</a:t>
+                      </a:r>
+                      <a:endParaRPr lang="zh-CN" altLang="en-US" dirty="0">
+                        <a:latin typeface="Times New Roman" panose="02020603050405020304" pitchFamily="18" charset="0"/>
+                        <a:cs typeface="Times New Roman" panose="02020603050405020304" pitchFamily="18" charset="0"/>
+                      </a:endParaRPr>
+                    </a:p>
+                  </a:txBody>
+                  <a:tcPr anchor="ctr" anchorCtr="1"/>
+                </a:tc>
+                <a:extLst>
+                  <a:ext uri="{0D108BD9-81ED-4DB2-BD59-A6C34878D82A}">
+                    <a16:rowId xmlns:a16="http://schemas.microsoft.com/office/drawing/2014/main" val="1905961767"/>
+                  </a:ext>
+                </a:extLst>
+              </a:tr>
+              <a:tr h="374543">
+                <a:tc>
+                  <a:txBody>
+                    <a:bodyPr/>
+                    <a:lstStyle/>
+                    <a:p>
+                      <a:r>
+                        <a:rPr lang="en-US" altLang="zh-CN" sz="1800" dirty="0">
+                          <a:latin typeface="Times New Roman" panose="02020603050405020304" pitchFamily="18" charset="0"/>
+                          <a:cs typeface="Times New Roman" panose="02020603050405020304" pitchFamily="18" charset="0"/>
+                        </a:rPr>
+                        <a:t>1</a:t>
+                      </a:r>
+                      <a:endParaRPr lang="zh-CN" altLang="en-US" sz="1800" dirty="0">
+                        <a:latin typeface="Times New Roman" panose="02020603050405020304" pitchFamily="18" charset="0"/>
+                        <a:cs typeface="Times New Roman" panose="02020603050405020304" pitchFamily="18" charset="0"/>
+                      </a:endParaRPr>
+                    </a:p>
+                  </a:txBody>
+                  <a:tcPr anchor="ctr" anchorCtr="1"/>
+                </a:tc>
+                <a:tc>
+                  <a:txBody>
+                    <a:bodyPr/>
+                    <a:lstStyle/>
+                    <a:p>
+                      <a:r>
+                        <a:rPr lang="en-US" altLang="zh-CN" dirty="0">
+                          <a:latin typeface="Times New Roman" panose="02020603050405020304" pitchFamily="18" charset="0"/>
+                          <a:cs typeface="Times New Roman" panose="02020603050405020304" pitchFamily="18" charset="0"/>
+                        </a:rPr>
+                        <a:t>179</a:t>
+                      </a:r>
+                      <a:endParaRPr lang="zh-CN" altLang="en-US" dirty="0">
+                        <a:latin typeface="Times New Roman" panose="02020603050405020304" pitchFamily="18" charset="0"/>
+                        <a:cs typeface="Times New Roman" panose="02020603050405020304" pitchFamily="18" charset="0"/>
+                      </a:endParaRPr>
+                    </a:p>
+                  </a:txBody>
+                  <a:tcPr anchor="ctr" anchorCtr="1"/>
+                </a:tc>
+                <a:extLst>
+                  <a:ext uri="{0D108BD9-81ED-4DB2-BD59-A6C34878D82A}">
+                    <a16:rowId xmlns:a16="http://schemas.microsoft.com/office/drawing/2014/main" val="1300603060"/>
+                  </a:ext>
+                </a:extLst>
+              </a:tr>
+              <a:tr h="374543">
+                <a:tc>
+                  <a:txBody>
+                    <a:bodyPr/>
+                    <a:lstStyle/>
+                    <a:p>
+                      <a:r>
+                        <a:rPr lang="en-US" altLang="zh-CN" sz="1800" dirty="0">
+                          <a:latin typeface="Times New Roman" panose="02020603050405020304" pitchFamily="18" charset="0"/>
+                          <a:cs typeface="Times New Roman" panose="02020603050405020304" pitchFamily="18" charset="0"/>
+                        </a:rPr>
+                        <a:t>2</a:t>
+                      </a:r>
+                      <a:endParaRPr lang="zh-CN" altLang="en-US" sz="1800" dirty="0">
+                        <a:latin typeface="Times New Roman" panose="02020603050405020304" pitchFamily="18" charset="0"/>
+                        <a:cs typeface="Times New Roman" panose="02020603050405020304" pitchFamily="18" charset="0"/>
+                      </a:endParaRPr>
+                    </a:p>
+                  </a:txBody>
+                  <a:tcPr anchor="ctr" anchorCtr="1"/>
+                </a:tc>
+                <a:tc>
+                  <a:txBody>
+                    <a:bodyPr/>
+                    <a:lstStyle/>
+                    <a:p>
+                      <a:r>
+                        <a:rPr lang="en-US" altLang="zh-CN" dirty="0">
+                          <a:latin typeface="Times New Roman" panose="02020603050405020304" pitchFamily="18" charset="0"/>
+                          <a:cs typeface="Times New Roman" panose="02020603050405020304" pitchFamily="18" charset="0"/>
+                        </a:rPr>
+                        <a:t>161</a:t>
+                      </a:r>
+                      <a:endParaRPr lang="zh-CN" altLang="en-US" dirty="0">
+                        <a:latin typeface="Times New Roman" panose="02020603050405020304" pitchFamily="18" charset="0"/>
+                        <a:cs typeface="Times New Roman" panose="02020603050405020304" pitchFamily="18" charset="0"/>
+                      </a:endParaRPr>
+                    </a:p>
+                  </a:txBody>
+                  <a:tcPr anchor="ctr" anchorCtr="1"/>
+                </a:tc>
+                <a:extLst>
+                  <a:ext uri="{0D108BD9-81ED-4DB2-BD59-A6C34878D82A}">
+                    <a16:rowId xmlns:a16="http://schemas.microsoft.com/office/drawing/2014/main" val="1605280274"/>
+                  </a:ext>
+                </a:extLst>
+              </a:tr>
+              <a:tr h="374543">
+                <a:tc>
+                  <a:txBody>
+                    <a:bodyPr/>
+                    <a:lstStyle/>
+                    <a:p>
+                      <a:r>
+                        <a:rPr lang="en-US" altLang="zh-CN" sz="1800" dirty="0">
+                          <a:latin typeface="Times New Roman" panose="02020603050405020304" pitchFamily="18" charset="0"/>
+                          <a:cs typeface="Times New Roman" panose="02020603050405020304" pitchFamily="18" charset="0"/>
+                        </a:rPr>
+                        <a:t>3</a:t>
+                      </a:r>
+                      <a:endParaRPr lang="zh-CN" altLang="en-US" sz="1800" dirty="0">
+                        <a:latin typeface="Times New Roman" panose="02020603050405020304" pitchFamily="18" charset="0"/>
+                        <a:cs typeface="Times New Roman" panose="02020603050405020304" pitchFamily="18" charset="0"/>
+                      </a:endParaRPr>
+                    </a:p>
+                  </a:txBody>
+                  <a:tcPr anchor="ctr" anchorCtr="1"/>
+                </a:tc>
+                <a:tc>
+                  <a:txBody>
+                    <a:bodyPr/>
+                    <a:lstStyle/>
+                    <a:p>
+                      <a:r>
+                        <a:rPr lang="en-US" altLang="zh-CN" dirty="0">
+                          <a:latin typeface="Times New Roman" panose="02020603050405020304" pitchFamily="18" charset="0"/>
+                          <a:cs typeface="Times New Roman" panose="02020603050405020304" pitchFamily="18" charset="0"/>
+                        </a:rPr>
+                        <a:t>157</a:t>
+                      </a:r>
+                      <a:endParaRPr lang="zh-CN" altLang="en-US" dirty="0">
+                        <a:latin typeface="Times New Roman" panose="02020603050405020304" pitchFamily="18" charset="0"/>
+                        <a:cs typeface="Times New Roman" panose="02020603050405020304" pitchFamily="18" charset="0"/>
+                      </a:endParaRPr>
+                    </a:p>
+                  </a:txBody>
+                  <a:tcPr anchor="ctr" anchorCtr="1"/>
+                </a:tc>
+                <a:extLst>
+                  <a:ext uri="{0D108BD9-81ED-4DB2-BD59-A6C34878D82A}">
+                    <a16:rowId xmlns:a16="http://schemas.microsoft.com/office/drawing/2014/main" val="4043451061"/>
+                  </a:ext>
+                </a:extLst>
+              </a:tr>
+              <a:tr h="374543">
+                <a:tc>
+                  <a:txBody>
+                    <a:bodyPr/>
+                    <a:lstStyle/>
+                    <a:p>
+                      <a:r>
+                        <a:rPr lang="en-US" altLang="zh-CN" sz="1800" dirty="0">
+                          <a:latin typeface="Times New Roman" panose="02020603050405020304" pitchFamily="18" charset="0"/>
+                          <a:cs typeface="Times New Roman" panose="02020603050405020304" pitchFamily="18" charset="0"/>
+                        </a:rPr>
+                        <a:t>4</a:t>
+                      </a:r>
+                      <a:endParaRPr lang="zh-CN" altLang="en-US" sz="1800" dirty="0">
+                        <a:latin typeface="Times New Roman" panose="02020603050405020304" pitchFamily="18" charset="0"/>
+                        <a:cs typeface="Times New Roman" panose="02020603050405020304" pitchFamily="18" charset="0"/>
+                      </a:endParaRPr>
+                    </a:p>
+                  </a:txBody>
+                  <a:tcPr anchor="ctr" anchorCtr="1"/>
+                </a:tc>
+                <a:tc>
+                  <a:txBody>
+                    <a:bodyPr/>
+                    <a:lstStyle/>
+                    <a:p>
+                      <a:r>
+                        <a:rPr lang="en-US" altLang="zh-CN" dirty="0">
+                          <a:latin typeface="Times New Roman" panose="02020603050405020304" pitchFamily="18" charset="0"/>
+                          <a:cs typeface="Times New Roman" panose="02020603050405020304" pitchFamily="18" charset="0"/>
+                        </a:rPr>
+                        <a:t>189</a:t>
+                      </a:r>
+                      <a:endParaRPr lang="zh-CN" altLang="en-US" dirty="0">
+                        <a:latin typeface="Times New Roman" panose="02020603050405020304" pitchFamily="18" charset="0"/>
+                        <a:cs typeface="Times New Roman" panose="02020603050405020304" pitchFamily="18" charset="0"/>
+                      </a:endParaRPr>
+                    </a:p>
+                  </a:txBody>
+                  <a:tcPr anchor="ctr" anchorCtr="1"/>
+                </a:tc>
+                <a:extLst>
+                  <a:ext uri="{0D108BD9-81ED-4DB2-BD59-A6C34878D82A}">
+                    <a16:rowId xmlns:a16="http://schemas.microsoft.com/office/drawing/2014/main" val="1208939035"/>
+                  </a:ext>
+                </a:extLst>
+              </a:tr>
+              <a:tr h="374543">
+                <a:tc>
+                  <a:txBody>
+                    <a:bodyPr/>
+                    <a:lstStyle/>
+                    <a:p>
+                      <a:r>
+                        <a:rPr lang="en-US" altLang="zh-CN" sz="1800" dirty="0">
+                          <a:latin typeface="Times New Roman" panose="02020603050405020304" pitchFamily="18" charset="0"/>
+                          <a:cs typeface="Times New Roman" panose="02020603050405020304" pitchFamily="18" charset="0"/>
+                        </a:rPr>
+                        <a:t>5</a:t>
+                      </a:r>
+                      <a:endParaRPr lang="zh-CN" altLang="en-US" sz="1800" dirty="0">
+                        <a:latin typeface="Times New Roman" panose="02020603050405020304" pitchFamily="18" charset="0"/>
+                        <a:cs typeface="Times New Roman" panose="02020603050405020304" pitchFamily="18" charset="0"/>
+                      </a:endParaRPr>
+                    </a:p>
+                  </a:txBody>
+                  <a:tcPr anchor="ctr" anchorCtr="1"/>
+                </a:tc>
+                <a:tc>
+                  <a:txBody>
+                    <a:bodyPr/>
+                    <a:lstStyle/>
+                    <a:p>
+                      <a:r>
+                        <a:rPr lang="en-US" altLang="zh-CN" dirty="0">
+                          <a:latin typeface="Times New Roman" panose="02020603050405020304" pitchFamily="18" charset="0"/>
+                          <a:cs typeface="Times New Roman" panose="02020603050405020304" pitchFamily="18" charset="0"/>
+                        </a:rPr>
+                        <a:t>165</a:t>
+                      </a:r>
+                      <a:endParaRPr lang="zh-CN" altLang="en-US" dirty="0">
+                        <a:latin typeface="Times New Roman" panose="02020603050405020304" pitchFamily="18" charset="0"/>
+                        <a:cs typeface="Times New Roman" panose="02020603050405020304" pitchFamily="18" charset="0"/>
+                      </a:endParaRPr>
+                    </a:p>
+                  </a:txBody>
+                  <a:tcPr anchor="ctr" anchorCtr="1"/>
+                </a:tc>
+                <a:extLst>
+                  <a:ext uri="{0D108BD9-81ED-4DB2-BD59-A6C34878D82A}">
+                    <a16:rowId xmlns:a16="http://schemas.microsoft.com/office/drawing/2014/main" val="2845907083"/>
+                  </a:ext>
+                </a:extLst>
+              </a:tr>
+              <a:tr h="374543">
+                <a:tc>
+                  <a:txBody>
+                    <a:bodyPr/>
+                    <a:lstStyle/>
+                    <a:p>
+                      <a:r>
+                        <a:rPr lang="en-US" altLang="zh-CN" sz="1800" dirty="0">
+                          <a:latin typeface="Times New Roman" panose="02020603050405020304" pitchFamily="18" charset="0"/>
+                          <a:cs typeface="Times New Roman" panose="02020603050405020304" pitchFamily="18" charset="0"/>
+                        </a:rPr>
+                        <a:t>6</a:t>
+                      </a:r>
+                      <a:endParaRPr lang="zh-CN" altLang="en-US" sz="1800" dirty="0">
+                        <a:latin typeface="Times New Roman" panose="02020603050405020304" pitchFamily="18" charset="0"/>
+                        <a:cs typeface="Times New Roman" panose="02020603050405020304" pitchFamily="18" charset="0"/>
+                      </a:endParaRPr>
+                    </a:p>
+                  </a:txBody>
+                  <a:tcPr anchor="ctr" anchorCtr="1"/>
+                </a:tc>
+                <a:tc>
+                  <a:txBody>
+                    <a:bodyPr/>
+                    <a:lstStyle/>
+                    <a:p>
+                      <a:r>
+                        <a:rPr lang="en-US" altLang="zh-CN" dirty="0">
+                          <a:latin typeface="Times New Roman" panose="02020603050405020304" pitchFamily="18" charset="0"/>
+                          <a:cs typeface="Times New Roman" panose="02020603050405020304" pitchFamily="18" charset="0"/>
+                        </a:rPr>
+                        <a:t>221</a:t>
+                      </a:r>
+                      <a:endParaRPr lang="zh-CN" altLang="en-US" dirty="0">
+                        <a:latin typeface="Times New Roman" panose="02020603050405020304" pitchFamily="18" charset="0"/>
+                        <a:cs typeface="Times New Roman" panose="02020603050405020304" pitchFamily="18" charset="0"/>
+                      </a:endParaRPr>
+                    </a:p>
+                  </a:txBody>
+                  <a:tcPr anchor="ctr" anchorCtr="1"/>
+                </a:tc>
+                <a:extLst>
+                  <a:ext uri="{0D108BD9-81ED-4DB2-BD59-A6C34878D82A}">
+                    <a16:rowId xmlns:a16="http://schemas.microsoft.com/office/drawing/2014/main" val="3253787355"/>
+                  </a:ext>
+                </a:extLst>
+              </a:tr>
+              <a:tr h="374543">
+                <a:tc>
+                  <a:txBody>
+                    <a:bodyPr/>
+                    <a:lstStyle/>
+                    <a:p>
+                      <a:r>
+                        <a:rPr lang="en-US" altLang="zh-CN" sz="1800" dirty="0">
+                          <a:latin typeface="Times New Roman" panose="02020603050405020304" pitchFamily="18" charset="0"/>
+                          <a:cs typeface="Times New Roman" panose="02020603050405020304" pitchFamily="18" charset="0"/>
+                        </a:rPr>
+                        <a:t>7</a:t>
+                      </a:r>
+                      <a:endParaRPr lang="zh-CN" altLang="en-US" sz="1800" dirty="0">
+                        <a:latin typeface="Times New Roman" panose="02020603050405020304" pitchFamily="18" charset="0"/>
+                        <a:cs typeface="Times New Roman" panose="02020603050405020304" pitchFamily="18" charset="0"/>
+                      </a:endParaRPr>
+                    </a:p>
+                  </a:txBody>
+                  <a:tcPr anchor="ctr" anchorCtr="1"/>
+                </a:tc>
+                <a:tc>
+                  <a:txBody>
+                    <a:bodyPr/>
+                    <a:lstStyle/>
+                    <a:p>
+                      <a:r>
+                        <a:rPr lang="en-US" altLang="zh-CN" dirty="0">
+                          <a:latin typeface="Times New Roman" panose="02020603050405020304" pitchFamily="18" charset="0"/>
+                          <a:cs typeface="Times New Roman" panose="02020603050405020304" pitchFamily="18" charset="0"/>
+                        </a:rPr>
+                        <a:t>185</a:t>
+                      </a:r>
+                      <a:endParaRPr lang="zh-CN" altLang="en-US" dirty="0">
+                        <a:latin typeface="Times New Roman" panose="02020603050405020304" pitchFamily="18" charset="0"/>
+                        <a:cs typeface="Times New Roman" panose="02020603050405020304" pitchFamily="18" charset="0"/>
+                      </a:endParaRPr>
+                    </a:p>
+                  </a:txBody>
+                  <a:tcPr anchor="ctr" anchorCtr="1"/>
+                </a:tc>
+                <a:extLst>
+                  <a:ext uri="{0D108BD9-81ED-4DB2-BD59-A6C34878D82A}">
+                    <a16:rowId xmlns:a16="http://schemas.microsoft.com/office/drawing/2014/main" val="2177797321"/>
+                  </a:ext>
+                </a:extLst>
+              </a:tr>
+            </a:tbl>
+          </a:graphicData>
+        </a:graphic>
+      </p:graphicFrame>
+      <p:sp>
+        <p:nvSpPr>
+          <p:cNvPr id="8" name="内容占位符 4">
+            <a:extLst>
+              <a:ext uri="{FF2B5EF4-FFF2-40B4-BE49-F238E27FC236}">
+                <a16:creationId xmlns:a16="http://schemas.microsoft.com/office/drawing/2014/main" id="{7A5BCAE9-35FD-40CD-8F32-1F510FAF8B27}"/>
+              </a:ext>
+            </a:extLst>
+          </p:cNvPr>
+          <p:cNvSpPr txBox="1">
+            <a:spLocks/>
+          </p:cNvSpPr>
+          <p:nvPr/>
+        </p:nvSpPr>
+        <p:spPr>
+          <a:xfrm>
+            <a:off x="7407349" y="1074051"/>
+            <a:ext cx="3386742" cy="573833"/>
+          </a:xfrm>
+          <a:prstGeom prst="rect">
+            <a:avLst/>
+          </a:prstGeom>
+        </p:spPr>
+        <p:txBody>
+          <a:bodyPr vert="horz" lIns="91440" tIns="45720" rIns="91440" bIns="45720" rtlCol="0">
+            <a:normAutofit/>
+          </a:bodyPr>
+          <a:lstStyle>
+            <a:lvl1pPr marL="228600" indent="-228600" algn="l" defTabSz="914400" rtl="0" eaLnBrk="1" latinLnBrk="0" hangingPunct="1">
+              <a:lnSpc>
+                <a:spcPct val="90000"/>
+              </a:lnSpc>
+              <a:spcBef>
+                <a:spcPts val="1000"/>
+              </a:spcBef>
+              <a:buFont typeface="Arial" panose="020B0604020202020204" pitchFamily="34" charset="0"/>
+              <a:buChar char="•"/>
+              <a:defRPr sz="2800" kern="1200">
+                <a:solidFill>
+                  <a:schemeClr val="tx1"/>
+                </a:solidFill>
+                <a:latin typeface="+mn-lt"/>
+                <a:ea typeface="+mn-ea"/>
+                <a:cs typeface="+mn-cs"/>
+              </a:defRPr>
+            </a:lvl1pPr>
+            <a:lvl2pPr marL="685800" indent="-228600" algn="l" defTabSz="914400" rtl="0" eaLnBrk="1" latinLnBrk="0" hangingPunct="1">
+              <a:lnSpc>
+                <a:spcPct val="90000"/>
+              </a:lnSpc>
+              <a:spcBef>
+                <a:spcPts val="500"/>
+              </a:spcBef>
+              <a:buFont typeface="Arial" panose="020B0604020202020204" pitchFamily="34" charset="0"/>
+              <a:buChar char="•"/>
+              <a:defRPr sz="2400" kern="1200">
+                <a:solidFill>
+                  <a:schemeClr val="tx1"/>
+                </a:solidFill>
+                <a:latin typeface="+mn-lt"/>
+                <a:ea typeface="+mn-ea"/>
+                <a:cs typeface="+mn-cs"/>
+              </a:defRPr>
+            </a:lvl2pPr>
+            <a:lvl3pPr marL="1143000" indent="-228600" algn="l" defTabSz="914400" rtl="0" eaLnBrk="1" latinLnBrk="0" hangingPunct="1">
+              <a:lnSpc>
+                <a:spcPct val="90000"/>
+              </a:lnSpc>
+              <a:spcBef>
+                <a:spcPts val="500"/>
+              </a:spcBef>
+              <a:buFont typeface="Arial" panose="020B0604020202020204" pitchFamily="34" charset="0"/>
+              <a:buChar char="•"/>
+              <a:defRPr sz="2000" kern="1200">
+                <a:solidFill>
+                  <a:schemeClr val="tx1"/>
+                </a:solidFill>
+                <a:latin typeface="+mn-lt"/>
+                <a:ea typeface="+mn-ea"/>
+                <a:cs typeface="+mn-cs"/>
+              </a:defRPr>
+            </a:lvl3pPr>
+            <a:lvl4pPr marL="1600200" indent="-228600" algn="l" defTabSz="914400" rtl="0" eaLnBrk="1" latinLnBrk="0" hangingPunct="1">
+              <a:lnSpc>
+                <a:spcPct val="90000"/>
+              </a:lnSpc>
+              <a:spcBef>
+                <a:spcPts val="500"/>
+              </a:spcBef>
+              <a:buFont typeface="Arial" panose="020B0604020202020204" pitchFamily="34" charset="0"/>
+              <a:buChar char="•"/>
+              <a:defRPr sz="1800" kern="1200">
+                <a:solidFill>
+                  <a:schemeClr val="tx1"/>
+                </a:solidFill>
+                <a:latin typeface="+mn-lt"/>
+                <a:ea typeface="+mn-ea"/>
+                <a:cs typeface="+mn-cs"/>
+              </a:defRPr>
+            </a:lvl4pPr>
+            <a:lvl5pPr marL="2057400" indent="-228600" algn="l" defTabSz="914400" rtl="0" eaLnBrk="1" latinLnBrk="0" hangingPunct="1">
+              <a:lnSpc>
+                <a:spcPct val="90000"/>
+              </a:lnSpc>
+              <a:spcBef>
+                <a:spcPts val="500"/>
+              </a:spcBef>
+              <a:buFont typeface="Arial" panose="020B0604020202020204" pitchFamily="34" charset="0"/>
+              <a:buChar char="•"/>
+              <a:defRPr sz="1800" kern="1200">
+                <a:solidFill>
+                  <a:schemeClr val="tx1"/>
+                </a:solidFill>
+                <a:latin typeface="+mn-lt"/>
+                <a:ea typeface="+mn-ea"/>
+                <a:cs typeface="+mn-cs"/>
+              </a:defRPr>
+            </a:lvl5pPr>
+            <a:lvl6pPr marL="2514600" indent="-228600" algn="l" defTabSz="914400" rtl="0" eaLnBrk="1" latinLnBrk="0" hangingPunct="1">
+              <a:lnSpc>
+                <a:spcPct val="90000"/>
+              </a:lnSpc>
+              <a:spcBef>
+                <a:spcPts val="500"/>
+              </a:spcBef>
+              <a:buFont typeface="Arial" panose="020B0604020202020204" pitchFamily="34" charset="0"/>
+              <a:buChar char="•"/>
+              <a:defRPr sz="1800" kern="1200">
+                <a:solidFill>
+                  <a:schemeClr val="tx1"/>
+                </a:solidFill>
+                <a:latin typeface="+mn-lt"/>
+                <a:ea typeface="+mn-ea"/>
+                <a:cs typeface="+mn-cs"/>
+              </a:defRPr>
+            </a:lvl6pPr>
+            <a:lvl7pPr marL="2971800" indent="-228600" algn="l" defTabSz="914400" rtl="0" eaLnBrk="1" latinLnBrk="0" hangingPunct="1">
+              <a:lnSpc>
+                <a:spcPct val="90000"/>
+              </a:lnSpc>
+              <a:spcBef>
+                <a:spcPts val="500"/>
+              </a:spcBef>
+              <a:buFont typeface="Arial" panose="020B0604020202020204" pitchFamily="34" charset="0"/>
+              <a:buChar char="•"/>
+              <a:defRPr sz="1800" kern="1200">
+                <a:solidFill>
+                  <a:schemeClr val="tx1"/>
+                </a:solidFill>
+                <a:latin typeface="+mn-lt"/>
+                <a:ea typeface="+mn-ea"/>
+                <a:cs typeface="+mn-cs"/>
+              </a:defRPr>
+            </a:lvl7pPr>
+            <a:lvl8pPr marL="3429000" indent="-228600" algn="l" defTabSz="914400" rtl="0" eaLnBrk="1" latinLnBrk="0" hangingPunct="1">
+              <a:lnSpc>
+                <a:spcPct val="90000"/>
+              </a:lnSpc>
+              <a:spcBef>
+                <a:spcPts val="500"/>
+              </a:spcBef>
+              <a:buFont typeface="Arial" panose="020B0604020202020204" pitchFamily="34" charset="0"/>
+              <a:buChar char="•"/>
+              <a:defRPr sz="1800" kern="1200">
+                <a:solidFill>
+                  <a:schemeClr val="tx1"/>
+                </a:solidFill>
+                <a:latin typeface="+mn-lt"/>
+                <a:ea typeface="+mn-ea"/>
+                <a:cs typeface="+mn-cs"/>
+              </a:defRPr>
+            </a:lvl8pPr>
+            <a:lvl9pPr marL="3886200" indent="-228600" algn="l" defTabSz="914400" rtl="0" eaLnBrk="1" latinLnBrk="0" hangingPunct="1">
+              <a:lnSpc>
+                <a:spcPct val="90000"/>
+              </a:lnSpc>
+              <a:spcBef>
+                <a:spcPts val="500"/>
+              </a:spcBef>
+              <a:buFont typeface="Arial" panose="020B0604020202020204" pitchFamily="34" charset="0"/>
+              <a:buChar char="•"/>
+              <a:defRPr sz="1800" kern="1200">
+                <a:solidFill>
+                  <a:schemeClr val="tx1"/>
+                </a:solidFill>
+                <a:latin typeface="+mn-lt"/>
+                <a:ea typeface="+mn-ea"/>
+                <a:cs typeface="+mn-cs"/>
+              </a:defRPr>
+            </a:lvl9pPr>
+          </a:lstStyle>
+          <a:p>
+            <a:pPr marL="0" indent="0">
+              <a:buFont typeface="Arial" panose="020B0604020202020204" pitchFamily="34" charset="0"/>
+              <a:buNone/>
+            </a:pPr>
+            <a:r>
+              <a:rPr lang="en-US" altLang="zh-CN" sz="3200">
+                <a:latin typeface="Times New Roman" panose="02020603050405020304" pitchFamily="18" charset="0"/>
+                <a:cs typeface="Times New Roman" panose="02020603050405020304" pitchFamily="18" charset="0"/>
+              </a:rPr>
+              <a:t>50 nodes instances:</a:t>
+            </a:r>
+            <a:endParaRPr lang="zh-CN" altLang="en-US" sz="2400" dirty="0">
+              <a:latin typeface="Times New Roman" panose="02020603050405020304" pitchFamily="18" charset="0"/>
+              <a:cs typeface="Times New Roman" panose="02020603050405020304" pitchFamily="18" charset="0"/>
+            </a:endParaRPr>
+          </a:p>
+        </p:txBody>
+      </p:sp>
     </p:spTree>
     <p:extLst>
       <p:ext uri="{BB962C8B-B14F-4D97-AF65-F5344CB8AC3E}">
-        <p14:creationId xmlns:p14="http://schemas.microsoft.com/office/powerpoint/2010/main" val="791387852"/>
+        <p14:creationId xmlns:p14="http://schemas.microsoft.com/office/powerpoint/2010/main" val="2304513643"/>
       </p:ext>
     </p:extLst>
   </p:cSld>
@@ -9909,7 +12693,7 @@
 </p:sld>
 </file>
 
-<file path=ppt/slides/slide14.xml><?xml version="1.0" encoding="utf-8"?>
+<file path=ppt/slides/slide18.xml><?xml version="1.0" encoding="utf-8"?>
 <p:sld xmlns:a="http://schemas.openxmlformats.org/drawingml/2006/main" xmlns:r="http://schemas.openxmlformats.org/officeDocument/2006/relationships" xmlns:p="http://schemas.openxmlformats.org/presentationml/2006/main">
   <p:cSld>
     <p:spTree>
@@ -11176,7 +13960,7 @@
 </p:sld>
 </file>
 
-<file path=ppt/slides/slide15.xml><?xml version="1.0" encoding="utf-8"?>
+<file path=ppt/slides/slide19.xml><?xml version="1.0" encoding="utf-8"?>
 <p:sld xmlns:a="http://schemas.openxmlformats.org/drawingml/2006/main" xmlns:r="http://schemas.openxmlformats.org/officeDocument/2006/relationships" xmlns:p="http://schemas.openxmlformats.org/presentationml/2006/main">
   <p:cSld>
     <p:spTree>
@@ -11237,39 +14021,206 @@
       </p:sp>
       <p:sp>
         <p:nvSpPr>
-          <p:cNvPr id="5" name="内容占位符 4">
+          <p:cNvPr id="7" name="内容占位符 4">
             <a:extLst>
               <a:ext uri="{FF2B5EF4-FFF2-40B4-BE49-F238E27FC236}">
-                <a16:creationId xmlns:a16="http://schemas.microsoft.com/office/drawing/2014/main" id="{15D61978-1330-40C6-8BA9-8AB2592EB2E1}"/>
+                <a16:creationId xmlns:a16="http://schemas.microsoft.com/office/drawing/2014/main" id="{A0BD49DC-43CA-4D6E-BD7C-DEBA04195453}"/>
               </a:ext>
             </a:extLst>
           </p:cNvPr>
-          <p:cNvSpPr>
-            <a:spLocks noGrp="1"/>
+          <p:cNvSpPr txBox="1">
+            <a:spLocks/>
           </p:cNvSpPr>
-          <p:nvPr>
-            <p:ph idx="1"/>
-          </p:nvPr>
+          <p:nvPr/>
         </p:nvSpPr>
         <p:spPr>
           <a:xfrm>
-            <a:off x="7949951" y="332466"/>
-            <a:ext cx="3386742" cy="573833"/>
+            <a:off x="5835498" y="352845"/>
+            <a:ext cx="2603827" cy="573833"/>
           </a:xfrm>
+          <a:prstGeom prst="rect">
+            <a:avLst/>
+          </a:prstGeom>
         </p:spPr>
         <p:txBody>
-          <a:bodyPr/>
-          <a:lstStyle/>
+          <a:bodyPr vert="horz" lIns="91440" tIns="45720" rIns="91440" bIns="45720" rtlCol="0">
+            <a:normAutofit/>
+          </a:bodyPr>
+          <a:lstStyle>
+            <a:lvl1pPr marL="228600" indent="-228600" algn="l" defTabSz="914400" rtl="0" eaLnBrk="1" latinLnBrk="0" hangingPunct="1">
+              <a:lnSpc>
+                <a:spcPct val="90000"/>
+              </a:lnSpc>
+              <a:spcBef>
+                <a:spcPts val="1000"/>
+              </a:spcBef>
+              <a:buFont typeface="Arial" panose="020B0604020202020204" pitchFamily="34" charset="0"/>
+              <a:buChar char="•"/>
+              <a:defRPr sz="2800" kern="1200">
+                <a:solidFill>
+                  <a:schemeClr val="tx1"/>
+                </a:solidFill>
+                <a:latin typeface="+mn-lt"/>
+                <a:ea typeface="+mn-ea"/>
+                <a:cs typeface="+mn-cs"/>
+              </a:defRPr>
+            </a:lvl1pPr>
+            <a:lvl2pPr marL="685800" indent="-228600" algn="l" defTabSz="914400" rtl="0" eaLnBrk="1" latinLnBrk="0" hangingPunct="1">
+              <a:lnSpc>
+                <a:spcPct val="90000"/>
+              </a:lnSpc>
+              <a:spcBef>
+                <a:spcPts val="500"/>
+              </a:spcBef>
+              <a:buFont typeface="Arial" panose="020B0604020202020204" pitchFamily="34" charset="0"/>
+              <a:buChar char="•"/>
+              <a:defRPr sz="2400" kern="1200">
+                <a:solidFill>
+                  <a:schemeClr val="tx1"/>
+                </a:solidFill>
+                <a:latin typeface="+mn-lt"/>
+                <a:ea typeface="+mn-ea"/>
+                <a:cs typeface="+mn-cs"/>
+              </a:defRPr>
+            </a:lvl2pPr>
+            <a:lvl3pPr marL="1143000" indent="-228600" algn="l" defTabSz="914400" rtl="0" eaLnBrk="1" latinLnBrk="0" hangingPunct="1">
+              <a:lnSpc>
+                <a:spcPct val="90000"/>
+              </a:lnSpc>
+              <a:spcBef>
+                <a:spcPts val="500"/>
+              </a:spcBef>
+              <a:buFont typeface="Arial" panose="020B0604020202020204" pitchFamily="34" charset="0"/>
+              <a:buChar char="•"/>
+              <a:defRPr sz="2000" kern="1200">
+                <a:solidFill>
+                  <a:schemeClr val="tx1"/>
+                </a:solidFill>
+                <a:latin typeface="+mn-lt"/>
+                <a:ea typeface="+mn-ea"/>
+                <a:cs typeface="+mn-cs"/>
+              </a:defRPr>
+            </a:lvl3pPr>
+            <a:lvl4pPr marL="1600200" indent="-228600" algn="l" defTabSz="914400" rtl="0" eaLnBrk="1" latinLnBrk="0" hangingPunct="1">
+              <a:lnSpc>
+                <a:spcPct val="90000"/>
+              </a:lnSpc>
+              <a:spcBef>
+                <a:spcPts val="500"/>
+              </a:spcBef>
+              <a:buFont typeface="Arial" panose="020B0604020202020204" pitchFamily="34" charset="0"/>
+              <a:buChar char="•"/>
+              <a:defRPr sz="1800" kern="1200">
+                <a:solidFill>
+                  <a:schemeClr val="tx1"/>
+                </a:solidFill>
+                <a:latin typeface="+mn-lt"/>
+                <a:ea typeface="+mn-ea"/>
+                <a:cs typeface="+mn-cs"/>
+              </a:defRPr>
+            </a:lvl4pPr>
+            <a:lvl5pPr marL="2057400" indent="-228600" algn="l" defTabSz="914400" rtl="0" eaLnBrk="1" latinLnBrk="0" hangingPunct="1">
+              <a:lnSpc>
+                <a:spcPct val="90000"/>
+              </a:lnSpc>
+              <a:spcBef>
+                <a:spcPts val="500"/>
+              </a:spcBef>
+              <a:buFont typeface="Arial" panose="020B0604020202020204" pitchFamily="34" charset="0"/>
+              <a:buChar char="•"/>
+              <a:defRPr sz="1800" kern="1200">
+                <a:solidFill>
+                  <a:schemeClr val="tx1"/>
+                </a:solidFill>
+                <a:latin typeface="+mn-lt"/>
+                <a:ea typeface="+mn-ea"/>
+                <a:cs typeface="+mn-cs"/>
+              </a:defRPr>
+            </a:lvl5pPr>
+            <a:lvl6pPr marL="2514600" indent="-228600" algn="l" defTabSz="914400" rtl="0" eaLnBrk="1" latinLnBrk="0" hangingPunct="1">
+              <a:lnSpc>
+                <a:spcPct val="90000"/>
+              </a:lnSpc>
+              <a:spcBef>
+                <a:spcPts val="500"/>
+              </a:spcBef>
+              <a:buFont typeface="Arial" panose="020B0604020202020204" pitchFamily="34" charset="0"/>
+              <a:buChar char="•"/>
+              <a:defRPr sz="1800" kern="1200">
+                <a:solidFill>
+                  <a:schemeClr val="tx1"/>
+                </a:solidFill>
+                <a:latin typeface="+mn-lt"/>
+                <a:ea typeface="+mn-ea"/>
+                <a:cs typeface="+mn-cs"/>
+              </a:defRPr>
+            </a:lvl6pPr>
+            <a:lvl7pPr marL="2971800" indent="-228600" algn="l" defTabSz="914400" rtl="0" eaLnBrk="1" latinLnBrk="0" hangingPunct="1">
+              <a:lnSpc>
+                <a:spcPct val="90000"/>
+              </a:lnSpc>
+              <a:spcBef>
+                <a:spcPts val="500"/>
+              </a:spcBef>
+              <a:buFont typeface="Arial" panose="020B0604020202020204" pitchFamily="34" charset="0"/>
+              <a:buChar char="•"/>
+              <a:defRPr sz="1800" kern="1200">
+                <a:solidFill>
+                  <a:schemeClr val="tx1"/>
+                </a:solidFill>
+                <a:latin typeface="+mn-lt"/>
+                <a:ea typeface="+mn-ea"/>
+                <a:cs typeface="+mn-cs"/>
+              </a:defRPr>
+            </a:lvl7pPr>
+            <a:lvl8pPr marL="3429000" indent="-228600" algn="l" defTabSz="914400" rtl="0" eaLnBrk="1" latinLnBrk="0" hangingPunct="1">
+              <a:lnSpc>
+                <a:spcPct val="90000"/>
+              </a:lnSpc>
+              <a:spcBef>
+                <a:spcPts val="500"/>
+              </a:spcBef>
+              <a:buFont typeface="Arial" panose="020B0604020202020204" pitchFamily="34" charset="0"/>
+              <a:buChar char="•"/>
+              <a:defRPr sz="1800" kern="1200">
+                <a:solidFill>
+                  <a:schemeClr val="tx1"/>
+                </a:solidFill>
+                <a:latin typeface="+mn-lt"/>
+                <a:ea typeface="+mn-ea"/>
+                <a:cs typeface="+mn-cs"/>
+              </a:defRPr>
+            </a:lvl8pPr>
+            <a:lvl9pPr marL="3886200" indent="-228600" algn="l" defTabSz="914400" rtl="0" eaLnBrk="1" latinLnBrk="0" hangingPunct="1">
+              <a:lnSpc>
+                <a:spcPct val="90000"/>
+              </a:lnSpc>
+              <a:spcBef>
+                <a:spcPts val="500"/>
+              </a:spcBef>
+              <a:buFont typeface="Arial" panose="020B0604020202020204" pitchFamily="34" charset="0"/>
+              <a:buChar char="•"/>
+              <a:defRPr sz="1800" kern="1200">
+                <a:solidFill>
+                  <a:schemeClr val="tx1"/>
+                </a:solidFill>
+                <a:latin typeface="+mn-lt"/>
+                <a:ea typeface="+mn-ea"/>
+                <a:cs typeface="+mn-cs"/>
+              </a:defRPr>
+            </a:lvl9pPr>
+          </a:lstStyle>
           <a:p>
             <a:pPr marL="0" indent="0">
+              <a:buFont typeface="Arial" panose="020B0604020202020204" pitchFamily="34" charset="0"/>
               <a:buNone/>
             </a:pPr>
             <a:r>
-              <a:rPr lang="en-US" altLang="zh-CN" sz="3200" dirty="0">
+              <a:rPr lang="en-US" altLang="zh-CN" sz="3200">
                 <a:latin typeface="Times New Roman" panose="02020603050405020304" pitchFamily="18" charset="0"/>
                 <a:cs typeface="Times New Roman" panose="02020603050405020304" pitchFamily="18" charset="0"/>
               </a:rPr>
-              <a:t>50 nodes instances:</a:t>
+              <a:t>50_0 instance:</a:t>
             </a:r>
             <a:endParaRPr lang="zh-CN" altLang="en-US" sz="2400" dirty="0">
               <a:latin typeface="Times New Roman" panose="02020603050405020304" pitchFamily="18" charset="0"/>
@@ -11278,4337 +14229,76 @@
           </a:p>
         </p:txBody>
       </p:sp>
-      <mc:AlternateContent xmlns:mc="http://schemas.openxmlformats.org/markup-compatibility/2006" xmlns:a14="http://schemas.microsoft.com/office/drawing/2010/main">
-        <mc:Choice Requires="a14">
-          <p:graphicFrame>
-            <p:nvGraphicFramePr>
-              <p:cNvPr id="10" name="表格 10">
-                <a:extLst>
-                  <a:ext uri="{FF2B5EF4-FFF2-40B4-BE49-F238E27FC236}">
-                    <a16:creationId xmlns:a16="http://schemas.microsoft.com/office/drawing/2014/main" id="{BA1E0950-CE37-4CF8-B181-9D70972C978F}"/>
-                  </a:ext>
-                </a:extLst>
-              </p:cNvPr>
-              <p:cNvGraphicFramePr>
-                <a:graphicFrameLocks noGrp="1"/>
-              </p:cNvGraphicFramePr>
-              <p:nvPr>
-                <p:extLst>
-                  <p:ext uri="{D42A27DB-BD31-4B8C-83A1-F6EECF244321}">
-                    <p14:modId xmlns:p14="http://schemas.microsoft.com/office/powerpoint/2010/main" val="1130980859"/>
-                  </p:ext>
-                </p:extLst>
-              </p:nvPr>
-            </p:nvGraphicFramePr>
-            <p:xfrm>
-              <a:off x="165109" y="1135944"/>
-              <a:ext cx="11656773" cy="5369211"/>
-            </p:xfrm>
-            <a:graphic>
-              <a:graphicData uri="http://schemas.openxmlformats.org/drawingml/2006/table">
-                <a:tbl>
-                  <a:tblPr firstRow="1" bandRow="1">
-                    <a:tableStyleId>{5C22544A-7EE6-4342-B048-85BDC9FD1C3A}</a:tableStyleId>
-                  </a:tblPr>
-                  <a:tblGrid>
-                    <a:gridCol w="1295197">
-                      <a:extLst>
-                        <a:ext uri="{9D8B030D-6E8A-4147-A177-3AD203B41FA5}">
-                          <a16:colId xmlns:a16="http://schemas.microsoft.com/office/drawing/2014/main" val="3349384481"/>
-                        </a:ext>
-                      </a:extLst>
-                    </a:gridCol>
-                    <a:gridCol w="1295197">
-                      <a:extLst>
-                        <a:ext uri="{9D8B030D-6E8A-4147-A177-3AD203B41FA5}">
-                          <a16:colId xmlns:a16="http://schemas.microsoft.com/office/drawing/2014/main" val="3000087449"/>
-                        </a:ext>
-                      </a:extLst>
-                    </a:gridCol>
-                    <a:gridCol w="1295197">
-                      <a:extLst>
-                        <a:ext uri="{9D8B030D-6E8A-4147-A177-3AD203B41FA5}">
-                          <a16:colId xmlns:a16="http://schemas.microsoft.com/office/drawing/2014/main" val="1645417061"/>
-                        </a:ext>
-                      </a:extLst>
-                    </a:gridCol>
-                    <a:gridCol w="1295197">
-                      <a:extLst>
-                        <a:ext uri="{9D8B030D-6E8A-4147-A177-3AD203B41FA5}">
-                          <a16:colId xmlns:a16="http://schemas.microsoft.com/office/drawing/2014/main" val="4276110197"/>
-                        </a:ext>
-                      </a:extLst>
-                    </a:gridCol>
-                    <a:gridCol w="1295197">
-                      <a:extLst>
-                        <a:ext uri="{9D8B030D-6E8A-4147-A177-3AD203B41FA5}">
-                          <a16:colId xmlns:a16="http://schemas.microsoft.com/office/drawing/2014/main" val="3794287868"/>
-                        </a:ext>
-                      </a:extLst>
-                    </a:gridCol>
-                    <a:gridCol w="1295197">
-                      <a:extLst>
-                        <a:ext uri="{9D8B030D-6E8A-4147-A177-3AD203B41FA5}">
-                          <a16:colId xmlns:a16="http://schemas.microsoft.com/office/drawing/2014/main" val="2058528022"/>
-                        </a:ext>
-                      </a:extLst>
-                    </a:gridCol>
-                    <a:gridCol w="1295197">
-                      <a:extLst>
-                        <a:ext uri="{9D8B030D-6E8A-4147-A177-3AD203B41FA5}">
-                          <a16:colId xmlns:a16="http://schemas.microsoft.com/office/drawing/2014/main" val="3187491670"/>
-                        </a:ext>
-                      </a:extLst>
-                    </a:gridCol>
-                    <a:gridCol w="1517377">
-                      <a:extLst>
-                        <a:ext uri="{9D8B030D-6E8A-4147-A177-3AD203B41FA5}">
-                          <a16:colId xmlns:a16="http://schemas.microsoft.com/office/drawing/2014/main" val="2559932859"/>
-                        </a:ext>
-                      </a:extLst>
-                    </a:gridCol>
-                    <a:gridCol w="1073017">
-                      <a:extLst>
-                        <a:ext uri="{9D8B030D-6E8A-4147-A177-3AD203B41FA5}">
-                          <a16:colId xmlns:a16="http://schemas.microsoft.com/office/drawing/2014/main" val="2024585100"/>
-                        </a:ext>
-                      </a:extLst>
-                    </a:gridCol>
-                  </a:tblGrid>
-                  <a:tr h="404561">
-                    <a:tc rowSpan="2">
-                      <a:txBody>
-                        <a:bodyPr/>
-                        <a:lstStyle/>
-                        <a:p>
-                          <a:r>
-                            <a:rPr lang="en-US" altLang="zh-CN" sz="1800" dirty="0">
-                              <a:latin typeface="Times New Roman" panose="02020603050405020304" pitchFamily="18" charset="0"/>
-                              <a:cs typeface="Times New Roman" panose="02020603050405020304" pitchFamily="18" charset="0"/>
-                            </a:rPr>
-                            <a:t>Instance No. </a:t>
-                          </a:r>
-                          <a:endParaRPr lang="zh-CN" altLang="en-US" sz="1800" dirty="0">
-                            <a:latin typeface="Times New Roman" panose="02020603050405020304" pitchFamily="18" charset="0"/>
-                            <a:cs typeface="Times New Roman" panose="02020603050405020304" pitchFamily="18" charset="0"/>
-                          </a:endParaRPr>
-                        </a:p>
-                      </a:txBody>
-                      <a:tcPr anchor="ctr" anchorCtr="1"/>
-                    </a:tc>
-                    <a:tc gridSpan="3">
-                      <a:txBody>
-                        <a:bodyPr/>
-                        <a:lstStyle/>
-                        <a:p>
-                          <a:r>
-                            <a:rPr lang="en-US" altLang="zh-CN" sz="1800" dirty="0">
-                              <a:latin typeface="Times New Roman" panose="02020603050405020304" pitchFamily="18" charset="0"/>
-                              <a:cs typeface="Times New Roman" panose="02020603050405020304" pitchFamily="18" charset="0"/>
-                            </a:rPr>
-                            <a:t>EAMLS</a:t>
-                          </a:r>
-                          <a:endParaRPr lang="zh-CN" altLang="en-US" sz="1800" dirty="0">
-                            <a:latin typeface="Times New Roman" panose="02020603050405020304" pitchFamily="18" charset="0"/>
-                            <a:cs typeface="Times New Roman" panose="02020603050405020304" pitchFamily="18" charset="0"/>
-                          </a:endParaRPr>
-                        </a:p>
-                      </a:txBody>
-                      <a:tcPr anchor="ctr" anchorCtr="1"/>
-                    </a:tc>
-                    <a:tc hMerge="1">
-                      <a:txBody>
-                        <a:bodyPr/>
-                        <a:lstStyle/>
-                        <a:p>
-                          <a:endParaRPr lang="zh-CN" altLang="en-US" dirty="0"/>
-                        </a:p>
-                      </a:txBody>
-                      <a:tcPr/>
-                    </a:tc>
-                    <a:tc hMerge="1">
-                      <a:txBody>
-                        <a:bodyPr/>
-                        <a:lstStyle/>
-                        <a:p>
-                          <a:endParaRPr lang="zh-CN" altLang="en-US" dirty="0"/>
-                        </a:p>
-                      </a:txBody>
-                      <a:tcPr/>
-                    </a:tc>
-                    <a:tc gridSpan="3">
-                      <a:txBody>
-                        <a:bodyPr/>
-                        <a:lstStyle/>
-                        <a:p>
-                          <a:r>
-                            <a:rPr lang="en-US" altLang="zh-CN" sz="1800" dirty="0">
-                              <a:latin typeface="Times New Roman" panose="02020603050405020304" pitchFamily="18" charset="0"/>
-                              <a:cs typeface="Times New Roman" panose="02020603050405020304" pitchFamily="18" charset="0"/>
-                            </a:rPr>
-                            <a:t>EAMLS + My Neighborhood Search</a:t>
-                          </a:r>
-                          <a:endParaRPr lang="zh-CN" altLang="en-US" sz="1800" dirty="0">
-                            <a:latin typeface="Times New Roman" panose="02020603050405020304" pitchFamily="18" charset="0"/>
-                            <a:cs typeface="Times New Roman" panose="02020603050405020304" pitchFamily="18" charset="0"/>
-                          </a:endParaRPr>
-                        </a:p>
-                      </a:txBody>
-                      <a:tcPr anchor="ctr" anchorCtr="1"/>
-                    </a:tc>
-                    <a:tc hMerge="1">
-                      <a:txBody>
-                        <a:bodyPr/>
-                        <a:lstStyle/>
-                        <a:p>
-                          <a:endParaRPr lang="zh-CN" altLang="en-US" dirty="0"/>
-                        </a:p>
-                      </a:txBody>
-                      <a:tcPr/>
-                    </a:tc>
-                    <a:tc hMerge="1">
-                      <a:txBody>
-                        <a:bodyPr/>
-                        <a:lstStyle/>
-                        <a:p>
-                          <a:endParaRPr lang="zh-CN" altLang="en-US" dirty="0"/>
-                        </a:p>
-                      </a:txBody>
-                      <a:tcPr/>
-                    </a:tc>
-                    <a:tc gridSpan="2">
-                      <a:txBody>
-                        <a:bodyPr/>
-                        <a:lstStyle/>
-                        <a:p>
-                          <a:r>
-                            <a:rPr lang="en-US" altLang="zh-CN" sz="1800" dirty="0">
-                              <a:latin typeface="Times New Roman" panose="02020603050405020304" pitchFamily="18" charset="0"/>
-                              <a:cs typeface="Times New Roman" panose="02020603050405020304" pitchFamily="18" charset="0"/>
-                            </a:rPr>
-                            <a:t>GAP</a:t>
-                          </a:r>
-                          <a:endParaRPr lang="zh-CN" altLang="en-US" sz="1800" dirty="0">
-                            <a:latin typeface="Times New Roman" panose="02020603050405020304" pitchFamily="18" charset="0"/>
-                            <a:cs typeface="Times New Roman" panose="02020603050405020304" pitchFamily="18" charset="0"/>
-                          </a:endParaRPr>
-                        </a:p>
-                      </a:txBody>
-                      <a:tcPr anchor="ctr" anchorCtr="1"/>
-                    </a:tc>
-                    <a:tc hMerge="1">
-                      <a:txBody>
-                        <a:bodyPr/>
-                        <a:lstStyle/>
-                        <a:p>
-                          <a:endParaRPr lang="zh-CN" altLang="en-US" sz="1800" dirty="0">
-                            <a:latin typeface="Times New Roman" panose="02020603050405020304" pitchFamily="18" charset="0"/>
-                            <a:cs typeface="Times New Roman" panose="02020603050405020304" pitchFamily="18" charset="0"/>
-                          </a:endParaRPr>
-                        </a:p>
-                      </a:txBody>
-                      <a:tcPr anchor="ctr" anchorCtr="1"/>
-                    </a:tc>
-                    <a:extLst>
-                      <a:ext uri="{0D108BD9-81ED-4DB2-BD59-A6C34878D82A}">
-                        <a16:rowId xmlns:a16="http://schemas.microsoft.com/office/drawing/2014/main" val="369409454"/>
-                      </a:ext>
-                    </a:extLst>
-                  </a:tr>
-                  <a:tr h="571713">
-                    <a:tc vMerge="1">
-                      <a:txBody>
-                        <a:bodyPr/>
-                        <a:lstStyle/>
-                        <a:p>
-                          <a:endParaRPr lang="zh-CN" altLang="en-US" dirty="0"/>
-                        </a:p>
-                      </a:txBody>
-                      <a:tcPr/>
-                    </a:tc>
-                    <a:tc>
-                      <a:txBody>
-                        <a:bodyPr/>
-                        <a:lstStyle/>
-                        <a:p>
-                          <a:r>
-                            <a:rPr lang="en-US" altLang="zh-CN" sz="1800" dirty="0">
-                              <a:latin typeface="Times New Roman" panose="02020603050405020304" pitchFamily="18" charset="0"/>
-                              <a:cs typeface="Times New Roman" panose="02020603050405020304" pitchFamily="18" charset="0"/>
-                            </a:rPr>
-                            <a:t>AVERAGE</a:t>
-                          </a:r>
-                          <a:endParaRPr lang="zh-CN" altLang="en-US" sz="1800" dirty="0">
-                            <a:latin typeface="Times New Roman" panose="02020603050405020304" pitchFamily="18" charset="0"/>
-                            <a:cs typeface="Times New Roman" panose="02020603050405020304" pitchFamily="18" charset="0"/>
-                          </a:endParaRPr>
-                        </a:p>
-                      </a:txBody>
-                      <a:tcPr anchor="ctr" anchorCtr="1"/>
-                    </a:tc>
-                    <a:tc>
-                      <a:txBody>
-                        <a:bodyPr/>
-                        <a:lstStyle/>
-                        <a:p>
-                          <a:r>
-                            <a:rPr lang="en-US" altLang="zh-CN" sz="1800" dirty="0">
-                              <a:latin typeface="Times New Roman" panose="02020603050405020304" pitchFamily="18" charset="0"/>
-                              <a:cs typeface="Times New Roman" panose="02020603050405020304" pitchFamily="18" charset="0"/>
-                            </a:rPr>
-                            <a:t>STD</a:t>
-                          </a:r>
-                          <a:endParaRPr lang="zh-CN" altLang="en-US" sz="1800" dirty="0">
-                            <a:latin typeface="Times New Roman" panose="02020603050405020304" pitchFamily="18" charset="0"/>
-                            <a:cs typeface="Times New Roman" panose="02020603050405020304" pitchFamily="18" charset="0"/>
-                          </a:endParaRPr>
-                        </a:p>
-                      </a:txBody>
-                      <a:tcPr anchor="ctr" anchorCtr="1"/>
-                    </a:tc>
-                    <a:tc>
-                      <a:txBody>
-                        <a:bodyPr/>
-                        <a:lstStyle/>
-                        <a:p>
-                          <a:r>
-                            <a:rPr lang="en-US" altLang="zh-CN" sz="1800" dirty="0">
-                              <a:latin typeface="Times New Roman" panose="02020603050405020304" pitchFamily="18" charset="0"/>
-                              <a:cs typeface="Times New Roman" panose="02020603050405020304" pitchFamily="18" charset="0"/>
-                            </a:rPr>
-                            <a:t>BEST</a:t>
-                          </a:r>
-                          <a:endParaRPr lang="zh-CN" altLang="en-US" sz="1800" dirty="0">
-                            <a:latin typeface="Times New Roman" panose="02020603050405020304" pitchFamily="18" charset="0"/>
-                            <a:cs typeface="Times New Roman" panose="02020603050405020304" pitchFamily="18" charset="0"/>
-                          </a:endParaRPr>
-                        </a:p>
-                      </a:txBody>
-                      <a:tcPr anchor="ctr" anchorCtr="1"/>
-                    </a:tc>
-                    <a:tc>
-                      <a:txBody>
-                        <a:bodyPr/>
-                        <a:lstStyle/>
-                        <a:p>
-                          <a:r>
-                            <a:rPr lang="en-US" altLang="zh-CN" sz="1800" dirty="0">
-                              <a:latin typeface="Times New Roman" panose="02020603050405020304" pitchFamily="18" charset="0"/>
-                              <a:cs typeface="Times New Roman" panose="02020603050405020304" pitchFamily="18" charset="0"/>
-                            </a:rPr>
-                            <a:t>AVERAGE</a:t>
-                          </a:r>
-                          <a:endParaRPr lang="zh-CN" altLang="en-US" sz="1800" dirty="0">
-                            <a:latin typeface="Times New Roman" panose="02020603050405020304" pitchFamily="18" charset="0"/>
-                            <a:cs typeface="Times New Roman" panose="02020603050405020304" pitchFamily="18" charset="0"/>
-                          </a:endParaRPr>
-                        </a:p>
-                      </a:txBody>
-                      <a:tcPr anchor="ctr" anchorCtr="1"/>
-                    </a:tc>
-                    <a:tc>
-                      <a:txBody>
-                        <a:bodyPr/>
-                        <a:lstStyle/>
-                        <a:p>
-                          <a:r>
-                            <a:rPr lang="en-US" altLang="zh-CN" sz="1800" dirty="0">
-                              <a:latin typeface="Times New Roman" panose="02020603050405020304" pitchFamily="18" charset="0"/>
-                              <a:cs typeface="Times New Roman" panose="02020603050405020304" pitchFamily="18" charset="0"/>
-                            </a:rPr>
-                            <a:t>STD</a:t>
-                          </a:r>
-                          <a:endParaRPr lang="zh-CN" altLang="en-US" sz="1800" dirty="0">
-                            <a:latin typeface="Times New Roman" panose="02020603050405020304" pitchFamily="18" charset="0"/>
-                            <a:cs typeface="Times New Roman" panose="02020603050405020304" pitchFamily="18" charset="0"/>
-                          </a:endParaRPr>
-                        </a:p>
-                      </a:txBody>
-                      <a:tcPr anchor="ctr" anchorCtr="1"/>
-                    </a:tc>
-                    <a:tc>
-                      <a:txBody>
-                        <a:bodyPr/>
-                        <a:lstStyle/>
-                        <a:p>
-                          <a:r>
-                            <a:rPr lang="en-US" altLang="zh-CN" sz="1800" dirty="0">
-                              <a:latin typeface="Times New Roman" panose="02020603050405020304" pitchFamily="18" charset="0"/>
-                              <a:cs typeface="Times New Roman" panose="02020603050405020304" pitchFamily="18" charset="0"/>
-                            </a:rPr>
-                            <a:t>BEST</a:t>
-                          </a:r>
-                          <a:endParaRPr lang="zh-CN" altLang="en-US" sz="1800" dirty="0">
-                            <a:latin typeface="Times New Roman" panose="02020603050405020304" pitchFamily="18" charset="0"/>
-                            <a:cs typeface="Times New Roman" panose="02020603050405020304" pitchFamily="18" charset="0"/>
-                          </a:endParaRPr>
-                        </a:p>
-                      </a:txBody>
-                      <a:tcPr anchor="ctr" anchorCtr="1"/>
-                    </a:tc>
-                    <a:tc>
-                      <a:txBody>
-                        <a:bodyPr/>
-                        <a:lstStyle/>
-                        <a:p>
-                          <a:r>
-                            <a:rPr lang="en-US" altLang="zh-CN" sz="1800" dirty="0">
-                              <a:latin typeface="Times New Roman" panose="02020603050405020304" pitchFamily="18" charset="0"/>
-                              <a:cs typeface="Times New Roman" panose="02020603050405020304" pitchFamily="18" charset="0"/>
-                            </a:rPr>
-                            <a:t>AVERAGE %</a:t>
-                          </a:r>
-                          <a:endParaRPr lang="zh-CN" altLang="en-US" sz="1800" dirty="0">
-                            <a:latin typeface="Times New Roman" panose="02020603050405020304" pitchFamily="18" charset="0"/>
-                            <a:cs typeface="Times New Roman" panose="02020603050405020304" pitchFamily="18" charset="0"/>
-                          </a:endParaRPr>
-                        </a:p>
-                      </a:txBody>
-                      <a:tcPr anchor="ctr" anchorCtr="1"/>
-                    </a:tc>
-                    <a:tc>
-                      <a:txBody>
-                        <a:bodyPr/>
-                        <a:lstStyle/>
-                        <a:p>
-                          <a:r>
-                            <a:rPr lang="en-US" altLang="zh-CN" sz="1800" dirty="0">
-                              <a:latin typeface="Times New Roman" panose="02020603050405020304" pitchFamily="18" charset="0"/>
-                              <a:cs typeface="Times New Roman" panose="02020603050405020304" pitchFamily="18" charset="0"/>
-                            </a:rPr>
-                            <a:t>BEST % </a:t>
-                          </a:r>
-                          <a:endParaRPr lang="zh-CN" altLang="en-US" sz="1800" dirty="0">
-                            <a:latin typeface="Times New Roman" panose="02020603050405020304" pitchFamily="18" charset="0"/>
-                            <a:cs typeface="Times New Roman" panose="02020603050405020304" pitchFamily="18" charset="0"/>
-                          </a:endParaRPr>
-                        </a:p>
-                      </a:txBody>
-                      <a:tcPr anchor="ctr" anchorCtr="1"/>
-                    </a:tc>
-                    <a:extLst>
-                      <a:ext uri="{0D108BD9-81ED-4DB2-BD59-A6C34878D82A}">
-                        <a16:rowId xmlns:a16="http://schemas.microsoft.com/office/drawing/2014/main" val="3833743626"/>
-                      </a:ext>
-                    </a:extLst>
-                  </a:tr>
-                  <a:tr h="498547">
-                    <a:tc>
-                      <a:txBody>
-                        <a:bodyPr/>
-                        <a:lstStyle/>
-                        <a:p>
-                          <a:r>
-                            <a:rPr lang="en-US" altLang="zh-CN" sz="1800" dirty="0">
-                              <a:latin typeface="Times New Roman" panose="02020603050405020304" pitchFamily="18" charset="0"/>
-                              <a:cs typeface="Times New Roman" panose="02020603050405020304" pitchFamily="18" charset="0"/>
-                            </a:rPr>
-                            <a:t>0</a:t>
-                          </a:r>
-                          <a:endParaRPr lang="zh-CN" altLang="en-US" sz="1800" dirty="0">
-                            <a:latin typeface="Times New Roman" panose="02020603050405020304" pitchFamily="18" charset="0"/>
-                            <a:cs typeface="Times New Roman" panose="02020603050405020304" pitchFamily="18" charset="0"/>
-                          </a:endParaRPr>
-                        </a:p>
-                      </a:txBody>
-                      <a:tcPr anchor="ctr" anchorCtr="1"/>
-                    </a:tc>
-                    <a:tc>
-                      <a:txBody>
-                        <a:bodyPr/>
-                        <a:lstStyle/>
-                        <a:p>
-                          <a:pPr marL="0" algn="l" defTabSz="914400" rtl="0" eaLnBrk="1" fontAlgn="ctr" latinLnBrk="0" hangingPunct="1"/>
-                          <a:r>
-                            <a:rPr lang="en-US" altLang="zh-CN" sz="1800" kern="1200" dirty="0">
-                              <a:solidFill>
-                                <a:schemeClr val="dk1"/>
-                              </a:solidFill>
-                              <a:latin typeface="Times New Roman" panose="02020603050405020304" pitchFamily="18" charset="0"/>
-                              <a:ea typeface="+mn-ea"/>
-                              <a:cs typeface="Times New Roman" panose="02020603050405020304" pitchFamily="18" charset="0"/>
-                            </a:rPr>
-                            <a:t>7298.548</a:t>
-                          </a:r>
-                        </a:p>
-                      </a:txBody>
-                      <a:tcPr marL="9525" marR="9525" marT="9525" marB="0" anchor="ctr" anchorCtr="1"/>
-                    </a:tc>
-                    <a:tc>
-                      <a:txBody>
-                        <a:bodyPr/>
-                        <a:lstStyle/>
-                        <a:p>
-                          <a:pPr algn="r" fontAlgn="ctr"/>
-                          <a:r>
-                            <a:rPr lang="en-US" altLang="zh-CN" sz="1800" kern="1200" dirty="0">
-                              <a:solidFill>
-                                <a:schemeClr val="dk1"/>
-                              </a:solidFill>
-                              <a:latin typeface="Times New Roman" panose="02020603050405020304" pitchFamily="18" charset="0"/>
-                              <a:ea typeface="+mn-ea"/>
-                              <a:cs typeface="Times New Roman" panose="02020603050405020304" pitchFamily="18" charset="0"/>
-                            </a:rPr>
-                            <a:t>240.96</a:t>
-                          </a:r>
-                        </a:p>
-                      </a:txBody>
-                      <a:tcPr marL="9525" marR="9525" marT="9525" marB="0" anchor="ctr" anchorCtr="1"/>
-                    </a:tc>
-                    <a:tc>
-                      <a:txBody>
-                        <a:bodyPr/>
-                        <a:lstStyle/>
-                        <a:p>
-                          <a:pPr marL="0" algn="l" defTabSz="914400" rtl="0" eaLnBrk="1" fontAlgn="ctr" latinLnBrk="0" hangingPunct="1"/>
-                          <a:r>
-                            <a:rPr lang="en-US" altLang="zh-CN" sz="1800" kern="1200" dirty="0">
-                              <a:solidFill>
-                                <a:schemeClr val="dk1"/>
-                              </a:solidFill>
-                              <a:latin typeface="Times New Roman" panose="02020603050405020304" pitchFamily="18" charset="0"/>
-                              <a:ea typeface="+mn-ea"/>
-                              <a:cs typeface="Times New Roman" panose="02020603050405020304" pitchFamily="18" charset="0"/>
-                            </a:rPr>
-                            <a:t>6857.798</a:t>
-                          </a:r>
-                        </a:p>
-                      </a:txBody>
-                      <a:tcPr marL="9525" marR="9525" marT="9525" marB="0" anchor="ctr" anchorCtr="1"/>
-                    </a:tc>
-                    <a:tc>
-                      <a:txBody>
-                        <a:bodyPr/>
-                        <a:lstStyle/>
-                        <a:p>
-                          <a:pPr algn="r" fontAlgn="ctr"/>
-                          <a:r>
-                            <a:rPr lang="en-US" altLang="zh-CN" sz="1800" kern="1200" dirty="0">
-                              <a:solidFill>
-                                <a:srgbClr val="FF0000"/>
-                              </a:solidFill>
-                              <a:latin typeface="Times New Roman" panose="02020603050405020304" pitchFamily="18" charset="0"/>
-                              <a:ea typeface="+mn-ea"/>
-                              <a:cs typeface="Times New Roman" panose="02020603050405020304" pitchFamily="18" charset="0"/>
-                            </a:rPr>
-                            <a:t>7218.511</a:t>
-                          </a:r>
-                        </a:p>
-                      </a:txBody>
-                      <a:tcPr marL="9525" marR="9525" marT="9525" marB="0" anchor="ctr" anchorCtr="1"/>
-                    </a:tc>
-                    <a:tc>
-                      <a:txBody>
-                        <a:bodyPr/>
-                        <a:lstStyle/>
-                        <a:p>
-                          <a:pPr algn="r" fontAlgn="ctr"/>
-                          <a:r>
-                            <a:rPr lang="en-US" altLang="zh-CN" sz="1800" kern="1200">
-                              <a:solidFill>
-                                <a:schemeClr val="dk1"/>
-                              </a:solidFill>
-                              <a:latin typeface="Times New Roman" panose="02020603050405020304" pitchFamily="18" charset="0"/>
-                              <a:ea typeface="+mn-ea"/>
-                              <a:cs typeface="Times New Roman" panose="02020603050405020304" pitchFamily="18" charset="0"/>
-                            </a:rPr>
-                            <a:t>209.65</a:t>
-                          </a:r>
-                        </a:p>
-                      </a:txBody>
-                      <a:tcPr marL="9525" marR="9525" marT="9525" marB="0" anchor="ctr" anchorCtr="1"/>
-                    </a:tc>
-                    <a:tc>
-                      <a:txBody>
-                        <a:bodyPr/>
-                        <a:lstStyle/>
-                        <a:p>
-                          <a:pPr algn="r" fontAlgn="ctr"/>
-                          <a:r>
-                            <a:rPr lang="en-US" altLang="zh-CN" sz="1800" kern="1200">
-                              <a:solidFill>
-                                <a:schemeClr val="dk1"/>
-                              </a:solidFill>
-                              <a:latin typeface="Times New Roman" panose="02020603050405020304" pitchFamily="18" charset="0"/>
-                              <a:ea typeface="+mn-ea"/>
-                              <a:cs typeface="Times New Roman" panose="02020603050405020304" pitchFamily="18" charset="0"/>
-                            </a:rPr>
-                            <a:t>6956.724</a:t>
-                          </a:r>
-                        </a:p>
-                      </a:txBody>
-                      <a:tcPr marL="9525" marR="9525" marT="9525" marB="0" anchor="ctr" anchorCtr="1"/>
-                    </a:tc>
-                    <a:tc>
-                      <a:txBody>
-                        <a:bodyPr/>
-                        <a:lstStyle/>
-                        <a:p>
-                          <a:pPr algn="r" fontAlgn="ctr"/>
-                          <a:r>
-                            <a:rPr lang="en-US" altLang="zh-CN" sz="1800" kern="1200">
-                              <a:solidFill>
-                                <a:schemeClr val="dk1"/>
-                              </a:solidFill>
-                              <a:latin typeface="Times New Roman" panose="02020603050405020304" pitchFamily="18" charset="0"/>
-                              <a:ea typeface="+mn-ea"/>
-                              <a:cs typeface="Times New Roman" panose="02020603050405020304" pitchFamily="18" charset="0"/>
-                            </a:rPr>
-                            <a:t>1.11</a:t>
-                          </a:r>
-                        </a:p>
-                      </a:txBody>
-                      <a:tcPr marL="9525" marR="9525" marT="9525" marB="0" anchor="ctr" anchorCtr="1"/>
-                    </a:tc>
-                    <a:tc>
-                      <a:txBody>
-                        <a:bodyPr/>
-                        <a:lstStyle/>
-                        <a:p>
-                          <a:pPr algn="r" fontAlgn="ctr"/>
-                          <a:r>
-                            <a:rPr lang="en-US" altLang="zh-CN" sz="1800" kern="1200">
-                              <a:solidFill>
-                                <a:schemeClr val="dk1"/>
-                              </a:solidFill>
-                              <a:latin typeface="Times New Roman" panose="02020603050405020304" pitchFamily="18" charset="0"/>
-                              <a:ea typeface="+mn-ea"/>
-                              <a:cs typeface="Times New Roman" panose="02020603050405020304" pitchFamily="18" charset="0"/>
-                            </a:rPr>
-                            <a:t>-1.42</a:t>
-                          </a:r>
-                        </a:p>
-                      </a:txBody>
-                      <a:tcPr marL="9525" marR="9525" marT="9525" marB="0" anchor="ctr" anchorCtr="1"/>
-                    </a:tc>
-                    <a:extLst>
-                      <a:ext uri="{0D108BD9-81ED-4DB2-BD59-A6C34878D82A}">
-                        <a16:rowId xmlns:a16="http://schemas.microsoft.com/office/drawing/2014/main" val="1408302476"/>
-                      </a:ext>
-                    </a:extLst>
-                  </a:tr>
-                  <a:tr h="498547">
-                    <a:tc>
-                      <a:txBody>
-                        <a:bodyPr/>
-                        <a:lstStyle/>
-                        <a:p>
-                          <a:r>
-                            <a:rPr lang="en-US" altLang="zh-CN" sz="1800" dirty="0">
-                              <a:latin typeface="Times New Roman" panose="02020603050405020304" pitchFamily="18" charset="0"/>
-                              <a:cs typeface="Times New Roman" panose="02020603050405020304" pitchFamily="18" charset="0"/>
-                            </a:rPr>
-                            <a:t>1</a:t>
-                          </a:r>
-                          <a:endParaRPr lang="zh-CN" altLang="en-US" sz="1800" dirty="0">
-                            <a:latin typeface="Times New Roman" panose="02020603050405020304" pitchFamily="18" charset="0"/>
-                            <a:cs typeface="Times New Roman" panose="02020603050405020304" pitchFamily="18" charset="0"/>
-                          </a:endParaRPr>
-                        </a:p>
-                      </a:txBody>
-                      <a:tcPr anchor="ctr" anchorCtr="1"/>
-                    </a:tc>
-                    <a:tc>
-                      <a:txBody>
-                        <a:bodyPr/>
-                        <a:lstStyle/>
-                        <a:p>
-                          <a:pPr marL="0" algn="l" defTabSz="914400" rtl="0" eaLnBrk="1" fontAlgn="ctr" latinLnBrk="0" hangingPunct="1"/>
-                          <a:r>
-                            <a:rPr lang="en-US" altLang="zh-CN" sz="1800" kern="1200" dirty="0">
-                              <a:solidFill>
-                                <a:schemeClr val="dk1"/>
-                              </a:solidFill>
-                              <a:latin typeface="Times New Roman" panose="02020603050405020304" pitchFamily="18" charset="0"/>
-                              <a:ea typeface="+mn-ea"/>
-                              <a:cs typeface="Times New Roman" panose="02020603050405020304" pitchFamily="18" charset="0"/>
-                            </a:rPr>
-                            <a:t>7844.357</a:t>
-                          </a:r>
-                        </a:p>
-                      </a:txBody>
-                      <a:tcPr marL="9525" marR="9525" marT="9525" marB="0" anchor="ctr" anchorCtr="1"/>
-                    </a:tc>
-                    <a:tc>
-                      <a:txBody>
-                        <a:bodyPr/>
-                        <a:lstStyle/>
-                        <a:p>
-                          <a:pPr algn="r" fontAlgn="ctr"/>
-                          <a:r>
-                            <a:rPr lang="en-US" altLang="zh-CN" sz="1800" kern="1200" dirty="0">
-                              <a:solidFill>
-                                <a:schemeClr val="dk1"/>
-                              </a:solidFill>
-                              <a:latin typeface="Times New Roman" panose="02020603050405020304" pitchFamily="18" charset="0"/>
-                              <a:ea typeface="+mn-ea"/>
-                              <a:cs typeface="Times New Roman" panose="02020603050405020304" pitchFamily="18" charset="0"/>
-                            </a:rPr>
-                            <a:t>279.38</a:t>
-                          </a:r>
-                        </a:p>
-                      </a:txBody>
-                      <a:tcPr marL="9525" marR="9525" marT="9525" marB="0" anchor="ctr" anchorCtr="1"/>
-                    </a:tc>
-                    <a:tc>
-                      <a:txBody>
-                        <a:bodyPr/>
-                        <a:lstStyle/>
-                        <a:p>
-                          <a:pPr marL="0" algn="l" defTabSz="914400" rtl="0" eaLnBrk="1" fontAlgn="ctr" latinLnBrk="0" hangingPunct="1"/>
-                          <a:r>
-                            <a:rPr lang="en-US" altLang="zh-CN" sz="1800" kern="1200" dirty="0">
-                              <a:solidFill>
-                                <a:schemeClr val="dk1"/>
-                              </a:solidFill>
-                              <a:latin typeface="Times New Roman" panose="02020603050405020304" pitchFamily="18" charset="0"/>
-                              <a:ea typeface="+mn-ea"/>
-                              <a:cs typeface="Times New Roman" panose="02020603050405020304" pitchFamily="18" charset="0"/>
-                            </a:rPr>
-                            <a:t>7556.475</a:t>
-                          </a:r>
-                        </a:p>
-                      </a:txBody>
-                      <a:tcPr marL="9525" marR="9525" marT="9525" marB="0" anchor="ctr" anchorCtr="1"/>
-                    </a:tc>
-                    <a:tc>
-                      <a:txBody>
-                        <a:bodyPr/>
-                        <a:lstStyle/>
-                        <a:p>
-                          <a:pPr algn="r" fontAlgn="ctr"/>
-                          <a:r>
-                            <a:rPr lang="en-US" altLang="zh-CN" sz="1800" kern="1200" dirty="0">
-                              <a:solidFill>
-                                <a:srgbClr val="FF0000"/>
-                              </a:solidFill>
-                              <a:latin typeface="Times New Roman" panose="02020603050405020304" pitchFamily="18" charset="0"/>
-                              <a:ea typeface="+mn-ea"/>
-                              <a:cs typeface="Times New Roman" panose="02020603050405020304" pitchFamily="18" charset="0"/>
-                            </a:rPr>
-                            <a:t>7733.453</a:t>
-                          </a:r>
-                        </a:p>
-                      </a:txBody>
-                      <a:tcPr marL="9525" marR="9525" marT="9525" marB="0" anchor="ctr" anchorCtr="1"/>
-                    </a:tc>
-                    <a:tc>
-                      <a:txBody>
-                        <a:bodyPr/>
-                        <a:lstStyle/>
-                        <a:p>
-                          <a:pPr algn="r" fontAlgn="ctr"/>
-                          <a:r>
-                            <a:rPr lang="en-US" altLang="zh-CN" sz="1800" kern="1200" dirty="0">
-                              <a:solidFill>
-                                <a:schemeClr val="dk1"/>
-                              </a:solidFill>
-                              <a:latin typeface="Times New Roman" panose="02020603050405020304" pitchFamily="18" charset="0"/>
-                              <a:ea typeface="+mn-ea"/>
-                              <a:cs typeface="Times New Roman" panose="02020603050405020304" pitchFamily="18" charset="0"/>
-                            </a:rPr>
-                            <a:t>170.61</a:t>
-                          </a:r>
-                        </a:p>
-                      </a:txBody>
-                      <a:tcPr marL="9525" marR="9525" marT="9525" marB="0" anchor="ctr" anchorCtr="1"/>
-                    </a:tc>
-                    <a:tc>
-                      <a:txBody>
-                        <a:bodyPr/>
-                        <a:lstStyle/>
-                        <a:p>
-                          <a:pPr algn="r" fontAlgn="ctr"/>
-                          <a:r>
-                            <a:rPr lang="en-US" altLang="zh-CN" sz="1800" kern="1200">
-                              <a:solidFill>
-                                <a:schemeClr val="dk1"/>
-                              </a:solidFill>
-                              <a:latin typeface="Times New Roman" panose="02020603050405020304" pitchFamily="18" charset="0"/>
-                              <a:ea typeface="+mn-ea"/>
-                              <a:cs typeface="Times New Roman" panose="02020603050405020304" pitchFamily="18" charset="0"/>
-                            </a:rPr>
-                            <a:t>7512.875</a:t>
-                          </a:r>
-                        </a:p>
-                      </a:txBody>
-                      <a:tcPr marL="9525" marR="9525" marT="9525" marB="0" anchor="ctr" anchorCtr="1"/>
-                    </a:tc>
-                    <a:tc>
-                      <a:txBody>
-                        <a:bodyPr/>
-                        <a:lstStyle/>
-                        <a:p>
-                          <a:pPr algn="r" fontAlgn="ctr"/>
-                          <a:r>
-                            <a:rPr lang="en-US" altLang="zh-CN" sz="1800" kern="1200">
-                              <a:solidFill>
-                                <a:schemeClr val="dk1"/>
-                              </a:solidFill>
-                              <a:latin typeface="Times New Roman" panose="02020603050405020304" pitchFamily="18" charset="0"/>
-                              <a:ea typeface="+mn-ea"/>
-                              <a:cs typeface="Times New Roman" panose="02020603050405020304" pitchFamily="18" charset="0"/>
-                            </a:rPr>
-                            <a:t>1.43</a:t>
-                          </a:r>
-                        </a:p>
-                      </a:txBody>
-                      <a:tcPr marL="9525" marR="9525" marT="9525" marB="0" anchor="ctr" anchorCtr="1"/>
-                    </a:tc>
-                    <a:tc>
-                      <a:txBody>
-                        <a:bodyPr/>
-                        <a:lstStyle/>
-                        <a:p>
-                          <a:pPr algn="r" fontAlgn="ctr"/>
-                          <a:r>
-                            <a:rPr lang="en-US" altLang="zh-CN" sz="1800" kern="1200">
-                              <a:solidFill>
-                                <a:schemeClr val="dk1"/>
-                              </a:solidFill>
-                              <a:latin typeface="Times New Roman" panose="02020603050405020304" pitchFamily="18" charset="0"/>
-                              <a:ea typeface="+mn-ea"/>
-                              <a:cs typeface="Times New Roman" panose="02020603050405020304" pitchFamily="18" charset="0"/>
-                            </a:rPr>
-                            <a:t>0.58</a:t>
-                          </a:r>
-                        </a:p>
-                      </a:txBody>
-                      <a:tcPr marL="9525" marR="9525" marT="9525" marB="0" anchor="ctr" anchorCtr="1"/>
-                    </a:tc>
-                    <a:extLst>
-                      <a:ext uri="{0D108BD9-81ED-4DB2-BD59-A6C34878D82A}">
-                        <a16:rowId xmlns:a16="http://schemas.microsoft.com/office/drawing/2014/main" val="4130629958"/>
-                      </a:ext>
-                    </a:extLst>
-                  </a:tr>
-                  <a:tr h="498547">
-                    <a:tc>
-                      <a:txBody>
-                        <a:bodyPr/>
-                        <a:lstStyle/>
-                        <a:p>
-                          <a:r>
-                            <a:rPr lang="en-US" altLang="zh-CN" sz="1800" dirty="0">
-                              <a:latin typeface="Times New Roman" panose="02020603050405020304" pitchFamily="18" charset="0"/>
-                              <a:cs typeface="Times New Roman" panose="02020603050405020304" pitchFamily="18" charset="0"/>
-                            </a:rPr>
-                            <a:t>2</a:t>
-                          </a:r>
-                          <a:endParaRPr lang="zh-CN" altLang="en-US" sz="1800" dirty="0">
-                            <a:latin typeface="Times New Roman" panose="02020603050405020304" pitchFamily="18" charset="0"/>
-                            <a:cs typeface="Times New Roman" panose="02020603050405020304" pitchFamily="18" charset="0"/>
-                          </a:endParaRPr>
-                        </a:p>
-                      </a:txBody>
-                      <a:tcPr anchor="ctr" anchorCtr="1"/>
-                    </a:tc>
-                    <a:tc>
-                      <a:txBody>
-                        <a:bodyPr/>
-                        <a:lstStyle/>
-                        <a:p>
-                          <a:pPr marL="0" algn="l" defTabSz="914400" rtl="0" eaLnBrk="1" fontAlgn="ctr" latinLnBrk="0" hangingPunct="1"/>
-                          <a:r>
-                            <a:rPr lang="en-US" altLang="zh-CN" sz="1800" kern="1200" dirty="0">
-                              <a:solidFill>
-                                <a:srgbClr val="FF0000"/>
-                              </a:solidFill>
-                              <a:latin typeface="Times New Roman" panose="02020603050405020304" pitchFamily="18" charset="0"/>
-                              <a:ea typeface="+mn-ea"/>
-                              <a:cs typeface="Times New Roman" panose="02020603050405020304" pitchFamily="18" charset="0"/>
-                            </a:rPr>
-                            <a:t>7399.545</a:t>
-                          </a:r>
-                        </a:p>
-                      </a:txBody>
-                      <a:tcPr marL="9525" marR="9525" marT="9525" marB="0" anchor="ctr" anchorCtr="1"/>
-                    </a:tc>
-                    <a:tc>
-                      <a:txBody>
-                        <a:bodyPr/>
-                        <a:lstStyle/>
-                        <a:p>
-                          <a:pPr algn="r" fontAlgn="ctr"/>
-                          <a:r>
-                            <a:rPr lang="en-US" altLang="zh-CN" sz="1800" kern="1200" dirty="0">
-                              <a:solidFill>
-                                <a:schemeClr val="dk1"/>
-                              </a:solidFill>
-                              <a:latin typeface="Times New Roman" panose="02020603050405020304" pitchFamily="18" charset="0"/>
-                              <a:ea typeface="+mn-ea"/>
-                              <a:cs typeface="Times New Roman" panose="02020603050405020304" pitchFamily="18" charset="0"/>
-                            </a:rPr>
-                            <a:t>169.24</a:t>
-                          </a:r>
-                        </a:p>
-                      </a:txBody>
-                      <a:tcPr marL="9525" marR="9525" marT="9525" marB="0" anchor="ctr" anchorCtr="1"/>
-                    </a:tc>
-                    <a:tc>
-                      <a:txBody>
-                        <a:bodyPr/>
-                        <a:lstStyle/>
-                        <a:p>
-                          <a:pPr marL="0" algn="l" defTabSz="914400" rtl="0" eaLnBrk="1" fontAlgn="ctr" latinLnBrk="0" hangingPunct="1"/>
-                          <a:r>
-                            <a:rPr lang="en-US" altLang="zh-CN" sz="1800" kern="1200" dirty="0">
-                              <a:solidFill>
-                                <a:schemeClr val="dk1"/>
-                              </a:solidFill>
-                              <a:latin typeface="Times New Roman" panose="02020603050405020304" pitchFamily="18" charset="0"/>
-                              <a:ea typeface="+mn-ea"/>
-                              <a:cs typeface="Times New Roman" panose="02020603050405020304" pitchFamily="18" charset="0"/>
-                            </a:rPr>
-                            <a:t>7126.035</a:t>
-                          </a:r>
-                        </a:p>
-                      </a:txBody>
-                      <a:tcPr marL="9525" marR="9525" marT="9525" marB="0" anchor="ctr" anchorCtr="1"/>
-                    </a:tc>
-                    <a:tc>
-                      <a:txBody>
-                        <a:bodyPr/>
-                        <a:lstStyle/>
-                        <a:p>
-                          <a:pPr algn="r" fontAlgn="ctr"/>
-                          <a:r>
-                            <a:rPr lang="en-US" altLang="zh-CN" sz="1800" kern="1200">
-                              <a:solidFill>
-                                <a:schemeClr val="dk1"/>
-                              </a:solidFill>
-                              <a:latin typeface="Times New Roman" panose="02020603050405020304" pitchFamily="18" charset="0"/>
-                              <a:ea typeface="+mn-ea"/>
-                              <a:cs typeface="Times New Roman" panose="02020603050405020304" pitchFamily="18" charset="0"/>
-                            </a:rPr>
-                            <a:t>7434.712</a:t>
-                          </a:r>
-                        </a:p>
-                      </a:txBody>
-                      <a:tcPr marL="9525" marR="9525" marT="9525" marB="0" anchor="ctr" anchorCtr="1"/>
-                    </a:tc>
-                    <a:tc>
-                      <a:txBody>
-                        <a:bodyPr/>
-                        <a:lstStyle/>
-                        <a:p>
-                          <a:pPr algn="r" fontAlgn="ctr"/>
-                          <a:r>
-                            <a:rPr lang="en-US" altLang="zh-CN" sz="1800" kern="1200">
-                              <a:solidFill>
-                                <a:schemeClr val="dk1"/>
-                              </a:solidFill>
-                              <a:latin typeface="Times New Roman" panose="02020603050405020304" pitchFamily="18" charset="0"/>
-                              <a:ea typeface="+mn-ea"/>
-                              <a:cs typeface="Times New Roman" panose="02020603050405020304" pitchFamily="18" charset="0"/>
-                            </a:rPr>
-                            <a:t>211.93</a:t>
-                          </a:r>
-                        </a:p>
-                      </a:txBody>
-                      <a:tcPr marL="9525" marR="9525" marT="9525" marB="0" anchor="ctr" anchorCtr="1"/>
-                    </a:tc>
-                    <a:tc>
-                      <a:txBody>
-                        <a:bodyPr/>
-                        <a:lstStyle/>
-                        <a:p>
-                          <a:pPr algn="r" fontAlgn="ctr"/>
-                          <a:r>
-                            <a:rPr lang="en-US" altLang="zh-CN" sz="1800" kern="1200" dirty="0">
-                              <a:solidFill>
-                                <a:schemeClr val="dk1"/>
-                              </a:solidFill>
-                              <a:latin typeface="Times New Roman" panose="02020603050405020304" pitchFamily="18" charset="0"/>
-                              <a:ea typeface="+mn-ea"/>
-                              <a:cs typeface="Times New Roman" panose="02020603050405020304" pitchFamily="18" charset="0"/>
-                            </a:rPr>
-                            <a:t>7173.969</a:t>
-                          </a:r>
-                        </a:p>
-                      </a:txBody>
-                      <a:tcPr marL="9525" marR="9525" marT="9525" marB="0" anchor="ctr" anchorCtr="1"/>
-                    </a:tc>
-                    <a:tc>
-                      <a:txBody>
-                        <a:bodyPr/>
-                        <a:lstStyle/>
-                        <a:p>
-                          <a:pPr algn="r" fontAlgn="ctr"/>
-                          <a:r>
-                            <a:rPr lang="en-US" altLang="zh-CN" sz="1800" kern="1200">
-                              <a:solidFill>
-                                <a:schemeClr val="dk1"/>
-                              </a:solidFill>
-                              <a:latin typeface="Times New Roman" panose="02020603050405020304" pitchFamily="18" charset="0"/>
-                              <a:ea typeface="+mn-ea"/>
-                              <a:cs typeface="Times New Roman" panose="02020603050405020304" pitchFamily="18" charset="0"/>
-                            </a:rPr>
-                            <a:t>-0.47</a:t>
-                          </a:r>
-                        </a:p>
-                      </a:txBody>
-                      <a:tcPr marL="9525" marR="9525" marT="9525" marB="0" anchor="ctr" anchorCtr="1"/>
-                    </a:tc>
-                    <a:tc>
-                      <a:txBody>
-                        <a:bodyPr/>
-                        <a:lstStyle/>
-                        <a:p>
-                          <a:pPr algn="r" fontAlgn="ctr"/>
-                          <a:r>
-                            <a:rPr lang="en-US" altLang="zh-CN" sz="1800" kern="1200">
-                              <a:solidFill>
-                                <a:schemeClr val="dk1"/>
-                              </a:solidFill>
-                              <a:latin typeface="Times New Roman" panose="02020603050405020304" pitchFamily="18" charset="0"/>
-                              <a:ea typeface="+mn-ea"/>
-                              <a:cs typeface="Times New Roman" panose="02020603050405020304" pitchFamily="18" charset="0"/>
-                            </a:rPr>
-                            <a:t>-0.67</a:t>
-                          </a:r>
-                        </a:p>
-                      </a:txBody>
-                      <a:tcPr marL="9525" marR="9525" marT="9525" marB="0" anchor="ctr" anchorCtr="1"/>
-                    </a:tc>
-                    <a:extLst>
-                      <a:ext uri="{0D108BD9-81ED-4DB2-BD59-A6C34878D82A}">
-                        <a16:rowId xmlns:a16="http://schemas.microsoft.com/office/drawing/2014/main" val="741157374"/>
-                      </a:ext>
-                    </a:extLst>
-                  </a:tr>
-                  <a:tr h="498547">
-                    <a:tc>
-                      <a:txBody>
-                        <a:bodyPr/>
-                        <a:lstStyle/>
-                        <a:p>
-                          <a:r>
-                            <a:rPr lang="en-US" altLang="zh-CN" sz="1800" dirty="0">
-                              <a:latin typeface="Times New Roman" panose="02020603050405020304" pitchFamily="18" charset="0"/>
-                              <a:cs typeface="Times New Roman" panose="02020603050405020304" pitchFamily="18" charset="0"/>
-                            </a:rPr>
-                            <a:t>3</a:t>
-                          </a:r>
-                          <a:endParaRPr lang="zh-CN" altLang="en-US" sz="1800" dirty="0">
-                            <a:latin typeface="Times New Roman" panose="02020603050405020304" pitchFamily="18" charset="0"/>
-                            <a:cs typeface="Times New Roman" panose="02020603050405020304" pitchFamily="18" charset="0"/>
-                          </a:endParaRPr>
-                        </a:p>
-                      </a:txBody>
-                      <a:tcPr anchor="ctr" anchorCtr="1"/>
-                    </a:tc>
-                    <a:tc>
-                      <a:txBody>
-                        <a:bodyPr/>
-                        <a:lstStyle/>
-                        <a:p>
-                          <a:pPr marL="0" algn="l" defTabSz="914400" rtl="0" eaLnBrk="1" fontAlgn="ctr" latinLnBrk="0" hangingPunct="1"/>
-                          <a:r>
-                            <a:rPr lang="en-US" altLang="zh-CN" sz="1800" kern="1200">
-                              <a:solidFill>
-                                <a:schemeClr val="dk1"/>
-                              </a:solidFill>
-                              <a:latin typeface="Times New Roman" panose="02020603050405020304" pitchFamily="18" charset="0"/>
-                              <a:ea typeface="+mn-ea"/>
-                              <a:cs typeface="Times New Roman" panose="02020603050405020304" pitchFamily="18" charset="0"/>
-                            </a:rPr>
-                            <a:t>8127.141</a:t>
-                          </a:r>
-                        </a:p>
-                      </a:txBody>
-                      <a:tcPr marL="9525" marR="9525" marT="9525" marB="0" anchor="ctr" anchorCtr="1"/>
-                    </a:tc>
-                    <a:tc>
-                      <a:txBody>
-                        <a:bodyPr/>
-                        <a:lstStyle/>
-                        <a:p>
-                          <a:pPr algn="r" fontAlgn="ctr"/>
-                          <a:r>
-                            <a:rPr lang="en-US" altLang="zh-CN" sz="1800" kern="1200" dirty="0">
-                              <a:solidFill>
-                                <a:schemeClr val="dk1"/>
-                              </a:solidFill>
-                              <a:latin typeface="Times New Roman" panose="02020603050405020304" pitchFamily="18" charset="0"/>
-                              <a:ea typeface="+mn-ea"/>
-                              <a:cs typeface="Times New Roman" panose="02020603050405020304" pitchFamily="18" charset="0"/>
-                            </a:rPr>
-                            <a:t>179.49</a:t>
-                          </a:r>
-                        </a:p>
-                      </a:txBody>
-                      <a:tcPr marL="9525" marR="9525" marT="9525" marB="0" anchor="ctr" anchorCtr="1"/>
-                    </a:tc>
-                    <a:tc>
-                      <a:txBody>
-                        <a:bodyPr/>
-                        <a:lstStyle/>
-                        <a:p>
-                          <a:pPr marL="0" algn="l" defTabSz="914400" rtl="0" eaLnBrk="1" fontAlgn="ctr" latinLnBrk="0" hangingPunct="1"/>
-                          <a:r>
-                            <a:rPr lang="en-US" altLang="zh-CN" sz="1800" kern="1200">
-                              <a:solidFill>
-                                <a:schemeClr val="dk1"/>
-                              </a:solidFill>
-                              <a:latin typeface="Times New Roman" panose="02020603050405020304" pitchFamily="18" charset="0"/>
-                              <a:ea typeface="+mn-ea"/>
-                              <a:cs typeface="Times New Roman" panose="02020603050405020304" pitchFamily="18" charset="0"/>
-                            </a:rPr>
-                            <a:t>7759.225</a:t>
-                          </a:r>
-                        </a:p>
-                      </a:txBody>
-                      <a:tcPr marL="9525" marR="9525" marT="9525" marB="0" anchor="ctr" anchorCtr="1"/>
-                    </a:tc>
-                    <a:tc>
-                      <a:txBody>
-                        <a:bodyPr/>
-                        <a:lstStyle/>
-                        <a:p>
-                          <a:pPr algn="r" fontAlgn="ctr"/>
-                          <a:r>
-                            <a:rPr lang="en-US" altLang="zh-CN" sz="1800" kern="1200" dirty="0">
-                              <a:solidFill>
-                                <a:srgbClr val="FF0000"/>
-                              </a:solidFill>
-                              <a:latin typeface="Times New Roman" panose="02020603050405020304" pitchFamily="18" charset="0"/>
-                              <a:ea typeface="+mn-ea"/>
-                              <a:cs typeface="Times New Roman" panose="02020603050405020304" pitchFamily="18" charset="0"/>
-                            </a:rPr>
-                            <a:t>7989.844*</a:t>
-                          </a:r>
-                        </a:p>
-                      </a:txBody>
-                      <a:tcPr marL="9525" marR="9525" marT="9525" marB="0" anchor="ctr" anchorCtr="1"/>
-                    </a:tc>
-                    <a:tc>
-                      <a:txBody>
-                        <a:bodyPr/>
-                        <a:lstStyle/>
-                        <a:p>
-                          <a:pPr algn="r" fontAlgn="ctr"/>
-                          <a:r>
-                            <a:rPr lang="en-US" altLang="zh-CN" sz="1800" kern="1200">
-                              <a:solidFill>
-                                <a:schemeClr val="dk1"/>
-                              </a:solidFill>
-                              <a:latin typeface="Times New Roman" panose="02020603050405020304" pitchFamily="18" charset="0"/>
-                              <a:ea typeface="+mn-ea"/>
-                              <a:cs typeface="Times New Roman" panose="02020603050405020304" pitchFamily="18" charset="0"/>
-                            </a:rPr>
-                            <a:t>198.11</a:t>
-                          </a:r>
-                        </a:p>
-                      </a:txBody>
-                      <a:tcPr marL="9525" marR="9525" marT="9525" marB="0" anchor="ctr" anchorCtr="1"/>
-                    </a:tc>
-                    <a:tc>
-                      <a:txBody>
-                        <a:bodyPr/>
-                        <a:lstStyle/>
-                        <a:p>
-                          <a:pPr algn="r" fontAlgn="ctr"/>
-                          <a:r>
-                            <a:rPr lang="en-US" altLang="zh-CN" sz="1800" kern="1200" dirty="0">
-                              <a:solidFill>
-                                <a:schemeClr val="dk1"/>
-                              </a:solidFill>
-                              <a:latin typeface="Times New Roman" panose="02020603050405020304" pitchFamily="18" charset="0"/>
-                              <a:ea typeface="+mn-ea"/>
-                              <a:cs typeface="Times New Roman" panose="02020603050405020304" pitchFamily="18" charset="0"/>
-                            </a:rPr>
-                            <a:t>7625.132</a:t>
-                          </a:r>
-                        </a:p>
-                      </a:txBody>
-                      <a:tcPr marL="9525" marR="9525" marT="9525" marB="0" anchor="ctr" anchorCtr="1"/>
-                    </a:tc>
-                    <a:tc>
-                      <a:txBody>
-                        <a:bodyPr/>
-                        <a:lstStyle/>
-                        <a:p>
-                          <a:pPr algn="r" fontAlgn="ctr"/>
-                          <a:r>
-                            <a:rPr lang="en-US" altLang="zh-CN" sz="1800" kern="1200" dirty="0">
-                              <a:solidFill>
-                                <a:schemeClr val="dk1"/>
-                              </a:solidFill>
-                              <a:latin typeface="Times New Roman" panose="02020603050405020304" pitchFamily="18" charset="0"/>
-                              <a:ea typeface="+mn-ea"/>
-                              <a:cs typeface="Times New Roman" panose="02020603050405020304" pitchFamily="18" charset="0"/>
-                            </a:rPr>
-                            <a:t>1.72</a:t>
-                          </a:r>
-                        </a:p>
-                      </a:txBody>
-                      <a:tcPr marL="9525" marR="9525" marT="9525" marB="0" anchor="ctr" anchorCtr="1"/>
-                    </a:tc>
-                    <a:tc>
-                      <a:txBody>
-                        <a:bodyPr/>
-                        <a:lstStyle/>
-                        <a:p>
-                          <a:pPr algn="r" fontAlgn="ctr"/>
-                          <a:r>
-                            <a:rPr lang="en-US" altLang="zh-CN" sz="1800" kern="1200">
-                              <a:solidFill>
-                                <a:schemeClr val="dk1"/>
-                              </a:solidFill>
-                              <a:latin typeface="Times New Roman" panose="02020603050405020304" pitchFamily="18" charset="0"/>
-                              <a:ea typeface="+mn-ea"/>
-                              <a:cs typeface="Times New Roman" panose="02020603050405020304" pitchFamily="18" charset="0"/>
-                            </a:rPr>
-                            <a:t>1.76</a:t>
-                          </a:r>
-                        </a:p>
-                      </a:txBody>
-                      <a:tcPr marL="9525" marR="9525" marT="9525" marB="0" anchor="ctr" anchorCtr="1"/>
-                    </a:tc>
-                    <a:extLst>
-                      <a:ext uri="{0D108BD9-81ED-4DB2-BD59-A6C34878D82A}">
-                        <a16:rowId xmlns:a16="http://schemas.microsoft.com/office/drawing/2014/main" val="3086558929"/>
-                      </a:ext>
-                    </a:extLst>
-                  </a:tr>
-                  <a:tr h="498547">
-                    <a:tc>
-                      <a:txBody>
-                        <a:bodyPr/>
-                        <a:lstStyle/>
-                        <a:p>
-                          <a:r>
-                            <a:rPr lang="en-US" altLang="zh-CN" sz="1800" dirty="0">
-                              <a:latin typeface="Times New Roman" panose="02020603050405020304" pitchFamily="18" charset="0"/>
-                              <a:cs typeface="Times New Roman" panose="02020603050405020304" pitchFamily="18" charset="0"/>
-                            </a:rPr>
-                            <a:t>4</a:t>
-                          </a:r>
-                          <a:endParaRPr lang="zh-CN" altLang="en-US" sz="1800" dirty="0">
-                            <a:latin typeface="Times New Roman" panose="02020603050405020304" pitchFamily="18" charset="0"/>
-                            <a:cs typeface="Times New Roman" panose="02020603050405020304" pitchFamily="18" charset="0"/>
-                          </a:endParaRPr>
-                        </a:p>
-                      </a:txBody>
-                      <a:tcPr anchor="ctr" anchorCtr="1"/>
-                    </a:tc>
-                    <a:tc>
-                      <a:txBody>
-                        <a:bodyPr/>
-                        <a:lstStyle/>
-                        <a:p>
-                          <a:pPr marL="0" algn="l" defTabSz="914400" rtl="0" eaLnBrk="1" fontAlgn="ctr" latinLnBrk="0" hangingPunct="1"/>
-                          <a:r>
-                            <a:rPr lang="en-US" altLang="zh-CN" sz="1800" kern="1200">
-                              <a:solidFill>
-                                <a:schemeClr val="dk1"/>
-                              </a:solidFill>
-                              <a:latin typeface="Times New Roman" panose="02020603050405020304" pitchFamily="18" charset="0"/>
-                              <a:ea typeface="+mn-ea"/>
-                              <a:cs typeface="Times New Roman" panose="02020603050405020304" pitchFamily="18" charset="0"/>
-                            </a:rPr>
-                            <a:t>8566.518</a:t>
-                          </a:r>
-                        </a:p>
-                      </a:txBody>
-                      <a:tcPr marL="9525" marR="9525" marT="9525" marB="0" anchor="ctr" anchorCtr="1"/>
-                    </a:tc>
-                    <a:tc>
-                      <a:txBody>
-                        <a:bodyPr/>
-                        <a:lstStyle/>
-                        <a:p>
-                          <a:pPr algn="r" fontAlgn="ctr"/>
-                          <a:r>
-                            <a:rPr lang="en-US" altLang="zh-CN" sz="1800" kern="1200" dirty="0">
-                              <a:solidFill>
-                                <a:schemeClr val="dk1"/>
-                              </a:solidFill>
-                              <a:latin typeface="Times New Roman" panose="02020603050405020304" pitchFamily="18" charset="0"/>
-                              <a:ea typeface="+mn-ea"/>
-                              <a:cs typeface="Times New Roman" panose="02020603050405020304" pitchFamily="18" charset="0"/>
-                            </a:rPr>
-                            <a:t>279.54</a:t>
-                          </a:r>
-                        </a:p>
-                      </a:txBody>
-                      <a:tcPr marL="9525" marR="9525" marT="9525" marB="0" anchor="ctr" anchorCtr="1"/>
-                    </a:tc>
-                    <a:tc>
-                      <a:txBody>
-                        <a:bodyPr/>
-                        <a:lstStyle/>
-                        <a:p>
-                          <a:pPr marL="0" algn="l" defTabSz="914400" rtl="0" eaLnBrk="1" fontAlgn="ctr" latinLnBrk="0" hangingPunct="1"/>
-                          <a:r>
-                            <a:rPr lang="en-US" altLang="zh-CN" sz="1800" kern="1200">
-                              <a:solidFill>
-                                <a:schemeClr val="dk1"/>
-                              </a:solidFill>
-                              <a:latin typeface="Times New Roman" panose="02020603050405020304" pitchFamily="18" charset="0"/>
-                              <a:ea typeface="+mn-ea"/>
-                              <a:cs typeface="Times New Roman" panose="02020603050405020304" pitchFamily="18" charset="0"/>
-                            </a:rPr>
-                            <a:t>8103.476</a:t>
-                          </a:r>
-                        </a:p>
-                      </a:txBody>
-                      <a:tcPr marL="9525" marR="9525" marT="9525" marB="0" anchor="ctr" anchorCtr="1"/>
-                    </a:tc>
-                    <a:tc>
-                      <a:txBody>
-                        <a:bodyPr/>
-                        <a:lstStyle/>
-                        <a:p>
-                          <a:pPr algn="r" fontAlgn="ctr"/>
-                          <a:r>
-                            <a:rPr lang="en-US" altLang="zh-CN" sz="1800" kern="1200" dirty="0">
-                              <a:solidFill>
-                                <a:srgbClr val="FF0000"/>
-                              </a:solidFill>
-                              <a:latin typeface="Times New Roman" panose="02020603050405020304" pitchFamily="18" charset="0"/>
-                              <a:ea typeface="+mn-ea"/>
-                              <a:cs typeface="Times New Roman" panose="02020603050405020304" pitchFamily="18" charset="0"/>
-                            </a:rPr>
-                            <a:t>8479.381</a:t>
-                          </a:r>
-                        </a:p>
-                      </a:txBody>
-                      <a:tcPr marL="9525" marR="9525" marT="9525" marB="0" anchor="ctr" anchorCtr="1"/>
-                    </a:tc>
-                    <a:tc>
-                      <a:txBody>
-                        <a:bodyPr/>
-                        <a:lstStyle/>
-                        <a:p>
-                          <a:pPr algn="r" fontAlgn="ctr"/>
-                          <a:r>
-                            <a:rPr lang="en-US" altLang="zh-CN" sz="1800" kern="1200">
-                              <a:solidFill>
-                                <a:schemeClr val="dk1"/>
-                              </a:solidFill>
-                              <a:latin typeface="Times New Roman" panose="02020603050405020304" pitchFamily="18" charset="0"/>
-                              <a:ea typeface="+mn-ea"/>
-                              <a:cs typeface="Times New Roman" panose="02020603050405020304" pitchFamily="18" charset="0"/>
-                            </a:rPr>
-                            <a:t>185.62</a:t>
-                          </a:r>
-                        </a:p>
-                      </a:txBody>
-                      <a:tcPr marL="9525" marR="9525" marT="9525" marB="0" anchor="ctr" anchorCtr="1"/>
-                    </a:tc>
-                    <a:tc>
-                      <a:txBody>
-                        <a:bodyPr/>
-                        <a:lstStyle/>
-                        <a:p>
-                          <a:pPr algn="r" fontAlgn="ctr"/>
-                          <a:r>
-                            <a:rPr lang="en-US" altLang="zh-CN" sz="1800" kern="1200">
-                              <a:solidFill>
-                                <a:schemeClr val="dk1"/>
-                              </a:solidFill>
-                              <a:latin typeface="Times New Roman" panose="02020603050405020304" pitchFamily="18" charset="0"/>
-                              <a:ea typeface="+mn-ea"/>
-                              <a:cs typeface="Times New Roman" panose="02020603050405020304" pitchFamily="18" charset="0"/>
-                            </a:rPr>
-                            <a:t>8103.476</a:t>
-                          </a:r>
-                        </a:p>
-                      </a:txBody>
-                      <a:tcPr marL="9525" marR="9525" marT="9525" marB="0" anchor="ctr" anchorCtr="1"/>
-                    </a:tc>
-                    <a:tc>
-                      <a:txBody>
-                        <a:bodyPr/>
-                        <a:lstStyle/>
-                        <a:p>
-                          <a:pPr algn="r" fontAlgn="ctr"/>
-                          <a:r>
-                            <a:rPr lang="en-US" altLang="zh-CN" sz="1800" kern="1200" dirty="0">
-                              <a:solidFill>
-                                <a:schemeClr val="dk1"/>
-                              </a:solidFill>
-                              <a:latin typeface="Times New Roman" panose="02020603050405020304" pitchFamily="18" charset="0"/>
-                              <a:ea typeface="+mn-ea"/>
-                              <a:cs typeface="Times New Roman" panose="02020603050405020304" pitchFamily="18" charset="0"/>
-                            </a:rPr>
-                            <a:t>1.03</a:t>
-                          </a:r>
-                        </a:p>
-                      </a:txBody>
-                      <a:tcPr marL="9525" marR="9525" marT="9525" marB="0" anchor="ctr" anchorCtr="1"/>
-                    </a:tc>
-                    <a:tc>
-                      <a:txBody>
-                        <a:bodyPr/>
-                        <a:lstStyle/>
-                        <a:p>
-                          <a:pPr algn="r" fontAlgn="ctr"/>
-                          <a:r>
-                            <a:rPr lang="en-US" altLang="zh-CN" sz="1800" kern="1200">
-                              <a:solidFill>
-                                <a:schemeClr val="dk1"/>
-                              </a:solidFill>
-                              <a:latin typeface="Times New Roman" panose="02020603050405020304" pitchFamily="18" charset="0"/>
-                              <a:ea typeface="+mn-ea"/>
-                              <a:cs typeface="Times New Roman" panose="02020603050405020304" pitchFamily="18" charset="0"/>
-                            </a:rPr>
-                            <a:t>0</a:t>
-                          </a:r>
-                        </a:p>
-                      </a:txBody>
-                      <a:tcPr marL="9525" marR="9525" marT="9525" marB="0" anchor="ctr" anchorCtr="1"/>
-                    </a:tc>
-                    <a:extLst>
-                      <a:ext uri="{0D108BD9-81ED-4DB2-BD59-A6C34878D82A}">
-                        <a16:rowId xmlns:a16="http://schemas.microsoft.com/office/drawing/2014/main" val="3334398382"/>
-                      </a:ext>
-                    </a:extLst>
-                  </a:tr>
-                  <a:tr h="498547">
-                    <a:tc>
-                      <a:txBody>
-                        <a:bodyPr/>
-                        <a:lstStyle/>
-                        <a:p>
-                          <a:r>
-                            <a:rPr lang="en-US" altLang="zh-CN" sz="1800" dirty="0">
-                              <a:latin typeface="Times New Roman" panose="02020603050405020304" pitchFamily="18" charset="0"/>
-                              <a:cs typeface="Times New Roman" panose="02020603050405020304" pitchFamily="18" charset="0"/>
-                            </a:rPr>
-                            <a:t>5</a:t>
-                          </a:r>
-                          <a:endParaRPr lang="zh-CN" altLang="en-US" sz="1800" dirty="0">
-                            <a:latin typeface="Times New Roman" panose="02020603050405020304" pitchFamily="18" charset="0"/>
-                            <a:cs typeface="Times New Roman" panose="02020603050405020304" pitchFamily="18" charset="0"/>
-                          </a:endParaRPr>
-                        </a:p>
-                      </a:txBody>
-                      <a:tcPr anchor="ctr" anchorCtr="1"/>
-                    </a:tc>
-                    <a:tc>
-                      <a:txBody>
-                        <a:bodyPr/>
-                        <a:lstStyle/>
-                        <a:p>
-                          <a:pPr marL="0" algn="l" defTabSz="914400" rtl="0" eaLnBrk="1" fontAlgn="ctr" latinLnBrk="0" hangingPunct="1"/>
-                          <a:r>
-                            <a:rPr lang="en-US" altLang="zh-CN" sz="1800" kern="1200" dirty="0">
-                              <a:solidFill>
-                                <a:srgbClr val="FF0000"/>
-                              </a:solidFill>
-                              <a:latin typeface="Times New Roman" panose="02020603050405020304" pitchFamily="18" charset="0"/>
-                              <a:ea typeface="+mn-ea"/>
-                              <a:cs typeface="Times New Roman" panose="02020603050405020304" pitchFamily="18" charset="0"/>
-                            </a:rPr>
-                            <a:t>8054.054</a:t>
-                          </a:r>
-                        </a:p>
-                      </a:txBody>
-                      <a:tcPr marL="9525" marR="9525" marT="9525" marB="0" anchor="ctr" anchorCtr="1"/>
-                    </a:tc>
-                    <a:tc>
-                      <a:txBody>
-                        <a:bodyPr/>
-                        <a:lstStyle/>
-                        <a:p>
-                          <a:pPr algn="r" fontAlgn="ctr"/>
-                          <a:r>
-                            <a:rPr lang="en-US" altLang="zh-CN" sz="1800" kern="1200" dirty="0">
-                              <a:solidFill>
-                                <a:schemeClr val="dk1"/>
-                              </a:solidFill>
-                              <a:latin typeface="Times New Roman" panose="02020603050405020304" pitchFamily="18" charset="0"/>
-                              <a:ea typeface="+mn-ea"/>
-                              <a:cs typeface="Times New Roman" panose="02020603050405020304" pitchFamily="18" charset="0"/>
-                            </a:rPr>
-                            <a:t>210.78</a:t>
-                          </a:r>
-                        </a:p>
-                      </a:txBody>
-                      <a:tcPr marL="9525" marR="9525" marT="9525" marB="0" anchor="ctr" anchorCtr="1"/>
-                    </a:tc>
-                    <a:tc>
-                      <a:txBody>
-                        <a:bodyPr/>
-                        <a:lstStyle/>
-                        <a:p>
-                          <a:pPr marL="0" algn="l" defTabSz="914400" rtl="0" eaLnBrk="1" fontAlgn="ctr" latinLnBrk="0" hangingPunct="1"/>
-                          <a:r>
-                            <a:rPr lang="en-US" altLang="zh-CN" sz="1800" kern="1200">
-                              <a:solidFill>
-                                <a:schemeClr val="dk1"/>
-                              </a:solidFill>
-                              <a:latin typeface="Times New Roman" panose="02020603050405020304" pitchFamily="18" charset="0"/>
-                              <a:ea typeface="+mn-ea"/>
-                              <a:cs typeface="Times New Roman" panose="02020603050405020304" pitchFamily="18" charset="0"/>
-                            </a:rPr>
-                            <a:t>7687.733</a:t>
-                          </a:r>
-                        </a:p>
-                      </a:txBody>
-                      <a:tcPr marL="9525" marR="9525" marT="9525" marB="0" anchor="ctr" anchorCtr="1"/>
-                    </a:tc>
-                    <a:tc>
-                      <a:txBody>
-                        <a:bodyPr/>
-                        <a:lstStyle/>
-                        <a:p>
-                          <a:pPr algn="r" fontAlgn="ctr"/>
-                          <a:r>
-                            <a:rPr lang="en-US" altLang="zh-CN" sz="1800" kern="1200">
-                              <a:solidFill>
-                                <a:schemeClr val="dk1"/>
-                              </a:solidFill>
-                              <a:latin typeface="Times New Roman" panose="02020603050405020304" pitchFamily="18" charset="0"/>
-                              <a:ea typeface="+mn-ea"/>
-                              <a:cs typeface="Times New Roman" panose="02020603050405020304" pitchFamily="18" charset="0"/>
-                            </a:rPr>
-                            <a:t>8074.323</a:t>
-                          </a:r>
-                        </a:p>
-                      </a:txBody>
-                      <a:tcPr marL="9525" marR="9525" marT="9525" marB="0" anchor="ctr" anchorCtr="1"/>
-                    </a:tc>
-                    <a:tc>
-                      <a:txBody>
-                        <a:bodyPr/>
-                        <a:lstStyle/>
-                        <a:p>
-                          <a:pPr algn="r" fontAlgn="ctr"/>
-                          <a:r>
-                            <a:rPr lang="en-US" altLang="zh-CN" sz="1800" kern="1200">
-                              <a:solidFill>
-                                <a:schemeClr val="dk1"/>
-                              </a:solidFill>
-                              <a:latin typeface="Times New Roman" panose="02020603050405020304" pitchFamily="18" charset="0"/>
-                              <a:ea typeface="+mn-ea"/>
-                              <a:cs typeface="Times New Roman" panose="02020603050405020304" pitchFamily="18" charset="0"/>
-                            </a:rPr>
-                            <a:t>232.29</a:t>
-                          </a:r>
-                        </a:p>
-                      </a:txBody>
-                      <a:tcPr marL="9525" marR="9525" marT="9525" marB="0" anchor="ctr" anchorCtr="1"/>
-                    </a:tc>
-                    <a:tc>
-                      <a:txBody>
-                        <a:bodyPr/>
-                        <a:lstStyle/>
-                        <a:p>
-                          <a:pPr algn="r" fontAlgn="ctr"/>
-                          <a:r>
-                            <a:rPr lang="en-US" altLang="zh-CN" sz="1800" kern="1200">
-                              <a:solidFill>
-                                <a:schemeClr val="dk1"/>
-                              </a:solidFill>
-                              <a:latin typeface="Times New Roman" panose="02020603050405020304" pitchFamily="18" charset="0"/>
-                              <a:ea typeface="+mn-ea"/>
-                              <a:cs typeface="Times New Roman" panose="02020603050405020304" pitchFamily="18" charset="0"/>
-                            </a:rPr>
-                            <a:t>7747.924</a:t>
-                          </a:r>
-                        </a:p>
-                      </a:txBody>
-                      <a:tcPr marL="9525" marR="9525" marT="9525" marB="0" anchor="ctr" anchorCtr="1"/>
-                    </a:tc>
-                    <a:tc>
-                      <a:txBody>
-                        <a:bodyPr/>
-                        <a:lstStyle/>
-                        <a:p>
-                          <a:pPr algn="r" fontAlgn="ctr"/>
-                          <a:r>
-                            <a:rPr lang="en-US" altLang="zh-CN" sz="1800" kern="1200" dirty="0">
-                              <a:solidFill>
-                                <a:schemeClr val="dk1"/>
-                              </a:solidFill>
-                              <a:latin typeface="Times New Roman" panose="02020603050405020304" pitchFamily="18" charset="0"/>
-                              <a:ea typeface="+mn-ea"/>
-                              <a:cs typeface="Times New Roman" panose="02020603050405020304" pitchFamily="18" charset="0"/>
-                            </a:rPr>
-                            <a:t>-0.25</a:t>
-                          </a:r>
-                        </a:p>
-                      </a:txBody>
-                      <a:tcPr marL="9525" marR="9525" marT="9525" marB="0" anchor="ctr" anchorCtr="1"/>
-                    </a:tc>
-                    <a:tc>
-                      <a:txBody>
-                        <a:bodyPr/>
-                        <a:lstStyle/>
-                        <a:p>
-                          <a:pPr algn="r" fontAlgn="ctr"/>
-                          <a:r>
-                            <a:rPr lang="en-US" altLang="zh-CN" sz="1800" kern="1200">
-                              <a:solidFill>
-                                <a:schemeClr val="dk1"/>
-                              </a:solidFill>
-                              <a:latin typeface="Times New Roman" panose="02020603050405020304" pitchFamily="18" charset="0"/>
-                              <a:ea typeface="+mn-ea"/>
-                              <a:cs typeface="Times New Roman" panose="02020603050405020304" pitchFamily="18" charset="0"/>
-                            </a:rPr>
-                            <a:t>-0.78</a:t>
-                          </a:r>
-                        </a:p>
-                      </a:txBody>
-                      <a:tcPr marL="9525" marR="9525" marT="9525" marB="0" anchor="ctr" anchorCtr="1"/>
-                    </a:tc>
-                    <a:extLst>
-                      <a:ext uri="{0D108BD9-81ED-4DB2-BD59-A6C34878D82A}">
-                        <a16:rowId xmlns:a16="http://schemas.microsoft.com/office/drawing/2014/main" val="364754674"/>
-                      </a:ext>
-                    </a:extLst>
-                  </a:tr>
-                  <a:tr h="498547">
-                    <a:tc>
-                      <a:txBody>
-                        <a:bodyPr/>
-                        <a:lstStyle/>
-                        <a:p>
-                          <a:r>
-                            <a:rPr lang="en-US" altLang="zh-CN" sz="1800" dirty="0">
-                              <a:latin typeface="Times New Roman" panose="02020603050405020304" pitchFamily="18" charset="0"/>
-                              <a:cs typeface="Times New Roman" panose="02020603050405020304" pitchFamily="18" charset="0"/>
-                            </a:rPr>
-                            <a:t>6</a:t>
-                          </a:r>
-                          <a:endParaRPr lang="zh-CN" altLang="en-US" sz="1800" dirty="0">
-                            <a:latin typeface="Times New Roman" panose="02020603050405020304" pitchFamily="18" charset="0"/>
-                            <a:cs typeface="Times New Roman" panose="02020603050405020304" pitchFamily="18" charset="0"/>
-                          </a:endParaRPr>
-                        </a:p>
-                      </a:txBody>
-                      <a:tcPr anchor="ctr" anchorCtr="1"/>
-                    </a:tc>
-                    <a:tc>
-                      <a:txBody>
-                        <a:bodyPr/>
-                        <a:lstStyle/>
-                        <a:p>
-                          <a:pPr marL="0" algn="l" defTabSz="914400" rtl="0" eaLnBrk="1" fontAlgn="ctr" latinLnBrk="0" hangingPunct="1"/>
-                          <a:r>
-                            <a:rPr lang="en-US" altLang="zh-CN" sz="1800" kern="1200">
-                              <a:solidFill>
-                                <a:schemeClr val="dk1"/>
-                              </a:solidFill>
-                              <a:latin typeface="Times New Roman" panose="02020603050405020304" pitchFamily="18" charset="0"/>
-                              <a:ea typeface="+mn-ea"/>
-                              <a:cs typeface="Times New Roman" panose="02020603050405020304" pitchFamily="18" charset="0"/>
-                            </a:rPr>
-                            <a:t>8229.953</a:t>
-                          </a:r>
-                        </a:p>
-                      </a:txBody>
-                      <a:tcPr marL="9525" marR="9525" marT="9525" marB="0" anchor="ctr" anchorCtr="1"/>
-                    </a:tc>
-                    <a:tc>
-                      <a:txBody>
-                        <a:bodyPr/>
-                        <a:lstStyle/>
-                        <a:p>
-                          <a:pPr algn="r" fontAlgn="ctr"/>
-                          <a:r>
-                            <a:rPr lang="en-US" altLang="zh-CN" sz="1800" kern="1200" dirty="0">
-                              <a:solidFill>
-                                <a:schemeClr val="dk1"/>
-                              </a:solidFill>
-                              <a:latin typeface="Times New Roman" panose="02020603050405020304" pitchFamily="18" charset="0"/>
-                              <a:ea typeface="+mn-ea"/>
-                              <a:cs typeface="Times New Roman" panose="02020603050405020304" pitchFamily="18" charset="0"/>
-                            </a:rPr>
-                            <a:t>198.53</a:t>
-                          </a:r>
-                        </a:p>
-                      </a:txBody>
-                      <a:tcPr marL="9525" marR="9525" marT="9525" marB="0" anchor="ctr" anchorCtr="1"/>
-                    </a:tc>
-                    <a:tc>
-                      <a:txBody>
-                        <a:bodyPr/>
-                        <a:lstStyle/>
-                        <a:p>
-                          <a:pPr marL="0" algn="l" defTabSz="914400" rtl="0" eaLnBrk="1" fontAlgn="ctr" latinLnBrk="0" hangingPunct="1"/>
-                          <a:r>
-                            <a:rPr lang="en-US" altLang="zh-CN" sz="1800" kern="1200">
-                              <a:solidFill>
-                                <a:schemeClr val="dk1"/>
-                              </a:solidFill>
-                              <a:latin typeface="Times New Roman" panose="02020603050405020304" pitchFamily="18" charset="0"/>
-                              <a:ea typeface="+mn-ea"/>
-                              <a:cs typeface="Times New Roman" panose="02020603050405020304" pitchFamily="18" charset="0"/>
-                            </a:rPr>
-                            <a:t>7866.683</a:t>
-                          </a:r>
-                        </a:p>
-                      </a:txBody>
-                      <a:tcPr marL="9525" marR="9525" marT="9525" marB="0" anchor="ctr" anchorCtr="1"/>
-                    </a:tc>
-                    <a:tc>
-                      <a:txBody>
-                        <a:bodyPr/>
-                        <a:lstStyle/>
-                        <a:p>
-                          <a:pPr algn="r" fontAlgn="ctr"/>
-                          <a:r>
-                            <a:rPr lang="en-US" altLang="zh-CN" sz="1800" kern="1200" dirty="0">
-                              <a:solidFill>
-                                <a:srgbClr val="FF0000"/>
-                              </a:solidFill>
-                              <a:latin typeface="Times New Roman" panose="02020603050405020304" pitchFamily="18" charset="0"/>
-                              <a:ea typeface="+mn-ea"/>
-                              <a:cs typeface="Times New Roman" panose="02020603050405020304" pitchFamily="18" charset="0"/>
-                            </a:rPr>
-                            <a:t>8135.349*</a:t>
-                          </a:r>
-                        </a:p>
-                      </a:txBody>
-                      <a:tcPr marL="9525" marR="9525" marT="9525" marB="0" anchor="ctr" anchorCtr="1"/>
-                    </a:tc>
-                    <a:tc>
-                      <a:txBody>
-                        <a:bodyPr/>
-                        <a:lstStyle/>
-                        <a:p>
-                          <a:pPr algn="r" fontAlgn="ctr"/>
-                          <a:r>
-                            <a:rPr lang="en-US" altLang="zh-CN" sz="1800" kern="1200">
-                              <a:solidFill>
-                                <a:schemeClr val="dk1"/>
-                              </a:solidFill>
-                              <a:latin typeface="Times New Roman" panose="02020603050405020304" pitchFamily="18" charset="0"/>
-                              <a:ea typeface="+mn-ea"/>
-                              <a:cs typeface="Times New Roman" panose="02020603050405020304" pitchFamily="18" charset="0"/>
-                            </a:rPr>
-                            <a:t>166.08</a:t>
-                          </a:r>
-                        </a:p>
-                      </a:txBody>
-                      <a:tcPr marL="9525" marR="9525" marT="9525" marB="0" anchor="ctr" anchorCtr="1"/>
-                    </a:tc>
-                    <a:tc>
-                      <a:txBody>
-                        <a:bodyPr/>
-                        <a:lstStyle/>
-                        <a:p>
-                          <a:pPr algn="r" fontAlgn="ctr"/>
-                          <a:r>
-                            <a:rPr lang="en-US" altLang="zh-CN" sz="1800" kern="1200">
-                              <a:solidFill>
-                                <a:schemeClr val="dk1"/>
-                              </a:solidFill>
-                              <a:latin typeface="Times New Roman" panose="02020603050405020304" pitchFamily="18" charset="0"/>
-                              <a:ea typeface="+mn-ea"/>
-                              <a:cs typeface="Times New Roman" panose="02020603050405020304" pitchFamily="18" charset="0"/>
-                            </a:rPr>
-                            <a:t>7896.164</a:t>
-                          </a:r>
-                        </a:p>
-                      </a:txBody>
-                      <a:tcPr marL="9525" marR="9525" marT="9525" marB="0" anchor="ctr" anchorCtr="1"/>
-                    </a:tc>
-                    <a:tc>
-                      <a:txBody>
-                        <a:bodyPr/>
-                        <a:lstStyle/>
-                        <a:p>
-                          <a:pPr algn="r" fontAlgn="ctr"/>
-                          <a:r>
-                            <a:rPr lang="en-US" altLang="zh-CN" sz="1800" kern="1200" dirty="0">
-                              <a:solidFill>
-                                <a:schemeClr val="dk1"/>
-                              </a:solidFill>
-                              <a:latin typeface="Times New Roman" panose="02020603050405020304" pitchFamily="18" charset="0"/>
-                              <a:ea typeface="+mn-ea"/>
-                              <a:cs typeface="Times New Roman" panose="02020603050405020304" pitchFamily="18" charset="0"/>
-                            </a:rPr>
-                            <a:t>1.16</a:t>
-                          </a:r>
-                        </a:p>
-                      </a:txBody>
-                      <a:tcPr marL="9525" marR="9525" marT="9525" marB="0" anchor="ctr" anchorCtr="1"/>
-                    </a:tc>
-                    <a:tc>
-                      <a:txBody>
-                        <a:bodyPr/>
-                        <a:lstStyle/>
-                        <a:p>
-                          <a:pPr algn="r" fontAlgn="ctr"/>
-                          <a:r>
-                            <a:rPr lang="en-US" altLang="zh-CN" sz="1800" kern="1200">
-                              <a:solidFill>
-                                <a:schemeClr val="dk1"/>
-                              </a:solidFill>
-                              <a:latin typeface="Times New Roman" panose="02020603050405020304" pitchFamily="18" charset="0"/>
-                              <a:ea typeface="+mn-ea"/>
-                              <a:cs typeface="Times New Roman" panose="02020603050405020304" pitchFamily="18" charset="0"/>
-                            </a:rPr>
-                            <a:t>-0.37</a:t>
-                          </a:r>
-                        </a:p>
-                      </a:txBody>
-                      <a:tcPr marL="9525" marR="9525" marT="9525" marB="0" anchor="ctr" anchorCtr="1"/>
-                    </a:tc>
-                    <a:extLst>
-                      <a:ext uri="{0D108BD9-81ED-4DB2-BD59-A6C34878D82A}">
-                        <a16:rowId xmlns:a16="http://schemas.microsoft.com/office/drawing/2014/main" val="958048922"/>
-                      </a:ext>
-                    </a:extLst>
-                  </a:tr>
-                  <a:tr h="498547">
-                    <a:tc>
-                      <a:txBody>
-                        <a:bodyPr/>
-                        <a:lstStyle/>
-                        <a:p>
-                          <a:r>
-                            <a:rPr lang="en-US" altLang="zh-CN" sz="1800" dirty="0">
-                              <a:latin typeface="Times New Roman" panose="02020603050405020304" pitchFamily="18" charset="0"/>
-                              <a:cs typeface="Times New Roman" panose="02020603050405020304" pitchFamily="18" charset="0"/>
-                            </a:rPr>
-                            <a:t>7</a:t>
-                          </a:r>
-                          <a:endParaRPr lang="zh-CN" altLang="en-US" sz="1800" dirty="0">
-                            <a:latin typeface="Times New Roman" panose="02020603050405020304" pitchFamily="18" charset="0"/>
-                            <a:cs typeface="Times New Roman" panose="02020603050405020304" pitchFamily="18" charset="0"/>
-                          </a:endParaRPr>
-                        </a:p>
-                      </a:txBody>
-                      <a:tcPr anchor="ctr" anchorCtr="1"/>
-                    </a:tc>
-                    <a:tc>
-                      <a:txBody>
-                        <a:bodyPr/>
-                        <a:lstStyle/>
-                        <a:p>
-                          <a:pPr marL="0" algn="l" defTabSz="914400" rtl="0" eaLnBrk="1" fontAlgn="ctr" latinLnBrk="0" hangingPunct="1"/>
-                          <a:r>
-                            <a:rPr lang="en-US" altLang="zh-CN" sz="1800" kern="1200" dirty="0">
-                              <a:solidFill>
-                                <a:schemeClr val="tx1"/>
-                              </a:solidFill>
-                              <a:latin typeface="Times New Roman" panose="02020603050405020304" pitchFamily="18" charset="0"/>
-                              <a:ea typeface="+mn-ea"/>
-                              <a:cs typeface="Times New Roman" panose="02020603050405020304" pitchFamily="18" charset="0"/>
-                            </a:rPr>
-                            <a:t>7162.556</a:t>
-                          </a:r>
-                        </a:p>
-                      </a:txBody>
-                      <a:tcPr marL="9525" marR="9525" marT="9525" marB="0" anchor="ctr" anchorCtr="1"/>
-                    </a:tc>
-                    <a:tc>
-                      <a:txBody>
-                        <a:bodyPr/>
-                        <a:lstStyle/>
-                        <a:p>
-                          <a:pPr algn="r" fontAlgn="ctr"/>
-                          <a:r>
-                            <a:rPr lang="en-US" altLang="zh-CN" sz="1800" kern="1200" dirty="0">
-                              <a:solidFill>
-                                <a:schemeClr val="dk1"/>
-                              </a:solidFill>
-                              <a:latin typeface="Times New Roman" panose="02020603050405020304" pitchFamily="18" charset="0"/>
-                              <a:ea typeface="+mn-ea"/>
-                              <a:cs typeface="Times New Roman" panose="02020603050405020304" pitchFamily="18" charset="0"/>
-                            </a:rPr>
-                            <a:t>197.19</a:t>
-                          </a:r>
-                        </a:p>
-                      </a:txBody>
-                      <a:tcPr marL="9525" marR="9525" marT="9525" marB="0" anchor="ctr" anchorCtr="1"/>
-                    </a:tc>
-                    <a:tc>
-                      <a:txBody>
-                        <a:bodyPr/>
-                        <a:lstStyle/>
-                        <a:p>
-                          <a:pPr marL="0" algn="l" defTabSz="914400" rtl="0" eaLnBrk="1" fontAlgn="ctr" latinLnBrk="0" hangingPunct="1"/>
-                          <a:r>
-                            <a:rPr lang="en-US" altLang="zh-CN" sz="1800" kern="1200" dirty="0">
-                              <a:solidFill>
-                                <a:schemeClr val="dk1"/>
-                              </a:solidFill>
-                              <a:latin typeface="Times New Roman" panose="02020603050405020304" pitchFamily="18" charset="0"/>
-                              <a:ea typeface="+mn-ea"/>
-                              <a:cs typeface="Times New Roman" panose="02020603050405020304" pitchFamily="18" charset="0"/>
-                            </a:rPr>
-                            <a:t>6884.774</a:t>
-                          </a:r>
-                        </a:p>
-                      </a:txBody>
-                      <a:tcPr marL="9525" marR="9525" marT="9525" marB="0" anchor="ctr" anchorCtr="1"/>
-                    </a:tc>
-                    <a:tc>
-                      <a:txBody>
-                        <a:bodyPr/>
-                        <a:lstStyle/>
-                        <a:p>
-                          <a:pPr algn="r" fontAlgn="ctr"/>
-                          <a:r>
-                            <a:rPr lang="en-US" altLang="zh-CN" sz="1800" kern="1200" dirty="0">
-                              <a:solidFill>
-                                <a:srgbClr val="FF0000"/>
-                              </a:solidFill>
-                              <a:latin typeface="Times New Roman" panose="02020603050405020304" pitchFamily="18" charset="0"/>
-                              <a:ea typeface="+mn-ea"/>
-                              <a:cs typeface="Times New Roman" panose="02020603050405020304" pitchFamily="18" charset="0"/>
-                            </a:rPr>
-                            <a:t>7146.154</a:t>
-                          </a:r>
-                        </a:p>
-                      </a:txBody>
-                      <a:tcPr marL="9525" marR="9525" marT="9525" marB="0" anchor="ctr" anchorCtr="1"/>
-                    </a:tc>
-                    <a:tc>
-                      <a:txBody>
-                        <a:bodyPr/>
-                        <a:lstStyle/>
-                        <a:p>
-                          <a:pPr algn="r" fontAlgn="ctr"/>
-                          <a:r>
-                            <a:rPr lang="en-US" altLang="zh-CN" sz="1800" kern="1200" dirty="0">
-                              <a:solidFill>
-                                <a:schemeClr val="dk1"/>
-                              </a:solidFill>
-                              <a:latin typeface="Times New Roman" panose="02020603050405020304" pitchFamily="18" charset="0"/>
-                              <a:ea typeface="+mn-ea"/>
-                              <a:cs typeface="Times New Roman" panose="02020603050405020304" pitchFamily="18" charset="0"/>
-                            </a:rPr>
-                            <a:t>167.23</a:t>
-                          </a:r>
-                        </a:p>
-                      </a:txBody>
-                      <a:tcPr marL="9525" marR="9525" marT="9525" marB="0" anchor="ctr" anchorCtr="1"/>
-                    </a:tc>
-                    <a:tc>
-                      <a:txBody>
-                        <a:bodyPr/>
-                        <a:lstStyle/>
-                        <a:p>
-                          <a:pPr algn="r" fontAlgn="ctr"/>
-                          <a:r>
-                            <a:rPr lang="en-US" altLang="zh-CN" sz="1800" kern="1200" dirty="0">
-                              <a:solidFill>
-                                <a:schemeClr val="dk1"/>
-                              </a:solidFill>
-                              <a:latin typeface="Times New Roman" panose="02020603050405020304" pitchFamily="18" charset="0"/>
-                              <a:ea typeface="+mn-ea"/>
-                              <a:cs typeface="Times New Roman" panose="02020603050405020304" pitchFamily="18" charset="0"/>
-                            </a:rPr>
-                            <a:t>6834.758</a:t>
-                          </a:r>
-                        </a:p>
-                      </a:txBody>
-                      <a:tcPr marL="9525" marR="9525" marT="9525" marB="0" anchor="ctr" anchorCtr="1"/>
-                    </a:tc>
-                    <a:tc>
-                      <a:txBody>
-                        <a:bodyPr/>
-                        <a:lstStyle/>
-                        <a:p>
-                          <a:pPr algn="r" fontAlgn="ctr"/>
-                          <a:r>
-                            <a:rPr lang="en-US" altLang="zh-CN" sz="1800" kern="1200" dirty="0">
-                              <a:solidFill>
-                                <a:schemeClr val="dk1"/>
-                              </a:solidFill>
-                              <a:latin typeface="Times New Roman" panose="02020603050405020304" pitchFamily="18" charset="0"/>
-                              <a:ea typeface="+mn-ea"/>
-                              <a:cs typeface="Times New Roman" panose="02020603050405020304" pitchFamily="18" charset="0"/>
-                            </a:rPr>
-                            <a:t>0.23</a:t>
-                          </a:r>
-                        </a:p>
-                      </a:txBody>
-                      <a:tcPr marL="9525" marR="9525" marT="9525" marB="0" anchor="ctr" anchorCtr="1"/>
-                    </a:tc>
-                    <a:tc>
-                      <a:txBody>
-                        <a:bodyPr/>
-                        <a:lstStyle/>
-                        <a:p>
-                          <a:pPr algn="r" fontAlgn="ctr"/>
-                          <a:r>
-                            <a:rPr lang="en-US" altLang="zh-CN" sz="1800" kern="1200" dirty="0">
-                              <a:solidFill>
-                                <a:schemeClr val="dk1"/>
-                              </a:solidFill>
-                              <a:latin typeface="Times New Roman" panose="02020603050405020304" pitchFamily="18" charset="0"/>
-                              <a:ea typeface="+mn-ea"/>
-                              <a:cs typeface="Times New Roman" panose="02020603050405020304" pitchFamily="18" charset="0"/>
-                            </a:rPr>
-                            <a:t>0.73</a:t>
-                          </a:r>
-                        </a:p>
-                      </a:txBody>
-                      <a:tcPr marL="9525" marR="9525" marT="9525" marB="0" anchor="ctr" anchorCtr="1"/>
-                    </a:tc>
-                    <a:extLst>
-                      <a:ext uri="{0D108BD9-81ED-4DB2-BD59-A6C34878D82A}">
-                        <a16:rowId xmlns:a16="http://schemas.microsoft.com/office/drawing/2014/main" val="2845473670"/>
-                      </a:ext>
-                    </a:extLst>
-                  </a:tr>
-                  <a:tr h="404561">
-                    <a:tc>
-                      <a:txBody>
-                        <a:bodyPr/>
-                        <a:lstStyle/>
-                        <a:p>
-                          <a:pPr/>
-                          <a14:m>
-                            <m:oMathPara xmlns:m="http://schemas.openxmlformats.org/officeDocument/2006/math">
-                              <m:oMathParaPr>
-                                <m:jc m:val="centerGroup"/>
-                              </m:oMathParaPr>
-                              <m:oMath xmlns:m="http://schemas.openxmlformats.org/officeDocument/2006/math">
-                                <m:r>
-                                  <a:rPr lang="en-US" altLang="zh-CN" sz="1800" i="1" dirty="0" smtClean="0">
-                                    <a:latin typeface="Cambria Math" panose="02040503050406030204" pitchFamily="18" charset="0"/>
-                                  </a:rPr>
-                                  <m:t>+/−/</m:t>
-                                </m:r>
-                                <m:r>
-                                  <a:rPr lang="en-US" altLang="zh-CN" sz="1800" i="1" dirty="0" smtClean="0">
-                                    <a:latin typeface="Cambria Math" panose="02040503050406030204" pitchFamily="18" charset="0"/>
-                                    <a:ea typeface="Cambria Math" panose="02040503050406030204" pitchFamily="18" charset="0"/>
-                                  </a:rPr>
-                                  <m:t>≈</m:t>
-                                </m:r>
-                              </m:oMath>
-                            </m:oMathPara>
-                          </a14:m>
-                          <a:endParaRPr lang="zh-CN" altLang="en-US" sz="1800" dirty="0">
-                            <a:latin typeface="Times New Roman" panose="02020603050405020304" pitchFamily="18" charset="0"/>
-                            <a:cs typeface="Times New Roman" panose="02020603050405020304" pitchFamily="18" charset="0"/>
-                          </a:endParaRPr>
-                        </a:p>
-                      </a:txBody>
-                      <a:tcPr anchor="ctr" anchorCtr="1"/>
-                    </a:tc>
-                    <a:tc>
-                      <a:txBody>
-                        <a:bodyPr/>
-                        <a:lstStyle/>
-                        <a:p>
-                          <a:endParaRPr lang="zh-CN" altLang="en-US" sz="1800" dirty="0">
-                            <a:latin typeface="Times New Roman" panose="02020603050405020304" pitchFamily="18" charset="0"/>
-                            <a:cs typeface="Times New Roman" panose="02020603050405020304" pitchFamily="18" charset="0"/>
-                          </a:endParaRPr>
-                        </a:p>
-                      </a:txBody>
-                      <a:tcPr anchor="ctr" anchorCtr="1"/>
-                    </a:tc>
-                    <a:tc>
-                      <a:txBody>
-                        <a:bodyPr/>
-                        <a:lstStyle/>
-                        <a:p>
-                          <a:r>
-                            <a:rPr lang="en-US" altLang="zh-CN" sz="1800" dirty="0">
-                              <a:latin typeface="Times New Roman" panose="02020603050405020304" pitchFamily="18" charset="0"/>
-                              <a:cs typeface="Times New Roman" panose="02020603050405020304" pitchFamily="18" charset="0"/>
-                            </a:rPr>
-                            <a:t>/</a:t>
-                          </a:r>
-                          <a:endParaRPr lang="zh-CN" altLang="en-US" sz="1800" dirty="0">
-                            <a:latin typeface="Times New Roman" panose="02020603050405020304" pitchFamily="18" charset="0"/>
-                            <a:cs typeface="Times New Roman" panose="02020603050405020304" pitchFamily="18" charset="0"/>
-                          </a:endParaRPr>
-                        </a:p>
-                      </a:txBody>
-                      <a:tcPr anchor="ctr" anchorCtr="1"/>
-                    </a:tc>
-                    <a:tc>
-                      <a:txBody>
-                        <a:bodyPr/>
-                        <a:lstStyle/>
-                        <a:p>
-                          <a:r>
-                            <a:rPr lang="en-US" altLang="zh-CN" sz="1800" dirty="0">
-                              <a:latin typeface="Times New Roman" panose="02020603050405020304" pitchFamily="18" charset="0"/>
-                              <a:cs typeface="Times New Roman" panose="02020603050405020304" pitchFamily="18" charset="0"/>
-                            </a:rPr>
-                            <a:t>/</a:t>
-                          </a:r>
-                          <a:endParaRPr lang="zh-CN" altLang="en-US" sz="1800" dirty="0">
-                            <a:latin typeface="Times New Roman" panose="02020603050405020304" pitchFamily="18" charset="0"/>
-                            <a:cs typeface="Times New Roman" panose="02020603050405020304" pitchFamily="18" charset="0"/>
-                          </a:endParaRPr>
-                        </a:p>
-                      </a:txBody>
-                      <a:tcPr anchor="ctr" anchorCtr="1"/>
-                    </a:tc>
-                    <a:tc>
-                      <a:txBody>
-                        <a:bodyPr/>
-                        <a:lstStyle/>
-                        <a:p>
-                          <a:r>
-                            <a:rPr lang="en-US" altLang="zh-CN" sz="1800" dirty="0">
-                              <a:latin typeface="Times New Roman" panose="02020603050405020304" pitchFamily="18" charset="0"/>
-                              <a:cs typeface="Times New Roman" panose="02020603050405020304" pitchFamily="18" charset="0"/>
-                            </a:rPr>
-                            <a:t>2/0/6</a:t>
-                          </a:r>
-                          <a:endParaRPr lang="zh-CN" altLang="en-US" sz="1800" dirty="0">
-                            <a:latin typeface="Times New Roman" panose="02020603050405020304" pitchFamily="18" charset="0"/>
-                            <a:cs typeface="Times New Roman" panose="02020603050405020304" pitchFamily="18" charset="0"/>
-                          </a:endParaRPr>
-                        </a:p>
-                      </a:txBody>
-                      <a:tcPr anchor="ctr" anchorCtr="1"/>
-                    </a:tc>
-                    <a:tc>
-                      <a:txBody>
-                        <a:bodyPr/>
-                        <a:lstStyle/>
-                        <a:p>
-                          <a:r>
-                            <a:rPr lang="en-US" altLang="zh-CN" sz="1800" dirty="0">
-                              <a:latin typeface="Times New Roman" panose="02020603050405020304" pitchFamily="18" charset="0"/>
-                              <a:cs typeface="Times New Roman" panose="02020603050405020304" pitchFamily="18" charset="0"/>
-                            </a:rPr>
-                            <a:t>/</a:t>
-                          </a:r>
-                          <a:endParaRPr lang="zh-CN" altLang="en-US" sz="1800" dirty="0">
-                            <a:latin typeface="Times New Roman" panose="02020603050405020304" pitchFamily="18" charset="0"/>
-                            <a:cs typeface="Times New Roman" panose="02020603050405020304" pitchFamily="18" charset="0"/>
-                          </a:endParaRPr>
-                        </a:p>
-                      </a:txBody>
-                      <a:tcPr anchor="ctr" anchorCtr="1"/>
-                    </a:tc>
-                    <a:tc>
-                      <a:txBody>
-                        <a:bodyPr/>
-                        <a:lstStyle/>
-                        <a:p>
-                          <a:r>
-                            <a:rPr lang="en-US" altLang="zh-CN" sz="1800" dirty="0">
-                              <a:latin typeface="Times New Roman" panose="02020603050405020304" pitchFamily="18" charset="0"/>
-                              <a:cs typeface="Times New Roman" panose="02020603050405020304" pitchFamily="18" charset="0"/>
-                            </a:rPr>
-                            <a:t>/</a:t>
-                          </a:r>
-                          <a:endParaRPr lang="zh-CN" altLang="en-US" sz="1800" dirty="0">
-                            <a:latin typeface="Times New Roman" panose="02020603050405020304" pitchFamily="18" charset="0"/>
-                            <a:cs typeface="Times New Roman" panose="02020603050405020304" pitchFamily="18" charset="0"/>
-                          </a:endParaRPr>
-                        </a:p>
-                      </a:txBody>
-                      <a:tcPr anchor="ctr" anchorCtr="1"/>
-                    </a:tc>
-                    <a:tc>
-                      <a:txBody>
-                        <a:bodyPr/>
-                        <a:lstStyle/>
-                        <a:p>
-                          <a:r>
-                            <a:rPr lang="en-US" altLang="zh-CN" sz="1800" dirty="0">
-                              <a:latin typeface="Times New Roman" panose="02020603050405020304" pitchFamily="18" charset="0"/>
-                              <a:cs typeface="Times New Roman" panose="02020603050405020304" pitchFamily="18" charset="0"/>
-                            </a:rPr>
-                            <a:t>/</a:t>
-                          </a:r>
-                          <a:endParaRPr lang="zh-CN" altLang="en-US" sz="1800" dirty="0">
-                            <a:latin typeface="Times New Roman" panose="02020603050405020304" pitchFamily="18" charset="0"/>
-                            <a:cs typeface="Times New Roman" panose="02020603050405020304" pitchFamily="18" charset="0"/>
-                          </a:endParaRPr>
-                        </a:p>
-                      </a:txBody>
-                      <a:tcPr anchor="ctr" anchorCtr="1"/>
-                    </a:tc>
-                    <a:tc>
-                      <a:txBody>
-                        <a:bodyPr/>
-                        <a:lstStyle/>
-                        <a:p>
-                          <a:r>
-                            <a:rPr lang="en-US" altLang="zh-CN" sz="1800" dirty="0">
-                              <a:latin typeface="Times New Roman" panose="02020603050405020304" pitchFamily="18" charset="0"/>
-                              <a:cs typeface="Times New Roman" panose="02020603050405020304" pitchFamily="18" charset="0"/>
-                            </a:rPr>
-                            <a:t>/</a:t>
-                          </a:r>
-                          <a:endParaRPr lang="zh-CN" altLang="en-US" sz="1800" dirty="0">
-                            <a:latin typeface="Times New Roman" panose="02020603050405020304" pitchFamily="18" charset="0"/>
-                            <a:cs typeface="Times New Roman" panose="02020603050405020304" pitchFamily="18" charset="0"/>
-                          </a:endParaRPr>
-                        </a:p>
-                      </a:txBody>
-                      <a:tcPr anchor="ctr" anchorCtr="1"/>
-                    </a:tc>
-                    <a:extLst>
-                      <a:ext uri="{0D108BD9-81ED-4DB2-BD59-A6C34878D82A}">
-                        <a16:rowId xmlns:a16="http://schemas.microsoft.com/office/drawing/2014/main" val="3705648070"/>
-                      </a:ext>
-                    </a:extLst>
-                  </a:tr>
-                </a:tbl>
-              </a:graphicData>
-            </a:graphic>
-          </p:graphicFrame>
-        </mc:Choice>
-        <mc:Fallback xmlns="">
-          <p:graphicFrame>
-            <p:nvGraphicFramePr>
-              <p:cNvPr id="10" name="表格 10">
-                <a:extLst>
-                  <a:ext uri="{FF2B5EF4-FFF2-40B4-BE49-F238E27FC236}">
-                    <a16:creationId xmlns:a16="http://schemas.microsoft.com/office/drawing/2014/main" id="{BA1E0950-CE37-4CF8-B181-9D70972C978F}"/>
-                  </a:ext>
-                </a:extLst>
-              </p:cNvPr>
-              <p:cNvGraphicFramePr>
-                <a:graphicFrameLocks noGrp="1"/>
-              </p:cNvGraphicFramePr>
-              <p:nvPr>
-                <p:extLst>
-                  <p:ext uri="{D42A27DB-BD31-4B8C-83A1-F6EECF244321}">
-                    <p14:modId xmlns:p14="http://schemas.microsoft.com/office/powerpoint/2010/main" val="1130980859"/>
-                  </p:ext>
-                </p:extLst>
-              </p:nvPr>
-            </p:nvGraphicFramePr>
-            <p:xfrm>
-              <a:off x="165109" y="1135944"/>
-              <a:ext cx="11656773" cy="5369211"/>
-            </p:xfrm>
-            <a:graphic>
-              <a:graphicData uri="http://schemas.openxmlformats.org/drawingml/2006/table">
-                <a:tbl>
-                  <a:tblPr firstRow="1" bandRow="1">
-                    <a:tableStyleId>{5C22544A-7EE6-4342-B048-85BDC9FD1C3A}</a:tableStyleId>
-                  </a:tblPr>
-                  <a:tblGrid>
-                    <a:gridCol w="1295197">
-                      <a:extLst>
-                        <a:ext uri="{9D8B030D-6E8A-4147-A177-3AD203B41FA5}">
-                          <a16:colId xmlns:a16="http://schemas.microsoft.com/office/drawing/2014/main" val="3349384481"/>
-                        </a:ext>
-                      </a:extLst>
-                    </a:gridCol>
-                    <a:gridCol w="1295197">
-                      <a:extLst>
-                        <a:ext uri="{9D8B030D-6E8A-4147-A177-3AD203B41FA5}">
-                          <a16:colId xmlns:a16="http://schemas.microsoft.com/office/drawing/2014/main" val="3000087449"/>
-                        </a:ext>
-                      </a:extLst>
-                    </a:gridCol>
-                    <a:gridCol w="1295197">
-                      <a:extLst>
-                        <a:ext uri="{9D8B030D-6E8A-4147-A177-3AD203B41FA5}">
-                          <a16:colId xmlns:a16="http://schemas.microsoft.com/office/drawing/2014/main" val="1645417061"/>
-                        </a:ext>
-                      </a:extLst>
-                    </a:gridCol>
-                    <a:gridCol w="1295197">
-                      <a:extLst>
-                        <a:ext uri="{9D8B030D-6E8A-4147-A177-3AD203B41FA5}">
-                          <a16:colId xmlns:a16="http://schemas.microsoft.com/office/drawing/2014/main" val="4276110197"/>
-                        </a:ext>
-                      </a:extLst>
-                    </a:gridCol>
-                    <a:gridCol w="1295197">
-                      <a:extLst>
-                        <a:ext uri="{9D8B030D-6E8A-4147-A177-3AD203B41FA5}">
-                          <a16:colId xmlns:a16="http://schemas.microsoft.com/office/drawing/2014/main" val="3794287868"/>
-                        </a:ext>
-                      </a:extLst>
-                    </a:gridCol>
-                    <a:gridCol w="1295197">
-                      <a:extLst>
-                        <a:ext uri="{9D8B030D-6E8A-4147-A177-3AD203B41FA5}">
-                          <a16:colId xmlns:a16="http://schemas.microsoft.com/office/drawing/2014/main" val="2058528022"/>
-                        </a:ext>
-                      </a:extLst>
-                    </a:gridCol>
-                    <a:gridCol w="1295197">
-                      <a:extLst>
-                        <a:ext uri="{9D8B030D-6E8A-4147-A177-3AD203B41FA5}">
-                          <a16:colId xmlns:a16="http://schemas.microsoft.com/office/drawing/2014/main" val="3187491670"/>
-                        </a:ext>
-                      </a:extLst>
-                    </a:gridCol>
-                    <a:gridCol w="1517377">
-                      <a:extLst>
-                        <a:ext uri="{9D8B030D-6E8A-4147-A177-3AD203B41FA5}">
-                          <a16:colId xmlns:a16="http://schemas.microsoft.com/office/drawing/2014/main" val="2559932859"/>
-                        </a:ext>
-                      </a:extLst>
-                    </a:gridCol>
-                    <a:gridCol w="1073017">
-                      <a:extLst>
-                        <a:ext uri="{9D8B030D-6E8A-4147-A177-3AD203B41FA5}">
-                          <a16:colId xmlns:a16="http://schemas.microsoft.com/office/drawing/2014/main" val="2024585100"/>
-                        </a:ext>
-                      </a:extLst>
-                    </a:gridCol>
-                  </a:tblGrid>
-                  <a:tr h="404561">
-                    <a:tc rowSpan="2">
-                      <a:txBody>
-                        <a:bodyPr/>
-                        <a:lstStyle/>
-                        <a:p>
-                          <a:r>
-                            <a:rPr lang="en-US" altLang="zh-CN" sz="1800" dirty="0">
-                              <a:latin typeface="Times New Roman" panose="02020603050405020304" pitchFamily="18" charset="0"/>
-                              <a:cs typeface="Times New Roman" panose="02020603050405020304" pitchFamily="18" charset="0"/>
-                            </a:rPr>
-                            <a:t>Instance No. </a:t>
-                          </a:r>
-                          <a:endParaRPr lang="zh-CN" altLang="en-US" sz="1800" dirty="0">
-                            <a:latin typeface="Times New Roman" panose="02020603050405020304" pitchFamily="18" charset="0"/>
-                            <a:cs typeface="Times New Roman" panose="02020603050405020304" pitchFamily="18" charset="0"/>
-                          </a:endParaRPr>
-                        </a:p>
-                      </a:txBody>
-                      <a:tcPr anchor="ctr" anchorCtr="1"/>
-                    </a:tc>
-                    <a:tc gridSpan="3">
-                      <a:txBody>
-                        <a:bodyPr/>
-                        <a:lstStyle/>
-                        <a:p>
-                          <a:r>
-                            <a:rPr lang="en-US" altLang="zh-CN" sz="1800" dirty="0">
-                              <a:latin typeface="Times New Roman" panose="02020603050405020304" pitchFamily="18" charset="0"/>
-                              <a:cs typeface="Times New Roman" panose="02020603050405020304" pitchFamily="18" charset="0"/>
-                            </a:rPr>
-                            <a:t>EAMLS</a:t>
-                          </a:r>
-                          <a:endParaRPr lang="zh-CN" altLang="en-US" sz="1800" dirty="0">
-                            <a:latin typeface="Times New Roman" panose="02020603050405020304" pitchFamily="18" charset="0"/>
-                            <a:cs typeface="Times New Roman" panose="02020603050405020304" pitchFamily="18" charset="0"/>
-                          </a:endParaRPr>
-                        </a:p>
-                      </a:txBody>
-                      <a:tcPr anchor="ctr" anchorCtr="1"/>
-                    </a:tc>
-                    <a:tc hMerge="1">
-                      <a:txBody>
-                        <a:bodyPr/>
-                        <a:lstStyle/>
-                        <a:p>
-                          <a:endParaRPr lang="zh-CN" altLang="en-US" dirty="0"/>
-                        </a:p>
-                      </a:txBody>
-                      <a:tcPr/>
-                    </a:tc>
-                    <a:tc hMerge="1">
-                      <a:txBody>
-                        <a:bodyPr/>
-                        <a:lstStyle/>
-                        <a:p>
-                          <a:endParaRPr lang="zh-CN" altLang="en-US" dirty="0"/>
-                        </a:p>
-                      </a:txBody>
-                      <a:tcPr/>
-                    </a:tc>
-                    <a:tc gridSpan="3">
-                      <a:txBody>
-                        <a:bodyPr/>
-                        <a:lstStyle/>
-                        <a:p>
-                          <a:r>
-                            <a:rPr lang="en-US" altLang="zh-CN" sz="1800" dirty="0">
-                              <a:latin typeface="Times New Roman" panose="02020603050405020304" pitchFamily="18" charset="0"/>
-                              <a:cs typeface="Times New Roman" panose="02020603050405020304" pitchFamily="18" charset="0"/>
-                            </a:rPr>
-                            <a:t>EAMLS + My Neighborhood Search</a:t>
-                          </a:r>
-                          <a:endParaRPr lang="zh-CN" altLang="en-US" sz="1800" dirty="0">
-                            <a:latin typeface="Times New Roman" panose="02020603050405020304" pitchFamily="18" charset="0"/>
-                            <a:cs typeface="Times New Roman" panose="02020603050405020304" pitchFamily="18" charset="0"/>
-                          </a:endParaRPr>
-                        </a:p>
-                      </a:txBody>
-                      <a:tcPr anchor="ctr" anchorCtr="1"/>
-                    </a:tc>
-                    <a:tc hMerge="1">
-                      <a:txBody>
-                        <a:bodyPr/>
-                        <a:lstStyle/>
-                        <a:p>
-                          <a:endParaRPr lang="zh-CN" altLang="en-US" dirty="0"/>
-                        </a:p>
-                      </a:txBody>
-                      <a:tcPr/>
-                    </a:tc>
-                    <a:tc hMerge="1">
-                      <a:txBody>
-                        <a:bodyPr/>
-                        <a:lstStyle/>
-                        <a:p>
-                          <a:endParaRPr lang="zh-CN" altLang="en-US" dirty="0"/>
-                        </a:p>
-                      </a:txBody>
-                      <a:tcPr/>
-                    </a:tc>
-                    <a:tc gridSpan="2">
-                      <a:txBody>
-                        <a:bodyPr/>
-                        <a:lstStyle/>
-                        <a:p>
-                          <a:r>
-                            <a:rPr lang="en-US" altLang="zh-CN" sz="1800" dirty="0">
-                              <a:latin typeface="Times New Roman" panose="02020603050405020304" pitchFamily="18" charset="0"/>
-                              <a:cs typeface="Times New Roman" panose="02020603050405020304" pitchFamily="18" charset="0"/>
-                            </a:rPr>
-                            <a:t>GAP</a:t>
-                          </a:r>
-                          <a:endParaRPr lang="zh-CN" altLang="en-US" sz="1800" dirty="0">
-                            <a:latin typeface="Times New Roman" panose="02020603050405020304" pitchFamily="18" charset="0"/>
-                            <a:cs typeface="Times New Roman" panose="02020603050405020304" pitchFamily="18" charset="0"/>
-                          </a:endParaRPr>
-                        </a:p>
-                      </a:txBody>
-                      <a:tcPr anchor="ctr" anchorCtr="1"/>
-                    </a:tc>
-                    <a:tc hMerge="1">
-                      <a:txBody>
-                        <a:bodyPr/>
-                        <a:lstStyle/>
-                        <a:p>
-                          <a:endParaRPr lang="zh-CN" altLang="en-US" sz="1800" dirty="0">
-                            <a:latin typeface="Times New Roman" panose="02020603050405020304" pitchFamily="18" charset="0"/>
-                            <a:cs typeface="Times New Roman" panose="02020603050405020304" pitchFamily="18" charset="0"/>
-                          </a:endParaRPr>
-                        </a:p>
-                      </a:txBody>
-                      <a:tcPr anchor="ctr" anchorCtr="1"/>
-                    </a:tc>
-                    <a:extLst>
-                      <a:ext uri="{0D108BD9-81ED-4DB2-BD59-A6C34878D82A}">
-                        <a16:rowId xmlns:a16="http://schemas.microsoft.com/office/drawing/2014/main" val="369409454"/>
-                      </a:ext>
-                    </a:extLst>
-                  </a:tr>
-                  <a:tr h="571713">
-                    <a:tc vMerge="1">
-                      <a:txBody>
-                        <a:bodyPr/>
-                        <a:lstStyle/>
-                        <a:p>
-                          <a:endParaRPr lang="zh-CN" altLang="en-US" dirty="0"/>
-                        </a:p>
-                      </a:txBody>
-                      <a:tcPr/>
-                    </a:tc>
-                    <a:tc>
-                      <a:txBody>
-                        <a:bodyPr/>
-                        <a:lstStyle/>
-                        <a:p>
-                          <a:r>
-                            <a:rPr lang="en-US" altLang="zh-CN" sz="1800" dirty="0">
-                              <a:latin typeface="Times New Roman" panose="02020603050405020304" pitchFamily="18" charset="0"/>
-                              <a:cs typeface="Times New Roman" panose="02020603050405020304" pitchFamily="18" charset="0"/>
-                            </a:rPr>
-                            <a:t>AVERAGE</a:t>
-                          </a:r>
-                          <a:endParaRPr lang="zh-CN" altLang="en-US" sz="1800" dirty="0">
-                            <a:latin typeface="Times New Roman" panose="02020603050405020304" pitchFamily="18" charset="0"/>
-                            <a:cs typeface="Times New Roman" panose="02020603050405020304" pitchFamily="18" charset="0"/>
-                          </a:endParaRPr>
-                        </a:p>
-                      </a:txBody>
-                      <a:tcPr anchor="ctr" anchorCtr="1"/>
-                    </a:tc>
-                    <a:tc>
-                      <a:txBody>
-                        <a:bodyPr/>
-                        <a:lstStyle/>
-                        <a:p>
-                          <a:r>
-                            <a:rPr lang="en-US" altLang="zh-CN" sz="1800" dirty="0">
-                              <a:latin typeface="Times New Roman" panose="02020603050405020304" pitchFamily="18" charset="0"/>
-                              <a:cs typeface="Times New Roman" panose="02020603050405020304" pitchFamily="18" charset="0"/>
-                            </a:rPr>
-                            <a:t>STD</a:t>
-                          </a:r>
-                          <a:endParaRPr lang="zh-CN" altLang="en-US" sz="1800" dirty="0">
-                            <a:latin typeface="Times New Roman" panose="02020603050405020304" pitchFamily="18" charset="0"/>
-                            <a:cs typeface="Times New Roman" panose="02020603050405020304" pitchFamily="18" charset="0"/>
-                          </a:endParaRPr>
-                        </a:p>
-                      </a:txBody>
-                      <a:tcPr anchor="ctr" anchorCtr="1"/>
-                    </a:tc>
-                    <a:tc>
-                      <a:txBody>
-                        <a:bodyPr/>
-                        <a:lstStyle/>
-                        <a:p>
-                          <a:r>
-                            <a:rPr lang="en-US" altLang="zh-CN" sz="1800" dirty="0">
-                              <a:latin typeface="Times New Roman" panose="02020603050405020304" pitchFamily="18" charset="0"/>
-                              <a:cs typeface="Times New Roman" panose="02020603050405020304" pitchFamily="18" charset="0"/>
-                            </a:rPr>
-                            <a:t>BEST</a:t>
-                          </a:r>
-                          <a:endParaRPr lang="zh-CN" altLang="en-US" sz="1800" dirty="0">
-                            <a:latin typeface="Times New Roman" panose="02020603050405020304" pitchFamily="18" charset="0"/>
-                            <a:cs typeface="Times New Roman" panose="02020603050405020304" pitchFamily="18" charset="0"/>
-                          </a:endParaRPr>
-                        </a:p>
-                      </a:txBody>
-                      <a:tcPr anchor="ctr" anchorCtr="1"/>
-                    </a:tc>
-                    <a:tc>
-                      <a:txBody>
-                        <a:bodyPr/>
-                        <a:lstStyle/>
-                        <a:p>
-                          <a:r>
-                            <a:rPr lang="en-US" altLang="zh-CN" sz="1800" dirty="0">
-                              <a:latin typeface="Times New Roman" panose="02020603050405020304" pitchFamily="18" charset="0"/>
-                              <a:cs typeface="Times New Roman" panose="02020603050405020304" pitchFamily="18" charset="0"/>
-                            </a:rPr>
-                            <a:t>AVERAGE</a:t>
-                          </a:r>
-                          <a:endParaRPr lang="zh-CN" altLang="en-US" sz="1800" dirty="0">
-                            <a:latin typeface="Times New Roman" panose="02020603050405020304" pitchFamily="18" charset="0"/>
-                            <a:cs typeface="Times New Roman" panose="02020603050405020304" pitchFamily="18" charset="0"/>
-                          </a:endParaRPr>
-                        </a:p>
-                      </a:txBody>
-                      <a:tcPr anchor="ctr" anchorCtr="1"/>
-                    </a:tc>
-                    <a:tc>
-                      <a:txBody>
-                        <a:bodyPr/>
-                        <a:lstStyle/>
-                        <a:p>
-                          <a:r>
-                            <a:rPr lang="en-US" altLang="zh-CN" sz="1800" dirty="0">
-                              <a:latin typeface="Times New Roman" panose="02020603050405020304" pitchFamily="18" charset="0"/>
-                              <a:cs typeface="Times New Roman" panose="02020603050405020304" pitchFamily="18" charset="0"/>
-                            </a:rPr>
-                            <a:t>STD</a:t>
-                          </a:r>
-                          <a:endParaRPr lang="zh-CN" altLang="en-US" sz="1800" dirty="0">
-                            <a:latin typeface="Times New Roman" panose="02020603050405020304" pitchFamily="18" charset="0"/>
-                            <a:cs typeface="Times New Roman" panose="02020603050405020304" pitchFamily="18" charset="0"/>
-                          </a:endParaRPr>
-                        </a:p>
-                      </a:txBody>
-                      <a:tcPr anchor="ctr" anchorCtr="1"/>
-                    </a:tc>
-                    <a:tc>
-                      <a:txBody>
-                        <a:bodyPr/>
-                        <a:lstStyle/>
-                        <a:p>
-                          <a:r>
-                            <a:rPr lang="en-US" altLang="zh-CN" sz="1800" dirty="0">
-                              <a:latin typeface="Times New Roman" panose="02020603050405020304" pitchFamily="18" charset="0"/>
-                              <a:cs typeface="Times New Roman" panose="02020603050405020304" pitchFamily="18" charset="0"/>
-                            </a:rPr>
-                            <a:t>BEST</a:t>
-                          </a:r>
-                          <a:endParaRPr lang="zh-CN" altLang="en-US" sz="1800" dirty="0">
-                            <a:latin typeface="Times New Roman" panose="02020603050405020304" pitchFamily="18" charset="0"/>
-                            <a:cs typeface="Times New Roman" panose="02020603050405020304" pitchFamily="18" charset="0"/>
-                          </a:endParaRPr>
-                        </a:p>
-                      </a:txBody>
-                      <a:tcPr anchor="ctr" anchorCtr="1"/>
-                    </a:tc>
-                    <a:tc>
-                      <a:txBody>
-                        <a:bodyPr/>
-                        <a:lstStyle/>
-                        <a:p>
-                          <a:r>
-                            <a:rPr lang="en-US" altLang="zh-CN" sz="1800" dirty="0">
-                              <a:latin typeface="Times New Roman" panose="02020603050405020304" pitchFamily="18" charset="0"/>
-                              <a:cs typeface="Times New Roman" panose="02020603050405020304" pitchFamily="18" charset="0"/>
-                            </a:rPr>
-                            <a:t>AVERAGE %</a:t>
-                          </a:r>
-                          <a:endParaRPr lang="zh-CN" altLang="en-US" sz="1800" dirty="0">
-                            <a:latin typeface="Times New Roman" panose="02020603050405020304" pitchFamily="18" charset="0"/>
-                            <a:cs typeface="Times New Roman" panose="02020603050405020304" pitchFamily="18" charset="0"/>
-                          </a:endParaRPr>
-                        </a:p>
-                      </a:txBody>
-                      <a:tcPr anchor="ctr" anchorCtr="1"/>
-                    </a:tc>
-                    <a:tc>
-                      <a:txBody>
-                        <a:bodyPr/>
-                        <a:lstStyle/>
-                        <a:p>
-                          <a:r>
-                            <a:rPr lang="en-US" altLang="zh-CN" sz="1800" dirty="0">
-                              <a:latin typeface="Times New Roman" panose="02020603050405020304" pitchFamily="18" charset="0"/>
-                              <a:cs typeface="Times New Roman" panose="02020603050405020304" pitchFamily="18" charset="0"/>
-                            </a:rPr>
-                            <a:t>BEST % </a:t>
-                          </a:r>
-                          <a:endParaRPr lang="zh-CN" altLang="en-US" sz="1800" dirty="0">
-                            <a:latin typeface="Times New Roman" panose="02020603050405020304" pitchFamily="18" charset="0"/>
-                            <a:cs typeface="Times New Roman" panose="02020603050405020304" pitchFamily="18" charset="0"/>
-                          </a:endParaRPr>
-                        </a:p>
-                      </a:txBody>
-                      <a:tcPr anchor="ctr" anchorCtr="1"/>
-                    </a:tc>
-                    <a:extLst>
-                      <a:ext uri="{0D108BD9-81ED-4DB2-BD59-A6C34878D82A}">
-                        <a16:rowId xmlns:a16="http://schemas.microsoft.com/office/drawing/2014/main" val="3833743626"/>
-                      </a:ext>
-                    </a:extLst>
-                  </a:tr>
-                  <a:tr h="498547">
-                    <a:tc>
-                      <a:txBody>
-                        <a:bodyPr/>
-                        <a:lstStyle/>
-                        <a:p>
-                          <a:r>
-                            <a:rPr lang="en-US" altLang="zh-CN" sz="1800" dirty="0">
-                              <a:latin typeface="Times New Roman" panose="02020603050405020304" pitchFamily="18" charset="0"/>
-                              <a:cs typeface="Times New Roman" panose="02020603050405020304" pitchFamily="18" charset="0"/>
-                            </a:rPr>
-                            <a:t>0</a:t>
-                          </a:r>
-                          <a:endParaRPr lang="zh-CN" altLang="en-US" sz="1800" dirty="0">
-                            <a:latin typeface="Times New Roman" panose="02020603050405020304" pitchFamily="18" charset="0"/>
-                            <a:cs typeface="Times New Roman" panose="02020603050405020304" pitchFamily="18" charset="0"/>
-                          </a:endParaRPr>
-                        </a:p>
-                      </a:txBody>
-                      <a:tcPr anchor="ctr" anchorCtr="1"/>
-                    </a:tc>
-                    <a:tc>
-                      <a:txBody>
-                        <a:bodyPr/>
-                        <a:lstStyle/>
-                        <a:p>
-                          <a:pPr marL="0" algn="l" defTabSz="914400" rtl="0" eaLnBrk="1" fontAlgn="ctr" latinLnBrk="0" hangingPunct="1"/>
-                          <a:r>
-                            <a:rPr lang="en-US" altLang="zh-CN" sz="1800" kern="1200" dirty="0">
-                              <a:solidFill>
-                                <a:schemeClr val="dk1"/>
-                              </a:solidFill>
-                              <a:latin typeface="Times New Roman" panose="02020603050405020304" pitchFamily="18" charset="0"/>
-                              <a:ea typeface="+mn-ea"/>
-                              <a:cs typeface="Times New Roman" panose="02020603050405020304" pitchFamily="18" charset="0"/>
-                            </a:rPr>
-                            <a:t>7298.548</a:t>
-                          </a:r>
-                        </a:p>
-                      </a:txBody>
-                      <a:tcPr marL="9525" marR="9525" marT="9525" marB="0" anchor="ctr" anchorCtr="1"/>
-                    </a:tc>
-                    <a:tc>
-                      <a:txBody>
-                        <a:bodyPr/>
-                        <a:lstStyle/>
-                        <a:p>
-                          <a:pPr algn="r" fontAlgn="ctr"/>
-                          <a:r>
-                            <a:rPr lang="en-US" altLang="zh-CN" sz="1800" kern="1200" dirty="0">
-                              <a:solidFill>
-                                <a:schemeClr val="dk1"/>
-                              </a:solidFill>
-                              <a:latin typeface="Times New Roman" panose="02020603050405020304" pitchFamily="18" charset="0"/>
-                              <a:ea typeface="+mn-ea"/>
-                              <a:cs typeface="Times New Roman" panose="02020603050405020304" pitchFamily="18" charset="0"/>
-                            </a:rPr>
-                            <a:t>240.96</a:t>
-                          </a:r>
-                        </a:p>
-                      </a:txBody>
-                      <a:tcPr marL="9525" marR="9525" marT="9525" marB="0" anchor="ctr" anchorCtr="1"/>
-                    </a:tc>
-                    <a:tc>
-                      <a:txBody>
-                        <a:bodyPr/>
-                        <a:lstStyle/>
-                        <a:p>
-                          <a:pPr marL="0" algn="l" defTabSz="914400" rtl="0" eaLnBrk="1" fontAlgn="ctr" latinLnBrk="0" hangingPunct="1"/>
-                          <a:r>
-                            <a:rPr lang="en-US" altLang="zh-CN" sz="1800" kern="1200" dirty="0">
-                              <a:solidFill>
-                                <a:schemeClr val="dk1"/>
-                              </a:solidFill>
-                              <a:latin typeface="Times New Roman" panose="02020603050405020304" pitchFamily="18" charset="0"/>
-                              <a:ea typeface="+mn-ea"/>
-                              <a:cs typeface="Times New Roman" panose="02020603050405020304" pitchFamily="18" charset="0"/>
-                            </a:rPr>
-                            <a:t>6857.798</a:t>
-                          </a:r>
-                        </a:p>
-                      </a:txBody>
-                      <a:tcPr marL="9525" marR="9525" marT="9525" marB="0" anchor="ctr" anchorCtr="1"/>
-                    </a:tc>
-                    <a:tc>
-                      <a:txBody>
-                        <a:bodyPr/>
-                        <a:lstStyle/>
-                        <a:p>
-                          <a:pPr algn="r" fontAlgn="ctr"/>
-                          <a:r>
-                            <a:rPr lang="en-US" altLang="zh-CN" sz="1800" kern="1200" dirty="0">
-                              <a:solidFill>
-                                <a:srgbClr val="FF0000"/>
-                              </a:solidFill>
-                              <a:latin typeface="Times New Roman" panose="02020603050405020304" pitchFamily="18" charset="0"/>
-                              <a:ea typeface="+mn-ea"/>
-                              <a:cs typeface="Times New Roman" panose="02020603050405020304" pitchFamily="18" charset="0"/>
-                            </a:rPr>
-                            <a:t>7218.511</a:t>
-                          </a:r>
-                        </a:p>
-                      </a:txBody>
-                      <a:tcPr marL="9525" marR="9525" marT="9525" marB="0" anchor="ctr" anchorCtr="1"/>
-                    </a:tc>
-                    <a:tc>
-                      <a:txBody>
-                        <a:bodyPr/>
-                        <a:lstStyle/>
-                        <a:p>
-                          <a:pPr algn="r" fontAlgn="ctr"/>
-                          <a:r>
-                            <a:rPr lang="en-US" altLang="zh-CN" sz="1800" kern="1200">
-                              <a:solidFill>
-                                <a:schemeClr val="dk1"/>
-                              </a:solidFill>
-                              <a:latin typeface="Times New Roman" panose="02020603050405020304" pitchFamily="18" charset="0"/>
-                              <a:ea typeface="+mn-ea"/>
-                              <a:cs typeface="Times New Roman" panose="02020603050405020304" pitchFamily="18" charset="0"/>
-                            </a:rPr>
-                            <a:t>209.65</a:t>
-                          </a:r>
-                        </a:p>
-                      </a:txBody>
-                      <a:tcPr marL="9525" marR="9525" marT="9525" marB="0" anchor="ctr" anchorCtr="1"/>
-                    </a:tc>
-                    <a:tc>
-                      <a:txBody>
-                        <a:bodyPr/>
-                        <a:lstStyle/>
-                        <a:p>
-                          <a:pPr algn="r" fontAlgn="ctr"/>
-                          <a:r>
-                            <a:rPr lang="en-US" altLang="zh-CN" sz="1800" kern="1200">
-                              <a:solidFill>
-                                <a:schemeClr val="dk1"/>
-                              </a:solidFill>
-                              <a:latin typeface="Times New Roman" panose="02020603050405020304" pitchFamily="18" charset="0"/>
-                              <a:ea typeface="+mn-ea"/>
-                              <a:cs typeface="Times New Roman" panose="02020603050405020304" pitchFamily="18" charset="0"/>
-                            </a:rPr>
-                            <a:t>6956.724</a:t>
-                          </a:r>
-                        </a:p>
-                      </a:txBody>
-                      <a:tcPr marL="9525" marR="9525" marT="9525" marB="0" anchor="ctr" anchorCtr="1"/>
-                    </a:tc>
-                    <a:tc>
-                      <a:txBody>
-                        <a:bodyPr/>
-                        <a:lstStyle/>
-                        <a:p>
-                          <a:pPr algn="r" fontAlgn="ctr"/>
-                          <a:r>
-                            <a:rPr lang="en-US" altLang="zh-CN" sz="1800" kern="1200">
-                              <a:solidFill>
-                                <a:schemeClr val="dk1"/>
-                              </a:solidFill>
-                              <a:latin typeface="Times New Roman" panose="02020603050405020304" pitchFamily="18" charset="0"/>
-                              <a:ea typeface="+mn-ea"/>
-                              <a:cs typeface="Times New Roman" panose="02020603050405020304" pitchFamily="18" charset="0"/>
-                            </a:rPr>
-                            <a:t>1.11</a:t>
-                          </a:r>
-                        </a:p>
-                      </a:txBody>
-                      <a:tcPr marL="9525" marR="9525" marT="9525" marB="0" anchor="ctr" anchorCtr="1"/>
-                    </a:tc>
-                    <a:tc>
-                      <a:txBody>
-                        <a:bodyPr/>
-                        <a:lstStyle/>
-                        <a:p>
-                          <a:pPr algn="r" fontAlgn="ctr"/>
-                          <a:r>
-                            <a:rPr lang="en-US" altLang="zh-CN" sz="1800" kern="1200">
-                              <a:solidFill>
-                                <a:schemeClr val="dk1"/>
-                              </a:solidFill>
-                              <a:latin typeface="Times New Roman" panose="02020603050405020304" pitchFamily="18" charset="0"/>
-                              <a:ea typeface="+mn-ea"/>
-                              <a:cs typeface="Times New Roman" panose="02020603050405020304" pitchFamily="18" charset="0"/>
-                            </a:rPr>
-                            <a:t>-1.42</a:t>
-                          </a:r>
-                        </a:p>
-                      </a:txBody>
-                      <a:tcPr marL="9525" marR="9525" marT="9525" marB="0" anchor="ctr" anchorCtr="1"/>
-                    </a:tc>
-                    <a:extLst>
-                      <a:ext uri="{0D108BD9-81ED-4DB2-BD59-A6C34878D82A}">
-                        <a16:rowId xmlns:a16="http://schemas.microsoft.com/office/drawing/2014/main" val="1408302476"/>
-                      </a:ext>
-                    </a:extLst>
-                  </a:tr>
-                  <a:tr h="498547">
-                    <a:tc>
-                      <a:txBody>
-                        <a:bodyPr/>
-                        <a:lstStyle/>
-                        <a:p>
-                          <a:r>
-                            <a:rPr lang="en-US" altLang="zh-CN" sz="1800" dirty="0">
-                              <a:latin typeface="Times New Roman" panose="02020603050405020304" pitchFamily="18" charset="0"/>
-                              <a:cs typeface="Times New Roman" panose="02020603050405020304" pitchFamily="18" charset="0"/>
-                            </a:rPr>
-                            <a:t>1</a:t>
-                          </a:r>
-                          <a:endParaRPr lang="zh-CN" altLang="en-US" sz="1800" dirty="0">
-                            <a:latin typeface="Times New Roman" panose="02020603050405020304" pitchFamily="18" charset="0"/>
-                            <a:cs typeface="Times New Roman" panose="02020603050405020304" pitchFamily="18" charset="0"/>
-                          </a:endParaRPr>
-                        </a:p>
-                      </a:txBody>
-                      <a:tcPr anchor="ctr" anchorCtr="1"/>
-                    </a:tc>
-                    <a:tc>
-                      <a:txBody>
-                        <a:bodyPr/>
-                        <a:lstStyle/>
-                        <a:p>
-                          <a:pPr marL="0" algn="l" defTabSz="914400" rtl="0" eaLnBrk="1" fontAlgn="ctr" latinLnBrk="0" hangingPunct="1"/>
-                          <a:r>
-                            <a:rPr lang="en-US" altLang="zh-CN" sz="1800" kern="1200" dirty="0">
-                              <a:solidFill>
-                                <a:schemeClr val="dk1"/>
-                              </a:solidFill>
-                              <a:latin typeface="Times New Roman" panose="02020603050405020304" pitchFamily="18" charset="0"/>
-                              <a:ea typeface="+mn-ea"/>
-                              <a:cs typeface="Times New Roman" panose="02020603050405020304" pitchFamily="18" charset="0"/>
-                            </a:rPr>
-                            <a:t>7844.357</a:t>
-                          </a:r>
-                        </a:p>
-                      </a:txBody>
-                      <a:tcPr marL="9525" marR="9525" marT="9525" marB="0" anchor="ctr" anchorCtr="1"/>
-                    </a:tc>
-                    <a:tc>
-                      <a:txBody>
-                        <a:bodyPr/>
-                        <a:lstStyle/>
-                        <a:p>
-                          <a:pPr algn="r" fontAlgn="ctr"/>
-                          <a:r>
-                            <a:rPr lang="en-US" altLang="zh-CN" sz="1800" kern="1200" dirty="0">
-                              <a:solidFill>
-                                <a:schemeClr val="dk1"/>
-                              </a:solidFill>
-                              <a:latin typeface="Times New Roman" panose="02020603050405020304" pitchFamily="18" charset="0"/>
-                              <a:ea typeface="+mn-ea"/>
-                              <a:cs typeface="Times New Roman" panose="02020603050405020304" pitchFamily="18" charset="0"/>
-                            </a:rPr>
-                            <a:t>279.38</a:t>
-                          </a:r>
-                        </a:p>
-                      </a:txBody>
-                      <a:tcPr marL="9525" marR="9525" marT="9525" marB="0" anchor="ctr" anchorCtr="1"/>
-                    </a:tc>
-                    <a:tc>
-                      <a:txBody>
-                        <a:bodyPr/>
-                        <a:lstStyle/>
-                        <a:p>
-                          <a:pPr marL="0" algn="l" defTabSz="914400" rtl="0" eaLnBrk="1" fontAlgn="ctr" latinLnBrk="0" hangingPunct="1"/>
-                          <a:r>
-                            <a:rPr lang="en-US" altLang="zh-CN" sz="1800" kern="1200" dirty="0">
-                              <a:solidFill>
-                                <a:schemeClr val="dk1"/>
-                              </a:solidFill>
-                              <a:latin typeface="Times New Roman" panose="02020603050405020304" pitchFamily="18" charset="0"/>
-                              <a:ea typeface="+mn-ea"/>
-                              <a:cs typeface="Times New Roman" panose="02020603050405020304" pitchFamily="18" charset="0"/>
-                            </a:rPr>
-                            <a:t>7556.475</a:t>
-                          </a:r>
-                        </a:p>
-                      </a:txBody>
-                      <a:tcPr marL="9525" marR="9525" marT="9525" marB="0" anchor="ctr" anchorCtr="1"/>
-                    </a:tc>
-                    <a:tc>
-                      <a:txBody>
-                        <a:bodyPr/>
-                        <a:lstStyle/>
-                        <a:p>
-                          <a:pPr algn="r" fontAlgn="ctr"/>
-                          <a:r>
-                            <a:rPr lang="en-US" altLang="zh-CN" sz="1800" kern="1200" dirty="0">
-                              <a:solidFill>
-                                <a:srgbClr val="FF0000"/>
-                              </a:solidFill>
-                              <a:latin typeface="Times New Roman" panose="02020603050405020304" pitchFamily="18" charset="0"/>
-                              <a:ea typeface="+mn-ea"/>
-                              <a:cs typeface="Times New Roman" panose="02020603050405020304" pitchFamily="18" charset="0"/>
-                            </a:rPr>
-                            <a:t>7733.453</a:t>
-                          </a:r>
-                        </a:p>
-                      </a:txBody>
-                      <a:tcPr marL="9525" marR="9525" marT="9525" marB="0" anchor="ctr" anchorCtr="1"/>
-                    </a:tc>
-                    <a:tc>
-                      <a:txBody>
-                        <a:bodyPr/>
-                        <a:lstStyle/>
-                        <a:p>
-                          <a:pPr algn="r" fontAlgn="ctr"/>
-                          <a:r>
-                            <a:rPr lang="en-US" altLang="zh-CN" sz="1800" kern="1200" dirty="0">
-                              <a:solidFill>
-                                <a:schemeClr val="dk1"/>
-                              </a:solidFill>
-                              <a:latin typeface="Times New Roman" panose="02020603050405020304" pitchFamily="18" charset="0"/>
-                              <a:ea typeface="+mn-ea"/>
-                              <a:cs typeface="Times New Roman" panose="02020603050405020304" pitchFamily="18" charset="0"/>
-                            </a:rPr>
-                            <a:t>170.61</a:t>
-                          </a:r>
-                        </a:p>
-                      </a:txBody>
-                      <a:tcPr marL="9525" marR="9525" marT="9525" marB="0" anchor="ctr" anchorCtr="1"/>
-                    </a:tc>
-                    <a:tc>
-                      <a:txBody>
-                        <a:bodyPr/>
-                        <a:lstStyle/>
-                        <a:p>
-                          <a:pPr algn="r" fontAlgn="ctr"/>
-                          <a:r>
-                            <a:rPr lang="en-US" altLang="zh-CN" sz="1800" kern="1200">
-                              <a:solidFill>
-                                <a:schemeClr val="dk1"/>
-                              </a:solidFill>
-                              <a:latin typeface="Times New Roman" panose="02020603050405020304" pitchFamily="18" charset="0"/>
-                              <a:ea typeface="+mn-ea"/>
-                              <a:cs typeface="Times New Roman" panose="02020603050405020304" pitchFamily="18" charset="0"/>
-                            </a:rPr>
-                            <a:t>7512.875</a:t>
-                          </a:r>
-                        </a:p>
-                      </a:txBody>
-                      <a:tcPr marL="9525" marR="9525" marT="9525" marB="0" anchor="ctr" anchorCtr="1"/>
-                    </a:tc>
-                    <a:tc>
-                      <a:txBody>
-                        <a:bodyPr/>
-                        <a:lstStyle/>
-                        <a:p>
-                          <a:pPr algn="r" fontAlgn="ctr"/>
-                          <a:r>
-                            <a:rPr lang="en-US" altLang="zh-CN" sz="1800" kern="1200">
-                              <a:solidFill>
-                                <a:schemeClr val="dk1"/>
-                              </a:solidFill>
-                              <a:latin typeface="Times New Roman" panose="02020603050405020304" pitchFamily="18" charset="0"/>
-                              <a:ea typeface="+mn-ea"/>
-                              <a:cs typeface="Times New Roman" panose="02020603050405020304" pitchFamily="18" charset="0"/>
-                            </a:rPr>
-                            <a:t>1.43</a:t>
-                          </a:r>
-                        </a:p>
-                      </a:txBody>
-                      <a:tcPr marL="9525" marR="9525" marT="9525" marB="0" anchor="ctr" anchorCtr="1"/>
-                    </a:tc>
-                    <a:tc>
-                      <a:txBody>
-                        <a:bodyPr/>
-                        <a:lstStyle/>
-                        <a:p>
-                          <a:pPr algn="r" fontAlgn="ctr"/>
-                          <a:r>
-                            <a:rPr lang="en-US" altLang="zh-CN" sz="1800" kern="1200">
-                              <a:solidFill>
-                                <a:schemeClr val="dk1"/>
-                              </a:solidFill>
-                              <a:latin typeface="Times New Roman" panose="02020603050405020304" pitchFamily="18" charset="0"/>
-                              <a:ea typeface="+mn-ea"/>
-                              <a:cs typeface="Times New Roman" panose="02020603050405020304" pitchFamily="18" charset="0"/>
-                            </a:rPr>
-                            <a:t>0.58</a:t>
-                          </a:r>
-                        </a:p>
-                      </a:txBody>
-                      <a:tcPr marL="9525" marR="9525" marT="9525" marB="0" anchor="ctr" anchorCtr="1"/>
-                    </a:tc>
-                    <a:extLst>
-                      <a:ext uri="{0D108BD9-81ED-4DB2-BD59-A6C34878D82A}">
-                        <a16:rowId xmlns:a16="http://schemas.microsoft.com/office/drawing/2014/main" val="4130629958"/>
-                      </a:ext>
-                    </a:extLst>
-                  </a:tr>
-                  <a:tr h="498547">
-                    <a:tc>
-                      <a:txBody>
-                        <a:bodyPr/>
-                        <a:lstStyle/>
-                        <a:p>
-                          <a:r>
-                            <a:rPr lang="en-US" altLang="zh-CN" sz="1800" dirty="0">
-                              <a:latin typeface="Times New Roman" panose="02020603050405020304" pitchFamily="18" charset="0"/>
-                              <a:cs typeface="Times New Roman" panose="02020603050405020304" pitchFamily="18" charset="0"/>
-                            </a:rPr>
-                            <a:t>2</a:t>
-                          </a:r>
-                          <a:endParaRPr lang="zh-CN" altLang="en-US" sz="1800" dirty="0">
-                            <a:latin typeface="Times New Roman" panose="02020603050405020304" pitchFamily="18" charset="0"/>
-                            <a:cs typeface="Times New Roman" panose="02020603050405020304" pitchFamily="18" charset="0"/>
-                          </a:endParaRPr>
-                        </a:p>
-                      </a:txBody>
-                      <a:tcPr anchor="ctr" anchorCtr="1"/>
-                    </a:tc>
-                    <a:tc>
-                      <a:txBody>
-                        <a:bodyPr/>
-                        <a:lstStyle/>
-                        <a:p>
-                          <a:pPr marL="0" algn="l" defTabSz="914400" rtl="0" eaLnBrk="1" fontAlgn="ctr" latinLnBrk="0" hangingPunct="1"/>
-                          <a:r>
-                            <a:rPr lang="en-US" altLang="zh-CN" sz="1800" kern="1200" dirty="0">
-                              <a:solidFill>
-                                <a:srgbClr val="FF0000"/>
-                              </a:solidFill>
-                              <a:latin typeface="Times New Roman" panose="02020603050405020304" pitchFamily="18" charset="0"/>
-                              <a:ea typeface="+mn-ea"/>
-                              <a:cs typeface="Times New Roman" panose="02020603050405020304" pitchFamily="18" charset="0"/>
-                            </a:rPr>
-                            <a:t>7399.545</a:t>
-                          </a:r>
-                        </a:p>
-                      </a:txBody>
-                      <a:tcPr marL="9525" marR="9525" marT="9525" marB="0" anchor="ctr" anchorCtr="1"/>
-                    </a:tc>
-                    <a:tc>
-                      <a:txBody>
-                        <a:bodyPr/>
-                        <a:lstStyle/>
-                        <a:p>
-                          <a:pPr algn="r" fontAlgn="ctr"/>
-                          <a:r>
-                            <a:rPr lang="en-US" altLang="zh-CN" sz="1800" kern="1200" dirty="0">
-                              <a:solidFill>
-                                <a:schemeClr val="dk1"/>
-                              </a:solidFill>
-                              <a:latin typeface="Times New Roman" panose="02020603050405020304" pitchFamily="18" charset="0"/>
-                              <a:ea typeface="+mn-ea"/>
-                              <a:cs typeface="Times New Roman" panose="02020603050405020304" pitchFamily="18" charset="0"/>
-                            </a:rPr>
-                            <a:t>169.24</a:t>
-                          </a:r>
-                        </a:p>
-                      </a:txBody>
-                      <a:tcPr marL="9525" marR="9525" marT="9525" marB="0" anchor="ctr" anchorCtr="1"/>
-                    </a:tc>
-                    <a:tc>
-                      <a:txBody>
-                        <a:bodyPr/>
-                        <a:lstStyle/>
-                        <a:p>
-                          <a:pPr marL="0" algn="l" defTabSz="914400" rtl="0" eaLnBrk="1" fontAlgn="ctr" latinLnBrk="0" hangingPunct="1"/>
-                          <a:r>
-                            <a:rPr lang="en-US" altLang="zh-CN" sz="1800" kern="1200" dirty="0">
-                              <a:solidFill>
-                                <a:schemeClr val="dk1"/>
-                              </a:solidFill>
-                              <a:latin typeface="Times New Roman" panose="02020603050405020304" pitchFamily="18" charset="0"/>
-                              <a:ea typeface="+mn-ea"/>
-                              <a:cs typeface="Times New Roman" panose="02020603050405020304" pitchFamily="18" charset="0"/>
-                            </a:rPr>
-                            <a:t>7126.035</a:t>
-                          </a:r>
-                        </a:p>
-                      </a:txBody>
-                      <a:tcPr marL="9525" marR="9525" marT="9525" marB="0" anchor="ctr" anchorCtr="1"/>
-                    </a:tc>
-                    <a:tc>
-                      <a:txBody>
-                        <a:bodyPr/>
-                        <a:lstStyle/>
-                        <a:p>
-                          <a:pPr algn="r" fontAlgn="ctr"/>
-                          <a:r>
-                            <a:rPr lang="en-US" altLang="zh-CN" sz="1800" kern="1200">
-                              <a:solidFill>
-                                <a:schemeClr val="dk1"/>
-                              </a:solidFill>
-                              <a:latin typeface="Times New Roman" panose="02020603050405020304" pitchFamily="18" charset="0"/>
-                              <a:ea typeface="+mn-ea"/>
-                              <a:cs typeface="Times New Roman" panose="02020603050405020304" pitchFamily="18" charset="0"/>
-                            </a:rPr>
-                            <a:t>7434.712</a:t>
-                          </a:r>
-                        </a:p>
-                      </a:txBody>
-                      <a:tcPr marL="9525" marR="9525" marT="9525" marB="0" anchor="ctr" anchorCtr="1"/>
-                    </a:tc>
-                    <a:tc>
-                      <a:txBody>
-                        <a:bodyPr/>
-                        <a:lstStyle/>
-                        <a:p>
-                          <a:pPr algn="r" fontAlgn="ctr"/>
-                          <a:r>
-                            <a:rPr lang="en-US" altLang="zh-CN" sz="1800" kern="1200">
-                              <a:solidFill>
-                                <a:schemeClr val="dk1"/>
-                              </a:solidFill>
-                              <a:latin typeface="Times New Roman" panose="02020603050405020304" pitchFamily="18" charset="0"/>
-                              <a:ea typeface="+mn-ea"/>
-                              <a:cs typeface="Times New Roman" panose="02020603050405020304" pitchFamily="18" charset="0"/>
-                            </a:rPr>
-                            <a:t>211.93</a:t>
-                          </a:r>
-                        </a:p>
-                      </a:txBody>
-                      <a:tcPr marL="9525" marR="9525" marT="9525" marB="0" anchor="ctr" anchorCtr="1"/>
-                    </a:tc>
-                    <a:tc>
-                      <a:txBody>
-                        <a:bodyPr/>
-                        <a:lstStyle/>
-                        <a:p>
-                          <a:pPr algn="r" fontAlgn="ctr"/>
-                          <a:r>
-                            <a:rPr lang="en-US" altLang="zh-CN" sz="1800" kern="1200" dirty="0">
-                              <a:solidFill>
-                                <a:schemeClr val="dk1"/>
-                              </a:solidFill>
-                              <a:latin typeface="Times New Roman" panose="02020603050405020304" pitchFamily="18" charset="0"/>
-                              <a:ea typeface="+mn-ea"/>
-                              <a:cs typeface="Times New Roman" panose="02020603050405020304" pitchFamily="18" charset="0"/>
-                            </a:rPr>
-                            <a:t>7173.969</a:t>
-                          </a:r>
-                        </a:p>
-                      </a:txBody>
-                      <a:tcPr marL="9525" marR="9525" marT="9525" marB="0" anchor="ctr" anchorCtr="1"/>
-                    </a:tc>
-                    <a:tc>
-                      <a:txBody>
-                        <a:bodyPr/>
-                        <a:lstStyle/>
-                        <a:p>
-                          <a:pPr algn="r" fontAlgn="ctr"/>
-                          <a:r>
-                            <a:rPr lang="en-US" altLang="zh-CN" sz="1800" kern="1200">
-                              <a:solidFill>
-                                <a:schemeClr val="dk1"/>
-                              </a:solidFill>
-                              <a:latin typeface="Times New Roman" panose="02020603050405020304" pitchFamily="18" charset="0"/>
-                              <a:ea typeface="+mn-ea"/>
-                              <a:cs typeface="Times New Roman" panose="02020603050405020304" pitchFamily="18" charset="0"/>
-                            </a:rPr>
-                            <a:t>-0.47</a:t>
-                          </a:r>
-                        </a:p>
-                      </a:txBody>
-                      <a:tcPr marL="9525" marR="9525" marT="9525" marB="0" anchor="ctr" anchorCtr="1"/>
-                    </a:tc>
-                    <a:tc>
-                      <a:txBody>
-                        <a:bodyPr/>
-                        <a:lstStyle/>
-                        <a:p>
-                          <a:pPr algn="r" fontAlgn="ctr"/>
-                          <a:r>
-                            <a:rPr lang="en-US" altLang="zh-CN" sz="1800" kern="1200">
-                              <a:solidFill>
-                                <a:schemeClr val="dk1"/>
-                              </a:solidFill>
-                              <a:latin typeface="Times New Roman" panose="02020603050405020304" pitchFamily="18" charset="0"/>
-                              <a:ea typeface="+mn-ea"/>
-                              <a:cs typeface="Times New Roman" panose="02020603050405020304" pitchFamily="18" charset="0"/>
-                            </a:rPr>
-                            <a:t>-0.67</a:t>
-                          </a:r>
-                        </a:p>
-                      </a:txBody>
-                      <a:tcPr marL="9525" marR="9525" marT="9525" marB="0" anchor="ctr" anchorCtr="1"/>
-                    </a:tc>
-                    <a:extLst>
-                      <a:ext uri="{0D108BD9-81ED-4DB2-BD59-A6C34878D82A}">
-                        <a16:rowId xmlns:a16="http://schemas.microsoft.com/office/drawing/2014/main" val="741157374"/>
-                      </a:ext>
-                    </a:extLst>
-                  </a:tr>
-                  <a:tr h="498547">
-                    <a:tc>
-                      <a:txBody>
-                        <a:bodyPr/>
-                        <a:lstStyle/>
-                        <a:p>
-                          <a:r>
-                            <a:rPr lang="en-US" altLang="zh-CN" sz="1800" dirty="0">
-                              <a:latin typeface="Times New Roman" panose="02020603050405020304" pitchFamily="18" charset="0"/>
-                              <a:cs typeface="Times New Roman" panose="02020603050405020304" pitchFamily="18" charset="0"/>
-                            </a:rPr>
-                            <a:t>3</a:t>
-                          </a:r>
-                          <a:endParaRPr lang="zh-CN" altLang="en-US" sz="1800" dirty="0">
-                            <a:latin typeface="Times New Roman" panose="02020603050405020304" pitchFamily="18" charset="0"/>
-                            <a:cs typeface="Times New Roman" panose="02020603050405020304" pitchFamily="18" charset="0"/>
-                          </a:endParaRPr>
-                        </a:p>
-                      </a:txBody>
-                      <a:tcPr anchor="ctr" anchorCtr="1"/>
-                    </a:tc>
-                    <a:tc>
-                      <a:txBody>
-                        <a:bodyPr/>
-                        <a:lstStyle/>
-                        <a:p>
-                          <a:pPr marL="0" algn="l" defTabSz="914400" rtl="0" eaLnBrk="1" fontAlgn="ctr" latinLnBrk="0" hangingPunct="1"/>
-                          <a:r>
-                            <a:rPr lang="en-US" altLang="zh-CN" sz="1800" kern="1200">
-                              <a:solidFill>
-                                <a:schemeClr val="dk1"/>
-                              </a:solidFill>
-                              <a:latin typeface="Times New Roman" panose="02020603050405020304" pitchFamily="18" charset="0"/>
-                              <a:ea typeface="+mn-ea"/>
-                              <a:cs typeface="Times New Roman" panose="02020603050405020304" pitchFamily="18" charset="0"/>
-                            </a:rPr>
-                            <a:t>8127.141</a:t>
-                          </a:r>
-                        </a:p>
-                      </a:txBody>
-                      <a:tcPr marL="9525" marR="9525" marT="9525" marB="0" anchor="ctr" anchorCtr="1"/>
-                    </a:tc>
-                    <a:tc>
-                      <a:txBody>
-                        <a:bodyPr/>
-                        <a:lstStyle/>
-                        <a:p>
-                          <a:pPr algn="r" fontAlgn="ctr"/>
-                          <a:r>
-                            <a:rPr lang="en-US" altLang="zh-CN" sz="1800" kern="1200" dirty="0">
-                              <a:solidFill>
-                                <a:schemeClr val="dk1"/>
-                              </a:solidFill>
-                              <a:latin typeface="Times New Roman" panose="02020603050405020304" pitchFamily="18" charset="0"/>
-                              <a:ea typeface="+mn-ea"/>
-                              <a:cs typeface="Times New Roman" panose="02020603050405020304" pitchFamily="18" charset="0"/>
-                            </a:rPr>
-                            <a:t>179.49</a:t>
-                          </a:r>
-                        </a:p>
-                      </a:txBody>
-                      <a:tcPr marL="9525" marR="9525" marT="9525" marB="0" anchor="ctr" anchorCtr="1"/>
-                    </a:tc>
-                    <a:tc>
-                      <a:txBody>
-                        <a:bodyPr/>
-                        <a:lstStyle/>
-                        <a:p>
-                          <a:pPr marL="0" algn="l" defTabSz="914400" rtl="0" eaLnBrk="1" fontAlgn="ctr" latinLnBrk="0" hangingPunct="1"/>
-                          <a:r>
-                            <a:rPr lang="en-US" altLang="zh-CN" sz="1800" kern="1200">
-                              <a:solidFill>
-                                <a:schemeClr val="dk1"/>
-                              </a:solidFill>
-                              <a:latin typeface="Times New Roman" panose="02020603050405020304" pitchFamily="18" charset="0"/>
-                              <a:ea typeface="+mn-ea"/>
-                              <a:cs typeface="Times New Roman" panose="02020603050405020304" pitchFamily="18" charset="0"/>
-                            </a:rPr>
-                            <a:t>7759.225</a:t>
-                          </a:r>
-                        </a:p>
-                      </a:txBody>
-                      <a:tcPr marL="9525" marR="9525" marT="9525" marB="0" anchor="ctr" anchorCtr="1"/>
-                    </a:tc>
-                    <a:tc>
-                      <a:txBody>
-                        <a:bodyPr/>
-                        <a:lstStyle/>
-                        <a:p>
-                          <a:pPr algn="r" fontAlgn="ctr"/>
-                          <a:r>
-                            <a:rPr lang="en-US" altLang="zh-CN" sz="1800" kern="1200" dirty="0">
-                              <a:solidFill>
-                                <a:srgbClr val="FF0000"/>
-                              </a:solidFill>
-                              <a:latin typeface="Times New Roman" panose="02020603050405020304" pitchFamily="18" charset="0"/>
-                              <a:ea typeface="+mn-ea"/>
-                              <a:cs typeface="Times New Roman" panose="02020603050405020304" pitchFamily="18" charset="0"/>
-                            </a:rPr>
-                            <a:t>7989.844*</a:t>
-                          </a:r>
-                        </a:p>
-                      </a:txBody>
-                      <a:tcPr marL="9525" marR="9525" marT="9525" marB="0" anchor="ctr" anchorCtr="1"/>
-                    </a:tc>
-                    <a:tc>
-                      <a:txBody>
-                        <a:bodyPr/>
-                        <a:lstStyle/>
-                        <a:p>
-                          <a:pPr algn="r" fontAlgn="ctr"/>
-                          <a:r>
-                            <a:rPr lang="en-US" altLang="zh-CN" sz="1800" kern="1200">
-                              <a:solidFill>
-                                <a:schemeClr val="dk1"/>
-                              </a:solidFill>
-                              <a:latin typeface="Times New Roman" panose="02020603050405020304" pitchFamily="18" charset="0"/>
-                              <a:ea typeface="+mn-ea"/>
-                              <a:cs typeface="Times New Roman" panose="02020603050405020304" pitchFamily="18" charset="0"/>
-                            </a:rPr>
-                            <a:t>198.11</a:t>
-                          </a:r>
-                        </a:p>
-                      </a:txBody>
-                      <a:tcPr marL="9525" marR="9525" marT="9525" marB="0" anchor="ctr" anchorCtr="1"/>
-                    </a:tc>
-                    <a:tc>
-                      <a:txBody>
-                        <a:bodyPr/>
-                        <a:lstStyle/>
-                        <a:p>
-                          <a:pPr algn="r" fontAlgn="ctr"/>
-                          <a:r>
-                            <a:rPr lang="en-US" altLang="zh-CN" sz="1800" kern="1200" dirty="0">
-                              <a:solidFill>
-                                <a:schemeClr val="dk1"/>
-                              </a:solidFill>
-                              <a:latin typeface="Times New Roman" panose="02020603050405020304" pitchFamily="18" charset="0"/>
-                              <a:ea typeface="+mn-ea"/>
-                              <a:cs typeface="Times New Roman" panose="02020603050405020304" pitchFamily="18" charset="0"/>
-                            </a:rPr>
-                            <a:t>7625.132</a:t>
-                          </a:r>
-                        </a:p>
-                      </a:txBody>
-                      <a:tcPr marL="9525" marR="9525" marT="9525" marB="0" anchor="ctr" anchorCtr="1"/>
-                    </a:tc>
-                    <a:tc>
-                      <a:txBody>
-                        <a:bodyPr/>
-                        <a:lstStyle/>
-                        <a:p>
-                          <a:pPr algn="r" fontAlgn="ctr"/>
-                          <a:r>
-                            <a:rPr lang="en-US" altLang="zh-CN" sz="1800" kern="1200" dirty="0">
-                              <a:solidFill>
-                                <a:schemeClr val="dk1"/>
-                              </a:solidFill>
-                              <a:latin typeface="Times New Roman" panose="02020603050405020304" pitchFamily="18" charset="0"/>
-                              <a:ea typeface="+mn-ea"/>
-                              <a:cs typeface="Times New Roman" panose="02020603050405020304" pitchFamily="18" charset="0"/>
-                            </a:rPr>
-                            <a:t>1.72</a:t>
-                          </a:r>
-                        </a:p>
-                      </a:txBody>
-                      <a:tcPr marL="9525" marR="9525" marT="9525" marB="0" anchor="ctr" anchorCtr="1"/>
-                    </a:tc>
-                    <a:tc>
-                      <a:txBody>
-                        <a:bodyPr/>
-                        <a:lstStyle/>
-                        <a:p>
-                          <a:pPr algn="r" fontAlgn="ctr"/>
-                          <a:r>
-                            <a:rPr lang="en-US" altLang="zh-CN" sz="1800" kern="1200">
-                              <a:solidFill>
-                                <a:schemeClr val="dk1"/>
-                              </a:solidFill>
-                              <a:latin typeface="Times New Roman" panose="02020603050405020304" pitchFamily="18" charset="0"/>
-                              <a:ea typeface="+mn-ea"/>
-                              <a:cs typeface="Times New Roman" panose="02020603050405020304" pitchFamily="18" charset="0"/>
-                            </a:rPr>
-                            <a:t>1.76</a:t>
-                          </a:r>
-                        </a:p>
-                      </a:txBody>
-                      <a:tcPr marL="9525" marR="9525" marT="9525" marB="0" anchor="ctr" anchorCtr="1"/>
-                    </a:tc>
-                    <a:extLst>
-                      <a:ext uri="{0D108BD9-81ED-4DB2-BD59-A6C34878D82A}">
-                        <a16:rowId xmlns:a16="http://schemas.microsoft.com/office/drawing/2014/main" val="3086558929"/>
-                      </a:ext>
-                    </a:extLst>
-                  </a:tr>
-                  <a:tr h="498547">
-                    <a:tc>
-                      <a:txBody>
-                        <a:bodyPr/>
-                        <a:lstStyle/>
-                        <a:p>
-                          <a:r>
-                            <a:rPr lang="en-US" altLang="zh-CN" sz="1800" dirty="0">
-                              <a:latin typeface="Times New Roman" panose="02020603050405020304" pitchFamily="18" charset="0"/>
-                              <a:cs typeface="Times New Roman" panose="02020603050405020304" pitchFamily="18" charset="0"/>
-                            </a:rPr>
-                            <a:t>4</a:t>
-                          </a:r>
-                          <a:endParaRPr lang="zh-CN" altLang="en-US" sz="1800" dirty="0">
-                            <a:latin typeface="Times New Roman" panose="02020603050405020304" pitchFamily="18" charset="0"/>
-                            <a:cs typeface="Times New Roman" panose="02020603050405020304" pitchFamily="18" charset="0"/>
-                          </a:endParaRPr>
-                        </a:p>
-                      </a:txBody>
-                      <a:tcPr anchor="ctr" anchorCtr="1"/>
-                    </a:tc>
-                    <a:tc>
-                      <a:txBody>
-                        <a:bodyPr/>
-                        <a:lstStyle/>
-                        <a:p>
-                          <a:pPr marL="0" algn="l" defTabSz="914400" rtl="0" eaLnBrk="1" fontAlgn="ctr" latinLnBrk="0" hangingPunct="1"/>
-                          <a:r>
-                            <a:rPr lang="en-US" altLang="zh-CN" sz="1800" kern="1200">
-                              <a:solidFill>
-                                <a:schemeClr val="dk1"/>
-                              </a:solidFill>
-                              <a:latin typeface="Times New Roman" panose="02020603050405020304" pitchFamily="18" charset="0"/>
-                              <a:ea typeface="+mn-ea"/>
-                              <a:cs typeface="Times New Roman" panose="02020603050405020304" pitchFamily="18" charset="0"/>
-                            </a:rPr>
-                            <a:t>8566.518</a:t>
-                          </a:r>
-                        </a:p>
-                      </a:txBody>
-                      <a:tcPr marL="9525" marR="9525" marT="9525" marB="0" anchor="ctr" anchorCtr="1"/>
-                    </a:tc>
-                    <a:tc>
-                      <a:txBody>
-                        <a:bodyPr/>
-                        <a:lstStyle/>
-                        <a:p>
-                          <a:pPr algn="r" fontAlgn="ctr"/>
-                          <a:r>
-                            <a:rPr lang="en-US" altLang="zh-CN" sz="1800" kern="1200" dirty="0">
-                              <a:solidFill>
-                                <a:schemeClr val="dk1"/>
-                              </a:solidFill>
-                              <a:latin typeface="Times New Roman" panose="02020603050405020304" pitchFamily="18" charset="0"/>
-                              <a:ea typeface="+mn-ea"/>
-                              <a:cs typeface="Times New Roman" panose="02020603050405020304" pitchFamily="18" charset="0"/>
-                            </a:rPr>
-                            <a:t>279.54</a:t>
-                          </a:r>
-                        </a:p>
-                      </a:txBody>
-                      <a:tcPr marL="9525" marR="9525" marT="9525" marB="0" anchor="ctr" anchorCtr="1"/>
-                    </a:tc>
-                    <a:tc>
-                      <a:txBody>
-                        <a:bodyPr/>
-                        <a:lstStyle/>
-                        <a:p>
-                          <a:pPr marL="0" algn="l" defTabSz="914400" rtl="0" eaLnBrk="1" fontAlgn="ctr" latinLnBrk="0" hangingPunct="1"/>
-                          <a:r>
-                            <a:rPr lang="en-US" altLang="zh-CN" sz="1800" kern="1200">
-                              <a:solidFill>
-                                <a:schemeClr val="dk1"/>
-                              </a:solidFill>
-                              <a:latin typeface="Times New Roman" panose="02020603050405020304" pitchFamily="18" charset="0"/>
-                              <a:ea typeface="+mn-ea"/>
-                              <a:cs typeface="Times New Roman" panose="02020603050405020304" pitchFamily="18" charset="0"/>
-                            </a:rPr>
-                            <a:t>8103.476</a:t>
-                          </a:r>
-                        </a:p>
-                      </a:txBody>
-                      <a:tcPr marL="9525" marR="9525" marT="9525" marB="0" anchor="ctr" anchorCtr="1"/>
-                    </a:tc>
-                    <a:tc>
-                      <a:txBody>
-                        <a:bodyPr/>
-                        <a:lstStyle/>
-                        <a:p>
-                          <a:pPr algn="r" fontAlgn="ctr"/>
-                          <a:r>
-                            <a:rPr lang="en-US" altLang="zh-CN" sz="1800" kern="1200" dirty="0">
-                              <a:solidFill>
-                                <a:srgbClr val="FF0000"/>
-                              </a:solidFill>
-                              <a:latin typeface="Times New Roman" panose="02020603050405020304" pitchFamily="18" charset="0"/>
-                              <a:ea typeface="+mn-ea"/>
-                              <a:cs typeface="Times New Roman" panose="02020603050405020304" pitchFamily="18" charset="0"/>
-                            </a:rPr>
-                            <a:t>8479.381</a:t>
-                          </a:r>
-                        </a:p>
-                      </a:txBody>
-                      <a:tcPr marL="9525" marR="9525" marT="9525" marB="0" anchor="ctr" anchorCtr="1"/>
-                    </a:tc>
-                    <a:tc>
-                      <a:txBody>
-                        <a:bodyPr/>
-                        <a:lstStyle/>
-                        <a:p>
-                          <a:pPr algn="r" fontAlgn="ctr"/>
-                          <a:r>
-                            <a:rPr lang="en-US" altLang="zh-CN" sz="1800" kern="1200">
-                              <a:solidFill>
-                                <a:schemeClr val="dk1"/>
-                              </a:solidFill>
-                              <a:latin typeface="Times New Roman" panose="02020603050405020304" pitchFamily="18" charset="0"/>
-                              <a:ea typeface="+mn-ea"/>
-                              <a:cs typeface="Times New Roman" panose="02020603050405020304" pitchFamily="18" charset="0"/>
-                            </a:rPr>
-                            <a:t>185.62</a:t>
-                          </a:r>
-                        </a:p>
-                      </a:txBody>
-                      <a:tcPr marL="9525" marR="9525" marT="9525" marB="0" anchor="ctr" anchorCtr="1"/>
-                    </a:tc>
-                    <a:tc>
-                      <a:txBody>
-                        <a:bodyPr/>
-                        <a:lstStyle/>
-                        <a:p>
-                          <a:pPr algn="r" fontAlgn="ctr"/>
-                          <a:r>
-                            <a:rPr lang="en-US" altLang="zh-CN" sz="1800" kern="1200">
-                              <a:solidFill>
-                                <a:schemeClr val="dk1"/>
-                              </a:solidFill>
-                              <a:latin typeface="Times New Roman" panose="02020603050405020304" pitchFamily="18" charset="0"/>
-                              <a:ea typeface="+mn-ea"/>
-                              <a:cs typeface="Times New Roman" panose="02020603050405020304" pitchFamily="18" charset="0"/>
-                            </a:rPr>
-                            <a:t>8103.476</a:t>
-                          </a:r>
-                        </a:p>
-                      </a:txBody>
-                      <a:tcPr marL="9525" marR="9525" marT="9525" marB="0" anchor="ctr" anchorCtr="1"/>
-                    </a:tc>
-                    <a:tc>
-                      <a:txBody>
-                        <a:bodyPr/>
-                        <a:lstStyle/>
-                        <a:p>
-                          <a:pPr algn="r" fontAlgn="ctr"/>
-                          <a:r>
-                            <a:rPr lang="en-US" altLang="zh-CN" sz="1800" kern="1200" dirty="0">
-                              <a:solidFill>
-                                <a:schemeClr val="dk1"/>
-                              </a:solidFill>
-                              <a:latin typeface="Times New Roman" panose="02020603050405020304" pitchFamily="18" charset="0"/>
-                              <a:ea typeface="+mn-ea"/>
-                              <a:cs typeface="Times New Roman" panose="02020603050405020304" pitchFamily="18" charset="0"/>
-                            </a:rPr>
-                            <a:t>1.03</a:t>
-                          </a:r>
-                        </a:p>
-                      </a:txBody>
-                      <a:tcPr marL="9525" marR="9525" marT="9525" marB="0" anchor="ctr" anchorCtr="1"/>
-                    </a:tc>
-                    <a:tc>
-                      <a:txBody>
-                        <a:bodyPr/>
-                        <a:lstStyle/>
-                        <a:p>
-                          <a:pPr algn="r" fontAlgn="ctr"/>
-                          <a:r>
-                            <a:rPr lang="en-US" altLang="zh-CN" sz="1800" kern="1200">
-                              <a:solidFill>
-                                <a:schemeClr val="dk1"/>
-                              </a:solidFill>
-                              <a:latin typeface="Times New Roman" panose="02020603050405020304" pitchFamily="18" charset="0"/>
-                              <a:ea typeface="+mn-ea"/>
-                              <a:cs typeface="Times New Roman" panose="02020603050405020304" pitchFamily="18" charset="0"/>
-                            </a:rPr>
-                            <a:t>0</a:t>
-                          </a:r>
-                        </a:p>
-                      </a:txBody>
-                      <a:tcPr marL="9525" marR="9525" marT="9525" marB="0" anchor="ctr" anchorCtr="1"/>
-                    </a:tc>
-                    <a:extLst>
-                      <a:ext uri="{0D108BD9-81ED-4DB2-BD59-A6C34878D82A}">
-                        <a16:rowId xmlns:a16="http://schemas.microsoft.com/office/drawing/2014/main" val="3334398382"/>
-                      </a:ext>
-                    </a:extLst>
-                  </a:tr>
-                  <a:tr h="498547">
-                    <a:tc>
-                      <a:txBody>
-                        <a:bodyPr/>
-                        <a:lstStyle/>
-                        <a:p>
-                          <a:r>
-                            <a:rPr lang="en-US" altLang="zh-CN" sz="1800" dirty="0">
-                              <a:latin typeface="Times New Roman" panose="02020603050405020304" pitchFamily="18" charset="0"/>
-                              <a:cs typeface="Times New Roman" panose="02020603050405020304" pitchFamily="18" charset="0"/>
-                            </a:rPr>
-                            <a:t>5</a:t>
-                          </a:r>
-                          <a:endParaRPr lang="zh-CN" altLang="en-US" sz="1800" dirty="0">
-                            <a:latin typeface="Times New Roman" panose="02020603050405020304" pitchFamily="18" charset="0"/>
-                            <a:cs typeface="Times New Roman" panose="02020603050405020304" pitchFamily="18" charset="0"/>
-                          </a:endParaRPr>
-                        </a:p>
-                      </a:txBody>
-                      <a:tcPr anchor="ctr" anchorCtr="1"/>
-                    </a:tc>
-                    <a:tc>
-                      <a:txBody>
-                        <a:bodyPr/>
-                        <a:lstStyle/>
-                        <a:p>
-                          <a:pPr marL="0" algn="l" defTabSz="914400" rtl="0" eaLnBrk="1" fontAlgn="ctr" latinLnBrk="0" hangingPunct="1"/>
-                          <a:r>
-                            <a:rPr lang="en-US" altLang="zh-CN" sz="1800" kern="1200" dirty="0">
-                              <a:solidFill>
-                                <a:srgbClr val="FF0000"/>
-                              </a:solidFill>
-                              <a:latin typeface="Times New Roman" panose="02020603050405020304" pitchFamily="18" charset="0"/>
-                              <a:ea typeface="+mn-ea"/>
-                              <a:cs typeface="Times New Roman" panose="02020603050405020304" pitchFamily="18" charset="0"/>
-                            </a:rPr>
-                            <a:t>8054.054</a:t>
-                          </a:r>
-                        </a:p>
-                      </a:txBody>
-                      <a:tcPr marL="9525" marR="9525" marT="9525" marB="0" anchor="ctr" anchorCtr="1"/>
-                    </a:tc>
-                    <a:tc>
-                      <a:txBody>
-                        <a:bodyPr/>
-                        <a:lstStyle/>
-                        <a:p>
-                          <a:pPr algn="r" fontAlgn="ctr"/>
-                          <a:r>
-                            <a:rPr lang="en-US" altLang="zh-CN" sz="1800" kern="1200" dirty="0">
-                              <a:solidFill>
-                                <a:schemeClr val="dk1"/>
-                              </a:solidFill>
-                              <a:latin typeface="Times New Roman" panose="02020603050405020304" pitchFamily="18" charset="0"/>
-                              <a:ea typeface="+mn-ea"/>
-                              <a:cs typeface="Times New Roman" panose="02020603050405020304" pitchFamily="18" charset="0"/>
-                            </a:rPr>
-                            <a:t>210.78</a:t>
-                          </a:r>
-                        </a:p>
-                      </a:txBody>
-                      <a:tcPr marL="9525" marR="9525" marT="9525" marB="0" anchor="ctr" anchorCtr="1"/>
-                    </a:tc>
-                    <a:tc>
-                      <a:txBody>
-                        <a:bodyPr/>
-                        <a:lstStyle/>
-                        <a:p>
-                          <a:pPr marL="0" algn="l" defTabSz="914400" rtl="0" eaLnBrk="1" fontAlgn="ctr" latinLnBrk="0" hangingPunct="1"/>
-                          <a:r>
-                            <a:rPr lang="en-US" altLang="zh-CN" sz="1800" kern="1200">
-                              <a:solidFill>
-                                <a:schemeClr val="dk1"/>
-                              </a:solidFill>
-                              <a:latin typeface="Times New Roman" panose="02020603050405020304" pitchFamily="18" charset="0"/>
-                              <a:ea typeface="+mn-ea"/>
-                              <a:cs typeface="Times New Roman" panose="02020603050405020304" pitchFamily="18" charset="0"/>
-                            </a:rPr>
-                            <a:t>7687.733</a:t>
-                          </a:r>
-                        </a:p>
-                      </a:txBody>
-                      <a:tcPr marL="9525" marR="9525" marT="9525" marB="0" anchor="ctr" anchorCtr="1"/>
-                    </a:tc>
-                    <a:tc>
-                      <a:txBody>
-                        <a:bodyPr/>
-                        <a:lstStyle/>
-                        <a:p>
-                          <a:pPr algn="r" fontAlgn="ctr"/>
-                          <a:r>
-                            <a:rPr lang="en-US" altLang="zh-CN" sz="1800" kern="1200">
-                              <a:solidFill>
-                                <a:schemeClr val="dk1"/>
-                              </a:solidFill>
-                              <a:latin typeface="Times New Roman" panose="02020603050405020304" pitchFamily="18" charset="0"/>
-                              <a:ea typeface="+mn-ea"/>
-                              <a:cs typeface="Times New Roman" panose="02020603050405020304" pitchFamily="18" charset="0"/>
-                            </a:rPr>
-                            <a:t>8074.323</a:t>
-                          </a:r>
-                        </a:p>
-                      </a:txBody>
-                      <a:tcPr marL="9525" marR="9525" marT="9525" marB="0" anchor="ctr" anchorCtr="1"/>
-                    </a:tc>
-                    <a:tc>
-                      <a:txBody>
-                        <a:bodyPr/>
-                        <a:lstStyle/>
-                        <a:p>
-                          <a:pPr algn="r" fontAlgn="ctr"/>
-                          <a:r>
-                            <a:rPr lang="en-US" altLang="zh-CN" sz="1800" kern="1200">
-                              <a:solidFill>
-                                <a:schemeClr val="dk1"/>
-                              </a:solidFill>
-                              <a:latin typeface="Times New Roman" panose="02020603050405020304" pitchFamily="18" charset="0"/>
-                              <a:ea typeface="+mn-ea"/>
-                              <a:cs typeface="Times New Roman" panose="02020603050405020304" pitchFamily="18" charset="0"/>
-                            </a:rPr>
-                            <a:t>232.29</a:t>
-                          </a:r>
-                        </a:p>
-                      </a:txBody>
-                      <a:tcPr marL="9525" marR="9525" marT="9525" marB="0" anchor="ctr" anchorCtr="1"/>
-                    </a:tc>
-                    <a:tc>
-                      <a:txBody>
-                        <a:bodyPr/>
-                        <a:lstStyle/>
-                        <a:p>
-                          <a:pPr algn="r" fontAlgn="ctr"/>
-                          <a:r>
-                            <a:rPr lang="en-US" altLang="zh-CN" sz="1800" kern="1200">
-                              <a:solidFill>
-                                <a:schemeClr val="dk1"/>
-                              </a:solidFill>
-                              <a:latin typeface="Times New Roman" panose="02020603050405020304" pitchFamily="18" charset="0"/>
-                              <a:ea typeface="+mn-ea"/>
-                              <a:cs typeface="Times New Roman" panose="02020603050405020304" pitchFamily="18" charset="0"/>
-                            </a:rPr>
-                            <a:t>7747.924</a:t>
-                          </a:r>
-                        </a:p>
-                      </a:txBody>
-                      <a:tcPr marL="9525" marR="9525" marT="9525" marB="0" anchor="ctr" anchorCtr="1"/>
-                    </a:tc>
-                    <a:tc>
-                      <a:txBody>
-                        <a:bodyPr/>
-                        <a:lstStyle/>
-                        <a:p>
-                          <a:pPr algn="r" fontAlgn="ctr"/>
-                          <a:r>
-                            <a:rPr lang="en-US" altLang="zh-CN" sz="1800" kern="1200" dirty="0">
-                              <a:solidFill>
-                                <a:schemeClr val="dk1"/>
-                              </a:solidFill>
-                              <a:latin typeface="Times New Roman" panose="02020603050405020304" pitchFamily="18" charset="0"/>
-                              <a:ea typeface="+mn-ea"/>
-                              <a:cs typeface="Times New Roman" panose="02020603050405020304" pitchFamily="18" charset="0"/>
-                            </a:rPr>
-                            <a:t>-0.25</a:t>
-                          </a:r>
-                        </a:p>
-                      </a:txBody>
-                      <a:tcPr marL="9525" marR="9525" marT="9525" marB="0" anchor="ctr" anchorCtr="1"/>
-                    </a:tc>
-                    <a:tc>
-                      <a:txBody>
-                        <a:bodyPr/>
-                        <a:lstStyle/>
-                        <a:p>
-                          <a:pPr algn="r" fontAlgn="ctr"/>
-                          <a:r>
-                            <a:rPr lang="en-US" altLang="zh-CN" sz="1800" kern="1200">
-                              <a:solidFill>
-                                <a:schemeClr val="dk1"/>
-                              </a:solidFill>
-                              <a:latin typeface="Times New Roman" panose="02020603050405020304" pitchFamily="18" charset="0"/>
-                              <a:ea typeface="+mn-ea"/>
-                              <a:cs typeface="Times New Roman" panose="02020603050405020304" pitchFamily="18" charset="0"/>
-                            </a:rPr>
-                            <a:t>-0.78</a:t>
-                          </a:r>
-                        </a:p>
-                      </a:txBody>
-                      <a:tcPr marL="9525" marR="9525" marT="9525" marB="0" anchor="ctr" anchorCtr="1"/>
-                    </a:tc>
-                    <a:extLst>
-                      <a:ext uri="{0D108BD9-81ED-4DB2-BD59-A6C34878D82A}">
-                        <a16:rowId xmlns:a16="http://schemas.microsoft.com/office/drawing/2014/main" val="364754674"/>
-                      </a:ext>
-                    </a:extLst>
-                  </a:tr>
-                  <a:tr h="498547">
-                    <a:tc>
-                      <a:txBody>
-                        <a:bodyPr/>
-                        <a:lstStyle/>
-                        <a:p>
-                          <a:r>
-                            <a:rPr lang="en-US" altLang="zh-CN" sz="1800" dirty="0">
-                              <a:latin typeface="Times New Roman" panose="02020603050405020304" pitchFamily="18" charset="0"/>
-                              <a:cs typeface="Times New Roman" panose="02020603050405020304" pitchFamily="18" charset="0"/>
-                            </a:rPr>
-                            <a:t>6</a:t>
-                          </a:r>
-                          <a:endParaRPr lang="zh-CN" altLang="en-US" sz="1800" dirty="0">
-                            <a:latin typeface="Times New Roman" panose="02020603050405020304" pitchFamily="18" charset="0"/>
-                            <a:cs typeface="Times New Roman" panose="02020603050405020304" pitchFamily="18" charset="0"/>
-                          </a:endParaRPr>
-                        </a:p>
-                      </a:txBody>
-                      <a:tcPr anchor="ctr" anchorCtr="1"/>
-                    </a:tc>
-                    <a:tc>
-                      <a:txBody>
-                        <a:bodyPr/>
-                        <a:lstStyle/>
-                        <a:p>
-                          <a:pPr marL="0" algn="l" defTabSz="914400" rtl="0" eaLnBrk="1" fontAlgn="ctr" latinLnBrk="0" hangingPunct="1"/>
-                          <a:r>
-                            <a:rPr lang="en-US" altLang="zh-CN" sz="1800" kern="1200">
-                              <a:solidFill>
-                                <a:schemeClr val="dk1"/>
-                              </a:solidFill>
-                              <a:latin typeface="Times New Roman" panose="02020603050405020304" pitchFamily="18" charset="0"/>
-                              <a:ea typeface="+mn-ea"/>
-                              <a:cs typeface="Times New Roman" panose="02020603050405020304" pitchFamily="18" charset="0"/>
-                            </a:rPr>
-                            <a:t>8229.953</a:t>
-                          </a:r>
-                        </a:p>
-                      </a:txBody>
-                      <a:tcPr marL="9525" marR="9525" marT="9525" marB="0" anchor="ctr" anchorCtr="1"/>
-                    </a:tc>
-                    <a:tc>
-                      <a:txBody>
-                        <a:bodyPr/>
-                        <a:lstStyle/>
-                        <a:p>
-                          <a:pPr algn="r" fontAlgn="ctr"/>
-                          <a:r>
-                            <a:rPr lang="en-US" altLang="zh-CN" sz="1800" kern="1200" dirty="0">
-                              <a:solidFill>
-                                <a:schemeClr val="dk1"/>
-                              </a:solidFill>
-                              <a:latin typeface="Times New Roman" panose="02020603050405020304" pitchFamily="18" charset="0"/>
-                              <a:ea typeface="+mn-ea"/>
-                              <a:cs typeface="Times New Roman" panose="02020603050405020304" pitchFamily="18" charset="0"/>
-                            </a:rPr>
-                            <a:t>198.53</a:t>
-                          </a:r>
-                        </a:p>
-                      </a:txBody>
-                      <a:tcPr marL="9525" marR="9525" marT="9525" marB="0" anchor="ctr" anchorCtr="1"/>
-                    </a:tc>
-                    <a:tc>
-                      <a:txBody>
-                        <a:bodyPr/>
-                        <a:lstStyle/>
-                        <a:p>
-                          <a:pPr marL="0" algn="l" defTabSz="914400" rtl="0" eaLnBrk="1" fontAlgn="ctr" latinLnBrk="0" hangingPunct="1"/>
-                          <a:r>
-                            <a:rPr lang="en-US" altLang="zh-CN" sz="1800" kern="1200">
-                              <a:solidFill>
-                                <a:schemeClr val="dk1"/>
-                              </a:solidFill>
-                              <a:latin typeface="Times New Roman" panose="02020603050405020304" pitchFamily="18" charset="0"/>
-                              <a:ea typeface="+mn-ea"/>
-                              <a:cs typeface="Times New Roman" panose="02020603050405020304" pitchFamily="18" charset="0"/>
-                            </a:rPr>
-                            <a:t>7866.683</a:t>
-                          </a:r>
-                        </a:p>
-                      </a:txBody>
-                      <a:tcPr marL="9525" marR="9525" marT="9525" marB="0" anchor="ctr" anchorCtr="1"/>
-                    </a:tc>
-                    <a:tc>
-                      <a:txBody>
-                        <a:bodyPr/>
-                        <a:lstStyle/>
-                        <a:p>
-                          <a:pPr algn="r" fontAlgn="ctr"/>
-                          <a:r>
-                            <a:rPr lang="en-US" altLang="zh-CN" sz="1800" kern="1200" dirty="0">
-                              <a:solidFill>
-                                <a:srgbClr val="FF0000"/>
-                              </a:solidFill>
-                              <a:latin typeface="Times New Roman" panose="02020603050405020304" pitchFamily="18" charset="0"/>
-                              <a:ea typeface="+mn-ea"/>
-                              <a:cs typeface="Times New Roman" panose="02020603050405020304" pitchFamily="18" charset="0"/>
-                            </a:rPr>
-                            <a:t>8135.349*</a:t>
-                          </a:r>
-                        </a:p>
-                      </a:txBody>
-                      <a:tcPr marL="9525" marR="9525" marT="9525" marB="0" anchor="ctr" anchorCtr="1"/>
-                    </a:tc>
-                    <a:tc>
-                      <a:txBody>
-                        <a:bodyPr/>
-                        <a:lstStyle/>
-                        <a:p>
-                          <a:pPr algn="r" fontAlgn="ctr"/>
-                          <a:r>
-                            <a:rPr lang="en-US" altLang="zh-CN" sz="1800" kern="1200">
-                              <a:solidFill>
-                                <a:schemeClr val="dk1"/>
-                              </a:solidFill>
-                              <a:latin typeface="Times New Roman" panose="02020603050405020304" pitchFamily="18" charset="0"/>
-                              <a:ea typeface="+mn-ea"/>
-                              <a:cs typeface="Times New Roman" panose="02020603050405020304" pitchFamily="18" charset="0"/>
-                            </a:rPr>
-                            <a:t>166.08</a:t>
-                          </a:r>
-                        </a:p>
-                      </a:txBody>
-                      <a:tcPr marL="9525" marR="9525" marT="9525" marB="0" anchor="ctr" anchorCtr="1"/>
-                    </a:tc>
-                    <a:tc>
-                      <a:txBody>
-                        <a:bodyPr/>
-                        <a:lstStyle/>
-                        <a:p>
-                          <a:pPr algn="r" fontAlgn="ctr"/>
-                          <a:r>
-                            <a:rPr lang="en-US" altLang="zh-CN" sz="1800" kern="1200">
-                              <a:solidFill>
-                                <a:schemeClr val="dk1"/>
-                              </a:solidFill>
-                              <a:latin typeface="Times New Roman" panose="02020603050405020304" pitchFamily="18" charset="0"/>
-                              <a:ea typeface="+mn-ea"/>
-                              <a:cs typeface="Times New Roman" panose="02020603050405020304" pitchFamily="18" charset="0"/>
-                            </a:rPr>
-                            <a:t>7896.164</a:t>
-                          </a:r>
-                        </a:p>
-                      </a:txBody>
-                      <a:tcPr marL="9525" marR="9525" marT="9525" marB="0" anchor="ctr" anchorCtr="1"/>
-                    </a:tc>
-                    <a:tc>
-                      <a:txBody>
-                        <a:bodyPr/>
-                        <a:lstStyle/>
-                        <a:p>
-                          <a:pPr algn="r" fontAlgn="ctr"/>
-                          <a:r>
-                            <a:rPr lang="en-US" altLang="zh-CN" sz="1800" kern="1200" dirty="0">
-                              <a:solidFill>
-                                <a:schemeClr val="dk1"/>
-                              </a:solidFill>
-                              <a:latin typeface="Times New Roman" panose="02020603050405020304" pitchFamily="18" charset="0"/>
-                              <a:ea typeface="+mn-ea"/>
-                              <a:cs typeface="Times New Roman" panose="02020603050405020304" pitchFamily="18" charset="0"/>
-                            </a:rPr>
-                            <a:t>1.16</a:t>
-                          </a:r>
-                        </a:p>
-                      </a:txBody>
-                      <a:tcPr marL="9525" marR="9525" marT="9525" marB="0" anchor="ctr" anchorCtr="1"/>
-                    </a:tc>
-                    <a:tc>
-                      <a:txBody>
-                        <a:bodyPr/>
-                        <a:lstStyle/>
-                        <a:p>
-                          <a:pPr algn="r" fontAlgn="ctr"/>
-                          <a:r>
-                            <a:rPr lang="en-US" altLang="zh-CN" sz="1800" kern="1200">
-                              <a:solidFill>
-                                <a:schemeClr val="dk1"/>
-                              </a:solidFill>
-                              <a:latin typeface="Times New Roman" panose="02020603050405020304" pitchFamily="18" charset="0"/>
-                              <a:ea typeface="+mn-ea"/>
-                              <a:cs typeface="Times New Roman" panose="02020603050405020304" pitchFamily="18" charset="0"/>
-                            </a:rPr>
-                            <a:t>-0.37</a:t>
-                          </a:r>
-                        </a:p>
-                      </a:txBody>
-                      <a:tcPr marL="9525" marR="9525" marT="9525" marB="0" anchor="ctr" anchorCtr="1"/>
-                    </a:tc>
-                    <a:extLst>
-                      <a:ext uri="{0D108BD9-81ED-4DB2-BD59-A6C34878D82A}">
-                        <a16:rowId xmlns:a16="http://schemas.microsoft.com/office/drawing/2014/main" val="958048922"/>
-                      </a:ext>
-                    </a:extLst>
-                  </a:tr>
-                  <a:tr h="498547">
-                    <a:tc>
-                      <a:txBody>
-                        <a:bodyPr/>
-                        <a:lstStyle/>
-                        <a:p>
-                          <a:r>
-                            <a:rPr lang="en-US" altLang="zh-CN" sz="1800" dirty="0">
-                              <a:latin typeface="Times New Roman" panose="02020603050405020304" pitchFamily="18" charset="0"/>
-                              <a:cs typeface="Times New Roman" panose="02020603050405020304" pitchFamily="18" charset="0"/>
-                            </a:rPr>
-                            <a:t>7</a:t>
-                          </a:r>
-                          <a:endParaRPr lang="zh-CN" altLang="en-US" sz="1800" dirty="0">
-                            <a:latin typeface="Times New Roman" panose="02020603050405020304" pitchFamily="18" charset="0"/>
-                            <a:cs typeface="Times New Roman" panose="02020603050405020304" pitchFamily="18" charset="0"/>
-                          </a:endParaRPr>
-                        </a:p>
-                      </a:txBody>
-                      <a:tcPr anchor="ctr" anchorCtr="1"/>
-                    </a:tc>
-                    <a:tc>
-                      <a:txBody>
-                        <a:bodyPr/>
-                        <a:lstStyle/>
-                        <a:p>
-                          <a:pPr marL="0" algn="l" defTabSz="914400" rtl="0" eaLnBrk="1" fontAlgn="ctr" latinLnBrk="0" hangingPunct="1"/>
-                          <a:r>
-                            <a:rPr lang="en-US" altLang="zh-CN" sz="1800" kern="1200" dirty="0">
-                              <a:solidFill>
-                                <a:schemeClr val="tx1"/>
-                              </a:solidFill>
-                              <a:latin typeface="Times New Roman" panose="02020603050405020304" pitchFamily="18" charset="0"/>
-                              <a:ea typeface="+mn-ea"/>
-                              <a:cs typeface="Times New Roman" panose="02020603050405020304" pitchFamily="18" charset="0"/>
-                            </a:rPr>
-                            <a:t>7162.556</a:t>
-                          </a:r>
-                        </a:p>
-                      </a:txBody>
-                      <a:tcPr marL="9525" marR="9525" marT="9525" marB="0" anchor="ctr" anchorCtr="1"/>
-                    </a:tc>
-                    <a:tc>
-                      <a:txBody>
-                        <a:bodyPr/>
-                        <a:lstStyle/>
-                        <a:p>
-                          <a:pPr algn="r" fontAlgn="ctr"/>
-                          <a:r>
-                            <a:rPr lang="en-US" altLang="zh-CN" sz="1800" kern="1200" dirty="0">
-                              <a:solidFill>
-                                <a:schemeClr val="dk1"/>
-                              </a:solidFill>
-                              <a:latin typeface="Times New Roman" panose="02020603050405020304" pitchFamily="18" charset="0"/>
-                              <a:ea typeface="+mn-ea"/>
-                              <a:cs typeface="Times New Roman" panose="02020603050405020304" pitchFamily="18" charset="0"/>
-                            </a:rPr>
-                            <a:t>197.19</a:t>
-                          </a:r>
-                        </a:p>
-                      </a:txBody>
-                      <a:tcPr marL="9525" marR="9525" marT="9525" marB="0" anchor="ctr" anchorCtr="1"/>
-                    </a:tc>
-                    <a:tc>
-                      <a:txBody>
-                        <a:bodyPr/>
-                        <a:lstStyle/>
-                        <a:p>
-                          <a:pPr marL="0" algn="l" defTabSz="914400" rtl="0" eaLnBrk="1" fontAlgn="ctr" latinLnBrk="0" hangingPunct="1"/>
-                          <a:r>
-                            <a:rPr lang="en-US" altLang="zh-CN" sz="1800" kern="1200" dirty="0">
-                              <a:solidFill>
-                                <a:schemeClr val="dk1"/>
-                              </a:solidFill>
-                              <a:latin typeface="Times New Roman" panose="02020603050405020304" pitchFamily="18" charset="0"/>
-                              <a:ea typeface="+mn-ea"/>
-                              <a:cs typeface="Times New Roman" panose="02020603050405020304" pitchFamily="18" charset="0"/>
-                            </a:rPr>
-                            <a:t>6884.774</a:t>
-                          </a:r>
-                        </a:p>
-                      </a:txBody>
-                      <a:tcPr marL="9525" marR="9525" marT="9525" marB="0" anchor="ctr" anchorCtr="1"/>
-                    </a:tc>
-                    <a:tc>
-                      <a:txBody>
-                        <a:bodyPr/>
-                        <a:lstStyle/>
-                        <a:p>
-                          <a:pPr algn="r" fontAlgn="ctr"/>
-                          <a:r>
-                            <a:rPr lang="en-US" altLang="zh-CN" sz="1800" kern="1200" dirty="0">
-                              <a:solidFill>
-                                <a:srgbClr val="FF0000"/>
-                              </a:solidFill>
-                              <a:latin typeface="Times New Roman" panose="02020603050405020304" pitchFamily="18" charset="0"/>
-                              <a:ea typeface="+mn-ea"/>
-                              <a:cs typeface="Times New Roman" panose="02020603050405020304" pitchFamily="18" charset="0"/>
-                            </a:rPr>
-                            <a:t>7146.154</a:t>
-                          </a:r>
-                        </a:p>
-                      </a:txBody>
-                      <a:tcPr marL="9525" marR="9525" marT="9525" marB="0" anchor="ctr" anchorCtr="1"/>
-                    </a:tc>
-                    <a:tc>
-                      <a:txBody>
-                        <a:bodyPr/>
-                        <a:lstStyle/>
-                        <a:p>
-                          <a:pPr algn="r" fontAlgn="ctr"/>
-                          <a:r>
-                            <a:rPr lang="en-US" altLang="zh-CN" sz="1800" kern="1200" dirty="0">
-                              <a:solidFill>
-                                <a:schemeClr val="dk1"/>
-                              </a:solidFill>
-                              <a:latin typeface="Times New Roman" panose="02020603050405020304" pitchFamily="18" charset="0"/>
-                              <a:ea typeface="+mn-ea"/>
-                              <a:cs typeface="Times New Roman" panose="02020603050405020304" pitchFamily="18" charset="0"/>
-                            </a:rPr>
-                            <a:t>167.23</a:t>
-                          </a:r>
-                        </a:p>
-                      </a:txBody>
-                      <a:tcPr marL="9525" marR="9525" marT="9525" marB="0" anchor="ctr" anchorCtr="1"/>
-                    </a:tc>
-                    <a:tc>
-                      <a:txBody>
-                        <a:bodyPr/>
-                        <a:lstStyle/>
-                        <a:p>
-                          <a:pPr algn="r" fontAlgn="ctr"/>
-                          <a:r>
-                            <a:rPr lang="en-US" altLang="zh-CN" sz="1800" kern="1200" dirty="0">
-                              <a:solidFill>
-                                <a:schemeClr val="dk1"/>
-                              </a:solidFill>
-                              <a:latin typeface="Times New Roman" panose="02020603050405020304" pitchFamily="18" charset="0"/>
-                              <a:ea typeface="+mn-ea"/>
-                              <a:cs typeface="Times New Roman" panose="02020603050405020304" pitchFamily="18" charset="0"/>
-                            </a:rPr>
-                            <a:t>6834.758</a:t>
-                          </a:r>
-                        </a:p>
-                      </a:txBody>
-                      <a:tcPr marL="9525" marR="9525" marT="9525" marB="0" anchor="ctr" anchorCtr="1"/>
-                    </a:tc>
-                    <a:tc>
-                      <a:txBody>
-                        <a:bodyPr/>
-                        <a:lstStyle/>
-                        <a:p>
-                          <a:pPr algn="r" fontAlgn="ctr"/>
-                          <a:r>
-                            <a:rPr lang="en-US" altLang="zh-CN" sz="1800" kern="1200" dirty="0">
-                              <a:solidFill>
-                                <a:schemeClr val="dk1"/>
-                              </a:solidFill>
-                              <a:latin typeface="Times New Roman" panose="02020603050405020304" pitchFamily="18" charset="0"/>
-                              <a:ea typeface="+mn-ea"/>
-                              <a:cs typeface="Times New Roman" panose="02020603050405020304" pitchFamily="18" charset="0"/>
-                            </a:rPr>
-                            <a:t>0.23</a:t>
-                          </a:r>
-                        </a:p>
-                      </a:txBody>
-                      <a:tcPr marL="9525" marR="9525" marT="9525" marB="0" anchor="ctr" anchorCtr="1"/>
-                    </a:tc>
-                    <a:tc>
-                      <a:txBody>
-                        <a:bodyPr/>
-                        <a:lstStyle/>
-                        <a:p>
-                          <a:pPr algn="r" fontAlgn="ctr"/>
-                          <a:r>
-                            <a:rPr lang="en-US" altLang="zh-CN" sz="1800" kern="1200" dirty="0">
-                              <a:solidFill>
-                                <a:schemeClr val="dk1"/>
-                              </a:solidFill>
-                              <a:latin typeface="Times New Roman" panose="02020603050405020304" pitchFamily="18" charset="0"/>
-                              <a:ea typeface="+mn-ea"/>
-                              <a:cs typeface="Times New Roman" panose="02020603050405020304" pitchFamily="18" charset="0"/>
-                            </a:rPr>
-                            <a:t>0.73</a:t>
-                          </a:r>
-                        </a:p>
-                      </a:txBody>
-                      <a:tcPr marL="9525" marR="9525" marT="9525" marB="0" anchor="ctr" anchorCtr="1"/>
-                    </a:tc>
-                    <a:extLst>
-                      <a:ext uri="{0D108BD9-81ED-4DB2-BD59-A6C34878D82A}">
-                        <a16:rowId xmlns:a16="http://schemas.microsoft.com/office/drawing/2014/main" val="2845473670"/>
-                      </a:ext>
-                    </a:extLst>
-                  </a:tr>
-                  <a:tr h="404561">
-                    <a:tc>
-                      <a:txBody>
-                        <a:bodyPr/>
-                        <a:lstStyle/>
-                        <a:p>
-                          <a:endParaRPr lang="zh-CN"/>
-                        </a:p>
-                      </a:txBody>
-                      <a:tcPr anchor="ctr" anchorCtr="1">
-                        <a:blipFill>
-                          <a:blip r:embed="rId2"/>
-                          <a:stretch>
-                            <a:fillRect l="-469" t="-1239394" r="-800000" b="-18182"/>
-                          </a:stretch>
-                        </a:blipFill>
-                      </a:tcPr>
-                    </a:tc>
-                    <a:tc>
-                      <a:txBody>
-                        <a:bodyPr/>
-                        <a:lstStyle/>
-                        <a:p>
-                          <a:endParaRPr lang="zh-CN" altLang="en-US" sz="1800" dirty="0">
-                            <a:latin typeface="Times New Roman" panose="02020603050405020304" pitchFamily="18" charset="0"/>
-                            <a:cs typeface="Times New Roman" panose="02020603050405020304" pitchFamily="18" charset="0"/>
-                          </a:endParaRPr>
-                        </a:p>
-                      </a:txBody>
-                      <a:tcPr anchor="ctr" anchorCtr="1"/>
-                    </a:tc>
-                    <a:tc>
-                      <a:txBody>
-                        <a:bodyPr/>
-                        <a:lstStyle/>
-                        <a:p>
-                          <a:r>
-                            <a:rPr lang="en-US" altLang="zh-CN" sz="1800" dirty="0">
-                              <a:latin typeface="Times New Roman" panose="02020603050405020304" pitchFamily="18" charset="0"/>
-                              <a:cs typeface="Times New Roman" panose="02020603050405020304" pitchFamily="18" charset="0"/>
-                            </a:rPr>
-                            <a:t>/</a:t>
-                          </a:r>
-                          <a:endParaRPr lang="zh-CN" altLang="en-US" sz="1800" dirty="0">
-                            <a:latin typeface="Times New Roman" panose="02020603050405020304" pitchFamily="18" charset="0"/>
-                            <a:cs typeface="Times New Roman" panose="02020603050405020304" pitchFamily="18" charset="0"/>
-                          </a:endParaRPr>
-                        </a:p>
-                      </a:txBody>
-                      <a:tcPr anchor="ctr" anchorCtr="1"/>
-                    </a:tc>
-                    <a:tc>
-                      <a:txBody>
-                        <a:bodyPr/>
-                        <a:lstStyle/>
-                        <a:p>
-                          <a:r>
-                            <a:rPr lang="en-US" altLang="zh-CN" sz="1800" dirty="0">
-                              <a:latin typeface="Times New Roman" panose="02020603050405020304" pitchFamily="18" charset="0"/>
-                              <a:cs typeface="Times New Roman" panose="02020603050405020304" pitchFamily="18" charset="0"/>
-                            </a:rPr>
-                            <a:t>/</a:t>
-                          </a:r>
-                          <a:endParaRPr lang="zh-CN" altLang="en-US" sz="1800" dirty="0">
-                            <a:latin typeface="Times New Roman" panose="02020603050405020304" pitchFamily="18" charset="0"/>
-                            <a:cs typeface="Times New Roman" panose="02020603050405020304" pitchFamily="18" charset="0"/>
-                          </a:endParaRPr>
-                        </a:p>
-                      </a:txBody>
-                      <a:tcPr anchor="ctr" anchorCtr="1"/>
-                    </a:tc>
-                    <a:tc>
-                      <a:txBody>
-                        <a:bodyPr/>
-                        <a:lstStyle/>
-                        <a:p>
-                          <a:r>
-                            <a:rPr lang="en-US" altLang="zh-CN" sz="1800" dirty="0">
-                              <a:latin typeface="Times New Roman" panose="02020603050405020304" pitchFamily="18" charset="0"/>
-                              <a:cs typeface="Times New Roman" panose="02020603050405020304" pitchFamily="18" charset="0"/>
-                            </a:rPr>
-                            <a:t>2/0/6</a:t>
-                          </a:r>
-                          <a:endParaRPr lang="zh-CN" altLang="en-US" sz="1800" dirty="0">
-                            <a:latin typeface="Times New Roman" panose="02020603050405020304" pitchFamily="18" charset="0"/>
-                            <a:cs typeface="Times New Roman" panose="02020603050405020304" pitchFamily="18" charset="0"/>
-                          </a:endParaRPr>
-                        </a:p>
-                      </a:txBody>
-                      <a:tcPr anchor="ctr" anchorCtr="1"/>
-                    </a:tc>
-                    <a:tc>
-                      <a:txBody>
-                        <a:bodyPr/>
-                        <a:lstStyle/>
-                        <a:p>
-                          <a:r>
-                            <a:rPr lang="en-US" altLang="zh-CN" sz="1800" dirty="0">
-                              <a:latin typeface="Times New Roman" panose="02020603050405020304" pitchFamily="18" charset="0"/>
-                              <a:cs typeface="Times New Roman" panose="02020603050405020304" pitchFamily="18" charset="0"/>
-                            </a:rPr>
-                            <a:t>/</a:t>
-                          </a:r>
-                          <a:endParaRPr lang="zh-CN" altLang="en-US" sz="1800" dirty="0">
-                            <a:latin typeface="Times New Roman" panose="02020603050405020304" pitchFamily="18" charset="0"/>
-                            <a:cs typeface="Times New Roman" panose="02020603050405020304" pitchFamily="18" charset="0"/>
-                          </a:endParaRPr>
-                        </a:p>
-                      </a:txBody>
-                      <a:tcPr anchor="ctr" anchorCtr="1"/>
-                    </a:tc>
-                    <a:tc>
-                      <a:txBody>
-                        <a:bodyPr/>
-                        <a:lstStyle/>
-                        <a:p>
-                          <a:r>
-                            <a:rPr lang="en-US" altLang="zh-CN" sz="1800" dirty="0">
-                              <a:latin typeface="Times New Roman" panose="02020603050405020304" pitchFamily="18" charset="0"/>
-                              <a:cs typeface="Times New Roman" panose="02020603050405020304" pitchFamily="18" charset="0"/>
-                            </a:rPr>
-                            <a:t>/</a:t>
-                          </a:r>
-                          <a:endParaRPr lang="zh-CN" altLang="en-US" sz="1800" dirty="0">
-                            <a:latin typeface="Times New Roman" panose="02020603050405020304" pitchFamily="18" charset="0"/>
-                            <a:cs typeface="Times New Roman" panose="02020603050405020304" pitchFamily="18" charset="0"/>
-                          </a:endParaRPr>
-                        </a:p>
-                      </a:txBody>
-                      <a:tcPr anchor="ctr" anchorCtr="1"/>
-                    </a:tc>
-                    <a:tc>
-                      <a:txBody>
-                        <a:bodyPr/>
-                        <a:lstStyle/>
-                        <a:p>
-                          <a:r>
-                            <a:rPr lang="en-US" altLang="zh-CN" sz="1800" dirty="0">
-                              <a:latin typeface="Times New Roman" panose="02020603050405020304" pitchFamily="18" charset="0"/>
-                              <a:cs typeface="Times New Roman" panose="02020603050405020304" pitchFamily="18" charset="0"/>
-                            </a:rPr>
-                            <a:t>/</a:t>
-                          </a:r>
-                          <a:endParaRPr lang="zh-CN" altLang="en-US" sz="1800" dirty="0">
-                            <a:latin typeface="Times New Roman" panose="02020603050405020304" pitchFamily="18" charset="0"/>
-                            <a:cs typeface="Times New Roman" panose="02020603050405020304" pitchFamily="18" charset="0"/>
-                          </a:endParaRPr>
-                        </a:p>
-                      </a:txBody>
-                      <a:tcPr anchor="ctr" anchorCtr="1"/>
-                    </a:tc>
-                    <a:tc>
-                      <a:txBody>
-                        <a:bodyPr/>
-                        <a:lstStyle/>
-                        <a:p>
-                          <a:r>
-                            <a:rPr lang="en-US" altLang="zh-CN" sz="1800" dirty="0">
-                              <a:latin typeface="Times New Roman" panose="02020603050405020304" pitchFamily="18" charset="0"/>
-                              <a:cs typeface="Times New Roman" panose="02020603050405020304" pitchFamily="18" charset="0"/>
-                            </a:rPr>
-                            <a:t>/</a:t>
-                          </a:r>
-                          <a:endParaRPr lang="zh-CN" altLang="en-US" sz="1800" dirty="0">
-                            <a:latin typeface="Times New Roman" panose="02020603050405020304" pitchFamily="18" charset="0"/>
-                            <a:cs typeface="Times New Roman" panose="02020603050405020304" pitchFamily="18" charset="0"/>
-                          </a:endParaRPr>
-                        </a:p>
-                      </a:txBody>
-                      <a:tcPr anchor="ctr" anchorCtr="1"/>
-                    </a:tc>
-                    <a:extLst>
-                      <a:ext uri="{0D108BD9-81ED-4DB2-BD59-A6C34878D82A}">
-                        <a16:rowId xmlns:a16="http://schemas.microsoft.com/office/drawing/2014/main" val="3705648070"/>
-                      </a:ext>
-                    </a:extLst>
-                  </a:tr>
-                </a:tbl>
-              </a:graphicData>
-            </a:graphic>
-          </p:graphicFrame>
-        </mc:Fallback>
-      </mc:AlternateContent>
+      <p:pic>
+        <p:nvPicPr>
+          <p:cNvPr id="8" name="图片 7">
+            <a:extLst>
+              <a:ext uri="{FF2B5EF4-FFF2-40B4-BE49-F238E27FC236}">
+                <a16:creationId xmlns:a16="http://schemas.microsoft.com/office/drawing/2014/main" id="{F1724A5B-474C-4B60-8B63-E804B96583E2}"/>
+              </a:ext>
+            </a:extLst>
+          </p:cNvPr>
+          <p:cNvPicPr>
+            <a:picLocks noChangeAspect="1"/>
+          </p:cNvPicPr>
+          <p:nvPr/>
+        </p:nvPicPr>
+        <p:blipFill rotWithShape="1">
+          <a:blip r:embed="rId2">
+            <a:extLst>
+              <a:ext uri="{28A0092B-C50C-407E-A947-70E740481C1C}">
+                <a14:useLocalDpi xmlns:a14="http://schemas.microsoft.com/office/drawing/2010/main" val="0"/>
+              </a:ext>
+            </a:extLst>
+          </a:blip>
+          <a:srcRect l="2170" t="10514" r="9584" b="2522"/>
+          <a:stretch/>
+        </p:blipFill>
+        <p:spPr>
+          <a:xfrm>
+            <a:off x="150259" y="1652631"/>
+            <a:ext cx="5664205" cy="4186412"/>
+          </a:xfrm>
+          <a:prstGeom prst="rect">
+            <a:avLst/>
+          </a:prstGeom>
+        </p:spPr>
+      </p:pic>
+      <p:pic>
+        <p:nvPicPr>
+          <p:cNvPr id="11" name="图片 10">
+            <a:extLst>
+              <a:ext uri="{FF2B5EF4-FFF2-40B4-BE49-F238E27FC236}">
+                <a16:creationId xmlns:a16="http://schemas.microsoft.com/office/drawing/2014/main" id="{8B8016A3-2E20-4A2A-826C-1095C4CCFF81}"/>
+              </a:ext>
+            </a:extLst>
+          </p:cNvPr>
+          <p:cNvPicPr>
+            <a:picLocks noChangeAspect="1"/>
+          </p:cNvPicPr>
+          <p:nvPr/>
+        </p:nvPicPr>
+        <p:blipFill rotWithShape="1">
+          <a:blip r:embed="rId3">
+            <a:extLst>
+              <a:ext uri="{28A0092B-C50C-407E-A947-70E740481C1C}">
+                <a14:useLocalDpi xmlns:a14="http://schemas.microsoft.com/office/drawing/2010/main" val="0"/>
+              </a:ext>
+            </a:extLst>
+          </a:blip>
+          <a:srcRect l="2341" t="10543" r="9356" b="2874"/>
+          <a:stretch/>
+        </p:blipFill>
+        <p:spPr>
+          <a:xfrm>
+            <a:off x="6096000" y="1652631"/>
+            <a:ext cx="5692781" cy="4186412"/>
+          </a:xfrm>
+          <a:prstGeom prst="rect">
+            <a:avLst/>
+          </a:prstGeom>
+        </p:spPr>
+      </p:pic>
     </p:spTree>
     <p:extLst>
       <p:ext uri="{BB962C8B-B14F-4D97-AF65-F5344CB8AC3E}">
@@ -15622,7 +14312,188 @@
 </p:sld>
 </file>
 
-<file path=ppt/slides/slide16.xml><?xml version="1.0" encoding="utf-8"?>
+<file path=ppt/slides/slide2.xml><?xml version="1.0" encoding="utf-8"?>
+<p:sld xmlns:a="http://schemas.openxmlformats.org/drawingml/2006/main" xmlns:r="http://schemas.openxmlformats.org/officeDocument/2006/relationships" xmlns:p="http://schemas.openxmlformats.org/presentationml/2006/main">
+  <p:cSld>
+    <p:spTree>
+      <p:nvGrpSpPr>
+        <p:cNvPr id="1" name=""/>
+        <p:cNvGrpSpPr/>
+        <p:nvPr/>
+      </p:nvGrpSpPr>
+      <p:grpSpPr>
+        <a:xfrm>
+          <a:off x="0" y="0"/>
+          <a:ext cx="0" cy="0"/>
+          <a:chOff x="0" y="0"/>
+          <a:chExt cx="0" cy="0"/>
+        </a:xfrm>
+      </p:grpSpPr>
+      <p:sp>
+        <p:nvSpPr>
+          <p:cNvPr id="2" name="标题 1">
+            <a:extLst>
+              <a:ext uri="{FF2B5EF4-FFF2-40B4-BE49-F238E27FC236}">
+                <a16:creationId xmlns:a16="http://schemas.microsoft.com/office/drawing/2014/main" id="{06D4DE04-B486-418E-8B4C-CBECBA2A6963}"/>
+              </a:ext>
+            </a:extLst>
+          </p:cNvPr>
+          <p:cNvSpPr>
+            <a:spLocks noGrp="1"/>
+          </p:cNvSpPr>
+          <p:nvPr>
+            <p:ph type="title"/>
+          </p:nvPr>
+        </p:nvSpPr>
+        <p:spPr>
+          <a:xfrm>
+            <a:off x="267749" y="180567"/>
+            <a:ext cx="2643232" cy="918391"/>
+          </a:xfrm>
+        </p:spPr>
+        <p:txBody>
+          <a:bodyPr>
+            <a:noAutofit/>
+          </a:bodyPr>
+          <a:lstStyle/>
+          <a:p>
+            <a:r>
+              <a:rPr lang="en-US" altLang="zh-CN" sz="5400" dirty="0">
+                <a:latin typeface="Times New Roman" panose="02020603050405020304" pitchFamily="18" charset="0"/>
+                <a:cs typeface="Times New Roman" panose="02020603050405020304" pitchFamily="18" charset="0"/>
+              </a:rPr>
+              <a:t>Outline:</a:t>
+            </a:r>
+            <a:endParaRPr lang="zh-CN" altLang="en-US" sz="5400" dirty="0">
+              <a:latin typeface="Times New Roman" panose="02020603050405020304" pitchFamily="18" charset="0"/>
+              <a:cs typeface="Times New Roman" panose="02020603050405020304" pitchFamily="18" charset="0"/>
+            </a:endParaRPr>
+          </a:p>
+        </p:txBody>
+      </p:sp>
+      <p:sp>
+        <p:nvSpPr>
+          <p:cNvPr id="3" name="内容占位符 2">
+            <a:extLst>
+              <a:ext uri="{FF2B5EF4-FFF2-40B4-BE49-F238E27FC236}">
+                <a16:creationId xmlns:a16="http://schemas.microsoft.com/office/drawing/2014/main" id="{90FA344C-A1F8-4C46-80FD-8291B584EAB4}"/>
+              </a:ext>
+            </a:extLst>
+          </p:cNvPr>
+          <p:cNvSpPr>
+            <a:spLocks noGrp="1"/>
+          </p:cNvSpPr>
+          <p:nvPr>
+            <p:ph idx="1"/>
+          </p:nvPr>
+        </p:nvSpPr>
+        <p:spPr>
+          <a:xfrm>
+            <a:off x="267749" y="1186219"/>
+            <a:ext cx="9698372" cy="4996468"/>
+          </a:xfrm>
+        </p:spPr>
+        <p:txBody>
+          <a:bodyPr>
+            <a:normAutofit/>
+          </a:bodyPr>
+          <a:lstStyle/>
+          <a:p>
+            <a:pPr>
+              <a:lnSpc>
+                <a:spcPct val="150000"/>
+              </a:lnSpc>
+              <a:buFont typeface="Wingdings" panose="05000000000000000000" pitchFamily="2" charset="2"/>
+              <a:buChar char="Ø"/>
+            </a:pPr>
+            <a:r>
+              <a:rPr lang="en-US" altLang="zh-CN" sz="3600" dirty="0">
+                <a:latin typeface="Times New Roman" panose="02020603050405020304" pitchFamily="18" charset="0"/>
+                <a:cs typeface="Times New Roman" panose="02020603050405020304" pitchFamily="18" charset="0"/>
+              </a:rPr>
+              <a:t>Introduction to RFLP</a:t>
+            </a:r>
+          </a:p>
+          <a:p>
+            <a:pPr>
+              <a:lnSpc>
+                <a:spcPct val="150000"/>
+              </a:lnSpc>
+              <a:buFont typeface="Wingdings" panose="05000000000000000000" pitchFamily="2" charset="2"/>
+              <a:buChar char="Ø"/>
+            </a:pPr>
+            <a:r>
+              <a:rPr lang="en-US" altLang="zh-CN" sz="3600" dirty="0">
+                <a:latin typeface="Times New Roman" panose="02020603050405020304" pitchFamily="18" charset="0"/>
+                <a:cs typeface="Times New Roman" panose="02020603050405020304" pitchFamily="18" charset="0"/>
+              </a:rPr>
+              <a:t>EA with Memorable Local Search (EAMLS)</a:t>
+            </a:r>
+          </a:p>
+          <a:p>
+            <a:pPr>
+              <a:lnSpc>
+                <a:spcPct val="150000"/>
+              </a:lnSpc>
+              <a:buFont typeface="Wingdings" panose="05000000000000000000" pitchFamily="2" charset="2"/>
+              <a:buChar char="Ø"/>
+            </a:pPr>
+            <a:r>
+              <a:rPr lang="en-US" altLang="zh-CN" sz="3600" dirty="0">
+                <a:latin typeface="Times New Roman" panose="02020603050405020304" pitchFamily="18" charset="0"/>
+                <a:cs typeface="Times New Roman" panose="02020603050405020304" pitchFamily="18" charset="0"/>
+              </a:rPr>
+              <a:t>Reproduction Result of EAMLS</a:t>
+            </a:r>
+          </a:p>
+          <a:p>
+            <a:pPr>
+              <a:lnSpc>
+                <a:spcPct val="150000"/>
+              </a:lnSpc>
+              <a:buFont typeface="Wingdings" panose="05000000000000000000" pitchFamily="2" charset="2"/>
+              <a:buChar char="Ø"/>
+            </a:pPr>
+            <a:r>
+              <a:rPr lang="en-US" altLang="zh-CN" sz="3600" dirty="0">
+                <a:latin typeface="Times New Roman" panose="02020603050405020304" pitchFamily="18" charset="0"/>
+                <a:cs typeface="Times New Roman" panose="02020603050405020304" pitchFamily="18" charset="0"/>
+              </a:rPr>
+              <a:t>Some Ideas</a:t>
+            </a:r>
+          </a:p>
+          <a:p>
+            <a:pPr>
+              <a:lnSpc>
+                <a:spcPct val="150000"/>
+              </a:lnSpc>
+              <a:buFont typeface="Wingdings" panose="05000000000000000000" pitchFamily="2" charset="2"/>
+              <a:buChar char="Ø"/>
+            </a:pPr>
+            <a:r>
+              <a:rPr lang="en-US" altLang="zh-CN" sz="3600" dirty="0">
+                <a:latin typeface="Times New Roman" panose="02020603050405020304" pitchFamily="18" charset="0"/>
+                <a:cs typeface="Times New Roman" panose="02020603050405020304" pitchFamily="18" charset="0"/>
+              </a:rPr>
+              <a:t>Conclusion</a:t>
+            </a:r>
+          </a:p>
+        </p:txBody>
+      </p:sp>
+    </p:spTree>
+    <p:extLst>
+      <p:ext uri="{BB962C8B-B14F-4D97-AF65-F5344CB8AC3E}">
+        <p14:creationId xmlns:p14="http://schemas.microsoft.com/office/powerpoint/2010/main" val="2392475351"/>
+      </p:ext>
+    </p:extLst>
+  </p:cSld>
+  <p:clrMapOvr>
+    <a:masterClrMapping/>
+  </p:clrMapOvr>
+</p:sld>
+</file>
+
+<file path=ppt/slides/slide20.xml><?xml version="1.0" encoding="utf-8"?>
 <p:sld xmlns:a="http://schemas.openxmlformats.org/drawingml/2006/main" xmlns:r="http://schemas.openxmlformats.org/officeDocument/2006/relationships" xmlns:p="http://schemas.openxmlformats.org/presentationml/2006/main">
   <p:cSld>
     <p:spTree>
@@ -15681,8 +14552,8 @@
           </a:p>
         </p:txBody>
       </p:sp>
-      <mc:AlternateContent xmlns:mc="http://schemas.openxmlformats.org/markup-compatibility/2006" xmlns:a14="http://schemas.microsoft.com/office/drawing/2010/main">
-        <mc:Choice Requires="a14">
+      <mc:AlternateContent xmlns:mc="http://schemas.openxmlformats.org/markup-compatibility/2006">
+        <mc:Choice xmlns:a14="http://schemas.microsoft.com/office/drawing/2010/main" Requires="a14">
           <p:sp>
             <p:nvSpPr>
               <p:cNvPr id="3" name="内容占位符 2">
@@ -15873,7 +14744,21 @@
                     <a:latin typeface="Times New Roman" panose="02020603050405020304" pitchFamily="18" charset="0"/>
                     <a:cs typeface="Times New Roman" panose="02020603050405020304" pitchFamily="18" charset="0"/>
                   </a:rPr>
-                  <a:t>The neighborhood added by me may have been cover in other operators.</a:t>
+                  <a:t>The neighborhood added by me may have been covered</a:t>
+                </a:r>
+                <a:r>
+                  <a:rPr lang="zh-CN" altLang="en-US" dirty="0">
+                    <a:latin typeface="Times New Roman" panose="02020603050405020304" pitchFamily="18" charset="0"/>
+                    <a:cs typeface="Times New Roman" panose="02020603050405020304" pitchFamily="18" charset="0"/>
+                  </a:rPr>
+                  <a:t> </a:t>
+                </a:r>
+                <a:r>
+                  <a:rPr lang="en-US" altLang="zh-CN" dirty="0">
+                    <a:latin typeface="Times New Roman" panose="02020603050405020304" pitchFamily="18" charset="0"/>
+                    <a:cs typeface="Times New Roman" panose="02020603050405020304" pitchFamily="18" charset="0"/>
+                  </a:rPr>
+                  <a:t>by other operators.</a:t>
                 </a:r>
               </a:p>
               <a:p>
@@ -15892,7 +14777,7 @@
             </p:txBody>
           </p:sp>
         </mc:Choice>
-        <mc:Fallback xmlns="">
+        <mc:Fallback>
           <p:sp>
             <p:nvSpPr>
               <p:cNvPr id="3" name="内容占位符 2">
@@ -15936,673 +14821,10 @@
           </p:sp>
         </mc:Fallback>
       </mc:AlternateContent>
-      <p:graphicFrame>
-        <p:nvGraphicFramePr>
-          <p:cNvPr id="4" name="表格 4">
-            <a:extLst>
-              <a:ext uri="{FF2B5EF4-FFF2-40B4-BE49-F238E27FC236}">
-                <a16:creationId xmlns:a16="http://schemas.microsoft.com/office/drawing/2014/main" id="{9A9E434C-F4CD-4977-9906-8407A6DF90C7}"/>
-              </a:ext>
-            </a:extLst>
-          </p:cNvPr>
-          <p:cNvGraphicFramePr>
-            <a:graphicFrameLocks noGrp="1"/>
-          </p:cNvGraphicFramePr>
-          <p:nvPr>
-            <p:extLst>
-              <p:ext uri="{D42A27DB-BD31-4B8C-83A1-F6EECF244321}">
-                <p14:modId xmlns:p14="http://schemas.microsoft.com/office/powerpoint/2010/main" val="3941697874"/>
-              </p:ext>
-            </p:extLst>
-          </p:nvPr>
-        </p:nvGraphicFramePr>
-        <p:xfrm>
-          <a:off x="9365861" y="0"/>
-          <a:ext cx="2707951" cy="3651795"/>
-        </p:xfrm>
-        <a:graphic>
-          <a:graphicData uri="http://schemas.openxmlformats.org/drawingml/2006/table">
-            <a:tbl>
-              <a:tblPr firstRow="1" bandRow="1">
-                <a:tableStyleId>{5C22544A-7EE6-4342-B048-85BDC9FD1C3A}</a:tableStyleId>
-              </a:tblPr>
-              <a:tblGrid>
-                <a:gridCol w="1562843">
-                  <a:extLst>
-                    <a:ext uri="{9D8B030D-6E8A-4147-A177-3AD203B41FA5}">
-                      <a16:colId xmlns:a16="http://schemas.microsoft.com/office/drawing/2014/main" val="1291157183"/>
-                    </a:ext>
-                  </a:extLst>
-                </a:gridCol>
-                <a:gridCol w="1145108">
-                  <a:extLst>
-                    <a:ext uri="{9D8B030D-6E8A-4147-A177-3AD203B41FA5}">
-                      <a16:colId xmlns:a16="http://schemas.microsoft.com/office/drawing/2014/main" val="4237142221"/>
-                    </a:ext>
-                  </a:extLst>
-                </a:gridCol>
-              </a:tblGrid>
-              <a:tr h="655451">
-                <a:tc>
-                  <a:txBody>
-                    <a:bodyPr/>
-                    <a:lstStyle/>
-                    <a:p>
-                      <a:r>
-                        <a:rPr lang="en-US" altLang="zh-CN" sz="1800" dirty="0">
-                          <a:latin typeface="Times New Roman" panose="02020603050405020304" pitchFamily="18" charset="0"/>
-                          <a:cs typeface="Times New Roman" panose="02020603050405020304" pitchFamily="18" charset="0"/>
-                        </a:rPr>
-                        <a:t>Instance No. </a:t>
-                      </a:r>
-                      <a:endParaRPr lang="zh-CN" altLang="en-US" sz="1800" dirty="0">
-                        <a:latin typeface="Times New Roman" panose="02020603050405020304" pitchFamily="18" charset="0"/>
-                        <a:cs typeface="Times New Roman" panose="02020603050405020304" pitchFamily="18" charset="0"/>
-                      </a:endParaRPr>
-                    </a:p>
-                  </a:txBody>
-                  <a:tcPr anchor="ctr" anchorCtr="1"/>
-                </a:tc>
-                <a:tc>
-                  <a:txBody>
-                    <a:bodyPr/>
-                    <a:lstStyle/>
-                    <a:p>
-                      <a:r>
-                        <a:rPr lang="en-US" altLang="zh-CN" dirty="0">
-                          <a:latin typeface="Times New Roman" panose="02020603050405020304" pitchFamily="18" charset="0"/>
-                          <a:cs typeface="Times New Roman" panose="02020603050405020304" pitchFamily="18" charset="0"/>
-                        </a:rPr>
-                        <a:t>    Avg </a:t>
-                      </a:r>
-                    </a:p>
-                    <a:p>
-                      <a:r>
-                        <a:rPr lang="en-US" altLang="zh-CN" dirty="0">
-                          <a:latin typeface="Times New Roman" panose="02020603050405020304" pitchFamily="18" charset="0"/>
-                          <a:cs typeface="Times New Roman" panose="02020603050405020304" pitchFamily="18" charset="0"/>
-                        </a:rPr>
-                        <a:t># Repair</a:t>
-                      </a:r>
-                      <a:endParaRPr lang="zh-CN" altLang="en-US" dirty="0">
-                        <a:latin typeface="Times New Roman" panose="02020603050405020304" pitchFamily="18" charset="0"/>
-                        <a:cs typeface="Times New Roman" panose="02020603050405020304" pitchFamily="18" charset="0"/>
-                      </a:endParaRPr>
-                    </a:p>
-                  </a:txBody>
-                  <a:tcPr/>
-                </a:tc>
-                <a:extLst>
-                  <a:ext uri="{0D108BD9-81ED-4DB2-BD59-A6C34878D82A}">
-                    <a16:rowId xmlns:a16="http://schemas.microsoft.com/office/drawing/2014/main" val="4121929225"/>
-                  </a:ext>
-                </a:extLst>
-              </a:tr>
-              <a:tr h="374543">
-                <a:tc>
-                  <a:txBody>
-                    <a:bodyPr/>
-                    <a:lstStyle/>
-                    <a:p>
-                      <a:r>
-                        <a:rPr lang="en-US" altLang="zh-CN" sz="1800" dirty="0">
-                          <a:latin typeface="Times New Roman" panose="02020603050405020304" pitchFamily="18" charset="0"/>
-                          <a:cs typeface="Times New Roman" panose="02020603050405020304" pitchFamily="18" charset="0"/>
-                        </a:rPr>
-                        <a:t>0</a:t>
-                      </a:r>
-                      <a:endParaRPr lang="zh-CN" altLang="en-US" sz="1800" dirty="0">
-                        <a:latin typeface="Times New Roman" panose="02020603050405020304" pitchFamily="18" charset="0"/>
-                        <a:cs typeface="Times New Roman" panose="02020603050405020304" pitchFamily="18" charset="0"/>
-                      </a:endParaRPr>
-                    </a:p>
-                  </a:txBody>
-                  <a:tcPr anchor="ctr" anchorCtr="1"/>
-                </a:tc>
-                <a:tc>
-                  <a:txBody>
-                    <a:bodyPr/>
-                    <a:lstStyle/>
-                    <a:p>
-                      <a:r>
-                        <a:rPr lang="en-US" altLang="zh-CN" dirty="0">
-                          <a:latin typeface="Times New Roman" panose="02020603050405020304" pitchFamily="18" charset="0"/>
-                          <a:cs typeface="Times New Roman" panose="02020603050405020304" pitchFamily="18" charset="0"/>
-                        </a:rPr>
-                        <a:t>0</a:t>
-                      </a:r>
-                      <a:endParaRPr lang="zh-CN" altLang="en-US" dirty="0">
-                        <a:latin typeface="Times New Roman" panose="02020603050405020304" pitchFamily="18" charset="0"/>
-                        <a:cs typeface="Times New Roman" panose="02020603050405020304" pitchFamily="18" charset="0"/>
-                      </a:endParaRPr>
-                    </a:p>
-                  </a:txBody>
-                  <a:tcPr anchor="ctr" anchorCtr="1"/>
-                </a:tc>
-                <a:extLst>
-                  <a:ext uri="{0D108BD9-81ED-4DB2-BD59-A6C34878D82A}">
-                    <a16:rowId xmlns:a16="http://schemas.microsoft.com/office/drawing/2014/main" val="1905961767"/>
-                  </a:ext>
-                </a:extLst>
-              </a:tr>
-              <a:tr h="374543">
-                <a:tc>
-                  <a:txBody>
-                    <a:bodyPr/>
-                    <a:lstStyle/>
-                    <a:p>
-                      <a:r>
-                        <a:rPr lang="en-US" altLang="zh-CN" sz="1800" dirty="0">
-                          <a:latin typeface="Times New Roman" panose="02020603050405020304" pitchFamily="18" charset="0"/>
-                          <a:cs typeface="Times New Roman" panose="02020603050405020304" pitchFamily="18" charset="0"/>
-                        </a:rPr>
-                        <a:t>1</a:t>
-                      </a:r>
-                      <a:endParaRPr lang="zh-CN" altLang="en-US" sz="1800" dirty="0">
-                        <a:latin typeface="Times New Roman" panose="02020603050405020304" pitchFamily="18" charset="0"/>
-                        <a:cs typeface="Times New Roman" panose="02020603050405020304" pitchFamily="18" charset="0"/>
-                      </a:endParaRPr>
-                    </a:p>
-                  </a:txBody>
-                  <a:tcPr anchor="ctr" anchorCtr="1"/>
-                </a:tc>
-                <a:tc>
-                  <a:txBody>
-                    <a:bodyPr/>
-                    <a:lstStyle/>
-                    <a:p>
-                      <a:r>
-                        <a:rPr lang="en-US" altLang="zh-CN" dirty="0">
-                          <a:latin typeface="Times New Roman" panose="02020603050405020304" pitchFamily="18" charset="0"/>
-                          <a:cs typeface="Times New Roman" panose="02020603050405020304" pitchFamily="18" charset="0"/>
-                        </a:rPr>
-                        <a:t>0</a:t>
-                      </a:r>
-                      <a:endParaRPr lang="zh-CN" altLang="en-US" dirty="0">
-                        <a:latin typeface="Times New Roman" panose="02020603050405020304" pitchFamily="18" charset="0"/>
-                        <a:cs typeface="Times New Roman" panose="02020603050405020304" pitchFamily="18" charset="0"/>
-                      </a:endParaRPr>
-                    </a:p>
-                  </a:txBody>
-                  <a:tcPr anchor="ctr" anchorCtr="1"/>
-                </a:tc>
-                <a:extLst>
-                  <a:ext uri="{0D108BD9-81ED-4DB2-BD59-A6C34878D82A}">
-                    <a16:rowId xmlns:a16="http://schemas.microsoft.com/office/drawing/2014/main" val="1300603060"/>
-                  </a:ext>
-                </a:extLst>
-              </a:tr>
-              <a:tr h="374543">
-                <a:tc>
-                  <a:txBody>
-                    <a:bodyPr/>
-                    <a:lstStyle/>
-                    <a:p>
-                      <a:r>
-                        <a:rPr lang="en-US" altLang="zh-CN" sz="1800" dirty="0">
-                          <a:latin typeface="Times New Roman" panose="02020603050405020304" pitchFamily="18" charset="0"/>
-                          <a:cs typeface="Times New Roman" panose="02020603050405020304" pitchFamily="18" charset="0"/>
-                        </a:rPr>
-                        <a:t>2</a:t>
-                      </a:r>
-                      <a:endParaRPr lang="zh-CN" altLang="en-US" sz="1800" dirty="0">
-                        <a:latin typeface="Times New Roman" panose="02020603050405020304" pitchFamily="18" charset="0"/>
-                        <a:cs typeface="Times New Roman" panose="02020603050405020304" pitchFamily="18" charset="0"/>
-                      </a:endParaRPr>
-                    </a:p>
-                  </a:txBody>
-                  <a:tcPr anchor="ctr" anchorCtr="1"/>
-                </a:tc>
-                <a:tc>
-                  <a:txBody>
-                    <a:bodyPr/>
-                    <a:lstStyle/>
-                    <a:p>
-                      <a:r>
-                        <a:rPr lang="en-US" altLang="zh-CN" dirty="0">
-                          <a:latin typeface="Times New Roman" panose="02020603050405020304" pitchFamily="18" charset="0"/>
-                          <a:cs typeface="Times New Roman" panose="02020603050405020304" pitchFamily="18" charset="0"/>
-                        </a:rPr>
-                        <a:t>0</a:t>
-                      </a:r>
-                      <a:endParaRPr lang="zh-CN" altLang="en-US" dirty="0">
-                        <a:latin typeface="Times New Roman" panose="02020603050405020304" pitchFamily="18" charset="0"/>
-                        <a:cs typeface="Times New Roman" panose="02020603050405020304" pitchFamily="18" charset="0"/>
-                      </a:endParaRPr>
-                    </a:p>
-                  </a:txBody>
-                  <a:tcPr anchor="ctr" anchorCtr="1"/>
-                </a:tc>
-                <a:extLst>
-                  <a:ext uri="{0D108BD9-81ED-4DB2-BD59-A6C34878D82A}">
-                    <a16:rowId xmlns:a16="http://schemas.microsoft.com/office/drawing/2014/main" val="1605280274"/>
-                  </a:ext>
-                </a:extLst>
-              </a:tr>
-              <a:tr h="374543">
-                <a:tc>
-                  <a:txBody>
-                    <a:bodyPr/>
-                    <a:lstStyle/>
-                    <a:p>
-                      <a:r>
-                        <a:rPr lang="en-US" altLang="zh-CN" sz="1800" dirty="0">
-                          <a:latin typeface="Times New Roman" panose="02020603050405020304" pitchFamily="18" charset="0"/>
-                          <a:cs typeface="Times New Roman" panose="02020603050405020304" pitchFamily="18" charset="0"/>
-                        </a:rPr>
-                        <a:t>3</a:t>
-                      </a:r>
-                      <a:endParaRPr lang="zh-CN" altLang="en-US" sz="1800" dirty="0">
-                        <a:latin typeface="Times New Roman" panose="02020603050405020304" pitchFamily="18" charset="0"/>
-                        <a:cs typeface="Times New Roman" panose="02020603050405020304" pitchFamily="18" charset="0"/>
-                      </a:endParaRPr>
-                    </a:p>
-                  </a:txBody>
-                  <a:tcPr anchor="ctr" anchorCtr="1"/>
-                </a:tc>
-                <a:tc>
-                  <a:txBody>
-                    <a:bodyPr/>
-                    <a:lstStyle/>
-                    <a:p>
-                      <a:r>
-                        <a:rPr lang="en-US" altLang="zh-CN" dirty="0">
-                          <a:latin typeface="Times New Roman" panose="02020603050405020304" pitchFamily="18" charset="0"/>
-                          <a:cs typeface="Times New Roman" panose="02020603050405020304" pitchFamily="18" charset="0"/>
-                        </a:rPr>
-                        <a:t>0</a:t>
-                      </a:r>
-                      <a:endParaRPr lang="zh-CN" altLang="en-US" dirty="0">
-                        <a:latin typeface="Times New Roman" panose="02020603050405020304" pitchFamily="18" charset="0"/>
-                        <a:cs typeface="Times New Roman" panose="02020603050405020304" pitchFamily="18" charset="0"/>
-                      </a:endParaRPr>
-                    </a:p>
-                  </a:txBody>
-                  <a:tcPr anchor="ctr" anchorCtr="1"/>
-                </a:tc>
-                <a:extLst>
-                  <a:ext uri="{0D108BD9-81ED-4DB2-BD59-A6C34878D82A}">
-                    <a16:rowId xmlns:a16="http://schemas.microsoft.com/office/drawing/2014/main" val="4043451061"/>
-                  </a:ext>
-                </a:extLst>
-              </a:tr>
-              <a:tr h="374543">
-                <a:tc>
-                  <a:txBody>
-                    <a:bodyPr/>
-                    <a:lstStyle/>
-                    <a:p>
-                      <a:r>
-                        <a:rPr lang="en-US" altLang="zh-CN" sz="1800" dirty="0">
-                          <a:latin typeface="Times New Roman" panose="02020603050405020304" pitchFamily="18" charset="0"/>
-                          <a:cs typeface="Times New Roman" panose="02020603050405020304" pitchFamily="18" charset="0"/>
-                        </a:rPr>
-                        <a:t>4</a:t>
-                      </a:r>
-                      <a:endParaRPr lang="zh-CN" altLang="en-US" sz="1800" dirty="0">
-                        <a:latin typeface="Times New Roman" panose="02020603050405020304" pitchFamily="18" charset="0"/>
-                        <a:cs typeface="Times New Roman" panose="02020603050405020304" pitchFamily="18" charset="0"/>
-                      </a:endParaRPr>
-                    </a:p>
-                  </a:txBody>
-                  <a:tcPr anchor="ctr" anchorCtr="1"/>
-                </a:tc>
-                <a:tc>
-                  <a:txBody>
-                    <a:bodyPr/>
-                    <a:lstStyle/>
-                    <a:p>
-                      <a:r>
-                        <a:rPr lang="en-US" altLang="zh-CN" dirty="0">
-                          <a:latin typeface="Times New Roman" panose="02020603050405020304" pitchFamily="18" charset="0"/>
-                          <a:cs typeface="Times New Roman" panose="02020603050405020304" pitchFamily="18" charset="0"/>
-                        </a:rPr>
-                        <a:t>0</a:t>
-                      </a:r>
-                      <a:endParaRPr lang="zh-CN" altLang="en-US" dirty="0">
-                        <a:latin typeface="Times New Roman" panose="02020603050405020304" pitchFamily="18" charset="0"/>
-                        <a:cs typeface="Times New Roman" panose="02020603050405020304" pitchFamily="18" charset="0"/>
-                      </a:endParaRPr>
-                    </a:p>
-                  </a:txBody>
-                  <a:tcPr anchor="ctr" anchorCtr="1"/>
-                </a:tc>
-                <a:extLst>
-                  <a:ext uri="{0D108BD9-81ED-4DB2-BD59-A6C34878D82A}">
-                    <a16:rowId xmlns:a16="http://schemas.microsoft.com/office/drawing/2014/main" val="1208939035"/>
-                  </a:ext>
-                </a:extLst>
-              </a:tr>
-              <a:tr h="374543">
-                <a:tc>
-                  <a:txBody>
-                    <a:bodyPr/>
-                    <a:lstStyle/>
-                    <a:p>
-                      <a:r>
-                        <a:rPr lang="en-US" altLang="zh-CN" sz="1800" dirty="0">
-                          <a:latin typeface="Times New Roman" panose="02020603050405020304" pitchFamily="18" charset="0"/>
-                          <a:cs typeface="Times New Roman" panose="02020603050405020304" pitchFamily="18" charset="0"/>
-                        </a:rPr>
-                        <a:t>5</a:t>
-                      </a:r>
-                      <a:endParaRPr lang="zh-CN" altLang="en-US" sz="1800" dirty="0">
-                        <a:latin typeface="Times New Roman" panose="02020603050405020304" pitchFamily="18" charset="0"/>
-                        <a:cs typeface="Times New Roman" panose="02020603050405020304" pitchFamily="18" charset="0"/>
-                      </a:endParaRPr>
-                    </a:p>
-                  </a:txBody>
-                  <a:tcPr anchor="ctr" anchorCtr="1"/>
-                </a:tc>
-                <a:tc>
-                  <a:txBody>
-                    <a:bodyPr/>
-                    <a:lstStyle/>
-                    <a:p>
-                      <a:r>
-                        <a:rPr lang="en-US" altLang="zh-CN" dirty="0">
-                          <a:latin typeface="Times New Roman" panose="02020603050405020304" pitchFamily="18" charset="0"/>
-                          <a:cs typeface="Times New Roman" panose="02020603050405020304" pitchFamily="18" charset="0"/>
-                        </a:rPr>
-                        <a:t>0</a:t>
-                      </a:r>
-                      <a:endParaRPr lang="zh-CN" altLang="en-US" dirty="0">
-                        <a:latin typeface="Times New Roman" panose="02020603050405020304" pitchFamily="18" charset="0"/>
-                        <a:cs typeface="Times New Roman" panose="02020603050405020304" pitchFamily="18" charset="0"/>
-                      </a:endParaRPr>
-                    </a:p>
-                  </a:txBody>
-                  <a:tcPr anchor="ctr" anchorCtr="1"/>
-                </a:tc>
-                <a:extLst>
-                  <a:ext uri="{0D108BD9-81ED-4DB2-BD59-A6C34878D82A}">
-                    <a16:rowId xmlns:a16="http://schemas.microsoft.com/office/drawing/2014/main" val="2845907083"/>
-                  </a:ext>
-                </a:extLst>
-              </a:tr>
-              <a:tr h="374543">
-                <a:tc>
-                  <a:txBody>
-                    <a:bodyPr/>
-                    <a:lstStyle/>
-                    <a:p>
-                      <a:r>
-                        <a:rPr lang="en-US" altLang="zh-CN" sz="1800" dirty="0">
-                          <a:latin typeface="Times New Roman" panose="02020603050405020304" pitchFamily="18" charset="0"/>
-                          <a:cs typeface="Times New Roman" panose="02020603050405020304" pitchFamily="18" charset="0"/>
-                        </a:rPr>
-                        <a:t>6</a:t>
-                      </a:r>
-                      <a:endParaRPr lang="zh-CN" altLang="en-US" sz="1800" dirty="0">
-                        <a:latin typeface="Times New Roman" panose="02020603050405020304" pitchFamily="18" charset="0"/>
-                        <a:cs typeface="Times New Roman" panose="02020603050405020304" pitchFamily="18" charset="0"/>
-                      </a:endParaRPr>
-                    </a:p>
-                  </a:txBody>
-                  <a:tcPr anchor="ctr" anchorCtr="1"/>
-                </a:tc>
-                <a:tc>
-                  <a:txBody>
-                    <a:bodyPr/>
-                    <a:lstStyle/>
-                    <a:p>
-                      <a:r>
-                        <a:rPr lang="en-US" altLang="zh-CN" dirty="0">
-                          <a:latin typeface="Times New Roman" panose="02020603050405020304" pitchFamily="18" charset="0"/>
-                          <a:cs typeface="Times New Roman" panose="02020603050405020304" pitchFamily="18" charset="0"/>
-                        </a:rPr>
-                        <a:t>0</a:t>
-                      </a:r>
-                      <a:endParaRPr lang="zh-CN" altLang="en-US" dirty="0">
-                        <a:latin typeface="Times New Roman" panose="02020603050405020304" pitchFamily="18" charset="0"/>
-                        <a:cs typeface="Times New Roman" panose="02020603050405020304" pitchFamily="18" charset="0"/>
-                      </a:endParaRPr>
-                    </a:p>
-                  </a:txBody>
-                  <a:tcPr anchor="ctr" anchorCtr="1"/>
-                </a:tc>
-                <a:extLst>
-                  <a:ext uri="{0D108BD9-81ED-4DB2-BD59-A6C34878D82A}">
-                    <a16:rowId xmlns:a16="http://schemas.microsoft.com/office/drawing/2014/main" val="3253787355"/>
-                  </a:ext>
-                </a:extLst>
-              </a:tr>
-              <a:tr h="374543">
-                <a:tc>
-                  <a:txBody>
-                    <a:bodyPr/>
-                    <a:lstStyle/>
-                    <a:p>
-                      <a:r>
-                        <a:rPr lang="en-US" altLang="zh-CN" sz="1800" dirty="0">
-                          <a:latin typeface="Times New Roman" panose="02020603050405020304" pitchFamily="18" charset="0"/>
-                          <a:cs typeface="Times New Roman" panose="02020603050405020304" pitchFamily="18" charset="0"/>
-                        </a:rPr>
-                        <a:t>7</a:t>
-                      </a:r>
-                      <a:endParaRPr lang="zh-CN" altLang="en-US" sz="1800" dirty="0">
-                        <a:latin typeface="Times New Roman" panose="02020603050405020304" pitchFamily="18" charset="0"/>
-                        <a:cs typeface="Times New Roman" panose="02020603050405020304" pitchFamily="18" charset="0"/>
-                      </a:endParaRPr>
-                    </a:p>
-                  </a:txBody>
-                  <a:tcPr anchor="ctr" anchorCtr="1"/>
-                </a:tc>
-                <a:tc>
-                  <a:txBody>
-                    <a:bodyPr/>
-                    <a:lstStyle/>
-                    <a:p>
-                      <a:r>
-                        <a:rPr lang="en-US" altLang="zh-CN" dirty="0">
-                          <a:latin typeface="Times New Roman" panose="02020603050405020304" pitchFamily="18" charset="0"/>
-                          <a:cs typeface="Times New Roman" panose="02020603050405020304" pitchFamily="18" charset="0"/>
-                        </a:rPr>
-                        <a:t>0</a:t>
-                      </a:r>
-                      <a:endParaRPr lang="zh-CN" altLang="en-US" dirty="0">
-                        <a:latin typeface="Times New Roman" panose="02020603050405020304" pitchFamily="18" charset="0"/>
-                        <a:cs typeface="Times New Roman" panose="02020603050405020304" pitchFamily="18" charset="0"/>
-                      </a:endParaRPr>
-                    </a:p>
-                  </a:txBody>
-                  <a:tcPr anchor="ctr" anchorCtr="1"/>
-                </a:tc>
-                <a:extLst>
-                  <a:ext uri="{0D108BD9-81ED-4DB2-BD59-A6C34878D82A}">
-                    <a16:rowId xmlns:a16="http://schemas.microsoft.com/office/drawing/2014/main" val="2177797321"/>
-                  </a:ext>
-                </a:extLst>
-              </a:tr>
-            </a:tbl>
-          </a:graphicData>
-        </a:graphic>
-      </p:graphicFrame>
     </p:spTree>
     <p:extLst>
       <p:ext uri="{BB962C8B-B14F-4D97-AF65-F5344CB8AC3E}">
         <p14:creationId xmlns:p14="http://schemas.microsoft.com/office/powerpoint/2010/main" val="768672829"/>
-      </p:ext>
-    </p:extLst>
-  </p:cSld>
-  <p:clrMapOvr>
-    <a:masterClrMapping/>
-  </p:clrMapOvr>
-</p:sld>
-</file>
-
-<file path=ppt/slides/slide2.xml><?xml version="1.0" encoding="utf-8"?>
-<p:sld xmlns:a="http://schemas.openxmlformats.org/drawingml/2006/main" xmlns:r="http://schemas.openxmlformats.org/officeDocument/2006/relationships" xmlns:p="http://schemas.openxmlformats.org/presentationml/2006/main">
-  <p:cSld>
-    <p:spTree>
-      <p:nvGrpSpPr>
-        <p:cNvPr id="1" name=""/>
-        <p:cNvGrpSpPr/>
-        <p:nvPr/>
-      </p:nvGrpSpPr>
-      <p:grpSpPr>
-        <a:xfrm>
-          <a:off x="0" y="0"/>
-          <a:ext cx="0" cy="0"/>
-          <a:chOff x="0" y="0"/>
-          <a:chExt cx="0" cy="0"/>
-        </a:xfrm>
-      </p:grpSpPr>
-      <p:sp>
-        <p:nvSpPr>
-          <p:cNvPr id="2" name="标题 1">
-            <a:extLst>
-              <a:ext uri="{FF2B5EF4-FFF2-40B4-BE49-F238E27FC236}">
-                <a16:creationId xmlns:a16="http://schemas.microsoft.com/office/drawing/2014/main" id="{06D4DE04-B486-418E-8B4C-CBECBA2A6963}"/>
-              </a:ext>
-            </a:extLst>
-          </p:cNvPr>
-          <p:cNvSpPr>
-            <a:spLocks noGrp="1"/>
-          </p:cNvSpPr>
-          <p:nvPr>
-            <p:ph type="title"/>
-          </p:nvPr>
-        </p:nvSpPr>
-        <p:spPr>
-          <a:xfrm>
-            <a:off x="267749" y="180567"/>
-            <a:ext cx="2643232" cy="918391"/>
-          </a:xfrm>
-        </p:spPr>
-        <p:txBody>
-          <a:bodyPr>
-            <a:noAutofit/>
-          </a:bodyPr>
-          <a:lstStyle/>
-          <a:p>
-            <a:r>
-              <a:rPr lang="en-US" altLang="zh-CN" sz="5400" dirty="0">
-                <a:latin typeface="Times New Roman" panose="02020603050405020304" pitchFamily="18" charset="0"/>
-                <a:cs typeface="Times New Roman" panose="02020603050405020304" pitchFamily="18" charset="0"/>
-              </a:rPr>
-              <a:t>Outline:</a:t>
-            </a:r>
-            <a:endParaRPr lang="zh-CN" altLang="en-US" sz="5400" dirty="0">
-              <a:latin typeface="Times New Roman" panose="02020603050405020304" pitchFamily="18" charset="0"/>
-              <a:cs typeface="Times New Roman" panose="02020603050405020304" pitchFamily="18" charset="0"/>
-            </a:endParaRPr>
-          </a:p>
-        </p:txBody>
-      </p:sp>
-      <p:sp>
-        <p:nvSpPr>
-          <p:cNvPr id="3" name="内容占位符 2">
-            <a:extLst>
-              <a:ext uri="{FF2B5EF4-FFF2-40B4-BE49-F238E27FC236}">
-                <a16:creationId xmlns:a16="http://schemas.microsoft.com/office/drawing/2014/main" id="{90FA344C-A1F8-4C46-80FD-8291B584EAB4}"/>
-              </a:ext>
-            </a:extLst>
-          </p:cNvPr>
-          <p:cNvSpPr>
-            <a:spLocks noGrp="1"/>
-          </p:cNvSpPr>
-          <p:nvPr>
-            <p:ph idx="1"/>
-          </p:nvPr>
-        </p:nvSpPr>
-        <p:spPr>
-          <a:xfrm>
-            <a:off x="267749" y="1186219"/>
-            <a:ext cx="9698372" cy="4996468"/>
-          </a:xfrm>
-        </p:spPr>
-        <p:txBody>
-          <a:bodyPr>
-            <a:normAutofit/>
-          </a:bodyPr>
-          <a:lstStyle/>
-          <a:p>
-            <a:pPr>
-              <a:lnSpc>
-                <a:spcPct val="150000"/>
-              </a:lnSpc>
-              <a:buFont typeface="Wingdings" panose="05000000000000000000" pitchFamily="2" charset="2"/>
-              <a:buChar char="Ø"/>
-            </a:pPr>
-            <a:r>
-              <a:rPr lang="en-US" altLang="zh-CN" sz="3600" dirty="0">
-                <a:latin typeface="Times New Roman" panose="02020603050405020304" pitchFamily="18" charset="0"/>
-                <a:cs typeface="Times New Roman" panose="02020603050405020304" pitchFamily="18" charset="0"/>
-              </a:rPr>
-              <a:t>Introduction to RFLP</a:t>
-            </a:r>
-          </a:p>
-          <a:p>
-            <a:pPr>
-              <a:lnSpc>
-                <a:spcPct val="150000"/>
-              </a:lnSpc>
-              <a:buFont typeface="Wingdings" panose="05000000000000000000" pitchFamily="2" charset="2"/>
-              <a:buChar char="Ø"/>
-            </a:pPr>
-            <a:r>
-              <a:rPr lang="en-US" altLang="zh-CN" sz="3600" dirty="0">
-                <a:latin typeface="Times New Roman" panose="02020603050405020304" pitchFamily="18" charset="0"/>
-                <a:cs typeface="Times New Roman" panose="02020603050405020304" pitchFamily="18" charset="0"/>
-              </a:rPr>
-              <a:t>EA with Memorable Local Search (EAMLS)</a:t>
-            </a:r>
-          </a:p>
-          <a:p>
-            <a:pPr>
-              <a:lnSpc>
-                <a:spcPct val="150000"/>
-              </a:lnSpc>
-              <a:buFont typeface="Wingdings" panose="05000000000000000000" pitchFamily="2" charset="2"/>
-              <a:buChar char="Ø"/>
-            </a:pPr>
-            <a:r>
-              <a:rPr lang="en-US" altLang="zh-CN" sz="3600" dirty="0">
-                <a:latin typeface="Times New Roman" panose="02020603050405020304" pitchFamily="18" charset="0"/>
-                <a:cs typeface="Times New Roman" panose="02020603050405020304" pitchFamily="18" charset="0"/>
-              </a:rPr>
-              <a:t>Reproduction Result of EAMLS</a:t>
-            </a:r>
-          </a:p>
-          <a:p>
-            <a:pPr>
-              <a:lnSpc>
-                <a:spcPct val="150000"/>
-              </a:lnSpc>
-              <a:buFont typeface="Wingdings" panose="05000000000000000000" pitchFamily="2" charset="2"/>
-              <a:buChar char="Ø"/>
-            </a:pPr>
-            <a:r>
-              <a:rPr lang="en-US" altLang="zh-CN" sz="3600" dirty="0">
-                <a:latin typeface="Times New Roman" panose="02020603050405020304" pitchFamily="18" charset="0"/>
-                <a:cs typeface="Times New Roman" panose="02020603050405020304" pitchFamily="18" charset="0"/>
-              </a:rPr>
-              <a:t>Some Ideas</a:t>
-            </a:r>
-          </a:p>
-          <a:p>
-            <a:pPr>
-              <a:lnSpc>
-                <a:spcPct val="150000"/>
-              </a:lnSpc>
-              <a:buFont typeface="Wingdings" panose="05000000000000000000" pitchFamily="2" charset="2"/>
-              <a:buChar char="Ø"/>
-            </a:pPr>
-            <a:r>
-              <a:rPr lang="en-US" altLang="zh-CN" sz="3600" dirty="0">
-                <a:latin typeface="Times New Roman" panose="02020603050405020304" pitchFamily="18" charset="0"/>
-                <a:cs typeface="Times New Roman" panose="02020603050405020304" pitchFamily="18" charset="0"/>
-              </a:rPr>
-              <a:t>Conclusion</a:t>
-            </a:r>
-          </a:p>
-        </p:txBody>
-      </p:sp>
-    </p:spTree>
-    <p:extLst>
-      <p:ext uri="{BB962C8B-B14F-4D97-AF65-F5344CB8AC3E}">
-        <p14:creationId xmlns:p14="http://schemas.microsoft.com/office/powerpoint/2010/main" val="2392475351"/>
       </p:ext>
     </p:extLst>
   </p:cSld>
@@ -24795,8 +23017,8 @@
           </a:p>
         </p:txBody>
       </p:sp>
-      <mc:AlternateContent xmlns:mc="http://schemas.openxmlformats.org/markup-compatibility/2006">
-        <mc:Choice xmlns:a14="http://schemas.microsoft.com/office/drawing/2010/main" Requires="a14">
+      <mc:AlternateContent xmlns:mc="http://schemas.openxmlformats.org/markup-compatibility/2006" xmlns:a14="http://schemas.microsoft.com/office/drawing/2010/main">
+        <mc:Choice Requires="a14">
           <p:graphicFrame>
             <p:nvGraphicFramePr>
               <p:cNvPr id="10" name="表格 10">
@@ -27020,7 +25242,7 @@
             </a:graphic>
           </p:graphicFrame>
         </mc:Choice>
-        <mc:Fallback>
+        <mc:Fallback xmlns="">
           <p:graphicFrame>
             <p:nvGraphicFramePr>
               <p:cNvPr id="10" name="表格 10">
